--- a/Presentación módulo 3.pptx
+++ b/Presentación módulo 3.pptx
@@ -2,7 +2,7 @@
 <file path=ppt/presentation.xml><?xml version="1.0" encoding="utf-8"?>
 <p:presentation xmlns:a="http://schemas.openxmlformats.org/drawingml/2006/main" xmlns:r="http://schemas.openxmlformats.org/officeDocument/2006/relationships" xmlns:p="http://schemas.openxmlformats.org/presentationml/2006/main" saveSubsetFonts="1" autoCompressPictures="0">
   <p:sldMasterIdLst>
-    <p:sldMasterId id="2147483679" r:id="rId1"/>
+    <p:sldMasterId id="2147483680" r:id="rId1"/>
   </p:sldMasterIdLst>
   <p:sldIdLst>
     <p:sldId id="256" r:id="rId2"/>
@@ -12,9 +12,9 @@
   <p:notesSz cx="6858000" cy="9144000"/>
   <p:defaultTextStyle>
     <a:defPPr>
-      <a:defRPr lang="es-MX"/>
+      <a:defRPr lang="en-US"/>
     </a:defPPr>
-    <a:lvl1pPr marL="0" algn="l" defTabSz="914400" rtl="0" eaLnBrk="1" latinLnBrk="0" hangingPunct="1">
+    <a:lvl1pPr marL="0" algn="l" defTabSz="457200" rtl="0" eaLnBrk="1" latinLnBrk="0" hangingPunct="1">
       <a:defRPr sz="1800" kern="1200">
         <a:solidFill>
           <a:schemeClr val="tx1"/>
@@ -24,7 +24,7 @@
         <a:cs typeface="+mn-cs"/>
       </a:defRPr>
     </a:lvl1pPr>
-    <a:lvl2pPr marL="457200" algn="l" defTabSz="914400" rtl="0" eaLnBrk="1" latinLnBrk="0" hangingPunct="1">
+    <a:lvl2pPr marL="457200" algn="l" defTabSz="457200" rtl="0" eaLnBrk="1" latinLnBrk="0" hangingPunct="1">
       <a:defRPr sz="1800" kern="1200">
         <a:solidFill>
           <a:schemeClr val="tx1"/>
@@ -34,7 +34,7 @@
         <a:cs typeface="+mn-cs"/>
       </a:defRPr>
     </a:lvl2pPr>
-    <a:lvl3pPr marL="914400" algn="l" defTabSz="914400" rtl="0" eaLnBrk="1" latinLnBrk="0" hangingPunct="1">
+    <a:lvl3pPr marL="914400" algn="l" defTabSz="457200" rtl="0" eaLnBrk="1" latinLnBrk="0" hangingPunct="1">
       <a:defRPr sz="1800" kern="1200">
         <a:solidFill>
           <a:schemeClr val="tx1"/>
@@ -44,7 +44,7 @@
         <a:cs typeface="+mn-cs"/>
       </a:defRPr>
     </a:lvl3pPr>
-    <a:lvl4pPr marL="1371600" algn="l" defTabSz="914400" rtl="0" eaLnBrk="1" latinLnBrk="0" hangingPunct="1">
+    <a:lvl4pPr marL="1371600" algn="l" defTabSz="457200" rtl="0" eaLnBrk="1" latinLnBrk="0" hangingPunct="1">
       <a:defRPr sz="1800" kern="1200">
         <a:solidFill>
           <a:schemeClr val="tx1"/>
@@ -54,7 +54,7 @@
         <a:cs typeface="+mn-cs"/>
       </a:defRPr>
     </a:lvl4pPr>
-    <a:lvl5pPr marL="1828800" algn="l" defTabSz="914400" rtl="0" eaLnBrk="1" latinLnBrk="0" hangingPunct="1">
+    <a:lvl5pPr marL="1828800" algn="l" defTabSz="457200" rtl="0" eaLnBrk="1" latinLnBrk="0" hangingPunct="1">
       <a:defRPr sz="1800" kern="1200">
         <a:solidFill>
           <a:schemeClr val="tx1"/>
@@ -64,7 +64,7 @@
         <a:cs typeface="+mn-cs"/>
       </a:defRPr>
     </a:lvl5pPr>
-    <a:lvl6pPr marL="2286000" algn="l" defTabSz="914400" rtl="0" eaLnBrk="1" latinLnBrk="0" hangingPunct="1">
+    <a:lvl6pPr marL="2286000" algn="l" defTabSz="457200" rtl="0" eaLnBrk="1" latinLnBrk="0" hangingPunct="1">
       <a:defRPr sz="1800" kern="1200">
         <a:solidFill>
           <a:schemeClr val="tx1"/>
@@ -74,7 +74,7 @@
         <a:cs typeface="+mn-cs"/>
       </a:defRPr>
     </a:lvl6pPr>
-    <a:lvl7pPr marL="2743200" algn="l" defTabSz="914400" rtl="0" eaLnBrk="1" latinLnBrk="0" hangingPunct="1">
+    <a:lvl7pPr marL="2743200" algn="l" defTabSz="457200" rtl="0" eaLnBrk="1" latinLnBrk="0" hangingPunct="1">
       <a:defRPr sz="1800" kern="1200">
         <a:solidFill>
           <a:schemeClr val="tx1"/>
@@ -84,7 +84,7 @@
         <a:cs typeface="+mn-cs"/>
       </a:defRPr>
     </a:lvl7pPr>
-    <a:lvl8pPr marL="3200400" algn="l" defTabSz="914400" rtl="0" eaLnBrk="1" latinLnBrk="0" hangingPunct="1">
+    <a:lvl8pPr marL="3200400" algn="l" defTabSz="457200" rtl="0" eaLnBrk="1" latinLnBrk="0" hangingPunct="1">
       <a:defRPr sz="1800" kern="1200">
         <a:solidFill>
           <a:schemeClr val="tx1"/>
@@ -94,7 +94,7 @@
         <a:cs typeface="+mn-cs"/>
       </a:defRPr>
     </a:lvl8pPr>
-    <a:lvl9pPr marL="3657600" algn="l" defTabSz="914400" rtl="0" eaLnBrk="1" latinLnBrk="0" hangingPunct="1">
+    <a:lvl9pPr marL="3657600" algn="l" defTabSz="457200" rtl="0" eaLnBrk="1" latinLnBrk="0" hangingPunct="1">
       <a:defRPr sz="1800" kern="1200">
         <a:solidFill>
           <a:schemeClr val="tx1"/>
@@ -318,7 +318,7 @@
 
 <file path=ppt/slideLayouts/slideLayout1.xml><?xml version="1.0" encoding="utf-8"?>
 <p:sldLayout xmlns:a="http://schemas.openxmlformats.org/drawingml/2006/main" xmlns:r="http://schemas.openxmlformats.org/officeDocument/2006/relationships" xmlns:p="http://schemas.openxmlformats.org/presentationml/2006/main" type="title" preserve="1">
-  <p:cSld name="Title Slide">
+  <p:cSld name="Diapositiva de título">
     <p:spTree>
       <p:nvGrpSpPr>
         <p:cNvPr id="1" name=""/>
@@ -345,8 +345,8 @@
         </p:nvSpPr>
         <p:spPr>
           <a:xfrm>
-            <a:off x="1370693" y="1769540"/>
-            <a:ext cx="9440034" cy="1828801"/>
+            <a:off x="1751012" y="609601"/>
+            <a:ext cx="8676222" cy="3200400"/>
           </a:xfrm>
         </p:spPr>
         <p:txBody>
@@ -355,13 +355,28 @@
           </a:bodyPr>
           <a:lstStyle>
             <a:lvl1pPr algn="ctr">
-              <a:defRPr sz="5400"/>
+              <a:defRPr sz="4800">
+                <a:effectLst>
+                  <a:glow rad="38100">
+                    <a:schemeClr val="bg1">
+                      <a:lumMod val="65000"/>
+                      <a:lumOff val="35000"/>
+                      <a:alpha val="50000"/>
+                    </a:schemeClr>
+                  </a:glow>
+                  <a:outerShdw blurRad="28575" dist="31750" dir="13200000" algn="tl" rotWithShape="0">
+                    <a:srgbClr val="000000">
+                      <a:alpha val="25000"/>
+                    </a:srgbClr>
+                  </a:outerShdw>
+                </a:effectLst>
+              </a:defRPr>
             </a:lvl1pPr>
           </a:lstStyle>
           <a:p>
             <a:r>
-              <a:rPr lang="en-US"/>
-              <a:t>Click to edit Master title style</a:t>
+              <a:rPr lang="es-ES"/>
+              <a:t>Haga clic para modificar el estilo de título del patrón</a:t>
             </a:r>
             <a:endParaRPr lang="en-US" dirty="0"/>
           </a:p>
@@ -379,19 +394,32 @@
         </p:nvSpPr>
         <p:spPr>
           <a:xfrm>
-            <a:off x="1370693" y="3773489"/>
-            <a:ext cx="9440034" cy="1049867"/>
+            <a:off x="1751012" y="3886200"/>
+            <a:ext cx="8676222" cy="1905000"/>
           </a:xfrm>
         </p:spPr>
         <p:txBody>
-          <a:bodyPr anchor="t"/>
+          <a:bodyPr anchor="t">
+            <a:normAutofit/>
+          </a:bodyPr>
           <a:lstStyle>
             <a:lvl1pPr marL="0" indent="0" algn="ctr">
               <a:buNone/>
-              <a:defRPr>
-                <a:solidFill>
-                  <a:schemeClr val="tx1"/>
-                </a:solidFill>
+              <a:defRPr sz="2100">
+                <a:gradFill flip="none" rotWithShape="1">
+                  <a:gsLst>
+                    <a:gs pos="0">
+                      <a:schemeClr val="tx1"/>
+                    </a:gs>
+                    <a:gs pos="100000">
+                      <a:schemeClr val="tx1">
+                        <a:lumMod val="75000"/>
+                      </a:schemeClr>
+                    </a:gs>
+                  </a:gsLst>
+                  <a:lin ang="5400000" scaled="0"/>
+                  <a:tileRect/>
+                </a:gradFill>
               </a:defRPr>
             </a:lvl1pPr>
             <a:lvl2pPr marL="457200" indent="0" algn="ctr">
@@ -477,8 +505,8 @@
           </a:lstStyle>
           <a:p>
             <a:r>
-              <a:rPr lang="en-US"/>
-              <a:t>Click to edit Master subtitle style</a:t>
+              <a:rPr lang="es-ES"/>
+              <a:t>Haga clic para modificar el estilo de subtítulo del patrón</a:t>
             </a:r>
             <a:endParaRPr lang="en-US" dirty="0"/>
           </a:p>
@@ -499,9 +527,9 @@
           <a:bodyPr/>
           <a:lstStyle/>
           <a:p>
-            <a:fld id="{88D38747-4367-4BD2-8D51-C97E202738E2}" type="datetime1">
+            <a:fld id="{073ED0CC-082F-4160-86E5-0D6041F12778}" type="datetime1">
               <a:rPr lang="en-US" smtClean="0"/>
-              <a:t>11/28/19</a:t>
+              <a:t>11/28/2019</a:t>
             </a:fld>
             <a:endParaRPr lang="en-US" dirty="0"/>
           </a:p>
@@ -543,7 +571,6 @@
           <a:p>
             <a:fld id="{3A98EE3D-8CD1-4C3F-BD1C-C98C9596463C}" type="slidenum">
               <a:rPr lang="en-US" smtClean="0"/>
-              <a:pPr/>
               <a:t>‹Nº›</a:t>
             </a:fld>
             <a:endParaRPr lang="en-US" dirty="0"/>
@@ -553,19 +580,20 @@
     </p:spTree>
     <p:extLst>
       <p:ext uri="{BB962C8B-B14F-4D97-AF65-F5344CB8AC3E}">
-        <p14:creationId xmlns:p14="http://schemas.microsoft.com/office/powerpoint/2010/main" val="2538580720"/>
+        <p14:creationId xmlns:p14="http://schemas.microsoft.com/office/powerpoint/2010/main" val="2143647186"/>
       </p:ext>
     </p:extLst>
   </p:cSld>
   <p:clrMapOvr>
     <a:masterClrMapping/>
   </p:clrMapOvr>
+  <p:hf sldNum="0" hdr="0" ftr="0" dt="0"/>
 </p:sldLayout>
 </file>
 
 <file path=ppt/slideLayouts/slideLayout10.xml><?xml version="1.0" encoding="utf-8"?>
 <p:sldLayout xmlns:a="http://schemas.openxmlformats.org/drawingml/2006/main" xmlns:r="http://schemas.openxmlformats.org/officeDocument/2006/relationships" xmlns:p="http://schemas.openxmlformats.org/presentationml/2006/main" preserve="1">
-  <p:cSld name="Panoramic Picture with Caption">
+  <p:cSld name="Imagen panorámica con descripción">
     <p:spTree>
       <p:nvGrpSpPr>
         <p:cNvPr id="1" name=""/>
@@ -580,56 +608,20 @@
           <a:chExt cx="0" cy="0"/>
         </a:xfrm>
       </p:grpSpPr>
-      <p:pic>
-        <p:nvPicPr>
-          <p:cNvPr id="16" name="Picture 15" descr="Slate-V2-HD-panoPhotoInset.png">
-            <a:extLst>
-              <a:ext uri="{FF2B5EF4-FFF2-40B4-BE49-F238E27FC236}">
-                <a16:creationId xmlns:a16="http://schemas.microsoft.com/office/drawing/2014/main" id="{CE39118B-B3AD-4BD4-BA22-DEFF4E76CE9A}"/>
-              </a:ext>
-            </a:extLst>
-          </p:cNvPr>
-          <p:cNvPicPr>
-            <a:picLocks noChangeAspect="1"/>
-          </p:cNvPicPr>
-          <p:nvPr/>
-        </p:nvPicPr>
-        <p:blipFill>
-          <a:blip r:embed="rId2">
-            <a:extLst>
-              <a:ext uri="{28A0092B-C50C-407E-A947-70E740481C1C}">
-                <a14:useLocalDpi xmlns:a14="http://schemas.microsoft.com/office/drawing/2010/main" val="0"/>
-              </a:ext>
-            </a:extLst>
-          </a:blip>
-          <a:stretch>
-            <a:fillRect/>
-          </a:stretch>
-        </p:blipFill>
+      <p:sp>
+        <p:nvSpPr>
+          <p:cNvPr id="2" name="Title 1"/>
+          <p:cNvSpPr>
+            <a:spLocks noGrp="1"/>
+          </p:cNvSpPr>
+          <p:nvPr>
+            <p:ph type="title"/>
+          </p:nvPr>
+        </p:nvSpPr>
         <p:spPr>
           <a:xfrm>
-            <a:off x="1013883" y="547807"/>
-            <a:ext cx="10141799" cy="3816806"/>
-          </a:xfrm>
-          <a:prstGeom prst="rect">
-            <a:avLst/>
-          </a:prstGeom>
-        </p:spPr>
-      </p:pic>
-      <p:sp>
-        <p:nvSpPr>
-          <p:cNvPr id="2" name="Title 1"/>
-          <p:cNvSpPr>
-            <a:spLocks noGrp="1"/>
-          </p:cNvSpPr>
-          <p:nvPr>
-            <p:ph type="title"/>
-          </p:nvPr>
-        </p:nvSpPr>
-        <p:spPr>
-          <a:xfrm>
-            <a:off x="913806" y="4565255"/>
-            <a:ext cx="10355326" cy="543472"/>
+            <a:off x="1141413" y="4732865"/>
+            <a:ext cx="9906000" cy="566738"/>
           </a:xfrm>
         </p:spPr>
         <p:txBody>
@@ -637,14 +629,14 @@
             <a:normAutofit/>
           </a:bodyPr>
           <a:lstStyle>
-            <a:lvl1pPr algn="ctr">
-              <a:defRPr sz="2800"/>
+            <a:lvl1pPr algn="l">
+              <a:defRPr sz="2400" b="0"/>
             </a:lvl1pPr>
           </a:lstStyle>
           <a:p>
             <a:r>
-              <a:rPr lang="en-US"/>
-              <a:t>Click to edit Master title style</a:t>
+              <a:rPr lang="es-ES"/>
+              <a:t>Haga clic para modificar el estilo de título del patrón</a:t>
             </a:r>
             <a:endParaRPr lang="en-US" dirty="0"/>
           </a:p>
@@ -662,15 +654,36 @@
         </p:nvSpPr>
         <p:spPr>
           <a:xfrm>
-            <a:off x="1169349" y="695009"/>
-            <a:ext cx="9845346" cy="3525671"/>
+            <a:off x="1979612" y="932112"/>
+            <a:ext cx="8225944" cy="3164976"/>
           </a:xfrm>
+          <a:prstGeom prst="roundRect">
+            <a:avLst>
+              <a:gd name="adj" fmla="val 4380"/>
+            </a:avLst>
+          </a:prstGeom>
+          <a:ln w="38100">
+            <a:gradFill flip="none" rotWithShape="1">
+              <a:gsLst>
+                <a:gs pos="0">
+                  <a:schemeClr val="bg2"/>
+                </a:gs>
+                <a:gs pos="100000">
+                  <a:schemeClr val="bg2">
+                    <a:lumMod val="75000"/>
+                  </a:schemeClr>
+                </a:gs>
+              </a:gsLst>
+              <a:lin ang="5400000" scaled="0"/>
+              <a:tileRect/>
+            </a:gradFill>
+          </a:ln>
           <a:effectLst>
-            <a:outerShdw blurRad="38100" dist="25400" dir="4440000">
+            <a:innerShdw blurRad="57150" dist="38100" dir="14460000">
               <a:srgbClr val="000000">
-                <a:alpha val="36000"/>
+                <a:alpha val="70000"/>
               </a:srgbClr>
-            </a:outerShdw>
+            </a:innerShdw>
           </a:effectLst>
         </p:spPr>
         <p:txBody>
@@ -680,111 +693,113 @@
           <a:lstStyle>
             <a:lvl1pPr marL="0" indent="0" algn="ctr">
               <a:buNone/>
-              <a:defRPr sz="2000"/>
-            </a:lvl1pPr>
-            <a:lvl2pPr marL="457200" indent="0">
-              <a:buNone/>
-              <a:defRPr sz="2000"/>
-            </a:lvl2pPr>
-            <a:lvl3pPr marL="914400" indent="0">
-              <a:buNone/>
-              <a:defRPr sz="2000"/>
-            </a:lvl3pPr>
-            <a:lvl4pPr marL="1371600" indent="0">
-              <a:buNone/>
-              <a:defRPr sz="2000"/>
-            </a:lvl4pPr>
-            <a:lvl5pPr marL="1828800" indent="0">
-              <a:buNone/>
-              <a:defRPr sz="2000"/>
-            </a:lvl5pPr>
-            <a:lvl6pPr marL="2286000" indent="0">
-              <a:buNone/>
-              <a:defRPr sz="2000"/>
-            </a:lvl6pPr>
-            <a:lvl7pPr marL="2743200" indent="0">
-              <a:buNone/>
-              <a:defRPr sz="2000"/>
-            </a:lvl7pPr>
-            <a:lvl8pPr marL="3200400" indent="0">
-              <a:buNone/>
-              <a:defRPr sz="2000"/>
-            </a:lvl8pPr>
-            <a:lvl9pPr marL="3657600" indent="0">
-              <a:buNone/>
-              <a:defRPr sz="2000"/>
-            </a:lvl9pPr>
-          </a:lstStyle>
-          <a:p>
-            <a:r>
-              <a:rPr lang="en-US"/>
-              <a:t>Click icon to add picture</a:t>
-            </a:r>
-            <a:endParaRPr lang="en-US" dirty="0"/>
-          </a:p>
-        </p:txBody>
-      </p:sp>
-      <p:sp>
-        <p:nvSpPr>
-          <p:cNvPr id="4" name="Text Placeholder 3"/>
-          <p:cNvSpPr>
-            <a:spLocks noGrp="1"/>
-          </p:cNvSpPr>
-          <p:nvPr>
-            <p:ph type="body" sz="half" idx="2"/>
-          </p:nvPr>
-        </p:nvSpPr>
-        <p:spPr>
-          <a:xfrm>
-            <a:off x="913795" y="5247728"/>
-            <a:ext cx="10353762" cy="543472"/>
-          </a:xfrm>
-        </p:spPr>
-        <p:txBody>
-          <a:bodyPr anchor="t"/>
-          <a:lstStyle>
-            <a:lvl1pPr marL="0" indent="0" algn="ctr">
-              <a:buNone/>
               <a:defRPr sz="1600"/>
             </a:lvl1pPr>
             <a:lvl2pPr marL="457200" indent="0">
               <a:buNone/>
-              <a:defRPr sz="1400"/>
+              <a:defRPr sz="1600"/>
             </a:lvl2pPr>
             <a:lvl3pPr marL="914400" indent="0">
               <a:buNone/>
-              <a:defRPr sz="1200"/>
+              <a:defRPr sz="1600"/>
             </a:lvl3pPr>
             <a:lvl4pPr marL="1371600" indent="0">
               <a:buNone/>
-              <a:defRPr sz="1000"/>
+              <a:defRPr sz="1600"/>
             </a:lvl4pPr>
             <a:lvl5pPr marL="1828800" indent="0">
               <a:buNone/>
-              <a:defRPr sz="1000"/>
+              <a:defRPr sz="1600"/>
             </a:lvl5pPr>
             <a:lvl6pPr marL="2286000" indent="0">
               <a:buNone/>
-              <a:defRPr sz="1000"/>
+              <a:defRPr sz="1600"/>
             </a:lvl6pPr>
             <a:lvl7pPr marL="2743200" indent="0">
               <a:buNone/>
-              <a:defRPr sz="1000"/>
+              <a:defRPr sz="1600"/>
             </a:lvl7pPr>
             <a:lvl8pPr marL="3200400" indent="0">
               <a:buNone/>
-              <a:defRPr sz="1000"/>
+              <a:defRPr sz="1600"/>
             </a:lvl8pPr>
             <a:lvl9pPr marL="3657600" indent="0">
               <a:buNone/>
-              <a:defRPr sz="1000"/>
+              <a:defRPr sz="1600"/>
             </a:lvl9pPr>
           </a:lstStyle>
           <a:p>
+            <a:r>
+              <a:rPr lang="es-ES"/>
+              <a:t>Haga clic en el icono para agregar una imagen</a:t>
+            </a:r>
+            <a:endParaRPr lang="en-US" dirty="0"/>
+          </a:p>
+        </p:txBody>
+      </p:sp>
+      <p:sp>
+        <p:nvSpPr>
+          <p:cNvPr id="4" name="Text Placeholder 3"/>
+          <p:cNvSpPr>
+            <a:spLocks noGrp="1"/>
+          </p:cNvSpPr>
+          <p:nvPr>
+            <p:ph type="body" sz="half" idx="2"/>
+          </p:nvPr>
+        </p:nvSpPr>
+        <p:spPr>
+          <a:xfrm>
+            <a:off x="1141413" y="5299603"/>
+            <a:ext cx="9906000" cy="493712"/>
+          </a:xfrm>
+        </p:spPr>
+        <p:txBody>
+          <a:bodyPr>
+            <a:normAutofit/>
+          </a:bodyPr>
+          <a:lstStyle>
+            <a:lvl1pPr marL="0" indent="0">
+              <a:buNone/>
+              <a:defRPr sz="1400"/>
+            </a:lvl1pPr>
+            <a:lvl2pPr marL="457200" indent="0">
+              <a:buNone/>
+              <a:defRPr sz="1200"/>
+            </a:lvl2pPr>
+            <a:lvl3pPr marL="914400" indent="0">
+              <a:buNone/>
+              <a:defRPr sz="1000"/>
+            </a:lvl3pPr>
+            <a:lvl4pPr marL="1371600" indent="0">
+              <a:buNone/>
+              <a:defRPr sz="900"/>
+            </a:lvl4pPr>
+            <a:lvl5pPr marL="1828800" indent="0">
+              <a:buNone/>
+              <a:defRPr sz="900"/>
+            </a:lvl5pPr>
+            <a:lvl6pPr marL="2286000" indent="0">
+              <a:buNone/>
+              <a:defRPr sz="900"/>
+            </a:lvl6pPr>
+            <a:lvl7pPr marL="2743200" indent="0">
+              <a:buNone/>
+              <a:defRPr sz="900"/>
+            </a:lvl7pPr>
+            <a:lvl8pPr marL="3200400" indent="0">
+              <a:buNone/>
+              <a:defRPr sz="900"/>
+            </a:lvl8pPr>
+            <a:lvl9pPr marL="3657600" indent="0">
+              <a:buNone/>
+              <a:defRPr sz="900"/>
+            </a:lvl9pPr>
+          </a:lstStyle>
+          <a:p>
             <a:pPr lvl="0"/>
             <a:r>
-              <a:rPr lang="en-US"/>
-              <a:t>Click to edit Master text styles</a:t>
+              <a:rPr lang="es-ES"/>
+              <a:t>Haga clic para modificar los estilos de texto del patrón</a:t>
             </a:r>
           </a:p>
         </p:txBody>
@@ -804,9 +819,9 @@
           <a:bodyPr/>
           <a:lstStyle/>
           <a:p>
-            <a:fld id="{11F1B079-7EF0-44EE-B798-BCC497C9F3B2}" type="datetime1">
+            <a:fld id="{073ED0CC-082F-4160-86E5-0D6041F12778}" type="datetime1">
               <a:rPr lang="en-US" smtClean="0"/>
-              <a:t>11/28/19</a:t>
+              <a:t>11/28/2019</a:t>
             </a:fld>
             <a:endParaRPr lang="en-US" dirty="0"/>
           </a:p>
@@ -857,19 +872,20 @@
     </p:spTree>
     <p:extLst>
       <p:ext uri="{BB962C8B-B14F-4D97-AF65-F5344CB8AC3E}">
-        <p14:creationId xmlns:p14="http://schemas.microsoft.com/office/powerpoint/2010/main" val="2249652802"/>
+        <p14:creationId xmlns:p14="http://schemas.microsoft.com/office/powerpoint/2010/main" val="1544223361"/>
       </p:ext>
     </p:extLst>
   </p:cSld>
   <p:clrMapOvr>
     <a:masterClrMapping/>
   </p:clrMapOvr>
+  <p:hf sldNum="0" hdr="0" ftr="0" dt="0"/>
 </p:sldLayout>
 </file>
 
 <file path=ppt/slideLayouts/slideLayout11.xml><?xml version="1.0" encoding="utf-8"?>
 <p:sldLayout xmlns:a="http://schemas.openxmlformats.org/drawingml/2006/main" xmlns:r="http://schemas.openxmlformats.org/officeDocument/2006/relationships" xmlns:p="http://schemas.openxmlformats.org/presentationml/2006/main" preserve="1">
-  <p:cSld name="Title and Caption">
+  <p:cSld name="Título y descripción">
     <p:spTree>
       <p:nvGrpSpPr>
         <p:cNvPr id="1" name=""/>
@@ -896,8 +912,8 @@
         </p:nvSpPr>
         <p:spPr>
           <a:xfrm>
-            <a:off x="913795" y="608437"/>
-            <a:ext cx="10353762" cy="3534344"/>
+            <a:off x="1141412" y="609601"/>
+            <a:ext cx="9905999" cy="3124199"/>
           </a:xfrm>
         </p:spPr>
         <p:txBody>
@@ -905,87 +921,152 @@
             <a:normAutofit/>
           </a:bodyPr>
           <a:lstStyle>
-            <a:lvl1pPr>
-              <a:defRPr sz="4000"/>
+            <a:lvl1pPr algn="l">
+              <a:defRPr sz="3200" b="0" cap="all"/>
             </a:lvl1pPr>
           </a:lstStyle>
           <a:p>
             <a:r>
-              <a:rPr lang="en-US"/>
-              <a:t>Click to edit Master title style</a:t>
-            </a:r>
-            <a:endParaRPr lang="en-US" dirty="0"/>
-          </a:p>
-        </p:txBody>
-      </p:sp>
-      <p:sp>
-        <p:nvSpPr>
-          <p:cNvPr id="4" name="Text Placeholder 3"/>
-          <p:cNvSpPr>
-            <a:spLocks noGrp="1"/>
-          </p:cNvSpPr>
-          <p:nvPr>
-            <p:ph type="body" sz="half" idx="2"/>
+              <a:rPr lang="es-ES"/>
+              <a:t>Haga clic para modificar el estilo de título del patrón</a:t>
+            </a:r>
+            <a:endParaRPr lang="en-US" dirty="0"/>
+          </a:p>
+        </p:txBody>
+      </p:sp>
+      <p:sp>
+        <p:nvSpPr>
+          <p:cNvPr id="3" name="Text Placeholder 2"/>
+          <p:cNvSpPr>
+            <a:spLocks noGrp="1"/>
+          </p:cNvSpPr>
+          <p:nvPr>
+            <p:ph type="body" idx="1"/>
           </p:nvPr>
         </p:nvSpPr>
         <p:spPr>
           <a:xfrm>
-            <a:off x="913794" y="4295180"/>
-            <a:ext cx="10353763" cy="1501826"/>
+            <a:off x="1141411" y="4343400"/>
+            <a:ext cx="9906000" cy="1447800"/>
           </a:xfrm>
         </p:spPr>
         <p:txBody>
-          <a:bodyPr anchor="ctr"/>
+          <a:bodyPr anchor="ctr">
+            <a:normAutofit/>
+          </a:bodyPr>
           <a:lstStyle>
-            <a:lvl1pPr marL="0" indent="0" algn="ctr">
-              <a:buNone/>
-              <a:defRPr sz="1600"/>
+            <a:lvl1pPr marL="0" indent="0" algn="l">
+              <a:buNone/>
+              <a:defRPr sz="2000">
+                <a:gradFill flip="none" rotWithShape="1">
+                  <a:gsLst>
+                    <a:gs pos="0">
+                      <a:schemeClr val="tx1"/>
+                    </a:gs>
+                    <a:gs pos="100000">
+                      <a:schemeClr val="tx1">
+                        <a:lumMod val="75000"/>
+                      </a:schemeClr>
+                    </a:gs>
+                  </a:gsLst>
+                  <a:lin ang="5400000" scaled="0"/>
+                  <a:tileRect/>
+                </a:gradFill>
+              </a:defRPr>
             </a:lvl1pPr>
             <a:lvl2pPr marL="457200" indent="0">
               <a:buNone/>
-              <a:defRPr sz="1400"/>
+              <a:defRPr sz="1800">
+                <a:solidFill>
+                  <a:schemeClr val="tx1">
+                    <a:tint val="75000"/>
+                  </a:schemeClr>
+                </a:solidFill>
+              </a:defRPr>
             </a:lvl2pPr>
             <a:lvl3pPr marL="914400" indent="0">
               <a:buNone/>
-              <a:defRPr sz="1200"/>
+              <a:defRPr sz="1600">
+                <a:solidFill>
+                  <a:schemeClr val="tx1">
+                    <a:tint val="75000"/>
+                  </a:schemeClr>
+                </a:solidFill>
+              </a:defRPr>
             </a:lvl3pPr>
             <a:lvl4pPr marL="1371600" indent="0">
               <a:buNone/>
-              <a:defRPr sz="1000"/>
+              <a:defRPr sz="1400">
+                <a:solidFill>
+                  <a:schemeClr val="tx1">
+                    <a:tint val="75000"/>
+                  </a:schemeClr>
+                </a:solidFill>
+              </a:defRPr>
             </a:lvl4pPr>
             <a:lvl5pPr marL="1828800" indent="0">
               <a:buNone/>
-              <a:defRPr sz="1000"/>
+              <a:defRPr sz="1400">
+                <a:solidFill>
+                  <a:schemeClr val="tx1">
+                    <a:tint val="75000"/>
+                  </a:schemeClr>
+                </a:solidFill>
+              </a:defRPr>
             </a:lvl5pPr>
             <a:lvl6pPr marL="2286000" indent="0">
               <a:buNone/>
-              <a:defRPr sz="1000"/>
+              <a:defRPr sz="1400">
+                <a:solidFill>
+                  <a:schemeClr val="tx1">
+                    <a:tint val="75000"/>
+                  </a:schemeClr>
+                </a:solidFill>
+              </a:defRPr>
             </a:lvl6pPr>
             <a:lvl7pPr marL="2743200" indent="0">
               <a:buNone/>
-              <a:defRPr sz="1000"/>
+              <a:defRPr sz="1400">
+                <a:solidFill>
+                  <a:schemeClr val="tx1">
+                    <a:tint val="75000"/>
+                  </a:schemeClr>
+                </a:solidFill>
+              </a:defRPr>
             </a:lvl7pPr>
             <a:lvl8pPr marL="3200400" indent="0">
               <a:buNone/>
-              <a:defRPr sz="1000"/>
+              <a:defRPr sz="1400">
+                <a:solidFill>
+                  <a:schemeClr val="tx1">
+                    <a:tint val="75000"/>
+                  </a:schemeClr>
+                </a:solidFill>
+              </a:defRPr>
             </a:lvl8pPr>
             <a:lvl9pPr marL="3657600" indent="0">
               <a:buNone/>
-              <a:defRPr sz="1000"/>
+              <a:defRPr sz="1400">
+                <a:solidFill>
+                  <a:schemeClr val="tx1">
+                    <a:tint val="75000"/>
+                  </a:schemeClr>
+                </a:solidFill>
+              </a:defRPr>
             </a:lvl9pPr>
           </a:lstStyle>
           <a:p>
             <a:pPr lvl="0"/>
             <a:r>
-              <a:rPr lang="en-US"/>
-              <a:t>Click to edit Master text styles</a:t>
-            </a:r>
-          </a:p>
-        </p:txBody>
-      </p:sp>
-      <p:sp>
-        <p:nvSpPr>
-          <p:cNvPr id="5" name="Date Placeholder 4"/>
+              <a:rPr lang="es-ES"/>
+              <a:t>Haga clic para modificar los estilos de texto del patrón</a:t>
+            </a:r>
+          </a:p>
+        </p:txBody>
+      </p:sp>
+      <p:sp>
+        <p:nvSpPr>
+          <p:cNvPr id="4" name="Date Placeholder 3"/>
           <p:cNvSpPr>
             <a:spLocks noGrp="1"/>
           </p:cNvSpPr>
@@ -998,9 +1079,9 @@
           <a:bodyPr/>
           <a:lstStyle/>
           <a:p>
-            <a:fld id="{28FF70A8-1D13-4657-95F0-A9EA54967B8D}" type="datetime1">
+            <a:fld id="{073ED0CC-082F-4160-86E5-0D6041F12778}" type="datetime1">
               <a:rPr lang="en-US" smtClean="0"/>
-              <a:t>11/28/19</a:t>
+              <a:t>11/28/2019</a:t>
             </a:fld>
             <a:endParaRPr lang="en-US" dirty="0"/>
           </a:p>
@@ -1008,7 +1089,7 @@
       </p:sp>
       <p:sp>
         <p:nvSpPr>
-          <p:cNvPr id="6" name="Footer Placeholder 5"/>
+          <p:cNvPr id="5" name="Footer Placeholder 4"/>
           <p:cNvSpPr>
             <a:spLocks noGrp="1"/>
           </p:cNvSpPr>
@@ -1027,7 +1108,7 @@
       </p:sp>
       <p:sp>
         <p:nvSpPr>
-          <p:cNvPr id="7" name="Slide Number Placeholder 6"/>
+          <p:cNvPr id="6" name="Slide Number Placeholder 5"/>
           <p:cNvSpPr>
             <a:spLocks noGrp="1"/>
           </p:cNvSpPr>
@@ -1051,19 +1132,20 @@
     </p:spTree>
     <p:extLst>
       <p:ext uri="{BB962C8B-B14F-4D97-AF65-F5344CB8AC3E}">
-        <p14:creationId xmlns:p14="http://schemas.microsoft.com/office/powerpoint/2010/main" val="2774325204"/>
+        <p14:creationId xmlns:p14="http://schemas.microsoft.com/office/powerpoint/2010/main" val="4233173566"/>
       </p:ext>
     </p:extLst>
   </p:cSld>
   <p:clrMapOvr>
     <a:masterClrMapping/>
   </p:clrMapOvr>
+  <p:hf sldNum="0" hdr="0" ftr="0" dt="0"/>
 </p:sldLayout>
 </file>
 
 <file path=ppt/slideLayouts/slideLayout12.xml><?xml version="1.0" encoding="utf-8"?>
 <p:sldLayout xmlns:a="http://schemas.openxmlformats.org/drawingml/2006/main" xmlns:r="http://schemas.openxmlformats.org/officeDocument/2006/relationships" xmlns:p="http://schemas.openxmlformats.org/presentationml/2006/main" preserve="1">
-  <p:cSld name="Quote with Caption">
+  <p:cSld name="Cita con descripción">
     <p:spTree>
       <p:nvGrpSpPr>
         <p:cNvPr id="1" name=""/>
@@ -1080,252 +1162,13 @@
       </p:grpSpPr>
       <p:sp>
         <p:nvSpPr>
-          <p:cNvPr id="2" name="Title 1"/>
-          <p:cNvSpPr>
-            <a:spLocks noGrp="1"/>
-          </p:cNvSpPr>
-          <p:nvPr>
-            <p:ph type="title"/>
-          </p:nvPr>
+          <p:cNvPr id="14" name="TextBox 13"/>
+          <p:cNvSpPr txBox="1"/>
+          <p:nvPr/>
         </p:nvSpPr>
         <p:spPr>
           <a:xfrm>
-            <a:off x="1446212" y="609600"/>
-            <a:ext cx="9302752" cy="2992904"/>
-          </a:xfrm>
-        </p:spPr>
-        <p:txBody>
-          <a:bodyPr anchor="ctr">
-            <a:normAutofit/>
-          </a:bodyPr>
-          <a:lstStyle>
-            <a:lvl1pPr>
-              <a:defRPr sz="3600"/>
-            </a:lvl1pPr>
-          </a:lstStyle>
-          <a:p>
-            <a:r>
-              <a:rPr lang="en-US"/>
-              <a:t>Click to edit Master title style</a:t>
-            </a:r>
-            <a:endParaRPr lang="en-US" dirty="0"/>
-          </a:p>
-        </p:txBody>
-      </p:sp>
-      <p:sp>
-        <p:nvSpPr>
-          <p:cNvPr id="12" name="Text Placeholder 3"/>
-          <p:cNvSpPr>
-            <a:spLocks noGrp="1"/>
-          </p:cNvSpPr>
-          <p:nvPr>
-            <p:ph type="body" sz="half" idx="13"/>
-          </p:nvPr>
-        </p:nvSpPr>
-        <p:spPr>
-          <a:xfrm>
-            <a:off x="1720644" y="3610032"/>
-            <a:ext cx="8752299" cy="532749"/>
-          </a:xfrm>
-        </p:spPr>
-        <p:txBody>
-          <a:bodyPr anchor="t">
-            <a:normAutofit/>
-          </a:bodyPr>
-          <a:lstStyle>
-            <a:lvl1pPr marL="0" indent="0" algn="r">
-              <a:buNone/>
-              <a:defRPr sz="1400"/>
-            </a:lvl1pPr>
-            <a:lvl2pPr marL="457200" indent="0">
-              <a:buNone/>
-              <a:defRPr sz="1400"/>
-            </a:lvl2pPr>
-            <a:lvl3pPr marL="914400" indent="0">
-              <a:buNone/>
-              <a:defRPr sz="1200"/>
-            </a:lvl3pPr>
-            <a:lvl4pPr marL="1371600" indent="0">
-              <a:buNone/>
-              <a:defRPr sz="1000"/>
-            </a:lvl4pPr>
-            <a:lvl5pPr marL="1828800" indent="0">
-              <a:buNone/>
-              <a:defRPr sz="1000"/>
-            </a:lvl5pPr>
-            <a:lvl6pPr marL="2286000" indent="0">
-              <a:buNone/>
-              <a:defRPr sz="1000"/>
-            </a:lvl6pPr>
-            <a:lvl7pPr marL="2743200" indent="0">
-              <a:buNone/>
-              <a:defRPr sz="1000"/>
-            </a:lvl7pPr>
-            <a:lvl8pPr marL="3200400" indent="0">
-              <a:buNone/>
-              <a:defRPr sz="1000"/>
-            </a:lvl8pPr>
-            <a:lvl9pPr marL="3657600" indent="0">
-              <a:buNone/>
-              <a:defRPr sz="1000"/>
-            </a:lvl9pPr>
-          </a:lstStyle>
-          <a:p>
-            <a:pPr lvl="0"/>
-            <a:r>
-              <a:rPr lang="en-US"/>
-              <a:t>Click to edit Master text styles</a:t>
-            </a:r>
-          </a:p>
-        </p:txBody>
-      </p:sp>
-      <p:sp>
-        <p:nvSpPr>
-          <p:cNvPr id="4" name="Text Placeholder 3"/>
-          <p:cNvSpPr>
-            <a:spLocks noGrp="1"/>
-          </p:cNvSpPr>
-          <p:nvPr>
-            <p:ph type="body" sz="half" idx="2"/>
-          </p:nvPr>
-        </p:nvSpPr>
-        <p:spPr>
-          <a:xfrm>
-            <a:off x="913794" y="4304353"/>
-            <a:ext cx="10353763" cy="1489496"/>
-          </a:xfrm>
-        </p:spPr>
-        <p:txBody>
-          <a:bodyPr anchor="ctr">
-            <a:normAutofit/>
-          </a:bodyPr>
-          <a:lstStyle>
-            <a:lvl1pPr marL="0" indent="0" algn="ctr">
-              <a:buNone/>
-              <a:defRPr sz="1600"/>
-            </a:lvl1pPr>
-            <a:lvl2pPr marL="457200" indent="0">
-              <a:buNone/>
-              <a:defRPr sz="1400"/>
-            </a:lvl2pPr>
-            <a:lvl3pPr marL="914400" indent="0">
-              <a:buNone/>
-              <a:defRPr sz="1200"/>
-            </a:lvl3pPr>
-            <a:lvl4pPr marL="1371600" indent="0">
-              <a:buNone/>
-              <a:defRPr sz="1000"/>
-            </a:lvl4pPr>
-            <a:lvl5pPr marL="1828800" indent="0">
-              <a:buNone/>
-              <a:defRPr sz="1000"/>
-            </a:lvl5pPr>
-            <a:lvl6pPr marL="2286000" indent="0">
-              <a:buNone/>
-              <a:defRPr sz="1000"/>
-            </a:lvl6pPr>
-            <a:lvl7pPr marL="2743200" indent="0">
-              <a:buNone/>
-              <a:defRPr sz="1000"/>
-            </a:lvl7pPr>
-            <a:lvl8pPr marL="3200400" indent="0">
-              <a:buNone/>
-              <a:defRPr sz="1000"/>
-            </a:lvl8pPr>
-            <a:lvl9pPr marL="3657600" indent="0">
-              <a:buNone/>
-              <a:defRPr sz="1000"/>
-            </a:lvl9pPr>
-          </a:lstStyle>
-          <a:p>
-            <a:pPr lvl="0"/>
-            <a:r>
-              <a:rPr lang="en-US"/>
-              <a:t>Click to edit Master text styles</a:t>
-            </a:r>
-          </a:p>
-        </p:txBody>
-      </p:sp>
-      <p:sp>
-        <p:nvSpPr>
-          <p:cNvPr id="5" name="Date Placeholder 4"/>
-          <p:cNvSpPr>
-            <a:spLocks noGrp="1"/>
-          </p:cNvSpPr>
-          <p:nvPr>
-            <p:ph type="dt" sz="half" idx="10"/>
-          </p:nvPr>
-        </p:nvSpPr>
-        <p:spPr/>
-        <p:txBody>
-          <a:bodyPr/>
-          <a:lstStyle/>
-          <a:p>
-            <a:fld id="{21EB90AC-71BD-4C7F-8ACA-7B3F18292E63}" type="datetime1">
-              <a:rPr lang="en-US" smtClean="0"/>
-              <a:t>11/28/19</a:t>
-            </a:fld>
-            <a:endParaRPr lang="en-US" dirty="0"/>
-          </a:p>
-        </p:txBody>
-      </p:sp>
-      <p:sp>
-        <p:nvSpPr>
-          <p:cNvPr id="6" name="Footer Placeholder 5"/>
-          <p:cNvSpPr>
-            <a:spLocks noGrp="1"/>
-          </p:cNvSpPr>
-          <p:nvPr>
-            <p:ph type="ftr" sz="quarter" idx="11"/>
-          </p:nvPr>
-        </p:nvSpPr>
-        <p:spPr/>
-        <p:txBody>
-          <a:bodyPr/>
-          <a:lstStyle/>
-          <a:p>
-            <a:endParaRPr lang="en-US" dirty="0"/>
-          </a:p>
-        </p:txBody>
-      </p:sp>
-      <p:sp>
-        <p:nvSpPr>
-          <p:cNvPr id="7" name="Slide Number Placeholder 6"/>
-          <p:cNvSpPr>
-            <a:spLocks noGrp="1"/>
-          </p:cNvSpPr>
-          <p:nvPr>
-            <p:ph type="sldNum" sz="quarter" idx="12"/>
-          </p:nvPr>
-        </p:nvSpPr>
-        <p:spPr/>
-        <p:txBody>
-          <a:bodyPr/>
-          <a:lstStyle/>
-          <a:p>
-            <a:fld id="{3A98EE3D-8CD1-4C3F-BD1C-C98C9596463C}" type="slidenum">
-              <a:rPr lang="en-US" smtClean="0"/>
-              <a:t>‹Nº›</a:t>
-            </a:fld>
-            <a:endParaRPr lang="en-US" dirty="0"/>
-          </a:p>
-        </p:txBody>
-      </p:sp>
-      <p:sp>
-        <p:nvSpPr>
-          <p:cNvPr id="11" name="TextBox 10">
-            <a:extLst>
-              <a:ext uri="{FF2B5EF4-FFF2-40B4-BE49-F238E27FC236}">
-                <a16:creationId xmlns:a16="http://schemas.microsoft.com/office/drawing/2014/main" id="{223F0D53-0705-41B7-8554-09D21E7807F9}"/>
-              </a:ext>
-            </a:extLst>
-          </p:cNvPr>
-          <p:cNvSpPr txBox="1"/>
-          <p:nvPr/>
-        </p:nvSpPr>
-        <p:spPr>
-          <a:xfrm>
-            <a:off x="990600" y="884796"/>
+            <a:off x="836612" y="786824"/>
             <a:ext cx="609600" cy="584776"/>
           </a:xfrm>
           <a:prstGeom prst="rect">
@@ -1424,9 +1267,8 @@
             <a:r>
               <a:rPr lang="en-US" sz="8000" dirty="0">
                 <a:solidFill>
-                  <a:schemeClr val="tx1"/>
-                </a:solidFill>
-                <a:effectLst/>
+                  <a:schemeClr val="accent1"/>
+                </a:solidFill>
               </a:rPr>
               <a:t>“</a:t>
             </a:r>
@@ -1435,19 +1277,13 @@
       </p:sp>
       <p:sp>
         <p:nvSpPr>
-          <p:cNvPr id="13" name="TextBox 12">
-            <a:extLst>
-              <a:ext uri="{FF2B5EF4-FFF2-40B4-BE49-F238E27FC236}">
-                <a16:creationId xmlns:a16="http://schemas.microsoft.com/office/drawing/2014/main" id="{C7F647CD-0F1A-4BB3-89E0-A74F1E1B098D}"/>
-              </a:ext>
-            </a:extLst>
-          </p:cNvPr>
+          <p:cNvPr id="15" name="TextBox 14"/>
           <p:cNvSpPr txBox="1"/>
           <p:nvPr/>
         </p:nvSpPr>
         <p:spPr>
           <a:xfrm>
-            <a:off x="10504716" y="2928258"/>
+            <a:off x="10437812" y="2743200"/>
             <a:ext cx="609600" cy="584776"/>
           </a:xfrm>
           <a:prstGeom prst="rect">
@@ -1546,31 +1382,240 @@
             <a:r>
               <a:rPr lang="en-US" sz="8000" dirty="0">
                 <a:solidFill>
-                  <a:schemeClr val="tx1"/>
-                </a:solidFill>
-                <a:effectLst/>
+                  <a:schemeClr val="accent1"/>
+                </a:solidFill>
               </a:rPr>
               <a:t>”</a:t>
             </a:r>
+          </a:p>
+        </p:txBody>
+      </p:sp>
+      <p:sp>
+        <p:nvSpPr>
+          <p:cNvPr id="2" name="Title 1"/>
+          <p:cNvSpPr>
+            <a:spLocks noGrp="1"/>
+          </p:cNvSpPr>
+          <p:nvPr>
+            <p:ph type="title"/>
+          </p:nvPr>
+        </p:nvSpPr>
+        <p:spPr>
+          <a:xfrm>
+            <a:off x="1446213" y="609601"/>
+            <a:ext cx="9296398" cy="2743199"/>
+          </a:xfrm>
+        </p:spPr>
+        <p:txBody>
+          <a:bodyPr anchor="ctr">
+            <a:normAutofit/>
+          </a:bodyPr>
+          <a:lstStyle>
+            <a:lvl1pPr algn="l">
+              <a:defRPr sz="3200" b="0" cap="all">
+                <a:solidFill>
+                  <a:schemeClr val="tx1"/>
+                </a:solidFill>
+              </a:defRPr>
+            </a:lvl1pPr>
+          </a:lstStyle>
+          <a:p>
+            <a:r>
+              <a:rPr lang="es-ES"/>
+              <a:t>Haga clic para modificar el estilo de título del patrón</a:t>
+            </a:r>
+            <a:endParaRPr lang="en-US" dirty="0"/>
+          </a:p>
+        </p:txBody>
+      </p:sp>
+      <p:sp>
+        <p:nvSpPr>
+          <p:cNvPr id="10" name="Text Placeholder 9"/>
+          <p:cNvSpPr>
+            <a:spLocks noGrp="1"/>
+          </p:cNvSpPr>
+          <p:nvPr>
+            <p:ph type="body" sz="quarter" idx="13"/>
+          </p:nvPr>
+        </p:nvSpPr>
+        <p:spPr>
+          <a:xfrm>
+            <a:off x="1674812" y="3352800"/>
+            <a:ext cx="8839202" cy="381000"/>
+          </a:xfrm>
+        </p:spPr>
+        <p:txBody>
+          <a:bodyPr anchor="ctr"/>
+          <a:lstStyle>
+            <a:lvl1pPr marL="0" indent="0">
+              <a:buFontTx/>
+              <a:buNone/>
+              <a:defRPr/>
+            </a:lvl1pPr>
+            <a:lvl2pPr marL="457200" indent="0">
+              <a:buFontTx/>
+              <a:buNone/>
+              <a:defRPr/>
+            </a:lvl2pPr>
+            <a:lvl3pPr marL="914400" indent="0">
+              <a:buFontTx/>
+              <a:buNone/>
+              <a:defRPr/>
+            </a:lvl3pPr>
+            <a:lvl4pPr marL="1371600" indent="0">
+              <a:buFontTx/>
+              <a:buNone/>
+              <a:defRPr/>
+            </a:lvl4pPr>
+            <a:lvl5pPr marL="1828800" indent="0">
+              <a:buFontTx/>
+              <a:buNone/>
+              <a:defRPr/>
+            </a:lvl5pPr>
+          </a:lstStyle>
+          <a:p>
+            <a:pPr lvl="0"/>
+            <a:r>
+              <a:rPr lang="es-ES"/>
+              <a:t>Haga clic para modificar los estilos de texto del patrón</a:t>
+            </a:r>
+          </a:p>
+        </p:txBody>
+      </p:sp>
+      <p:sp>
+        <p:nvSpPr>
+          <p:cNvPr id="3" name="Text Placeholder 2"/>
+          <p:cNvSpPr>
+            <a:spLocks noGrp="1"/>
+          </p:cNvSpPr>
+          <p:nvPr>
+            <p:ph type="body" idx="1"/>
+          </p:nvPr>
+        </p:nvSpPr>
+        <p:spPr>
+          <a:xfrm>
+            <a:off x="1141411" y="4343400"/>
+            <a:ext cx="9906000" cy="1447800"/>
+          </a:xfrm>
+        </p:spPr>
+        <p:txBody>
+          <a:bodyPr vert="horz" lIns="91440" tIns="45720" rIns="91440" bIns="45720" rtlCol="0" anchor="ctr">
+            <a:normAutofit/>
+          </a:bodyPr>
+          <a:lstStyle>
+            <a:lvl1pPr>
+              <a:buNone/>
+              <a:defRPr lang="en-US" sz="2000">
+                <a:gradFill flip="none" rotWithShape="1">
+                  <a:gsLst>
+                    <a:gs pos="0">
+                      <a:schemeClr val="tx1"/>
+                    </a:gs>
+                    <a:gs pos="100000">
+                      <a:schemeClr val="tx1">
+                        <a:lumMod val="75000"/>
+                      </a:schemeClr>
+                    </a:gs>
+                  </a:gsLst>
+                  <a:lin ang="5400000" scaled="0"/>
+                  <a:tileRect/>
+                </a:gradFill>
+              </a:defRPr>
+            </a:lvl1pPr>
+          </a:lstStyle>
+          <a:p>
+            <a:pPr marL="0" lvl="0" indent="0">
+              <a:buNone/>
+            </a:pPr>
+            <a:r>
+              <a:rPr lang="es-ES"/>
+              <a:t>Haga clic para modificar los estilos de texto del patrón</a:t>
+            </a:r>
+          </a:p>
+        </p:txBody>
+      </p:sp>
+      <p:sp>
+        <p:nvSpPr>
+          <p:cNvPr id="4" name="Date Placeholder 3"/>
+          <p:cNvSpPr>
+            <a:spLocks noGrp="1"/>
+          </p:cNvSpPr>
+          <p:nvPr>
+            <p:ph type="dt" sz="half" idx="10"/>
+          </p:nvPr>
+        </p:nvSpPr>
+        <p:spPr/>
+        <p:txBody>
+          <a:bodyPr/>
+          <a:lstStyle/>
+          <a:p>
+            <a:fld id="{073ED0CC-082F-4160-86E5-0D6041F12778}" type="datetime1">
+              <a:rPr lang="en-US" smtClean="0"/>
+              <a:t>11/28/2019</a:t>
+            </a:fld>
+            <a:endParaRPr lang="en-US" dirty="0"/>
+          </a:p>
+        </p:txBody>
+      </p:sp>
+      <p:sp>
+        <p:nvSpPr>
+          <p:cNvPr id="5" name="Footer Placeholder 4"/>
+          <p:cNvSpPr>
+            <a:spLocks noGrp="1"/>
+          </p:cNvSpPr>
+          <p:nvPr>
+            <p:ph type="ftr" sz="quarter" idx="11"/>
+          </p:nvPr>
+        </p:nvSpPr>
+        <p:spPr/>
+        <p:txBody>
+          <a:bodyPr/>
+          <a:lstStyle/>
+          <a:p>
+            <a:endParaRPr lang="en-US" dirty="0"/>
+          </a:p>
+        </p:txBody>
+      </p:sp>
+      <p:sp>
+        <p:nvSpPr>
+          <p:cNvPr id="6" name="Slide Number Placeholder 5"/>
+          <p:cNvSpPr>
+            <a:spLocks noGrp="1"/>
+          </p:cNvSpPr>
+          <p:nvPr>
+            <p:ph type="sldNum" sz="quarter" idx="12"/>
+          </p:nvPr>
+        </p:nvSpPr>
+        <p:spPr/>
+        <p:txBody>
+          <a:bodyPr/>
+          <a:lstStyle/>
+          <a:p>
+            <a:fld id="{3A98EE3D-8CD1-4C3F-BD1C-C98C9596463C}" type="slidenum">
+              <a:rPr lang="en-US" smtClean="0"/>
+              <a:t>‹Nº›</a:t>
+            </a:fld>
+            <a:endParaRPr lang="en-US" dirty="0"/>
           </a:p>
         </p:txBody>
       </p:sp>
     </p:spTree>
     <p:extLst>
       <p:ext uri="{BB962C8B-B14F-4D97-AF65-F5344CB8AC3E}">
-        <p14:creationId xmlns:p14="http://schemas.microsoft.com/office/powerpoint/2010/main" val="2549203619"/>
+        <p14:creationId xmlns:p14="http://schemas.microsoft.com/office/powerpoint/2010/main" val="3771809545"/>
       </p:ext>
     </p:extLst>
   </p:cSld>
   <p:clrMapOvr>
     <a:masterClrMapping/>
   </p:clrMapOvr>
+  <p:hf sldNum="0" hdr="0" ftr="0" dt="0"/>
 </p:sldLayout>
 </file>
 
 <file path=ppt/slideLayouts/slideLayout13.xml><?xml version="1.0" encoding="utf-8"?>
 <p:sldLayout xmlns:a="http://schemas.openxmlformats.org/drawingml/2006/main" xmlns:r="http://schemas.openxmlformats.org/officeDocument/2006/relationships" xmlns:p="http://schemas.openxmlformats.org/presentationml/2006/main" preserve="1">
-  <p:cSld name="Name Card">
+  <p:cSld name="Tarjeta de nombre">
     <p:spTree>
       <p:nvGrpSpPr>
         <p:cNvPr id="1" name=""/>
@@ -1597,94 +1642,82 @@
         </p:nvSpPr>
         <p:spPr>
           <a:xfrm>
-            <a:off x="913794" y="2126942"/>
-            <a:ext cx="10353763" cy="2511835"/>
+            <a:off x="1141412" y="3308581"/>
+            <a:ext cx="9906000" cy="1468800"/>
           </a:xfrm>
         </p:spPr>
         <p:txBody>
-          <a:bodyPr anchor="b"/>
+          <a:bodyPr anchor="b">
+            <a:normAutofit/>
+          </a:bodyPr>
+          <a:lstStyle>
+            <a:lvl1pPr algn="l">
+              <a:defRPr sz="3200" b="0" cap="all"/>
+            </a:lvl1pPr>
+          </a:lstStyle>
+          <a:p>
+            <a:r>
+              <a:rPr lang="es-ES"/>
+              <a:t>Haga clic para modificar el estilo de título del patrón</a:t>
+            </a:r>
+            <a:endParaRPr lang="en-US" dirty="0"/>
+          </a:p>
+        </p:txBody>
+      </p:sp>
+      <p:sp>
+        <p:nvSpPr>
+          <p:cNvPr id="3" name="Text Placeholder 2"/>
+          <p:cNvSpPr>
+            <a:spLocks noGrp="1"/>
+          </p:cNvSpPr>
+          <p:nvPr>
+            <p:ph type="body" idx="1"/>
+          </p:nvPr>
+        </p:nvSpPr>
+        <p:spPr>
+          <a:xfrm>
+            <a:off x="1141410" y="4777381"/>
+            <a:ext cx="9906001" cy="860400"/>
+          </a:xfrm>
+        </p:spPr>
+        <p:txBody>
+          <a:bodyPr vert="horz" lIns="91440" tIns="45720" rIns="91440" bIns="45720" rtlCol="0" anchor="t">
+            <a:normAutofit/>
+          </a:bodyPr>
           <a:lstStyle>
             <a:lvl1pPr>
-              <a:defRPr sz="3200"/>
+              <a:defRPr lang="en-US" sz="2000">
+                <a:gradFill flip="none" rotWithShape="1">
+                  <a:gsLst>
+                    <a:gs pos="0">
+                      <a:schemeClr val="tx1"/>
+                    </a:gs>
+                    <a:gs pos="100000">
+                      <a:schemeClr val="tx1">
+                        <a:lumMod val="75000"/>
+                      </a:schemeClr>
+                    </a:gs>
+                  </a:gsLst>
+                  <a:lin ang="5400000" scaled="0"/>
+                  <a:tileRect/>
+                </a:gradFill>
+              </a:defRPr>
             </a:lvl1pPr>
           </a:lstStyle>
           <a:p>
-            <a:r>
-              <a:rPr lang="en-US"/>
-              <a:t>Click to edit Master title style</a:t>
-            </a:r>
-            <a:endParaRPr lang="en-US" dirty="0"/>
-          </a:p>
-        </p:txBody>
-      </p:sp>
-      <p:sp>
-        <p:nvSpPr>
-          <p:cNvPr id="4" name="Text Placeholder 3"/>
-          <p:cNvSpPr>
-            <a:spLocks noGrp="1"/>
-          </p:cNvSpPr>
-          <p:nvPr>
-            <p:ph type="body" sz="half" idx="2"/>
-          </p:nvPr>
-        </p:nvSpPr>
-        <p:spPr>
-          <a:xfrm>
-            <a:off x="913784" y="4650556"/>
-            <a:ext cx="10352199" cy="1140644"/>
-          </a:xfrm>
-        </p:spPr>
-        <p:txBody>
-          <a:bodyPr anchor="t"/>
-          <a:lstStyle>
-            <a:lvl1pPr marL="0" indent="0" algn="ctr">
-              <a:buNone/>
-              <a:defRPr sz="1600"/>
-            </a:lvl1pPr>
-            <a:lvl2pPr marL="457200" indent="0">
-              <a:buNone/>
-              <a:defRPr sz="1400"/>
-            </a:lvl2pPr>
-            <a:lvl3pPr marL="914400" indent="0">
-              <a:buNone/>
-              <a:defRPr sz="1200"/>
-            </a:lvl3pPr>
-            <a:lvl4pPr marL="1371600" indent="0">
-              <a:buNone/>
-              <a:defRPr sz="1000"/>
-            </a:lvl4pPr>
-            <a:lvl5pPr marL="1828800" indent="0">
-              <a:buNone/>
-              <a:defRPr sz="1000"/>
-            </a:lvl5pPr>
-            <a:lvl6pPr marL="2286000" indent="0">
-              <a:buNone/>
-              <a:defRPr sz="1000"/>
-            </a:lvl6pPr>
-            <a:lvl7pPr marL="2743200" indent="0">
-              <a:buNone/>
-              <a:defRPr sz="1000"/>
-            </a:lvl7pPr>
-            <a:lvl8pPr marL="3200400" indent="0">
-              <a:buNone/>
-              <a:defRPr sz="1000"/>
-            </a:lvl8pPr>
-            <a:lvl9pPr marL="3657600" indent="0">
-              <a:buNone/>
-              <a:defRPr sz="1000"/>
-            </a:lvl9pPr>
-          </a:lstStyle>
-          <a:p>
-            <a:pPr lvl="0"/>
-            <a:r>
-              <a:rPr lang="en-US"/>
-              <a:t>Click to edit Master text styles</a:t>
-            </a:r>
-          </a:p>
-        </p:txBody>
-      </p:sp>
-      <p:sp>
-        <p:nvSpPr>
-          <p:cNvPr id="5" name="Date Placeholder 4"/>
+            <a:pPr marL="0" lvl="0" indent="0">
+              <a:buNone/>
+            </a:pPr>
+            <a:r>
+              <a:rPr lang="es-ES"/>
+              <a:t>Haga clic para modificar los estilos de texto del patrón</a:t>
+            </a:r>
+          </a:p>
+        </p:txBody>
+      </p:sp>
+      <p:sp>
+        <p:nvSpPr>
+          <p:cNvPr id="4" name="Date Placeholder 3"/>
           <p:cNvSpPr>
             <a:spLocks noGrp="1"/>
           </p:cNvSpPr>
@@ -1697,9 +1730,9 @@
           <a:bodyPr/>
           <a:lstStyle/>
           <a:p>
-            <a:fld id="{4E6EFC2C-8905-46F0-B443-CE905B76BA01}" type="datetime1">
+            <a:fld id="{073ED0CC-082F-4160-86E5-0D6041F12778}" type="datetime1">
               <a:rPr lang="en-US" smtClean="0"/>
-              <a:t>11/28/19</a:t>
+              <a:t>11/28/2019</a:t>
             </a:fld>
             <a:endParaRPr lang="en-US" dirty="0"/>
           </a:p>
@@ -1707,7 +1740,7 @@
       </p:sp>
       <p:sp>
         <p:nvSpPr>
-          <p:cNvPr id="6" name="Footer Placeholder 5"/>
+          <p:cNvPr id="5" name="Footer Placeholder 4"/>
           <p:cNvSpPr>
             <a:spLocks noGrp="1"/>
           </p:cNvSpPr>
@@ -1726,7 +1759,7 @@
       </p:sp>
       <p:sp>
         <p:nvSpPr>
-          <p:cNvPr id="7" name="Slide Number Placeholder 6"/>
+          <p:cNvPr id="6" name="Slide Number Placeholder 5"/>
           <p:cNvSpPr>
             <a:spLocks noGrp="1"/>
           </p:cNvSpPr>
@@ -1750,19 +1783,20 @@
     </p:spTree>
     <p:extLst>
       <p:ext uri="{BB962C8B-B14F-4D97-AF65-F5344CB8AC3E}">
-        <p14:creationId xmlns:p14="http://schemas.microsoft.com/office/powerpoint/2010/main" val="397051997"/>
+        <p14:creationId xmlns:p14="http://schemas.microsoft.com/office/powerpoint/2010/main" val="1976413712"/>
       </p:ext>
     </p:extLst>
   </p:cSld>
   <p:clrMapOvr>
     <a:masterClrMapping/>
   </p:clrMapOvr>
+  <p:hf sldNum="0" hdr="0" ftr="0" dt="0"/>
 </p:sldLayout>
 </file>
 
 <file path=ppt/slideLayouts/slideLayout14.xml><?xml version="1.0" encoding="utf-8"?>
 <p:sldLayout xmlns:a="http://schemas.openxmlformats.org/drawingml/2006/main" xmlns:r="http://schemas.openxmlformats.org/officeDocument/2006/relationships" xmlns:p="http://schemas.openxmlformats.org/presentationml/2006/main" preserve="1">
-  <p:cSld name="3 Column">
+  <p:cSld name="Citar la tarjeta de nombre">
     <p:spTree>
       <p:nvGrpSpPr>
         <p:cNvPr id="1" name=""/>
@@ -1779,117 +1813,369 @@
       </p:grpSpPr>
       <p:sp>
         <p:nvSpPr>
-          <p:cNvPr id="15" name="Title 1"/>
-          <p:cNvSpPr>
-            <a:spLocks noGrp="1"/>
-          </p:cNvSpPr>
-          <p:nvPr>
-            <p:ph type="title"/>
-          </p:nvPr>
+          <p:cNvPr id="14" name="TextBox 13"/>
+          <p:cNvSpPr txBox="1"/>
+          <p:nvPr/>
         </p:nvSpPr>
         <p:spPr>
           <a:xfrm>
-            <a:off x="913795" y="609600"/>
-            <a:ext cx="10353762" cy="970450"/>
+            <a:off x="836612" y="786824"/>
+            <a:ext cx="609600" cy="584776"/>
           </a:xfrm>
+          <a:prstGeom prst="rect">
+            <a:avLst/>
+          </a:prstGeom>
         </p:spPr>
         <p:txBody>
-          <a:bodyPr/>
-          <a:lstStyle/>
-          <a:p>
-            <a:r>
-              <a:rPr lang="en-US"/>
-              <a:t>Click to edit Master title style</a:t>
-            </a:r>
-            <a:endParaRPr lang="en-US" dirty="0"/>
-          </a:p>
-        </p:txBody>
-      </p:sp>
-      <p:sp>
-        <p:nvSpPr>
-          <p:cNvPr id="7" name="Text Placeholder 2"/>
-          <p:cNvSpPr>
-            <a:spLocks noGrp="1"/>
-          </p:cNvSpPr>
-          <p:nvPr>
-            <p:ph type="body" idx="1"/>
-          </p:nvPr>
-        </p:nvSpPr>
-        <p:spPr>
-          <a:xfrm>
-            <a:off x="913795" y="1885950"/>
-            <a:ext cx="3300984" cy="764782"/>
-          </a:xfrm>
-        </p:spPr>
-        <p:txBody>
-          <a:bodyPr anchor="b">
+          <a:bodyPr vert="horz" lIns="91440" tIns="45720" rIns="91440" bIns="45720" rtlCol="0" anchor="ctr">
             <a:noAutofit/>
           </a:bodyPr>
           <a:lstStyle>
-            <a:lvl1pPr marL="0" indent="0" algn="ctr">
-              <a:buNone/>
-              <a:defRPr sz="2200" b="0">
-                <a:solidFill>
-                  <a:schemeClr val="tx1"/>
-                </a:solidFill>
+            <a:lvl1pPr>
+              <a:spcBef>
+                <a:spcPct val="0"/>
+              </a:spcBef>
+              <a:buNone/>
+              <a:defRPr sz="3200" b="0" cap="all">
+                <a:ln w="3175" cmpd="sng">
+                  <a:noFill/>
+                </a:ln>
+                <a:effectLst>
+                  <a:glow rad="38100">
+                    <a:schemeClr val="bg1">
+                      <a:lumMod val="65000"/>
+                      <a:lumOff val="35000"/>
+                      <a:alpha val="40000"/>
+                    </a:schemeClr>
+                  </a:glow>
+                  <a:outerShdw blurRad="28575" dist="38100" dir="14040000" algn="tl" rotWithShape="0">
+                    <a:srgbClr val="000000">
+                      <a:alpha val="25000"/>
+                    </a:srgbClr>
+                  </a:outerShdw>
+                </a:effectLst>
               </a:defRPr>
             </a:lvl1pPr>
-            <a:lvl2pPr marL="457200" indent="0">
-              <a:buNone/>
-              <a:defRPr sz="2000" b="1"/>
+            <a:lvl2pPr>
+              <a:defRPr>
+                <a:solidFill>
+                  <a:schemeClr val="tx2"/>
+                </a:solidFill>
+              </a:defRPr>
             </a:lvl2pPr>
-            <a:lvl3pPr marL="914400" indent="0">
-              <a:buNone/>
-              <a:defRPr sz="1800" b="1"/>
+            <a:lvl3pPr>
+              <a:defRPr>
+                <a:solidFill>
+                  <a:schemeClr val="tx2"/>
+                </a:solidFill>
+              </a:defRPr>
             </a:lvl3pPr>
-            <a:lvl4pPr marL="1371600" indent="0">
-              <a:buNone/>
-              <a:defRPr sz="1600" b="1"/>
+            <a:lvl4pPr>
+              <a:defRPr>
+                <a:solidFill>
+                  <a:schemeClr val="tx2"/>
+                </a:solidFill>
+              </a:defRPr>
             </a:lvl4pPr>
-            <a:lvl5pPr marL="1828800" indent="0">
-              <a:buNone/>
-              <a:defRPr sz="1600" b="1"/>
+            <a:lvl5pPr>
+              <a:defRPr>
+                <a:solidFill>
+                  <a:schemeClr val="tx2"/>
+                </a:solidFill>
+              </a:defRPr>
             </a:lvl5pPr>
-            <a:lvl6pPr marL="2286000" indent="0">
-              <a:buNone/>
-              <a:defRPr sz="1600" b="1"/>
+            <a:lvl6pPr>
+              <a:defRPr>
+                <a:solidFill>
+                  <a:schemeClr val="tx2"/>
+                </a:solidFill>
+              </a:defRPr>
             </a:lvl6pPr>
-            <a:lvl7pPr marL="2743200" indent="0">
-              <a:buNone/>
-              <a:defRPr sz="1600" b="1"/>
+            <a:lvl7pPr>
+              <a:defRPr>
+                <a:solidFill>
+                  <a:schemeClr val="tx2"/>
+                </a:solidFill>
+              </a:defRPr>
             </a:lvl7pPr>
-            <a:lvl8pPr marL="3200400" indent="0">
-              <a:buNone/>
-              <a:defRPr sz="1600" b="1"/>
+            <a:lvl8pPr>
+              <a:defRPr>
+                <a:solidFill>
+                  <a:schemeClr val="tx2"/>
+                </a:solidFill>
+              </a:defRPr>
             </a:lvl8pPr>
-            <a:lvl9pPr marL="3657600" indent="0">
-              <a:buNone/>
-              <a:defRPr sz="1600" b="1"/>
+            <a:lvl9pPr>
+              <a:defRPr>
+                <a:solidFill>
+                  <a:schemeClr val="tx2"/>
+                </a:solidFill>
+              </a:defRPr>
             </a:lvl9pPr>
           </a:lstStyle>
           <a:p>
             <a:pPr lvl="0"/>
             <a:r>
-              <a:rPr lang="en-US" dirty="0"/>
-              <a:t>Click to edit Master text styles</a:t>
-            </a:r>
-          </a:p>
-        </p:txBody>
-      </p:sp>
-      <p:sp>
-        <p:nvSpPr>
-          <p:cNvPr id="8" name="Text Placeholder 3"/>
-          <p:cNvSpPr>
-            <a:spLocks noGrp="1"/>
-          </p:cNvSpPr>
-          <p:nvPr>
-            <p:ph type="body" sz="half" idx="15"/>
-          </p:nvPr>
+              <a:rPr lang="en-US" sz="8000" dirty="0">
+                <a:solidFill>
+                  <a:schemeClr val="accent1"/>
+                </a:solidFill>
+              </a:rPr>
+              <a:t>“</a:t>
+            </a:r>
+          </a:p>
+        </p:txBody>
+      </p:sp>
+      <p:sp>
+        <p:nvSpPr>
+          <p:cNvPr id="15" name="TextBox 14"/>
+          <p:cNvSpPr txBox="1"/>
+          <p:nvPr/>
         </p:nvSpPr>
         <p:spPr>
           <a:xfrm>
-            <a:off x="913795" y="2768112"/>
-            <a:ext cx="3300984" cy="3023088"/>
+            <a:off x="10437812" y="2743200"/>
+            <a:ext cx="609600" cy="584776"/>
+          </a:xfrm>
+          <a:prstGeom prst="rect">
+            <a:avLst/>
+          </a:prstGeom>
+        </p:spPr>
+        <p:txBody>
+          <a:bodyPr vert="horz" lIns="91440" tIns="45720" rIns="91440" bIns="45720" rtlCol="0" anchor="ctr">
+            <a:noAutofit/>
+          </a:bodyPr>
+          <a:lstStyle>
+            <a:lvl1pPr>
+              <a:spcBef>
+                <a:spcPct val="0"/>
+              </a:spcBef>
+              <a:buNone/>
+              <a:defRPr sz="3200" b="0" cap="all">
+                <a:ln w="3175" cmpd="sng">
+                  <a:noFill/>
+                </a:ln>
+                <a:effectLst>
+                  <a:glow rad="38100">
+                    <a:schemeClr val="bg1">
+                      <a:lumMod val="65000"/>
+                      <a:lumOff val="35000"/>
+                      <a:alpha val="40000"/>
+                    </a:schemeClr>
+                  </a:glow>
+                  <a:outerShdw blurRad="28575" dist="38100" dir="14040000" algn="tl" rotWithShape="0">
+                    <a:srgbClr val="000000">
+                      <a:alpha val="25000"/>
+                    </a:srgbClr>
+                  </a:outerShdw>
+                </a:effectLst>
+              </a:defRPr>
+            </a:lvl1pPr>
+            <a:lvl2pPr>
+              <a:defRPr>
+                <a:solidFill>
+                  <a:schemeClr val="tx2"/>
+                </a:solidFill>
+              </a:defRPr>
+            </a:lvl2pPr>
+            <a:lvl3pPr>
+              <a:defRPr>
+                <a:solidFill>
+                  <a:schemeClr val="tx2"/>
+                </a:solidFill>
+              </a:defRPr>
+            </a:lvl3pPr>
+            <a:lvl4pPr>
+              <a:defRPr>
+                <a:solidFill>
+                  <a:schemeClr val="tx2"/>
+                </a:solidFill>
+              </a:defRPr>
+            </a:lvl4pPr>
+            <a:lvl5pPr>
+              <a:defRPr>
+                <a:solidFill>
+                  <a:schemeClr val="tx2"/>
+                </a:solidFill>
+              </a:defRPr>
+            </a:lvl5pPr>
+            <a:lvl6pPr>
+              <a:defRPr>
+                <a:solidFill>
+                  <a:schemeClr val="tx2"/>
+                </a:solidFill>
+              </a:defRPr>
+            </a:lvl6pPr>
+            <a:lvl7pPr>
+              <a:defRPr>
+                <a:solidFill>
+                  <a:schemeClr val="tx2"/>
+                </a:solidFill>
+              </a:defRPr>
+            </a:lvl7pPr>
+            <a:lvl8pPr>
+              <a:defRPr>
+                <a:solidFill>
+                  <a:schemeClr val="tx2"/>
+                </a:solidFill>
+              </a:defRPr>
+            </a:lvl8pPr>
+            <a:lvl9pPr>
+              <a:defRPr>
+                <a:solidFill>
+                  <a:schemeClr val="tx2"/>
+                </a:solidFill>
+              </a:defRPr>
+            </a:lvl9pPr>
+          </a:lstStyle>
+          <a:p>
+            <a:pPr lvl="0" algn="r"/>
+            <a:r>
+              <a:rPr lang="en-US" sz="8000" dirty="0">
+                <a:solidFill>
+                  <a:schemeClr val="accent1"/>
+                </a:solidFill>
+              </a:rPr>
+              <a:t>”</a:t>
+            </a:r>
+          </a:p>
+        </p:txBody>
+      </p:sp>
+      <p:sp>
+        <p:nvSpPr>
+          <p:cNvPr id="2" name="Title 1"/>
+          <p:cNvSpPr>
+            <a:spLocks noGrp="1"/>
+          </p:cNvSpPr>
+          <p:nvPr>
+            <p:ph type="title"/>
+          </p:nvPr>
+        </p:nvSpPr>
+        <p:spPr>
+          <a:xfrm>
+            <a:off x="1446213" y="609601"/>
+            <a:ext cx="9296398" cy="2743199"/>
+          </a:xfrm>
+        </p:spPr>
+        <p:txBody>
+          <a:bodyPr anchor="ctr">
+            <a:normAutofit/>
+          </a:bodyPr>
+          <a:lstStyle>
+            <a:lvl1pPr algn="l">
+              <a:defRPr sz="3200" b="0" cap="all">
+                <a:gradFill flip="none" rotWithShape="1">
+                  <a:gsLst>
+                    <a:gs pos="0">
+                      <a:schemeClr val="tx1"/>
+                    </a:gs>
+                    <a:gs pos="100000">
+                      <a:schemeClr val="tx1">
+                        <a:lumMod val="75000"/>
+                      </a:schemeClr>
+                    </a:gs>
+                  </a:gsLst>
+                  <a:lin ang="5400000" scaled="0"/>
+                  <a:tileRect/>
+                </a:gradFill>
+              </a:defRPr>
+            </a:lvl1pPr>
+          </a:lstStyle>
+          <a:p>
+            <a:r>
+              <a:rPr lang="es-ES"/>
+              <a:t>Haga clic para modificar el estilo de título del patrón</a:t>
+            </a:r>
+            <a:endParaRPr lang="en-US" dirty="0"/>
+          </a:p>
+        </p:txBody>
+      </p:sp>
+      <p:sp>
+        <p:nvSpPr>
+          <p:cNvPr id="10" name="Text Placeholder 9"/>
+          <p:cNvSpPr>
+            <a:spLocks noGrp="1"/>
+          </p:cNvSpPr>
+          <p:nvPr>
+            <p:ph type="body" sz="quarter" idx="13"/>
+          </p:nvPr>
+        </p:nvSpPr>
+        <p:spPr>
+          <a:xfrm>
+            <a:off x="1141412" y="3886200"/>
+            <a:ext cx="9906000" cy="889000"/>
+          </a:xfrm>
+        </p:spPr>
+        <p:txBody>
+          <a:bodyPr vert="horz" lIns="91440" tIns="45720" rIns="91440" bIns="45720" rtlCol="0" anchor="b">
+            <a:normAutofit/>
+          </a:bodyPr>
+          <a:lstStyle>
+            <a:lvl1pPr>
+              <a:buNone/>
+              <a:defRPr lang="en-US" sz="2400" b="0" cap="all" dirty="0">
+                <a:ln w="3175" cmpd="sng">
+                  <a:noFill/>
+                </a:ln>
+                <a:gradFill flip="none" rotWithShape="1">
+                  <a:gsLst>
+                    <a:gs pos="0">
+                      <a:schemeClr val="tx1"/>
+                    </a:gs>
+                    <a:gs pos="100000">
+                      <a:schemeClr val="tx1">
+                        <a:lumMod val="75000"/>
+                      </a:schemeClr>
+                    </a:gs>
+                  </a:gsLst>
+                  <a:lin ang="5400000" scaled="0"/>
+                  <a:tileRect/>
+                </a:gradFill>
+                <a:effectLst>
+                  <a:glow rad="38100">
+                    <a:schemeClr val="bg1">
+                      <a:lumMod val="65000"/>
+                      <a:lumOff val="35000"/>
+                      <a:alpha val="40000"/>
+                    </a:schemeClr>
+                  </a:glow>
+                  <a:outerShdw blurRad="28575" dist="38100" dir="14040000" algn="tl" rotWithShape="0">
+                    <a:srgbClr val="000000">
+                      <a:alpha val="25000"/>
+                    </a:srgbClr>
+                  </a:outerShdw>
+                </a:effectLst>
+              </a:defRPr>
+            </a:lvl1pPr>
+          </a:lstStyle>
+          <a:p>
+            <a:pPr marL="0" lvl="0">
+              <a:spcBef>
+                <a:spcPct val="0"/>
+              </a:spcBef>
+              <a:buNone/>
+            </a:pPr>
+            <a:r>
+              <a:rPr lang="es-ES"/>
+              <a:t>Haga clic para modificar los estilos de texto del patrón</a:t>
+            </a:r>
+          </a:p>
+        </p:txBody>
+      </p:sp>
+      <p:sp>
+        <p:nvSpPr>
+          <p:cNvPr id="3" name="Text Placeholder 2"/>
+          <p:cNvSpPr>
+            <a:spLocks noGrp="1"/>
+          </p:cNvSpPr>
+          <p:nvPr>
+            <p:ph type="body" idx="1"/>
+          </p:nvPr>
+        </p:nvSpPr>
+        <p:spPr>
+          <a:xfrm>
+            <a:off x="1141411" y="4775200"/>
+            <a:ext cx="9906000" cy="1016000"/>
           </a:xfrm>
         </p:spPr>
         <p:txBody>
@@ -1897,331 +2183,118 @@
             <a:normAutofit/>
           </a:bodyPr>
           <a:lstStyle>
-            <a:lvl1pPr marL="0" indent="0" algn="ctr">
-              <a:buNone/>
-              <a:defRPr sz="1400"/>
+            <a:lvl1pPr marL="0" indent="0" algn="l">
+              <a:buNone/>
+              <a:defRPr sz="1800">
+                <a:gradFill flip="none" rotWithShape="1">
+                  <a:gsLst>
+                    <a:gs pos="0">
+                      <a:schemeClr val="tx1"/>
+                    </a:gs>
+                    <a:gs pos="100000">
+                      <a:schemeClr val="tx1">
+                        <a:lumMod val="75000"/>
+                      </a:schemeClr>
+                    </a:gs>
+                  </a:gsLst>
+                  <a:lin ang="5400000" scaled="0"/>
+                  <a:tileRect/>
+                </a:gradFill>
+              </a:defRPr>
             </a:lvl1pPr>
             <a:lvl2pPr marL="457200" indent="0">
               <a:buNone/>
-              <a:defRPr sz="1200"/>
+              <a:defRPr sz="1800">
+                <a:solidFill>
+                  <a:schemeClr val="tx1">
+                    <a:tint val="75000"/>
+                  </a:schemeClr>
+                </a:solidFill>
+              </a:defRPr>
             </a:lvl2pPr>
             <a:lvl3pPr marL="914400" indent="0">
               <a:buNone/>
-              <a:defRPr sz="1000"/>
+              <a:defRPr sz="1600">
+                <a:solidFill>
+                  <a:schemeClr val="tx1">
+                    <a:tint val="75000"/>
+                  </a:schemeClr>
+                </a:solidFill>
+              </a:defRPr>
             </a:lvl3pPr>
             <a:lvl4pPr marL="1371600" indent="0">
               <a:buNone/>
-              <a:defRPr sz="900"/>
+              <a:defRPr sz="1400">
+                <a:solidFill>
+                  <a:schemeClr val="tx1">
+                    <a:tint val="75000"/>
+                  </a:schemeClr>
+                </a:solidFill>
+              </a:defRPr>
             </a:lvl4pPr>
             <a:lvl5pPr marL="1828800" indent="0">
               <a:buNone/>
-              <a:defRPr sz="900"/>
+              <a:defRPr sz="1400">
+                <a:solidFill>
+                  <a:schemeClr val="tx1">
+                    <a:tint val="75000"/>
+                  </a:schemeClr>
+                </a:solidFill>
+              </a:defRPr>
             </a:lvl5pPr>
             <a:lvl6pPr marL="2286000" indent="0">
               <a:buNone/>
-              <a:defRPr sz="900"/>
+              <a:defRPr sz="1400">
+                <a:solidFill>
+                  <a:schemeClr val="tx1">
+                    <a:tint val="75000"/>
+                  </a:schemeClr>
+                </a:solidFill>
+              </a:defRPr>
             </a:lvl6pPr>
             <a:lvl7pPr marL="2743200" indent="0">
               <a:buNone/>
-              <a:defRPr sz="900"/>
+              <a:defRPr sz="1400">
+                <a:solidFill>
+                  <a:schemeClr val="tx1">
+                    <a:tint val="75000"/>
+                  </a:schemeClr>
+                </a:solidFill>
+              </a:defRPr>
             </a:lvl7pPr>
             <a:lvl8pPr marL="3200400" indent="0">
               <a:buNone/>
-              <a:defRPr sz="900"/>
+              <a:defRPr sz="1400">
+                <a:solidFill>
+                  <a:schemeClr val="tx1">
+                    <a:tint val="75000"/>
+                  </a:schemeClr>
+                </a:solidFill>
+              </a:defRPr>
             </a:lvl8pPr>
             <a:lvl9pPr marL="3657600" indent="0">
               <a:buNone/>
-              <a:defRPr sz="900"/>
+              <a:defRPr sz="1400">
+                <a:solidFill>
+                  <a:schemeClr val="tx1">
+                    <a:tint val="75000"/>
+                  </a:schemeClr>
+                </a:solidFill>
+              </a:defRPr>
             </a:lvl9pPr>
           </a:lstStyle>
           <a:p>
             <a:pPr lvl="0"/>
             <a:r>
-              <a:rPr lang="en-US"/>
-              <a:t>Click to edit Master text styles</a:t>
-            </a:r>
-          </a:p>
-        </p:txBody>
-      </p:sp>
-      <p:sp>
-        <p:nvSpPr>
-          <p:cNvPr id="9" name="Text Placeholder 4"/>
-          <p:cNvSpPr>
-            <a:spLocks noGrp="1"/>
-          </p:cNvSpPr>
-          <p:nvPr>
-            <p:ph type="body" sz="quarter" idx="3"/>
-          </p:nvPr>
-        </p:nvSpPr>
-        <p:spPr>
-          <a:xfrm>
-            <a:off x="4446711" y="1885949"/>
-            <a:ext cx="3300984" cy="764783"/>
-          </a:xfrm>
-        </p:spPr>
-        <p:txBody>
-          <a:bodyPr anchor="b">
-            <a:noAutofit/>
-          </a:bodyPr>
-          <a:lstStyle>
-            <a:lvl1pPr marL="0" indent="0" algn="ctr">
-              <a:buNone/>
-              <a:defRPr sz="2200" b="0">
-                <a:solidFill>
-                  <a:schemeClr val="tx1"/>
-                </a:solidFill>
-              </a:defRPr>
-            </a:lvl1pPr>
-            <a:lvl2pPr marL="457200" indent="0">
-              <a:buNone/>
-              <a:defRPr sz="2000" b="1"/>
-            </a:lvl2pPr>
-            <a:lvl3pPr marL="914400" indent="0">
-              <a:buNone/>
-              <a:defRPr sz="1800" b="1"/>
-            </a:lvl3pPr>
-            <a:lvl4pPr marL="1371600" indent="0">
-              <a:buNone/>
-              <a:defRPr sz="1600" b="1"/>
-            </a:lvl4pPr>
-            <a:lvl5pPr marL="1828800" indent="0">
-              <a:buNone/>
-              <a:defRPr sz="1600" b="1"/>
-            </a:lvl5pPr>
-            <a:lvl6pPr marL="2286000" indent="0">
-              <a:buNone/>
-              <a:defRPr sz="1600" b="1"/>
-            </a:lvl6pPr>
-            <a:lvl7pPr marL="2743200" indent="0">
-              <a:buNone/>
-              <a:defRPr sz="1600" b="1"/>
-            </a:lvl7pPr>
-            <a:lvl8pPr marL="3200400" indent="0">
-              <a:buNone/>
-              <a:defRPr sz="1600" b="1"/>
-            </a:lvl8pPr>
-            <a:lvl9pPr marL="3657600" indent="0">
-              <a:buNone/>
-              <a:defRPr sz="1600" b="1"/>
-            </a:lvl9pPr>
-          </a:lstStyle>
-          <a:p>
-            <a:pPr lvl="0"/>
-            <a:r>
-              <a:rPr lang="en-US" dirty="0"/>
-              <a:t>Click to edit Master text styles</a:t>
-            </a:r>
-          </a:p>
-        </p:txBody>
-      </p:sp>
-      <p:sp>
-        <p:nvSpPr>
-          <p:cNvPr id="10" name="Text Placeholder 3"/>
-          <p:cNvSpPr>
-            <a:spLocks noGrp="1"/>
-          </p:cNvSpPr>
-          <p:nvPr>
-            <p:ph type="body" sz="half" idx="16"/>
-          </p:nvPr>
-        </p:nvSpPr>
-        <p:spPr>
-          <a:xfrm>
-            <a:off x="4441435" y="2768112"/>
-            <a:ext cx="3300984" cy="3023088"/>
-          </a:xfrm>
-        </p:spPr>
-        <p:txBody>
-          <a:bodyPr anchor="t">
-            <a:normAutofit/>
-          </a:bodyPr>
-          <a:lstStyle>
-            <a:lvl1pPr marL="0" indent="0" algn="ctr">
-              <a:buNone/>
-              <a:defRPr sz="1400"/>
-            </a:lvl1pPr>
-            <a:lvl2pPr marL="457200" indent="0">
-              <a:buNone/>
-              <a:defRPr sz="1200"/>
-            </a:lvl2pPr>
-            <a:lvl3pPr marL="914400" indent="0">
-              <a:buNone/>
-              <a:defRPr sz="1000"/>
-            </a:lvl3pPr>
-            <a:lvl4pPr marL="1371600" indent="0">
-              <a:buNone/>
-              <a:defRPr sz="900"/>
-            </a:lvl4pPr>
-            <a:lvl5pPr marL="1828800" indent="0">
-              <a:buNone/>
-              <a:defRPr sz="900"/>
-            </a:lvl5pPr>
-            <a:lvl6pPr marL="2286000" indent="0">
-              <a:buNone/>
-              <a:defRPr sz="900"/>
-            </a:lvl6pPr>
-            <a:lvl7pPr marL="2743200" indent="0">
-              <a:buNone/>
-              <a:defRPr sz="900"/>
-            </a:lvl7pPr>
-            <a:lvl8pPr marL="3200400" indent="0">
-              <a:buNone/>
-              <a:defRPr sz="900"/>
-            </a:lvl8pPr>
-            <a:lvl9pPr marL="3657600" indent="0">
-              <a:buNone/>
-              <a:defRPr sz="900"/>
-            </a:lvl9pPr>
-          </a:lstStyle>
-          <a:p>
-            <a:pPr lvl="0"/>
-            <a:r>
-              <a:rPr lang="en-US" dirty="0"/>
-              <a:t>Click to edit Master text styles</a:t>
-            </a:r>
-          </a:p>
-        </p:txBody>
-      </p:sp>
-      <p:sp>
-        <p:nvSpPr>
-          <p:cNvPr id="11" name="Text Placeholder 4"/>
-          <p:cNvSpPr>
-            <a:spLocks noGrp="1"/>
-          </p:cNvSpPr>
-          <p:nvPr>
-            <p:ph type="body" sz="quarter" idx="13"/>
-          </p:nvPr>
-        </p:nvSpPr>
-        <p:spPr>
-          <a:xfrm>
-            <a:off x="7966572" y="1885950"/>
-            <a:ext cx="3300984" cy="764782"/>
-          </a:xfrm>
-        </p:spPr>
-        <p:txBody>
-          <a:bodyPr anchor="b">
-            <a:noAutofit/>
-          </a:bodyPr>
-          <a:lstStyle>
-            <a:lvl1pPr marL="0" indent="0" algn="ctr">
-              <a:buNone/>
-              <a:defRPr sz="2200" b="0">
-                <a:solidFill>
-                  <a:schemeClr val="tx1"/>
-                </a:solidFill>
-              </a:defRPr>
-            </a:lvl1pPr>
-            <a:lvl2pPr marL="457200" indent="0">
-              <a:buNone/>
-              <a:defRPr sz="2000" b="1"/>
-            </a:lvl2pPr>
-            <a:lvl3pPr marL="914400" indent="0">
-              <a:buNone/>
-              <a:defRPr sz="1800" b="1"/>
-            </a:lvl3pPr>
-            <a:lvl4pPr marL="1371600" indent="0">
-              <a:buNone/>
-              <a:defRPr sz="1600" b="1"/>
-            </a:lvl4pPr>
-            <a:lvl5pPr marL="1828800" indent="0">
-              <a:buNone/>
-              <a:defRPr sz="1600" b="1"/>
-            </a:lvl5pPr>
-            <a:lvl6pPr marL="2286000" indent="0">
-              <a:buNone/>
-              <a:defRPr sz="1600" b="1"/>
-            </a:lvl6pPr>
-            <a:lvl7pPr marL="2743200" indent="0">
-              <a:buNone/>
-              <a:defRPr sz="1600" b="1"/>
-            </a:lvl7pPr>
-            <a:lvl8pPr marL="3200400" indent="0">
-              <a:buNone/>
-              <a:defRPr sz="1600" b="1"/>
-            </a:lvl8pPr>
-            <a:lvl9pPr marL="3657600" indent="0">
-              <a:buNone/>
-              <a:defRPr sz="1600" b="1"/>
-            </a:lvl9pPr>
-          </a:lstStyle>
-          <a:p>
-            <a:pPr lvl="0"/>
-            <a:r>
-              <a:rPr lang="en-US" dirty="0"/>
-              <a:t>Click to edit Master text styles</a:t>
-            </a:r>
-          </a:p>
-        </p:txBody>
-      </p:sp>
-      <p:sp>
-        <p:nvSpPr>
-          <p:cNvPr id="12" name="Text Placeholder 3"/>
-          <p:cNvSpPr>
-            <a:spLocks noGrp="1"/>
-          </p:cNvSpPr>
-          <p:nvPr>
-            <p:ph type="body" sz="half" idx="17"/>
-          </p:nvPr>
-        </p:nvSpPr>
-        <p:spPr>
-          <a:xfrm>
-            <a:off x="7966572" y="2768110"/>
-            <a:ext cx="3300984" cy="3023089"/>
-          </a:xfrm>
-        </p:spPr>
-        <p:txBody>
-          <a:bodyPr anchor="t">
-            <a:normAutofit/>
-          </a:bodyPr>
-          <a:lstStyle>
-            <a:lvl1pPr marL="0" indent="0" algn="ctr">
-              <a:buNone/>
-              <a:defRPr sz="1400"/>
-            </a:lvl1pPr>
-            <a:lvl2pPr marL="457200" indent="0">
-              <a:buNone/>
-              <a:defRPr sz="1200"/>
-            </a:lvl2pPr>
-            <a:lvl3pPr marL="914400" indent="0">
-              <a:buNone/>
-              <a:defRPr sz="1000"/>
-            </a:lvl3pPr>
-            <a:lvl4pPr marL="1371600" indent="0">
-              <a:buNone/>
-              <a:defRPr sz="900"/>
-            </a:lvl4pPr>
-            <a:lvl5pPr marL="1828800" indent="0">
-              <a:buNone/>
-              <a:defRPr sz="900"/>
-            </a:lvl5pPr>
-            <a:lvl6pPr marL="2286000" indent="0">
-              <a:buNone/>
-              <a:defRPr sz="900"/>
-            </a:lvl6pPr>
-            <a:lvl7pPr marL="2743200" indent="0">
-              <a:buNone/>
-              <a:defRPr sz="900"/>
-            </a:lvl7pPr>
-            <a:lvl8pPr marL="3200400" indent="0">
-              <a:buNone/>
-              <a:defRPr sz="900"/>
-            </a:lvl8pPr>
-            <a:lvl9pPr marL="3657600" indent="0">
-              <a:buNone/>
-              <a:defRPr sz="900"/>
-            </a:lvl9pPr>
-          </a:lstStyle>
-          <a:p>
-            <a:pPr lvl="0"/>
-            <a:r>
-              <a:rPr lang="en-US"/>
-              <a:t>Click to edit Master text styles</a:t>
-            </a:r>
-          </a:p>
-        </p:txBody>
-      </p:sp>
-      <p:sp>
-        <p:nvSpPr>
-          <p:cNvPr id="3" name="Date Placeholder 2"/>
+              <a:rPr lang="es-ES"/>
+              <a:t>Haga clic para modificar los estilos de texto del patrón</a:t>
+            </a:r>
+          </a:p>
+        </p:txBody>
+      </p:sp>
+      <p:sp>
+        <p:nvSpPr>
+          <p:cNvPr id="4" name="Date Placeholder 3"/>
           <p:cNvSpPr>
             <a:spLocks noGrp="1"/>
           </p:cNvSpPr>
@@ -2234,9 +2307,9 @@
           <a:bodyPr/>
           <a:lstStyle/>
           <a:p>
-            <a:fld id="{D9079DC3-C9B5-499E-9140-0DC28B7074E2}" type="datetime1">
+            <a:fld id="{073ED0CC-082F-4160-86E5-0D6041F12778}" type="datetime1">
               <a:rPr lang="en-US" smtClean="0"/>
-              <a:t>11/28/19</a:t>
+              <a:t>11/28/2019</a:t>
             </a:fld>
             <a:endParaRPr lang="en-US" dirty="0"/>
           </a:p>
@@ -2244,7 +2317,7 @@
       </p:sp>
       <p:sp>
         <p:nvSpPr>
-          <p:cNvPr id="4" name="Footer Placeholder 3"/>
+          <p:cNvPr id="5" name="Footer Placeholder 4"/>
           <p:cNvSpPr>
             <a:spLocks noGrp="1"/>
           </p:cNvSpPr>
@@ -2263,7 +2336,7 @@
       </p:sp>
       <p:sp>
         <p:nvSpPr>
-          <p:cNvPr id="5" name="Slide Number Placeholder 4"/>
+          <p:cNvPr id="6" name="Slide Number Placeholder 5"/>
           <p:cNvSpPr>
             <a:spLocks noGrp="1"/>
           </p:cNvSpPr>
@@ -2287,19 +2360,20 @@
     </p:spTree>
     <p:extLst>
       <p:ext uri="{BB962C8B-B14F-4D97-AF65-F5344CB8AC3E}">
-        <p14:creationId xmlns:p14="http://schemas.microsoft.com/office/powerpoint/2010/main" val="4222192943"/>
+        <p14:creationId xmlns:p14="http://schemas.microsoft.com/office/powerpoint/2010/main" val="2997432122"/>
       </p:ext>
     </p:extLst>
   </p:cSld>
   <p:clrMapOvr>
     <a:masterClrMapping/>
   </p:clrMapOvr>
+  <p:hf sldNum="0" hdr="0" ftr="0" dt="0"/>
 </p:sldLayout>
 </file>
 
 <file path=ppt/slideLayouts/slideLayout15.xml><?xml version="1.0" encoding="utf-8"?>
 <p:sldLayout xmlns:a="http://schemas.openxmlformats.org/drawingml/2006/main" xmlns:r="http://schemas.openxmlformats.org/officeDocument/2006/relationships" xmlns:p="http://schemas.openxmlformats.org/presentationml/2006/main" preserve="1">
-  <p:cSld name="3 Picture Column">
+  <p:cSld name="Verdadero o falso">
     <p:spTree>
       <p:nvGrpSpPr>
         <p:cNvPr id="1" name=""/>
@@ -2314,796 +2388,246 @@
           <a:chExt cx="0" cy="0"/>
         </a:xfrm>
       </p:grpSpPr>
-      <p:pic>
-        <p:nvPicPr>
-          <p:cNvPr id="2" name="Picture 1" descr="Slate-V2-HD-3colPhotoInset.png">
-            <a:extLst>
-              <a:ext uri="{FF2B5EF4-FFF2-40B4-BE49-F238E27FC236}">
-                <a16:creationId xmlns:a16="http://schemas.microsoft.com/office/drawing/2014/main" id="{7E87C569-D426-4615-ADA7-B370EA98340A}"/>
-              </a:ext>
-            </a:extLst>
-          </p:cNvPr>
-          <p:cNvPicPr>
-            <a:picLocks noChangeAspect="1"/>
-          </p:cNvPicPr>
-          <p:nvPr/>
-        </p:nvPicPr>
-        <p:blipFill>
-          <a:blip r:embed="rId2">
-            <a:extLst>
-              <a:ext uri="{28A0092B-C50C-407E-A947-70E740481C1C}">
-                <a14:useLocalDpi xmlns:a14="http://schemas.microsoft.com/office/drawing/2010/main" val="0"/>
-              </a:ext>
-            </a:extLst>
-          </a:blip>
-          <a:stretch>
-            <a:fillRect/>
-          </a:stretch>
-        </p:blipFill>
+      <p:sp>
+        <p:nvSpPr>
+          <p:cNvPr id="2" name="Title 1"/>
+          <p:cNvSpPr>
+            <a:spLocks noGrp="1"/>
+          </p:cNvSpPr>
+          <p:nvPr>
+            <p:ph type="title"/>
+          </p:nvPr>
+        </p:nvSpPr>
         <p:spPr>
           <a:xfrm>
-            <a:off x="897962" y="1818214"/>
-            <a:ext cx="3339972" cy="1847851"/>
+            <a:off x="1141412" y="609601"/>
+            <a:ext cx="9905999" cy="2743199"/>
           </a:xfrm>
-          <a:prstGeom prst="rect">
-            <a:avLst/>
-          </a:prstGeom>
         </p:spPr>
-      </p:pic>
-      <p:pic>
-        <p:nvPicPr>
-          <p:cNvPr id="36" name="Picture 35" descr="Slate-V2-HD-3colPhotoInset.png">
-            <a:extLst>
-              <a:ext uri="{FF2B5EF4-FFF2-40B4-BE49-F238E27FC236}">
-                <a16:creationId xmlns:a16="http://schemas.microsoft.com/office/drawing/2014/main" id="{7B353ED4-7AD0-46C9-88ED-1A16B1433AF7}"/>
-              </a:ext>
-            </a:extLst>
-          </p:cNvPr>
-          <p:cNvPicPr>
-            <a:picLocks noChangeAspect="1"/>
-          </p:cNvPicPr>
-          <p:nvPr/>
-        </p:nvPicPr>
-        <p:blipFill>
-          <a:blip r:embed="rId2">
-            <a:extLst>
-              <a:ext uri="{28A0092B-C50C-407E-A947-70E740481C1C}">
-                <a14:useLocalDpi xmlns:a14="http://schemas.microsoft.com/office/drawing/2010/main" val="0"/>
-              </a:ext>
-            </a:extLst>
-          </a:blip>
-          <a:stretch>
-            <a:fillRect/>
-          </a:stretch>
-        </p:blipFill>
+        <p:txBody>
+          <a:bodyPr vert="horz" lIns="91440" tIns="45720" rIns="91440" bIns="45720" rtlCol="0" anchor="ctr">
+            <a:normAutofit/>
+          </a:bodyPr>
+          <a:lstStyle>
+            <a:lvl1pPr>
+              <a:defRPr lang="en-US" b="0" dirty="0"/>
+            </a:lvl1pPr>
+          </a:lstStyle>
+          <a:p>
+            <a:pPr marL="0" lvl="0"/>
+            <a:r>
+              <a:rPr lang="es-ES"/>
+              <a:t>Haga clic para modificar el estilo de título del patrón</a:t>
+            </a:r>
+            <a:endParaRPr lang="en-US" dirty="0"/>
+          </a:p>
+        </p:txBody>
+      </p:sp>
+      <p:sp>
+        <p:nvSpPr>
+          <p:cNvPr id="10" name="Text Placeholder 9"/>
+          <p:cNvSpPr>
+            <a:spLocks noGrp="1"/>
+          </p:cNvSpPr>
+          <p:nvPr>
+            <p:ph type="body" sz="quarter" idx="13"/>
+          </p:nvPr>
+        </p:nvSpPr>
         <p:spPr>
           <a:xfrm>
-            <a:off x="4403800" y="1818214"/>
-            <a:ext cx="3339972" cy="1847851"/>
+            <a:off x="1141412" y="3505200"/>
+            <a:ext cx="9906000" cy="838200"/>
           </a:xfrm>
-          <a:prstGeom prst="rect">
-            <a:avLst/>
-          </a:prstGeom>
         </p:spPr>
-      </p:pic>
-      <p:pic>
-        <p:nvPicPr>
-          <p:cNvPr id="37" name="Picture 36" descr="Slate-V2-HD-3colPhotoInset.png">
-            <a:extLst>
-              <a:ext uri="{FF2B5EF4-FFF2-40B4-BE49-F238E27FC236}">
-                <a16:creationId xmlns:a16="http://schemas.microsoft.com/office/drawing/2014/main" id="{F561D985-AD57-459A-B3A6-EBF296039766}"/>
-              </a:ext>
-            </a:extLst>
-          </p:cNvPr>
-          <p:cNvPicPr>
-            <a:picLocks noChangeAspect="1"/>
-          </p:cNvPicPr>
-          <p:nvPr/>
-        </p:nvPicPr>
-        <p:blipFill>
-          <a:blip r:embed="rId2">
-            <a:extLst>
-              <a:ext uri="{28A0092B-C50C-407E-A947-70E740481C1C}">
-                <a14:useLocalDpi xmlns:a14="http://schemas.microsoft.com/office/drawing/2010/main" val="0"/>
-              </a:ext>
-            </a:extLst>
-          </a:blip>
-          <a:stretch>
-            <a:fillRect/>
-          </a:stretch>
-        </p:blipFill>
+        <p:txBody>
+          <a:bodyPr vert="horz" lIns="91440" tIns="45720" rIns="91440" bIns="45720" rtlCol="0" anchor="b">
+            <a:normAutofit/>
+          </a:bodyPr>
+          <a:lstStyle>
+            <a:lvl1pPr>
+              <a:buNone/>
+              <a:defRPr lang="en-US" sz="2800" b="0" cap="all" dirty="0">
+                <a:ln w="3175" cmpd="sng">
+                  <a:noFill/>
+                </a:ln>
+                <a:gradFill flip="none" rotWithShape="1">
+                  <a:gsLst>
+                    <a:gs pos="0">
+                      <a:schemeClr val="tx1"/>
+                    </a:gs>
+                    <a:gs pos="100000">
+                      <a:schemeClr val="tx1">
+                        <a:lumMod val="75000"/>
+                      </a:schemeClr>
+                    </a:gs>
+                  </a:gsLst>
+                  <a:lin ang="5400000" scaled="0"/>
+                  <a:tileRect/>
+                </a:gradFill>
+                <a:effectLst>
+                  <a:glow rad="38100">
+                    <a:schemeClr val="bg1">
+                      <a:lumMod val="65000"/>
+                      <a:lumOff val="35000"/>
+                      <a:alpha val="40000"/>
+                    </a:schemeClr>
+                  </a:glow>
+                  <a:outerShdw blurRad="28575" dist="38100" dir="14040000" algn="tl" rotWithShape="0">
+                    <a:srgbClr val="000000">
+                      <a:alpha val="25000"/>
+                    </a:srgbClr>
+                  </a:outerShdw>
+                </a:effectLst>
+              </a:defRPr>
+            </a:lvl1pPr>
+          </a:lstStyle>
+          <a:p>
+            <a:pPr marL="0" lvl="0">
+              <a:spcBef>
+                <a:spcPct val="0"/>
+              </a:spcBef>
+              <a:buNone/>
+            </a:pPr>
+            <a:r>
+              <a:rPr lang="es-ES"/>
+              <a:t>Haga clic para modificar los estilos de texto del patrón</a:t>
+            </a:r>
+          </a:p>
+        </p:txBody>
+      </p:sp>
+      <p:sp>
+        <p:nvSpPr>
+          <p:cNvPr id="3" name="Text Placeholder 2"/>
+          <p:cNvSpPr>
+            <a:spLocks noGrp="1"/>
+          </p:cNvSpPr>
+          <p:nvPr>
+            <p:ph type="body" idx="1"/>
+          </p:nvPr>
+        </p:nvSpPr>
         <p:spPr>
           <a:xfrm>
-            <a:off x="7936051" y="1818214"/>
-            <a:ext cx="3339972" cy="1847851"/>
+            <a:off x="1141411" y="4343400"/>
+            <a:ext cx="9906000" cy="1447800"/>
           </a:xfrm>
-          <a:prstGeom prst="rect">
-            <a:avLst/>
-          </a:prstGeom>
-        </p:spPr>
-      </p:pic>
-      <p:sp>
-        <p:nvSpPr>
-          <p:cNvPr id="30" name="Title 1"/>
-          <p:cNvSpPr>
-            <a:spLocks noGrp="1"/>
-          </p:cNvSpPr>
-          <p:nvPr>
-            <p:ph type="title"/>
-          </p:nvPr>
-        </p:nvSpPr>
-        <p:spPr>
-          <a:xfrm>
-            <a:off x="913794" y="609600"/>
-            <a:ext cx="10353763" cy="970450"/>
-          </a:xfrm>
-        </p:spPr>
-        <p:txBody>
-          <a:bodyPr/>
-          <a:lstStyle/>
-          <a:p>
-            <a:r>
-              <a:rPr lang="en-US"/>
-              <a:t>Click to edit Master title style</a:t>
-            </a:r>
-            <a:endParaRPr lang="en-US" dirty="0"/>
-          </a:p>
-        </p:txBody>
-      </p:sp>
-      <p:sp>
-        <p:nvSpPr>
-          <p:cNvPr id="19" name="Text Placeholder 2"/>
-          <p:cNvSpPr>
-            <a:spLocks noGrp="1"/>
-          </p:cNvSpPr>
-          <p:nvPr>
-            <p:ph type="body" idx="1"/>
-          </p:nvPr>
-        </p:nvSpPr>
-        <p:spPr>
-          <a:xfrm>
-            <a:off x="913795" y="3904106"/>
-            <a:ext cx="3300984" cy="576262"/>
-          </a:xfrm>
-        </p:spPr>
-        <p:txBody>
-          <a:bodyPr anchor="b">
-            <a:noAutofit/>
-          </a:bodyPr>
-          <a:lstStyle>
-            <a:lvl1pPr marL="0" indent="0" algn="ctr">
-              <a:buNone/>
-              <a:defRPr sz="2000" b="0">
-                <a:solidFill>
-                  <a:schemeClr val="tx1"/>
-                </a:solidFill>
-              </a:defRPr>
-            </a:lvl1pPr>
-            <a:lvl2pPr marL="457200" indent="0">
-              <a:buNone/>
-              <a:defRPr sz="2000" b="1"/>
-            </a:lvl2pPr>
-            <a:lvl3pPr marL="914400" indent="0">
-              <a:buNone/>
-              <a:defRPr sz="1800" b="1"/>
-            </a:lvl3pPr>
-            <a:lvl4pPr marL="1371600" indent="0">
-              <a:buNone/>
-              <a:defRPr sz="1600" b="1"/>
-            </a:lvl4pPr>
-            <a:lvl5pPr marL="1828800" indent="0">
-              <a:buNone/>
-              <a:defRPr sz="1600" b="1"/>
-            </a:lvl5pPr>
-            <a:lvl6pPr marL="2286000" indent="0">
-              <a:buNone/>
-              <a:defRPr sz="1600" b="1"/>
-            </a:lvl6pPr>
-            <a:lvl7pPr marL="2743200" indent="0">
-              <a:buNone/>
-              <a:defRPr sz="1600" b="1"/>
-            </a:lvl7pPr>
-            <a:lvl8pPr marL="3200400" indent="0">
-              <a:buNone/>
-              <a:defRPr sz="1600" b="1"/>
-            </a:lvl8pPr>
-            <a:lvl9pPr marL="3657600" indent="0">
-              <a:buNone/>
-              <a:defRPr sz="1600" b="1"/>
-            </a:lvl9pPr>
-          </a:lstStyle>
-          <a:p>
-            <a:pPr lvl="0"/>
-            <a:r>
-              <a:rPr lang="en-US" dirty="0"/>
-              <a:t>Click to edit Master text styles</a:t>
-            </a:r>
-          </a:p>
-        </p:txBody>
-      </p:sp>
-      <p:sp>
-        <p:nvSpPr>
-          <p:cNvPr id="20" name="Picture Placeholder 2"/>
-          <p:cNvSpPr>
-            <a:spLocks noGrp="1" noChangeAspect="1"/>
-          </p:cNvSpPr>
-          <p:nvPr>
-            <p:ph type="pic" idx="15"/>
-          </p:nvPr>
-        </p:nvSpPr>
-        <p:spPr>
-          <a:xfrm>
-            <a:off x="1018102" y="1938918"/>
-            <a:ext cx="3092368" cy="1602954"/>
-          </a:xfrm>
-          <a:prstGeom prst="roundRect">
-            <a:avLst>
-              <a:gd name="adj" fmla="val 1858"/>
-            </a:avLst>
-          </a:prstGeom>
-          <a:effectLst>
-            <a:outerShdw blurRad="38100" dist="25400" dir="4440000">
-              <a:srgbClr val="000000">
-                <a:alpha val="36000"/>
-              </a:srgbClr>
-            </a:outerShdw>
-          </a:effectLst>
         </p:spPr>
         <p:txBody>
           <a:bodyPr anchor="t">
             <a:normAutofit/>
           </a:bodyPr>
           <a:lstStyle>
-            <a:lvl1pPr marL="0" indent="0" algn="ctr">
-              <a:buNone/>
-              <a:defRPr sz="1600"/>
+            <a:lvl1pPr marL="0" indent="0" algn="l">
+              <a:buNone/>
+              <a:defRPr sz="1800">
+                <a:gradFill flip="none" rotWithShape="1">
+                  <a:gsLst>
+                    <a:gs pos="0">
+                      <a:schemeClr val="tx1"/>
+                    </a:gs>
+                    <a:gs pos="100000">
+                      <a:schemeClr val="tx1">
+                        <a:lumMod val="75000"/>
+                      </a:schemeClr>
+                    </a:gs>
+                  </a:gsLst>
+                  <a:lin ang="5400000" scaled="0"/>
+                  <a:tileRect/>
+                </a:gradFill>
+              </a:defRPr>
             </a:lvl1pPr>
             <a:lvl2pPr marL="457200" indent="0">
               <a:buNone/>
-              <a:defRPr sz="1600"/>
+              <a:defRPr sz="1800">
+                <a:solidFill>
+                  <a:schemeClr val="tx1">
+                    <a:tint val="75000"/>
+                  </a:schemeClr>
+                </a:solidFill>
+              </a:defRPr>
             </a:lvl2pPr>
             <a:lvl3pPr marL="914400" indent="0">
               <a:buNone/>
-              <a:defRPr sz="1600"/>
+              <a:defRPr sz="1600">
+                <a:solidFill>
+                  <a:schemeClr val="tx1">
+                    <a:tint val="75000"/>
+                  </a:schemeClr>
+                </a:solidFill>
+              </a:defRPr>
             </a:lvl3pPr>
             <a:lvl4pPr marL="1371600" indent="0">
               <a:buNone/>
-              <a:defRPr sz="1600"/>
+              <a:defRPr sz="1400">
+                <a:solidFill>
+                  <a:schemeClr val="tx1">
+                    <a:tint val="75000"/>
+                  </a:schemeClr>
+                </a:solidFill>
+              </a:defRPr>
             </a:lvl4pPr>
             <a:lvl5pPr marL="1828800" indent="0">
               <a:buNone/>
-              <a:defRPr sz="1600"/>
+              <a:defRPr sz="1400">
+                <a:solidFill>
+                  <a:schemeClr val="tx1">
+                    <a:tint val="75000"/>
+                  </a:schemeClr>
+                </a:solidFill>
+              </a:defRPr>
             </a:lvl5pPr>
             <a:lvl6pPr marL="2286000" indent="0">
               <a:buNone/>
-              <a:defRPr sz="1600"/>
+              <a:defRPr sz="1400">
+                <a:solidFill>
+                  <a:schemeClr val="tx1">
+                    <a:tint val="75000"/>
+                  </a:schemeClr>
+                </a:solidFill>
+              </a:defRPr>
             </a:lvl6pPr>
             <a:lvl7pPr marL="2743200" indent="0">
               <a:buNone/>
-              <a:defRPr sz="1600"/>
+              <a:defRPr sz="1400">
+                <a:solidFill>
+                  <a:schemeClr val="tx1">
+                    <a:tint val="75000"/>
+                  </a:schemeClr>
+                </a:solidFill>
+              </a:defRPr>
             </a:lvl7pPr>
             <a:lvl8pPr marL="3200400" indent="0">
               <a:buNone/>
-              <a:defRPr sz="1600"/>
+              <a:defRPr sz="1400">
+                <a:solidFill>
+                  <a:schemeClr val="tx1">
+                    <a:tint val="75000"/>
+                  </a:schemeClr>
+                </a:solidFill>
+              </a:defRPr>
             </a:lvl8pPr>
             <a:lvl9pPr marL="3657600" indent="0">
               <a:buNone/>
-              <a:defRPr sz="1600"/>
+              <a:defRPr sz="1400">
+                <a:solidFill>
+                  <a:schemeClr val="tx1">
+                    <a:tint val="75000"/>
+                  </a:schemeClr>
+                </a:solidFill>
+              </a:defRPr>
             </a:lvl9pPr>
           </a:lstStyle>
           <a:p>
-            <a:r>
-              <a:rPr lang="en-US"/>
-              <a:t>Click icon to add picture</a:t>
-            </a:r>
-            <a:endParaRPr lang="en-US" dirty="0"/>
-          </a:p>
-        </p:txBody>
-      </p:sp>
-      <p:sp>
-        <p:nvSpPr>
-          <p:cNvPr id="21" name="Text Placeholder 3"/>
-          <p:cNvSpPr>
-            <a:spLocks noGrp="1"/>
-          </p:cNvSpPr>
-          <p:nvPr>
-            <p:ph type="body" sz="half" idx="18"/>
-          </p:nvPr>
-        </p:nvSpPr>
-        <p:spPr>
-          <a:xfrm>
-            <a:off x="913795" y="4572443"/>
-            <a:ext cx="3300984" cy="1218758"/>
-          </a:xfrm>
-        </p:spPr>
-        <p:txBody>
-          <a:bodyPr anchor="t">
-            <a:normAutofit/>
-          </a:bodyPr>
-          <a:lstStyle>
-            <a:lvl1pPr marL="0" indent="0" algn="ctr">
-              <a:buNone/>
-              <a:defRPr sz="1400"/>
-            </a:lvl1pPr>
-            <a:lvl2pPr marL="457200" indent="0">
-              <a:buNone/>
-              <a:defRPr sz="1200"/>
-            </a:lvl2pPr>
-            <a:lvl3pPr marL="914400" indent="0">
-              <a:buNone/>
-              <a:defRPr sz="1000"/>
-            </a:lvl3pPr>
-            <a:lvl4pPr marL="1371600" indent="0">
-              <a:buNone/>
-              <a:defRPr sz="900"/>
-            </a:lvl4pPr>
-            <a:lvl5pPr marL="1828800" indent="0">
-              <a:buNone/>
-              <a:defRPr sz="900"/>
-            </a:lvl5pPr>
-            <a:lvl6pPr marL="2286000" indent="0">
-              <a:buNone/>
-              <a:defRPr sz="900"/>
-            </a:lvl6pPr>
-            <a:lvl7pPr marL="2743200" indent="0">
-              <a:buNone/>
-              <a:defRPr sz="900"/>
-            </a:lvl7pPr>
-            <a:lvl8pPr marL="3200400" indent="0">
-              <a:buNone/>
-              <a:defRPr sz="900"/>
-            </a:lvl8pPr>
-            <a:lvl9pPr marL="3657600" indent="0">
-              <a:buNone/>
-              <a:defRPr sz="900"/>
-            </a:lvl9pPr>
-          </a:lstStyle>
-          <a:p>
             <a:pPr lvl="0"/>
             <a:r>
-              <a:rPr lang="en-US"/>
-              <a:t>Click to edit Master text styles</a:t>
-            </a:r>
-          </a:p>
-        </p:txBody>
-      </p:sp>
-      <p:sp>
-        <p:nvSpPr>
-          <p:cNvPr id="22" name="Text Placeholder 4"/>
-          <p:cNvSpPr>
-            <a:spLocks noGrp="1"/>
-          </p:cNvSpPr>
-          <p:nvPr>
-            <p:ph type="body" sz="quarter" idx="3"/>
-          </p:nvPr>
-        </p:nvSpPr>
-        <p:spPr>
-          <a:xfrm>
-            <a:off x="4442788" y="3904106"/>
-            <a:ext cx="3300984" cy="576262"/>
-          </a:xfrm>
-        </p:spPr>
-        <p:txBody>
-          <a:bodyPr anchor="b">
-            <a:noAutofit/>
-          </a:bodyPr>
-          <a:lstStyle>
-            <a:lvl1pPr marL="0" indent="0" algn="ctr">
-              <a:buNone/>
-              <a:defRPr sz="2000" b="0">
-                <a:solidFill>
-                  <a:schemeClr val="tx1"/>
-                </a:solidFill>
-              </a:defRPr>
-            </a:lvl1pPr>
-            <a:lvl2pPr marL="457200" indent="0">
-              <a:buNone/>
-              <a:defRPr sz="2000" b="1"/>
-            </a:lvl2pPr>
-            <a:lvl3pPr marL="914400" indent="0">
-              <a:buNone/>
-              <a:defRPr sz="1800" b="1"/>
-            </a:lvl3pPr>
-            <a:lvl4pPr marL="1371600" indent="0">
-              <a:buNone/>
-              <a:defRPr sz="1600" b="1"/>
-            </a:lvl4pPr>
-            <a:lvl5pPr marL="1828800" indent="0">
-              <a:buNone/>
-              <a:defRPr sz="1600" b="1"/>
-            </a:lvl5pPr>
-            <a:lvl6pPr marL="2286000" indent="0">
-              <a:buNone/>
-              <a:defRPr sz="1600" b="1"/>
-            </a:lvl6pPr>
-            <a:lvl7pPr marL="2743200" indent="0">
-              <a:buNone/>
-              <a:defRPr sz="1600" b="1"/>
-            </a:lvl7pPr>
-            <a:lvl8pPr marL="3200400" indent="0">
-              <a:buNone/>
-              <a:defRPr sz="1600" b="1"/>
-            </a:lvl8pPr>
-            <a:lvl9pPr marL="3657600" indent="0">
-              <a:buNone/>
-              <a:defRPr sz="1600" b="1"/>
-            </a:lvl9pPr>
-          </a:lstStyle>
-          <a:p>
-            <a:pPr lvl="0"/>
-            <a:r>
-              <a:rPr lang="en-US" dirty="0"/>
-              <a:t>Click to edit Master text styles</a:t>
-            </a:r>
-          </a:p>
-        </p:txBody>
-      </p:sp>
-      <p:sp>
-        <p:nvSpPr>
-          <p:cNvPr id="23" name="Picture Placeholder 2"/>
-          <p:cNvSpPr>
-            <a:spLocks noGrp="1" noChangeAspect="1"/>
-          </p:cNvSpPr>
-          <p:nvPr>
-            <p:ph type="pic" idx="21"/>
-          </p:nvPr>
-        </p:nvSpPr>
-        <p:spPr>
-          <a:xfrm>
-            <a:off x="4545743" y="1939094"/>
-            <a:ext cx="3092368" cy="1608164"/>
-          </a:xfrm>
-          <a:prstGeom prst="roundRect">
-            <a:avLst>
-              <a:gd name="adj" fmla="val 1858"/>
-            </a:avLst>
-          </a:prstGeom>
-          <a:effectLst>
-            <a:outerShdw blurRad="38100" dist="25400" dir="4440000">
-              <a:srgbClr val="000000">
-                <a:alpha val="36000"/>
-              </a:srgbClr>
-            </a:outerShdw>
-          </a:effectLst>
-        </p:spPr>
-        <p:txBody>
-          <a:bodyPr anchor="t">
-            <a:normAutofit/>
-          </a:bodyPr>
-          <a:lstStyle>
-            <a:lvl1pPr marL="0" indent="0" algn="ctr">
-              <a:buNone/>
-              <a:defRPr sz="1600"/>
-            </a:lvl1pPr>
-            <a:lvl2pPr marL="457200" indent="0">
-              <a:buNone/>
-              <a:defRPr sz="1600"/>
-            </a:lvl2pPr>
-            <a:lvl3pPr marL="914400" indent="0">
-              <a:buNone/>
-              <a:defRPr sz="1600"/>
-            </a:lvl3pPr>
-            <a:lvl4pPr marL="1371600" indent="0">
-              <a:buNone/>
-              <a:defRPr sz="1600"/>
-            </a:lvl4pPr>
-            <a:lvl5pPr marL="1828800" indent="0">
-              <a:buNone/>
-              <a:defRPr sz="1600"/>
-            </a:lvl5pPr>
-            <a:lvl6pPr marL="2286000" indent="0">
-              <a:buNone/>
-              <a:defRPr sz="1600"/>
-            </a:lvl6pPr>
-            <a:lvl7pPr marL="2743200" indent="0">
-              <a:buNone/>
-              <a:defRPr sz="1600"/>
-            </a:lvl7pPr>
-            <a:lvl8pPr marL="3200400" indent="0">
-              <a:buNone/>
-              <a:defRPr sz="1600"/>
-            </a:lvl8pPr>
-            <a:lvl9pPr marL="3657600" indent="0">
-              <a:buNone/>
-              <a:defRPr sz="1600"/>
-            </a:lvl9pPr>
-          </a:lstStyle>
-          <a:p>
-            <a:r>
-              <a:rPr lang="en-US"/>
-              <a:t>Click icon to add picture</a:t>
-            </a:r>
-            <a:endParaRPr lang="en-US" dirty="0"/>
-          </a:p>
-        </p:txBody>
-      </p:sp>
-      <p:sp>
-        <p:nvSpPr>
-          <p:cNvPr id="24" name="Text Placeholder 3"/>
-          <p:cNvSpPr>
-            <a:spLocks noGrp="1"/>
-          </p:cNvSpPr>
-          <p:nvPr>
-            <p:ph type="body" sz="half" idx="19"/>
-          </p:nvPr>
-        </p:nvSpPr>
-        <p:spPr>
-          <a:xfrm>
-            <a:off x="4441435" y="4572442"/>
-            <a:ext cx="3300984" cy="1218758"/>
-          </a:xfrm>
-        </p:spPr>
-        <p:txBody>
-          <a:bodyPr anchor="t">
-            <a:normAutofit/>
-          </a:bodyPr>
-          <a:lstStyle>
-            <a:lvl1pPr marL="0" indent="0" algn="ctr">
-              <a:buNone/>
-              <a:defRPr sz="1400"/>
-            </a:lvl1pPr>
-            <a:lvl2pPr marL="457200" indent="0">
-              <a:buNone/>
-              <a:defRPr sz="1200"/>
-            </a:lvl2pPr>
-            <a:lvl3pPr marL="914400" indent="0">
-              <a:buNone/>
-              <a:defRPr sz="1000"/>
-            </a:lvl3pPr>
-            <a:lvl4pPr marL="1371600" indent="0">
-              <a:buNone/>
-              <a:defRPr sz="900"/>
-            </a:lvl4pPr>
-            <a:lvl5pPr marL="1828800" indent="0">
-              <a:buNone/>
-              <a:defRPr sz="900"/>
-            </a:lvl5pPr>
-            <a:lvl6pPr marL="2286000" indent="0">
-              <a:buNone/>
-              <a:defRPr sz="900"/>
-            </a:lvl6pPr>
-            <a:lvl7pPr marL="2743200" indent="0">
-              <a:buNone/>
-              <a:defRPr sz="900"/>
-            </a:lvl7pPr>
-            <a:lvl8pPr marL="3200400" indent="0">
-              <a:buNone/>
-              <a:defRPr sz="900"/>
-            </a:lvl8pPr>
-            <a:lvl9pPr marL="3657600" indent="0">
-              <a:buNone/>
-              <a:defRPr sz="900"/>
-            </a:lvl9pPr>
-          </a:lstStyle>
-          <a:p>
-            <a:pPr lvl="0"/>
-            <a:r>
-              <a:rPr lang="en-US"/>
-              <a:t>Click to edit Master text styles</a:t>
-            </a:r>
-          </a:p>
-        </p:txBody>
-      </p:sp>
-      <p:sp>
-        <p:nvSpPr>
-          <p:cNvPr id="25" name="Text Placeholder 4"/>
-          <p:cNvSpPr>
-            <a:spLocks noGrp="1"/>
-          </p:cNvSpPr>
-          <p:nvPr>
-            <p:ph type="body" sz="quarter" idx="13"/>
-          </p:nvPr>
-        </p:nvSpPr>
-        <p:spPr>
-          <a:xfrm>
-            <a:off x="7966697" y="3904106"/>
-            <a:ext cx="3300984" cy="576262"/>
-          </a:xfrm>
-        </p:spPr>
-        <p:txBody>
-          <a:bodyPr anchor="b">
-            <a:noAutofit/>
-          </a:bodyPr>
-          <a:lstStyle>
-            <a:lvl1pPr marL="0" indent="0" algn="ctr">
-              <a:buNone/>
-              <a:defRPr sz="2000" b="0">
-                <a:solidFill>
-                  <a:schemeClr val="tx1"/>
-                </a:solidFill>
-              </a:defRPr>
-            </a:lvl1pPr>
-            <a:lvl2pPr marL="457200" indent="0">
-              <a:buNone/>
-              <a:defRPr sz="2000" b="1"/>
-            </a:lvl2pPr>
-            <a:lvl3pPr marL="914400" indent="0">
-              <a:buNone/>
-              <a:defRPr sz="1800" b="1"/>
-            </a:lvl3pPr>
-            <a:lvl4pPr marL="1371600" indent="0">
-              <a:buNone/>
-              <a:defRPr sz="1600" b="1"/>
-            </a:lvl4pPr>
-            <a:lvl5pPr marL="1828800" indent="0">
-              <a:buNone/>
-              <a:defRPr sz="1600" b="1"/>
-            </a:lvl5pPr>
-            <a:lvl6pPr marL="2286000" indent="0">
-              <a:buNone/>
-              <a:defRPr sz="1600" b="1"/>
-            </a:lvl6pPr>
-            <a:lvl7pPr marL="2743200" indent="0">
-              <a:buNone/>
-              <a:defRPr sz="1600" b="1"/>
-            </a:lvl7pPr>
-            <a:lvl8pPr marL="3200400" indent="0">
-              <a:buNone/>
-              <a:defRPr sz="1600" b="1"/>
-            </a:lvl8pPr>
-            <a:lvl9pPr marL="3657600" indent="0">
-              <a:buNone/>
-              <a:defRPr sz="1600" b="1"/>
-            </a:lvl9pPr>
-          </a:lstStyle>
-          <a:p>
-            <a:pPr lvl="0"/>
-            <a:r>
-              <a:rPr lang="en-US"/>
-              <a:t>Click to edit Master text styles</a:t>
-            </a:r>
-          </a:p>
-        </p:txBody>
-      </p:sp>
-      <p:sp>
-        <p:nvSpPr>
-          <p:cNvPr id="26" name="Picture Placeholder 2"/>
-          <p:cNvSpPr>
-            <a:spLocks noGrp="1" noChangeAspect="1"/>
-          </p:cNvSpPr>
-          <p:nvPr>
-            <p:ph type="pic" idx="22"/>
-          </p:nvPr>
-        </p:nvSpPr>
-        <p:spPr>
-          <a:xfrm>
-            <a:off x="8075698" y="1934432"/>
-            <a:ext cx="3092368" cy="1607294"/>
-          </a:xfrm>
-          <a:prstGeom prst="roundRect">
-            <a:avLst>
-              <a:gd name="adj" fmla="val 1858"/>
-            </a:avLst>
-          </a:prstGeom>
-          <a:effectLst>
-            <a:outerShdw blurRad="38100" dist="25400" dir="4440000">
-              <a:srgbClr val="000000">
-                <a:alpha val="36000"/>
-              </a:srgbClr>
-            </a:outerShdw>
-          </a:effectLst>
-        </p:spPr>
-        <p:txBody>
-          <a:bodyPr anchor="t">
-            <a:normAutofit/>
-          </a:bodyPr>
-          <a:lstStyle>
-            <a:lvl1pPr marL="0" indent="0" algn="ctr">
-              <a:buNone/>
-              <a:defRPr sz="1600"/>
-            </a:lvl1pPr>
-            <a:lvl2pPr marL="457200" indent="0">
-              <a:buNone/>
-              <a:defRPr sz="1600"/>
-            </a:lvl2pPr>
-            <a:lvl3pPr marL="914400" indent="0">
-              <a:buNone/>
-              <a:defRPr sz="1600"/>
-            </a:lvl3pPr>
-            <a:lvl4pPr marL="1371600" indent="0">
-              <a:buNone/>
-              <a:defRPr sz="1600"/>
-            </a:lvl4pPr>
-            <a:lvl5pPr marL="1828800" indent="0">
-              <a:buNone/>
-              <a:defRPr sz="1600"/>
-            </a:lvl5pPr>
-            <a:lvl6pPr marL="2286000" indent="0">
-              <a:buNone/>
-              <a:defRPr sz="1600"/>
-            </a:lvl6pPr>
-            <a:lvl7pPr marL="2743200" indent="0">
-              <a:buNone/>
-              <a:defRPr sz="1600"/>
-            </a:lvl7pPr>
-            <a:lvl8pPr marL="3200400" indent="0">
-              <a:buNone/>
-              <a:defRPr sz="1600"/>
-            </a:lvl8pPr>
-            <a:lvl9pPr marL="3657600" indent="0">
-              <a:buNone/>
-              <a:defRPr sz="1600"/>
-            </a:lvl9pPr>
-          </a:lstStyle>
-          <a:p>
-            <a:r>
-              <a:rPr lang="en-US"/>
-              <a:t>Click icon to add picture</a:t>
-            </a:r>
-            <a:endParaRPr lang="en-US" dirty="0"/>
-          </a:p>
-        </p:txBody>
-      </p:sp>
-      <p:sp>
-        <p:nvSpPr>
-          <p:cNvPr id="27" name="Text Placeholder 3"/>
-          <p:cNvSpPr>
-            <a:spLocks noGrp="1"/>
-          </p:cNvSpPr>
-          <p:nvPr>
-            <p:ph type="body" sz="half" idx="20"/>
-          </p:nvPr>
-        </p:nvSpPr>
-        <p:spPr>
-          <a:xfrm>
-            <a:off x="7966572" y="4572442"/>
-            <a:ext cx="3300984" cy="1218758"/>
-          </a:xfrm>
-        </p:spPr>
-        <p:txBody>
-          <a:bodyPr anchor="t">
-            <a:normAutofit/>
-          </a:bodyPr>
-          <a:lstStyle>
-            <a:lvl1pPr marL="0" indent="0" algn="ctr">
-              <a:buNone/>
-              <a:defRPr sz="1400"/>
-            </a:lvl1pPr>
-            <a:lvl2pPr marL="457200" indent="0">
-              <a:buNone/>
-              <a:defRPr sz="1200"/>
-            </a:lvl2pPr>
-            <a:lvl3pPr marL="914400" indent="0">
-              <a:buNone/>
-              <a:defRPr sz="1000"/>
-            </a:lvl3pPr>
-            <a:lvl4pPr marL="1371600" indent="0">
-              <a:buNone/>
-              <a:defRPr sz="900"/>
-            </a:lvl4pPr>
-            <a:lvl5pPr marL="1828800" indent="0">
-              <a:buNone/>
-              <a:defRPr sz="900"/>
-            </a:lvl5pPr>
-            <a:lvl6pPr marL="2286000" indent="0">
-              <a:buNone/>
-              <a:defRPr sz="900"/>
-            </a:lvl6pPr>
-            <a:lvl7pPr marL="2743200" indent="0">
-              <a:buNone/>
-              <a:defRPr sz="900"/>
-            </a:lvl7pPr>
-            <a:lvl8pPr marL="3200400" indent="0">
-              <a:buNone/>
-              <a:defRPr sz="900"/>
-            </a:lvl8pPr>
-            <a:lvl9pPr marL="3657600" indent="0">
-              <a:buNone/>
-              <a:defRPr sz="900"/>
-            </a:lvl9pPr>
-          </a:lstStyle>
-          <a:p>
-            <a:pPr lvl="0"/>
-            <a:r>
-              <a:rPr lang="en-US"/>
-              <a:t>Click to edit Master text styles</a:t>
-            </a:r>
-          </a:p>
-        </p:txBody>
-      </p:sp>
-      <p:sp>
-        <p:nvSpPr>
-          <p:cNvPr id="3" name="Date Placeholder 2"/>
+              <a:rPr lang="es-ES"/>
+              <a:t>Haga clic para modificar los estilos de texto del patrón</a:t>
+            </a:r>
+          </a:p>
+        </p:txBody>
+      </p:sp>
+      <p:sp>
+        <p:nvSpPr>
+          <p:cNvPr id="4" name="Date Placeholder 3"/>
           <p:cNvSpPr>
             <a:spLocks noGrp="1"/>
           </p:cNvSpPr>
@@ -3116,9 +2640,9 @@
           <a:bodyPr/>
           <a:lstStyle/>
           <a:p>
-            <a:fld id="{30BB33EA-E472-4D22-9C03-A9C14AA21CED}" type="datetime1">
+            <a:fld id="{073ED0CC-082F-4160-86E5-0D6041F12778}" type="datetime1">
               <a:rPr lang="en-US" smtClean="0"/>
-              <a:t>11/28/19</a:t>
+              <a:t>11/28/2019</a:t>
             </a:fld>
             <a:endParaRPr lang="en-US" dirty="0"/>
           </a:p>
@@ -3126,7 +2650,7 @@
       </p:sp>
       <p:sp>
         <p:nvSpPr>
-          <p:cNvPr id="4" name="Footer Placeholder 3"/>
+          <p:cNvPr id="5" name="Footer Placeholder 4"/>
           <p:cNvSpPr>
             <a:spLocks noGrp="1"/>
           </p:cNvSpPr>
@@ -3145,7 +2669,7 @@
       </p:sp>
       <p:sp>
         <p:nvSpPr>
-          <p:cNvPr id="5" name="Slide Number Placeholder 4"/>
+          <p:cNvPr id="6" name="Slide Number Placeholder 5"/>
           <p:cNvSpPr>
             <a:spLocks noGrp="1"/>
           </p:cNvSpPr>
@@ -3169,19 +2693,20 @@
     </p:spTree>
     <p:extLst>
       <p:ext uri="{BB962C8B-B14F-4D97-AF65-F5344CB8AC3E}">
-        <p14:creationId xmlns:p14="http://schemas.microsoft.com/office/powerpoint/2010/main" val="2462051603"/>
+        <p14:creationId xmlns:p14="http://schemas.microsoft.com/office/powerpoint/2010/main" val="303772740"/>
       </p:ext>
     </p:extLst>
   </p:cSld>
   <p:clrMapOvr>
     <a:masterClrMapping/>
   </p:clrMapOvr>
+  <p:hf sldNum="0" hdr="0" ftr="0" dt="0"/>
 </p:sldLayout>
 </file>
 
 <file path=ppt/slideLayouts/slideLayout16.xml><?xml version="1.0" encoding="utf-8"?>
 <p:sldLayout xmlns:a="http://schemas.openxmlformats.org/drawingml/2006/main" xmlns:r="http://schemas.openxmlformats.org/officeDocument/2006/relationships" xmlns:p="http://schemas.openxmlformats.org/presentationml/2006/main" type="vertTx" preserve="1">
-  <p:cSld name="Title and Vertical Text">
+  <p:cSld name="Título y texto vertical">
     <p:spTree>
       <p:nvGrpSpPr>
         <p:cNvPr id="1" name=""/>
@@ -3198,7 +2723,7 @@
       </p:grpSpPr>
       <p:sp>
         <p:nvSpPr>
-          <p:cNvPr id="2" name="Title 1"/>
+          <p:cNvPr id="7" name="Title 1"/>
           <p:cNvSpPr>
             <a:spLocks noGrp="1"/>
           </p:cNvSpPr>
@@ -3206,14 +2731,19 @@
             <p:ph type="title"/>
           </p:nvPr>
         </p:nvSpPr>
-        <p:spPr/>
+        <p:spPr>
+          <a:xfrm>
+            <a:off x="1141413" y="609600"/>
+            <a:ext cx="9905998" cy="1905000"/>
+          </a:xfrm>
+        </p:spPr>
         <p:txBody>
           <a:bodyPr/>
           <a:lstStyle/>
           <a:p>
             <a:r>
-              <a:rPr lang="en-US"/>
-              <a:t>Click to edit Master title style</a:t>
+              <a:rPr lang="es-ES"/>
+              <a:t>Haga clic para modificar el estilo de título del patrón</a:t>
             </a:r>
             <a:endParaRPr lang="en-US" dirty="0"/>
           </a:p>
@@ -3236,36 +2766,36 @@
           <a:p>
             <a:pPr lvl="0"/>
             <a:r>
-              <a:rPr lang="en-US"/>
-              <a:t>Click to edit Master text styles</a:t>
+              <a:rPr lang="es-ES"/>
+              <a:t>Haga clic para modificar los estilos de texto del patrón</a:t>
             </a:r>
           </a:p>
           <a:p>
             <a:pPr lvl="1"/>
             <a:r>
-              <a:rPr lang="en-US"/>
-              <a:t>Second level</a:t>
+              <a:rPr lang="es-ES"/>
+              <a:t>Segundo nivel</a:t>
             </a:r>
           </a:p>
           <a:p>
             <a:pPr lvl="2"/>
             <a:r>
-              <a:rPr lang="en-US"/>
-              <a:t>Third level</a:t>
+              <a:rPr lang="es-ES"/>
+              <a:t>Tercer nivel</a:t>
             </a:r>
           </a:p>
           <a:p>
             <a:pPr lvl="3"/>
             <a:r>
-              <a:rPr lang="en-US"/>
-              <a:t>Fourth level</a:t>
+              <a:rPr lang="es-ES"/>
+              <a:t>Cuarto nivel</a:t>
             </a:r>
           </a:p>
           <a:p>
             <a:pPr lvl="4"/>
             <a:r>
-              <a:rPr lang="en-US"/>
-              <a:t>Fifth level</a:t>
+              <a:rPr lang="es-ES"/>
+              <a:t>Quinto nivel</a:t>
             </a:r>
             <a:endParaRPr lang="en-US" dirty="0"/>
           </a:p>
@@ -3286,9 +2816,9 @@
           <a:bodyPr/>
           <a:lstStyle/>
           <a:p>
-            <a:fld id="{217E833E-1B6D-415F-AD29-75AE8C43BD0D}" type="datetime1">
+            <a:fld id="{073ED0CC-082F-4160-86E5-0D6041F12778}" type="datetime1">
               <a:rPr lang="en-US" smtClean="0"/>
-              <a:t>11/28/19</a:t>
+              <a:t>11/28/2019</a:t>
             </a:fld>
             <a:endParaRPr lang="en-US" dirty="0"/>
           </a:p>
@@ -3339,19 +2869,20 @@
     </p:spTree>
     <p:extLst>
       <p:ext uri="{BB962C8B-B14F-4D97-AF65-F5344CB8AC3E}">
-        <p14:creationId xmlns:p14="http://schemas.microsoft.com/office/powerpoint/2010/main" val="1603429342"/>
+        <p14:creationId xmlns:p14="http://schemas.microsoft.com/office/powerpoint/2010/main" val="128606720"/>
       </p:ext>
     </p:extLst>
   </p:cSld>
   <p:clrMapOvr>
     <a:masterClrMapping/>
   </p:clrMapOvr>
+  <p:hf sldNum="0" hdr="0" ftr="0" dt="0"/>
 </p:sldLayout>
 </file>
 
 <file path=ppt/slideLayouts/slideLayout17.xml><?xml version="1.0" encoding="utf-8"?>
 <p:sldLayout xmlns:a="http://schemas.openxmlformats.org/drawingml/2006/main" xmlns:r="http://schemas.openxmlformats.org/officeDocument/2006/relationships" xmlns:p="http://schemas.openxmlformats.org/presentationml/2006/main" type="vertTitleAndTx" preserve="1">
-  <p:cSld name="Vertical Title and Text">
+  <p:cSld name="Título vertical y texto">
     <p:spTree>
       <p:nvGrpSpPr>
         <p:cNvPr id="1" name=""/>
@@ -3378,21 +2909,17 @@
         </p:nvSpPr>
         <p:spPr>
           <a:xfrm>
-            <a:off x="8983068" y="609599"/>
-            <a:ext cx="2284487" cy="5181601"/>
+            <a:off x="8836898" y="609599"/>
+            <a:ext cx="2210514" cy="5181601"/>
           </a:xfrm>
         </p:spPr>
         <p:txBody>
           <a:bodyPr vert="eaVert"/>
-          <a:lstStyle>
-            <a:lvl1pPr algn="l">
-              <a:defRPr/>
-            </a:lvl1pPr>
-          </a:lstStyle>
-          <a:p>
-            <a:r>
-              <a:rPr lang="en-US"/>
-              <a:t>Click to edit Master title style</a:t>
+          <a:lstStyle/>
+          <a:p>
+            <a:r>
+              <a:rPr lang="es-ES"/>
+              <a:t>Haga clic para modificar el estilo de título del patrón</a:t>
             </a:r>
             <a:endParaRPr lang="en-US" dirty="0"/>
           </a:p>
@@ -3410,8 +2937,8 @@
         </p:nvSpPr>
         <p:spPr>
           <a:xfrm>
-            <a:off x="913796" y="609599"/>
-            <a:ext cx="7916872" cy="5181601"/>
+            <a:off x="1141412" y="609600"/>
+            <a:ext cx="7543800" cy="5181600"/>
           </a:xfrm>
         </p:spPr>
         <p:txBody>
@@ -3420,36 +2947,36 @@
           <a:p>
             <a:pPr lvl="0"/>
             <a:r>
-              <a:rPr lang="en-US"/>
-              <a:t>Click to edit Master text styles</a:t>
+              <a:rPr lang="es-ES"/>
+              <a:t>Haga clic para modificar los estilos de texto del patrón</a:t>
             </a:r>
           </a:p>
           <a:p>
             <a:pPr lvl="1"/>
             <a:r>
-              <a:rPr lang="en-US"/>
-              <a:t>Second level</a:t>
+              <a:rPr lang="es-ES"/>
+              <a:t>Segundo nivel</a:t>
             </a:r>
           </a:p>
           <a:p>
             <a:pPr lvl="2"/>
             <a:r>
-              <a:rPr lang="en-US"/>
-              <a:t>Third level</a:t>
+              <a:rPr lang="es-ES"/>
+              <a:t>Tercer nivel</a:t>
             </a:r>
           </a:p>
           <a:p>
             <a:pPr lvl="3"/>
             <a:r>
-              <a:rPr lang="en-US"/>
-              <a:t>Fourth level</a:t>
+              <a:rPr lang="es-ES"/>
+              <a:t>Cuarto nivel</a:t>
             </a:r>
           </a:p>
           <a:p>
             <a:pPr lvl="4"/>
             <a:r>
-              <a:rPr lang="en-US"/>
-              <a:t>Fifth level</a:t>
+              <a:rPr lang="es-ES"/>
+              <a:t>Quinto nivel</a:t>
             </a:r>
             <a:endParaRPr lang="en-US" dirty="0"/>
           </a:p>
@@ -3470,9 +2997,9 @@
           <a:bodyPr/>
           <a:lstStyle/>
           <a:p>
-            <a:fld id="{8452596F-08A7-4B70-989A-F2B1CF31E66B}" type="datetime1">
+            <a:fld id="{073ED0CC-082F-4160-86E5-0D6041F12778}" type="datetime1">
               <a:rPr lang="en-US" smtClean="0"/>
-              <a:t>11/28/19</a:t>
+              <a:t>11/28/2019</a:t>
             </a:fld>
             <a:endParaRPr lang="en-US" dirty="0"/>
           </a:p>
@@ -3523,19 +3050,20 @@
     </p:spTree>
     <p:extLst>
       <p:ext uri="{BB962C8B-B14F-4D97-AF65-F5344CB8AC3E}">
-        <p14:creationId xmlns:p14="http://schemas.microsoft.com/office/powerpoint/2010/main" val="2063624145"/>
+        <p14:creationId xmlns:p14="http://schemas.microsoft.com/office/powerpoint/2010/main" val="2958630375"/>
       </p:ext>
     </p:extLst>
   </p:cSld>
   <p:clrMapOvr>
     <a:masterClrMapping/>
   </p:clrMapOvr>
+  <p:hf sldNum="0" hdr="0" ftr="0" dt="0"/>
 </p:sldLayout>
 </file>
 
 <file path=ppt/slideLayouts/slideLayout2.xml><?xml version="1.0" encoding="utf-8"?>
 <p:sldLayout xmlns:a="http://schemas.openxmlformats.org/drawingml/2006/main" xmlns:r="http://schemas.openxmlformats.org/officeDocument/2006/relationships" xmlns:p="http://schemas.openxmlformats.org/presentationml/2006/main" type="obj" preserve="1">
-  <p:cSld name="Title and Content">
+  <p:cSld name="Título y objetos">
     <p:spTree>
       <p:nvGrpSpPr>
         <p:cNvPr id="1" name=""/>
@@ -3566,8 +3094,8 @@
           <a:lstStyle/>
           <a:p>
             <a:r>
-              <a:rPr lang="en-US"/>
-              <a:t>Click to edit Master title style</a:t>
+              <a:rPr lang="es-ES"/>
+              <a:t>Haga clic para modificar el estilo de título del patrón</a:t>
             </a:r>
             <a:endParaRPr lang="en-US" dirty="0"/>
           </a:p>
@@ -3581,6 +3109,58 @@
           </p:cNvSpPr>
           <p:nvPr>
             <p:ph idx="1"/>
+          </p:nvPr>
+        </p:nvSpPr>
+        <p:spPr/>
+        <p:txBody>
+          <a:bodyPr anchor="ctr"/>
+          <a:lstStyle/>
+          <a:p>
+            <a:pPr lvl="0"/>
+            <a:r>
+              <a:rPr lang="es-ES"/>
+              <a:t>Haga clic para modificar los estilos de texto del patrón</a:t>
+            </a:r>
+          </a:p>
+          <a:p>
+            <a:pPr lvl="1"/>
+            <a:r>
+              <a:rPr lang="es-ES"/>
+              <a:t>Segundo nivel</a:t>
+            </a:r>
+          </a:p>
+          <a:p>
+            <a:pPr lvl="2"/>
+            <a:r>
+              <a:rPr lang="es-ES"/>
+              <a:t>Tercer nivel</a:t>
+            </a:r>
+          </a:p>
+          <a:p>
+            <a:pPr lvl="3"/>
+            <a:r>
+              <a:rPr lang="es-ES"/>
+              <a:t>Cuarto nivel</a:t>
+            </a:r>
+          </a:p>
+          <a:p>
+            <a:pPr lvl="4"/>
+            <a:r>
+              <a:rPr lang="es-ES"/>
+              <a:t>Quinto nivel</a:t>
+            </a:r>
+            <a:endParaRPr lang="en-US" dirty="0"/>
+          </a:p>
+        </p:txBody>
+      </p:sp>
+      <p:sp>
+        <p:nvSpPr>
+          <p:cNvPr id="4" name="Date Placeholder 3"/>
+          <p:cNvSpPr>
+            <a:spLocks noGrp="1"/>
+          </p:cNvSpPr>
+          <p:nvPr>
+            <p:ph type="dt" sz="half" idx="10"/>
           </p:nvPr>
         </p:nvSpPr>
         <p:spPr/>
@@ -3588,61 +3168,9 @@
           <a:bodyPr/>
           <a:lstStyle/>
           <a:p>
-            <a:pPr lvl="0"/>
-            <a:r>
-              <a:rPr lang="en-US"/>
-              <a:t>Click to edit Master text styles</a:t>
-            </a:r>
-          </a:p>
-          <a:p>
-            <a:pPr lvl="1"/>
-            <a:r>
-              <a:rPr lang="en-US"/>
-              <a:t>Second level</a:t>
-            </a:r>
-          </a:p>
-          <a:p>
-            <a:pPr lvl="2"/>
-            <a:r>
-              <a:rPr lang="en-US"/>
-              <a:t>Third level</a:t>
-            </a:r>
-          </a:p>
-          <a:p>
-            <a:pPr lvl="3"/>
-            <a:r>
-              <a:rPr lang="en-US"/>
-              <a:t>Fourth level</a:t>
-            </a:r>
-          </a:p>
-          <a:p>
-            <a:pPr lvl="4"/>
-            <a:r>
-              <a:rPr lang="en-US"/>
-              <a:t>Fifth level</a:t>
-            </a:r>
-            <a:endParaRPr lang="en-US" dirty="0"/>
-          </a:p>
-        </p:txBody>
-      </p:sp>
-      <p:sp>
-        <p:nvSpPr>
-          <p:cNvPr id="4" name="Date Placeholder 3"/>
-          <p:cNvSpPr>
-            <a:spLocks noGrp="1"/>
-          </p:cNvSpPr>
-          <p:nvPr>
-            <p:ph type="dt" sz="half" idx="10"/>
-          </p:nvPr>
-        </p:nvSpPr>
-        <p:spPr/>
-        <p:txBody>
-          <a:bodyPr/>
-          <a:lstStyle/>
-          <a:p>
-            <a:fld id="{73C55A3C-5767-4844-A0A3-83778C2E5409}" type="datetime1">
+            <a:fld id="{073ED0CC-082F-4160-86E5-0D6041F12778}" type="datetime1">
               <a:rPr lang="en-US" smtClean="0"/>
-              <a:t>11/28/19</a:t>
+              <a:t>11/28/2019</a:t>
             </a:fld>
             <a:endParaRPr lang="en-US" dirty="0"/>
           </a:p>
@@ -3693,19 +3221,20 @@
     </p:spTree>
     <p:extLst>
       <p:ext uri="{BB962C8B-B14F-4D97-AF65-F5344CB8AC3E}">
-        <p14:creationId xmlns:p14="http://schemas.microsoft.com/office/powerpoint/2010/main" val="4276160735"/>
+        <p14:creationId xmlns:p14="http://schemas.microsoft.com/office/powerpoint/2010/main" val="1960745656"/>
       </p:ext>
     </p:extLst>
   </p:cSld>
   <p:clrMapOvr>
     <a:masterClrMapping/>
   </p:clrMapOvr>
+  <p:hf sldNum="0" hdr="0" ftr="0" dt="0"/>
 </p:sldLayout>
 </file>
 
 <file path=ppt/slideLayouts/slideLayout3.xml><?xml version="1.0" encoding="utf-8"?>
 <p:sldLayout xmlns:a="http://schemas.openxmlformats.org/drawingml/2006/main" xmlns:r="http://schemas.openxmlformats.org/officeDocument/2006/relationships" xmlns:p="http://schemas.openxmlformats.org/presentationml/2006/main" type="secHead" preserve="1">
-  <p:cSld name="Section Header">
+  <p:cSld name="Encabezado de sección">
     <p:spTree>
       <p:nvGrpSpPr>
         <p:cNvPr id="1" name=""/>
@@ -3732,21 +3261,21 @@
         </p:nvSpPr>
         <p:spPr>
           <a:xfrm>
-            <a:off x="1295401" y="1761067"/>
-            <a:ext cx="9590550" cy="1828813"/>
+            <a:off x="1751013" y="3308581"/>
+            <a:ext cx="8686800" cy="1468800"/>
           </a:xfrm>
         </p:spPr>
         <p:txBody>
           <a:bodyPr anchor="b"/>
           <a:lstStyle>
-            <a:lvl1pPr algn="ctr">
-              <a:defRPr sz="4000" b="0" cap="none"/>
+            <a:lvl1pPr algn="r">
+              <a:defRPr sz="4000" b="0" cap="all"/>
             </a:lvl1pPr>
           </a:lstStyle>
           <a:p>
             <a:r>
-              <a:rPr lang="en-US"/>
-              <a:t>Click to edit Master title style</a:t>
+              <a:rPr lang="es-ES"/>
+              <a:t>Haga clic para modificar el estilo de título del patrón</a:t>
             </a:r>
             <a:endParaRPr lang="en-US" dirty="0"/>
           </a:p>
@@ -3764,19 +3293,32 @@
         </p:nvSpPr>
         <p:spPr>
           <a:xfrm>
-            <a:off x="1295401" y="3763439"/>
-            <a:ext cx="9590550" cy="1333494"/>
+            <a:off x="1751011" y="4777381"/>
+            <a:ext cx="8686801" cy="860400"/>
           </a:xfrm>
         </p:spPr>
         <p:txBody>
-          <a:bodyPr anchor="t"/>
+          <a:bodyPr anchor="t">
+            <a:normAutofit/>
+          </a:bodyPr>
           <a:lstStyle>
-            <a:lvl1pPr marL="0" indent="0" algn="ctr">
+            <a:lvl1pPr marL="0" indent="0" algn="r">
               <a:buNone/>
               <a:defRPr sz="2000">
-                <a:solidFill>
-                  <a:schemeClr val="tx1"/>
-                </a:solidFill>
+                <a:gradFill flip="none" rotWithShape="1">
+                  <a:gsLst>
+                    <a:gs pos="0">
+                      <a:schemeClr val="tx1"/>
+                    </a:gs>
+                    <a:gs pos="100000">
+                      <a:schemeClr val="tx1">
+                        <a:lumMod val="75000"/>
+                      </a:schemeClr>
+                    </a:gs>
+                  </a:gsLst>
+                  <a:lin ang="5400000" scaled="0"/>
+                  <a:tileRect/>
+                </a:gradFill>
               </a:defRPr>
             </a:lvl1pPr>
             <a:lvl2pPr marL="457200" indent="0">
@@ -3863,8 +3405,8 @@
           <a:p>
             <a:pPr lvl="0"/>
             <a:r>
-              <a:rPr lang="en-US"/>
-              <a:t>Click to edit Master text styles</a:t>
+              <a:rPr lang="es-ES"/>
+              <a:t>Haga clic para modificar los estilos de texto del patrón</a:t>
             </a:r>
           </a:p>
         </p:txBody>
@@ -3884,9 +3426,9 @@
           <a:bodyPr/>
           <a:lstStyle/>
           <a:p>
-            <a:fld id="{CAE507A8-A5CF-4D38-AB86-7EDDA87A85D4}" type="datetime1">
+            <a:fld id="{073ED0CC-082F-4160-86E5-0D6041F12778}" type="datetime1">
               <a:rPr lang="en-US" smtClean="0"/>
-              <a:t>11/28/19</a:t>
+              <a:t>11/28/2019</a:t>
             </a:fld>
             <a:endParaRPr lang="en-US" dirty="0"/>
           </a:p>
@@ -3928,7 +3470,6 @@
           <a:p>
             <a:fld id="{3A98EE3D-8CD1-4C3F-BD1C-C98C9596463C}" type="slidenum">
               <a:rPr lang="en-US" smtClean="0"/>
-              <a:pPr/>
               <a:t>‹Nº›</a:t>
             </a:fld>
             <a:endParaRPr lang="en-US" dirty="0"/>
@@ -3938,19 +3479,20 @@
     </p:spTree>
     <p:extLst>
       <p:ext uri="{BB962C8B-B14F-4D97-AF65-F5344CB8AC3E}">
-        <p14:creationId xmlns:p14="http://schemas.microsoft.com/office/powerpoint/2010/main" val="3638397071"/>
+        <p14:creationId xmlns:p14="http://schemas.microsoft.com/office/powerpoint/2010/main" val="2412098289"/>
       </p:ext>
     </p:extLst>
   </p:cSld>
   <p:clrMapOvr>
     <a:masterClrMapping/>
   </p:clrMapOvr>
+  <p:hf sldNum="0" hdr="0" ftr="0" dt="0"/>
 </p:sldLayout>
 </file>
 
 <file path=ppt/slideLayouts/slideLayout4.xml><?xml version="1.0" encoding="utf-8"?>
 <p:sldLayout xmlns:a="http://schemas.openxmlformats.org/drawingml/2006/main" xmlns:r="http://schemas.openxmlformats.org/officeDocument/2006/relationships" xmlns:p="http://schemas.openxmlformats.org/presentationml/2006/main" type="twoObj" preserve="1">
-  <p:cSld name="Two Content">
+  <p:cSld name="Dos objetos">
     <p:spTree>
       <p:nvGrpSpPr>
         <p:cNvPr id="1" name=""/>
@@ -3975,160 +3517,211 @@
             <p:ph type="title"/>
           </p:nvPr>
         </p:nvSpPr>
+        <p:spPr/>
+        <p:txBody>
+          <a:bodyPr/>
+          <a:lstStyle/>
+          <a:p>
+            <a:r>
+              <a:rPr lang="es-ES"/>
+              <a:t>Haga clic para modificar el estilo de título del patrón</a:t>
+            </a:r>
+            <a:endParaRPr lang="en-US" dirty="0"/>
+          </a:p>
+        </p:txBody>
+      </p:sp>
+      <p:sp>
+        <p:nvSpPr>
+          <p:cNvPr id="3" name="Content Placeholder 2"/>
+          <p:cNvSpPr>
+            <a:spLocks noGrp="1"/>
+          </p:cNvSpPr>
+          <p:nvPr>
+            <p:ph sz="half" idx="1"/>
+          </p:nvPr>
+        </p:nvSpPr>
         <p:spPr>
           <a:xfrm>
-            <a:off x="913795" y="609600"/>
-            <a:ext cx="10353762" cy="1261872"/>
+            <a:off x="1141412" y="2666999"/>
+            <a:ext cx="4876800" cy="3124201"/>
           </a:xfrm>
         </p:spPr>
         <p:txBody>
+          <a:bodyPr>
+            <a:normAutofit/>
+          </a:bodyPr>
+          <a:lstStyle>
+            <a:lvl1pPr>
+              <a:defRPr sz="1800"/>
+            </a:lvl1pPr>
+            <a:lvl2pPr>
+              <a:defRPr sz="1600"/>
+            </a:lvl2pPr>
+            <a:lvl3pPr>
+              <a:defRPr sz="1400"/>
+            </a:lvl3pPr>
+            <a:lvl4pPr>
+              <a:defRPr sz="1200"/>
+            </a:lvl4pPr>
+            <a:lvl5pPr>
+              <a:defRPr sz="1200"/>
+            </a:lvl5pPr>
+            <a:lvl6pPr>
+              <a:defRPr sz="1200"/>
+            </a:lvl6pPr>
+            <a:lvl7pPr>
+              <a:defRPr sz="1200"/>
+            </a:lvl7pPr>
+            <a:lvl8pPr>
+              <a:defRPr sz="1200"/>
+            </a:lvl8pPr>
+            <a:lvl9pPr>
+              <a:defRPr sz="1200"/>
+            </a:lvl9pPr>
+          </a:lstStyle>
+          <a:p>
+            <a:pPr lvl="0"/>
+            <a:r>
+              <a:rPr lang="es-ES"/>
+              <a:t>Haga clic para modificar los estilos de texto del patrón</a:t>
+            </a:r>
+          </a:p>
+          <a:p>
+            <a:pPr lvl="1"/>
+            <a:r>
+              <a:rPr lang="es-ES"/>
+              <a:t>Segundo nivel</a:t>
+            </a:r>
+          </a:p>
+          <a:p>
+            <a:pPr lvl="2"/>
+            <a:r>
+              <a:rPr lang="es-ES"/>
+              <a:t>Tercer nivel</a:t>
+            </a:r>
+          </a:p>
+          <a:p>
+            <a:pPr lvl="3"/>
+            <a:r>
+              <a:rPr lang="es-ES"/>
+              <a:t>Cuarto nivel</a:t>
+            </a:r>
+          </a:p>
+          <a:p>
+            <a:pPr lvl="4"/>
+            <a:r>
+              <a:rPr lang="es-ES"/>
+              <a:t>Quinto nivel</a:t>
+            </a:r>
+            <a:endParaRPr lang="en-US" dirty="0"/>
+          </a:p>
+        </p:txBody>
+      </p:sp>
+      <p:sp>
+        <p:nvSpPr>
+          <p:cNvPr id="4" name="Content Placeholder 3"/>
+          <p:cNvSpPr>
+            <a:spLocks noGrp="1"/>
+          </p:cNvSpPr>
+          <p:nvPr>
+            <p:ph sz="half" idx="2"/>
+          </p:nvPr>
+        </p:nvSpPr>
+        <p:spPr>
+          <a:xfrm>
+            <a:off x="6170612" y="2667000"/>
+            <a:ext cx="4876800" cy="3124200"/>
+          </a:xfrm>
+        </p:spPr>
+        <p:txBody>
+          <a:bodyPr>
+            <a:normAutofit/>
+          </a:bodyPr>
+          <a:lstStyle>
+            <a:lvl1pPr>
+              <a:defRPr sz="1800"/>
+            </a:lvl1pPr>
+            <a:lvl2pPr>
+              <a:defRPr sz="1600"/>
+            </a:lvl2pPr>
+            <a:lvl3pPr>
+              <a:defRPr sz="1400"/>
+            </a:lvl3pPr>
+            <a:lvl4pPr>
+              <a:defRPr sz="1200"/>
+            </a:lvl4pPr>
+            <a:lvl5pPr>
+              <a:defRPr sz="1200"/>
+            </a:lvl5pPr>
+            <a:lvl6pPr>
+              <a:defRPr sz="1200"/>
+            </a:lvl6pPr>
+            <a:lvl7pPr>
+              <a:defRPr sz="1200"/>
+            </a:lvl7pPr>
+            <a:lvl8pPr>
+              <a:defRPr sz="1200"/>
+            </a:lvl8pPr>
+            <a:lvl9pPr>
+              <a:defRPr sz="1200"/>
+            </a:lvl9pPr>
+          </a:lstStyle>
+          <a:p>
+            <a:pPr lvl="0"/>
+            <a:r>
+              <a:rPr lang="es-ES"/>
+              <a:t>Haga clic para modificar los estilos de texto del patrón</a:t>
+            </a:r>
+          </a:p>
+          <a:p>
+            <a:pPr lvl="1"/>
+            <a:r>
+              <a:rPr lang="es-ES"/>
+              <a:t>Segundo nivel</a:t>
+            </a:r>
+          </a:p>
+          <a:p>
+            <a:pPr lvl="2"/>
+            <a:r>
+              <a:rPr lang="es-ES"/>
+              <a:t>Tercer nivel</a:t>
+            </a:r>
+          </a:p>
+          <a:p>
+            <a:pPr lvl="3"/>
+            <a:r>
+              <a:rPr lang="es-ES"/>
+              <a:t>Cuarto nivel</a:t>
+            </a:r>
+          </a:p>
+          <a:p>
+            <a:pPr lvl="4"/>
+            <a:r>
+              <a:rPr lang="es-ES"/>
+              <a:t>Quinto nivel</a:t>
+            </a:r>
+            <a:endParaRPr lang="en-US" dirty="0"/>
+          </a:p>
+        </p:txBody>
+      </p:sp>
+      <p:sp>
+        <p:nvSpPr>
+          <p:cNvPr id="5" name="Date Placeholder 4"/>
+          <p:cNvSpPr>
+            <a:spLocks noGrp="1"/>
+          </p:cNvSpPr>
+          <p:nvPr>
+            <p:ph type="dt" sz="half" idx="10"/>
+          </p:nvPr>
+        </p:nvSpPr>
+        <p:spPr/>
+        <p:txBody>
           <a:bodyPr/>
           <a:lstStyle/>
           <a:p>
-            <a:r>
-              <a:rPr lang="en-US"/>
-              <a:t>Click to edit Master title style</a:t>
-            </a:r>
-            <a:endParaRPr lang="en-US" dirty="0"/>
-          </a:p>
-        </p:txBody>
-      </p:sp>
-      <p:sp>
-        <p:nvSpPr>
-          <p:cNvPr id="3" name="Content Placeholder 2"/>
-          <p:cNvSpPr>
-            <a:spLocks noGrp="1"/>
-          </p:cNvSpPr>
-          <p:nvPr>
-            <p:ph sz="half" idx="1"/>
-          </p:nvPr>
-        </p:nvSpPr>
-        <p:spPr>
-          <a:xfrm>
-            <a:off x="913795" y="2076450"/>
-            <a:ext cx="4856841" cy="3622671"/>
-          </a:xfrm>
-        </p:spPr>
-        <p:txBody>
-          <a:bodyPr anchor="t">
-            <a:normAutofit/>
-          </a:bodyPr>
-          <a:lstStyle/>
-          <a:p>
-            <a:pPr lvl="0"/>
-            <a:r>
-              <a:rPr lang="en-US"/>
-              <a:t>Click to edit Master text styles</a:t>
-            </a:r>
-          </a:p>
-          <a:p>
-            <a:pPr lvl="1"/>
-            <a:r>
-              <a:rPr lang="en-US"/>
-              <a:t>Second level</a:t>
-            </a:r>
-          </a:p>
-          <a:p>
-            <a:pPr lvl="2"/>
-            <a:r>
-              <a:rPr lang="en-US"/>
-              <a:t>Third level</a:t>
-            </a:r>
-          </a:p>
-          <a:p>
-            <a:pPr lvl="3"/>
-            <a:r>
-              <a:rPr lang="en-US"/>
-              <a:t>Fourth level</a:t>
-            </a:r>
-          </a:p>
-          <a:p>
-            <a:pPr lvl="4"/>
-            <a:r>
-              <a:rPr lang="en-US"/>
-              <a:t>Fifth level</a:t>
-            </a:r>
-            <a:endParaRPr lang="en-US" dirty="0"/>
-          </a:p>
-        </p:txBody>
-      </p:sp>
-      <p:sp>
-        <p:nvSpPr>
-          <p:cNvPr id="4" name="Content Placeholder 3"/>
-          <p:cNvSpPr>
-            <a:spLocks noGrp="1"/>
-          </p:cNvSpPr>
-          <p:nvPr>
-            <p:ph sz="half" idx="2"/>
-          </p:nvPr>
-        </p:nvSpPr>
-        <p:spPr>
-          <a:xfrm>
-            <a:off x="6410716" y="2076451"/>
-            <a:ext cx="4856841" cy="3622672"/>
-          </a:xfrm>
-        </p:spPr>
-        <p:txBody>
-          <a:bodyPr anchor="t">
-            <a:normAutofit/>
-          </a:bodyPr>
-          <a:lstStyle/>
-          <a:p>
-            <a:pPr lvl="0"/>
-            <a:r>
-              <a:rPr lang="en-US"/>
-              <a:t>Click to edit Master text styles</a:t>
-            </a:r>
-          </a:p>
-          <a:p>
-            <a:pPr lvl="1"/>
-            <a:r>
-              <a:rPr lang="en-US"/>
-              <a:t>Second level</a:t>
-            </a:r>
-          </a:p>
-          <a:p>
-            <a:pPr lvl="2"/>
-            <a:r>
-              <a:rPr lang="en-US"/>
-              <a:t>Third level</a:t>
-            </a:r>
-          </a:p>
-          <a:p>
-            <a:pPr lvl="3"/>
-            <a:r>
-              <a:rPr lang="en-US"/>
-              <a:t>Fourth level</a:t>
-            </a:r>
-          </a:p>
-          <a:p>
-            <a:pPr lvl="4"/>
-            <a:r>
-              <a:rPr lang="en-US"/>
-              <a:t>Fifth level</a:t>
-            </a:r>
-            <a:endParaRPr lang="en-US" dirty="0"/>
-          </a:p>
-        </p:txBody>
-      </p:sp>
-      <p:sp>
-        <p:nvSpPr>
-          <p:cNvPr id="5" name="Date Placeholder 4"/>
-          <p:cNvSpPr>
-            <a:spLocks noGrp="1"/>
-          </p:cNvSpPr>
-          <p:nvPr>
-            <p:ph type="dt" sz="half" idx="10"/>
-          </p:nvPr>
-        </p:nvSpPr>
-        <p:spPr/>
-        <p:txBody>
-          <a:bodyPr/>
-          <a:lstStyle/>
-          <a:p>
-            <a:fld id="{BDFCD27C-8599-43EF-BA1D-14DDC1946E06}" type="datetime1">
+            <a:fld id="{073ED0CC-082F-4160-86E5-0D6041F12778}" type="datetime1">
               <a:rPr lang="en-US" smtClean="0"/>
-              <a:t>11/28/19</a:t>
+              <a:t>11/28/2019</a:t>
             </a:fld>
             <a:endParaRPr lang="en-US" dirty="0"/>
           </a:p>
@@ -4179,19 +3772,20 @@
     </p:spTree>
     <p:extLst>
       <p:ext uri="{BB962C8B-B14F-4D97-AF65-F5344CB8AC3E}">
-        <p14:creationId xmlns:p14="http://schemas.microsoft.com/office/powerpoint/2010/main" val="649836656"/>
+        <p14:creationId xmlns:p14="http://schemas.microsoft.com/office/powerpoint/2010/main" val="417257745"/>
       </p:ext>
     </p:extLst>
   </p:cSld>
   <p:clrMapOvr>
     <a:masterClrMapping/>
   </p:clrMapOvr>
+  <p:hf sldNum="0" hdr="0" ftr="0" dt="0"/>
 </p:sldLayout>
 </file>
 
 <file path=ppt/slideLayouts/slideLayout5.xml><?xml version="1.0" encoding="utf-8"?>
 <p:sldLayout xmlns:a="http://schemas.openxmlformats.org/drawingml/2006/main" xmlns:r="http://schemas.openxmlformats.org/officeDocument/2006/relationships" xmlns:p="http://schemas.openxmlformats.org/presentationml/2006/main" type="twoTxTwoObj" preserve="1">
-  <p:cSld name="Comparison">
+  <p:cSld name="Comparación">
     <p:spTree>
       <p:nvGrpSpPr>
         <p:cNvPr id="1" name=""/>
@@ -4206,78 +3800,6 @@
           <a:chExt cx="0" cy="0"/>
         </a:xfrm>
       </p:grpSpPr>
-      <p:pic>
-        <p:nvPicPr>
-          <p:cNvPr id="20" name="Picture 19" descr="Slate-V2-HD-compPhotoInset.png">
-            <a:extLst>
-              <a:ext uri="{FF2B5EF4-FFF2-40B4-BE49-F238E27FC236}">
-                <a16:creationId xmlns:a16="http://schemas.microsoft.com/office/drawing/2014/main" id="{37B721FF-D609-4D98-9D19-CF75AA8A54FC}"/>
-              </a:ext>
-            </a:extLst>
-          </p:cNvPr>
-          <p:cNvPicPr>
-            <a:picLocks noChangeAspect="1"/>
-          </p:cNvPicPr>
-          <p:nvPr/>
-        </p:nvPicPr>
-        <p:blipFill>
-          <a:blip r:embed="rId2">
-            <a:extLst>
-              <a:ext uri="{28A0092B-C50C-407E-A947-70E740481C1C}">
-                <a14:useLocalDpi xmlns:a14="http://schemas.microsoft.com/office/drawing/2010/main" val="0"/>
-              </a:ext>
-            </a:extLst>
-          </a:blip>
-          <a:stretch>
-            <a:fillRect/>
-          </a:stretch>
-        </p:blipFill>
-        <p:spPr>
-          <a:xfrm>
-            <a:off x="913795" y="1734506"/>
-            <a:ext cx="5029200" cy="4099959"/>
-          </a:xfrm>
-          <a:prstGeom prst="rect">
-            <a:avLst/>
-          </a:prstGeom>
-        </p:spPr>
-      </p:pic>
-      <p:pic>
-        <p:nvPicPr>
-          <p:cNvPr id="21" name="Picture 20" descr="Slate-V2-HD-compPhotoInset.png">
-            <a:extLst>
-              <a:ext uri="{FF2B5EF4-FFF2-40B4-BE49-F238E27FC236}">
-                <a16:creationId xmlns:a16="http://schemas.microsoft.com/office/drawing/2014/main" id="{073936BD-C868-433F-8E84-D6DD8E640E3E}"/>
-              </a:ext>
-            </a:extLst>
-          </p:cNvPr>
-          <p:cNvPicPr>
-            <a:picLocks noChangeAspect="1"/>
-          </p:cNvPicPr>
-          <p:nvPr/>
-        </p:nvPicPr>
-        <p:blipFill>
-          <a:blip r:embed="rId2">
-            <a:extLst>
-              <a:ext uri="{28A0092B-C50C-407E-A947-70E740481C1C}">
-                <a14:useLocalDpi xmlns:a14="http://schemas.microsoft.com/office/drawing/2010/main" val="0"/>
-              </a:ext>
-            </a:extLst>
-          </a:blip>
-          <a:stretch>
-            <a:fillRect/>
-          </a:stretch>
-        </p:blipFill>
-        <p:spPr>
-          <a:xfrm>
-            <a:off x="6238357" y="1734506"/>
-            <a:ext cx="5029200" cy="4099959"/>
-          </a:xfrm>
-          <a:prstGeom prst="rect">
-            <a:avLst/>
-          </a:prstGeom>
-        </p:spPr>
-      </p:pic>
       <p:sp>
         <p:nvSpPr>
           <p:cNvPr id="2" name="Title 1"/>
@@ -4288,12 +3810,7 @@
             <p:ph type="title"/>
           </p:nvPr>
         </p:nvSpPr>
-        <p:spPr>
-          <a:xfrm>
-            <a:off x="913795" y="609600"/>
-            <a:ext cx="10353762" cy="970450"/>
-          </a:xfrm>
-        </p:spPr>
+        <p:spPr/>
         <p:txBody>
           <a:bodyPr/>
           <a:lstStyle>
@@ -4303,8 +3820,8 @@
           </a:lstStyle>
           <a:p>
             <a:r>
-              <a:rPr lang="en-US"/>
-              <a:t>Click to edit Master title style</a:t>
+              <a:rPr lang="es-ES"/>
+              <a:t>Haga clic para modificar el estilo de título del patrón</a:t>
             </a:r>
             <a:endParaRPr lang="en-US" dirty="0"/>
           </a:p>
@@ -4322,8 +3839,8 @@
         </p:nvSpPr>
         <p:spPr>
           <a:xfrm>
-            <a:off x="1046013" y="1855153"/>
-            <a:ext cx="4764764" cy="692494"/>
+            <a:off x="1429280" y="2658533"/>
+            <a:ext cx="4588931" cy="576262"/>
           </a:xfrm>
         </p:spPr>
         <p:txBody>
@@ -4331,9 +3848,9 @@
             <a:noAutofit/>
           </a:bodyPr>
           <a:lstStyle>
-            <a:lvl1pPr marL="0" indent="0" algn="ctr">
-              <a:buNone/>
-              <a:defRPr sz="2400" b="0"/>
+            <a:lvl1pPr marL="0" indent="0">
+              <a:buNone/>
+              <a:defRPr sz="2800" b="0"/>
             </a:lvl1pPr>
             <a:lvl2pPr marL="457200" indent="0">
               <a:buNone/>
@@ -4371,8 +3888,8 @@
           <a:p>
             <a:pPr lvl="0"/>
             <a:r>
-              <a:rPr lang="en-US" dirty="0"/>
-              <a:t>Click to edit Master text styles</a:t>
+              <a:rPr lang="es-ES"/>
+              <a:t>Haga clic para modificar los estilos de texto del patrón</a:t>
             </a:r>
           </a:p>
         </p:txBody>
@@ -4389,8 +3906,8 @@
         </p:nvSpPr>
         <p:spPr>
           <a:xfrm>
-            <a:off x="1046013" y="2702103"/>
-            <a:ext cx="4764764" cy="3043533"/>
+            <a:off x="1141412" y="3243262"/>
+            <a:ext cx="4876800" cy="2547937"/>
           </a:xfrm>
         </p:spPr>
         <p:txBody>
@@ -4413,41 +3930,54 @@
             <a:lvl5pPr>
               <a:defRPr sz="1200"/>
             </a:lvl5pPr>
+            <a:lvl6pPr>
+              <a:defRPr sz="1200"/>
+            </a:lvl6pPr>
+            <a:lvl7pPr>
+              <a:defRPr sz="1200"/>
+            </a:lvl7pPr>
+            <a:lvl8pPr>
+              <a:defRPr sz="1200"/>
+            </a:lvl8pPr>
+            <a:lvl9pPr>
+              <a:defRPr sz="1200"/>
+            </a:lvl9pPr>
           </a:lstStyle>
           <a:p>
             <a:pPr lvl="0"/>
             <a:r>
-              <a:rPr lang="en-US" dirty="0"/>
-              <a:t>Click to edit Master text styles</a:t>
+              <a:rPr lang="es-ES"/>
+              <a:t>Haga clic para modificar los estilos de texto del patrón</a:t>
             </a:r>
           </a:p>
           <a:p>
             <a:pPr lvl="1"/>
             <a:r>
-              <a:rPr lang="en-US" dirty="0"/>
-              <a:t>Second level</a:t>
+              <a:rPr lang="es-ES"/>
+              <a:t>Segundo nivel</a:t>
             </a:r>
           </a:p>
           <a:p>
             <a:pPr lvl="2"/>
             <a:r>
-              <a:rPr lang="en-US" dirty="0"/>
-              <a:t>Third level</a:t>
+              <a:rPr lang="es-ES"/>
+              <a:t>Tercer nivel</a:t>
             </a:r>
           </a:p>
           <a:p>
             <a:pPr lvl="3"/>
             <a:r>
-              <a:rPr lang="en-US" dirty="0"/>
-              <a:t>Fourth level</a:t>
+              <a:rPr lang="es-ES"/>
+              <a:t>Cuarto nivel</a:t>
             </a:r>
           </a:p>
           <a:p>
             <a:pPr lvl="4"/>
             <a:r>
-              <a:rPr lang="en-US" dirty="0"/>
-              <a:t>Fifth level</a:t>
-            </a:r>
+              <a:rPr lang="es-ES"/>
+              <a:t>Quinto nivel</a:t>
+            </a:r>
+            <a:endParaRPr lang="en-US" dirty="0"/>
           </a:p>
         </p:txBody>
       </p:sp>
@@ -4463,8 +3993,8 @@
         </p:nvSpPr>
         <p:spPr>
           <a:xfrm>
-            <a:off x="6363166" y="1855152"/>
-            <a:ext cx="4779582" cy="692495"/>
+            <a:off x="6443133" y="2667000"/>
+            <a:ext cx="4604280" cy="576262"/>
           </a:xfrm>
         </p:spPr>
         <p:txBody>
@@ -4472,9 +4002,9 @@
             <a:noAutofit/>
           </a:bodyPr>
           <a:lstStyle>
-            <a:lvl1pPr marL="0" indent="0" algn="ctr">
-              <a:buNone/>
-              <a:defRPr sz="2400" b="0"/>
+            <a:lvl1pPr marL="0" indent="0">
+              <a:buNone/>
+              <a:defRPr sz="2800" b="0"/>
             </a:lvl1pPr>
             <a:lvl2pPr marL="457200" indent="0">
               <a:buNone/>
@@ -4512,8 +4042,8 @@
           <a:p>
             <a:pPr lvl="0"/>
             <a:r>
-              <a:rPr lang="en-US" dirty="0"/>
-              <a:t>Click to edit Master text styles</a:t>
+              <a:rPr lang="es-ES"/>
+              <a:t>Haga clic para modificar los estilos de texto del patrón</a:t>
             </a:r>
           </a:p>
         </p:txBody>
@@ -4530,8 +4060,8 @@
         </p:nvSpPr>
         <p:spPr>
           <a:xfrm>
-            <a:off x="6363167" y="2702103"/>
-            <a:ext cx="4779581" cy="3043533"/>
+            <a:off x="6170612" y="3243262"/>
+            <a:ext cx="4876801" cy="2547937"/>
           </a:xfrm>
         </p:spPr>
         <p:txBody>
@@ -4554,41 +4084,54 @@
             <a:lvl5pPr>
               <a:defRPr sz="1200"/>
             </a:lvl5pPr>
+            <a:lvl6pPr>
+              <a:defRPr sz="1200"/>
+            </a:lvl6pPr>
+            <a:lvl7pPr>
+              <a:defRPr sz="1200"/>
+            </a:lvl7pPr>
+            <a:lvl8pPr>
+              <a:defRPr sz="1200"/>
+            </a:lvl8pPr>
+            <a:lvl9pPr>
+              <a:defRPr sz="1200"/>
+            </a:lvl9pPr>
           </a:lstStyle>
           <a:p>
             <a:pPr lvl="0"/>
             <a:r>
-              <a:rPr lang="en-US" dirty="0"/>
-              <a:t>Click to edit Master text styles</a:t>
+              <a:rPr lang="es-ES"/>
+              <a:t>Haga clic para modificar los estilos de texto del patrón</a:t>
             </a:r>
           </a:p>
           <a:p>
             <a:pPr lvl="1"/>
             <a:r>
-              <a:rPr lang="en-US" dirty="0"/>
-              <a:t>Second level</a:t>
+              <a:rPr lang="es-ES"/>
+              <a:t>Segundo nivel</a:t>
             </a:r>
           </a:p>
           <a:p>
             <a:pPr lvl="2"/>
             <a:r>
-              <a:rPr lang="en-US" dirty="0"/>
-              <a:t>Third level</a:t>
+              <a:rPr lang="es-ES"/>
+              <a:t>Tercer nivel</a:t>
             </a:r>
           </a:p>
           <a:p>
             <a:pPr lvl="3"/>
             <a:r>
-              <a:rPr lang="en-US" dirty="0"/>
-              <a:t>Fourth level</a:t>
+              <a:rPr lang="es-ES"/>
+              <a:t>Cuarto nivel</a:t>
             </a:r>
           </a:p>
           <a:p>
             <a:pPr lvl="4"/>
             <a:r>
-              <a:rPr lang="en-US" dirty="0"/>
-              <a:t>Fifth level</a:t>
-            </a:r>
+              <a:rPr lang="es-ES"/>
+              <a:t>Quinto nivel</a:t>
+            </a:r>
+            <a:endParaRPr lang="en-US" dirty="0"/>
           </a:p>
         </p:txBody>
       </p:sp>
@@ -4607,9 +4150,9 @@
           <a:bodyPr/>
           <a:lstStyle/>
           <a:p>
-            <a:fld id="{49343D99-809A-49C0-96E5-4250D0B498EE}" type="datetime1">
+            <a:fld id="{073ED0CC-082F-4160-86E5-0D6041F12778}" type="datetime1">
               <a:rPr lang="en-US" smtClean="0"/>
-              <a:t>11/28/19</a:t>
+              <a:t>11/28/2019</a:t>
             </a:fld>
             <a:endParaRPr lang="en-US" dirty="0"/>
           </a:p>
@@ -4660,19 +4203,20 @@
     </p:spTree>
     <p:extLst>
       <p:ext uri="{BB962C8B-B14F-4D97-AF65-F5344CB8AC3E}">
-        <p14:creationId xmlns:p14="http://schemas.microsoft.com/office/powerpoint/2010/main" val="4203853193"/>
+        <p14:creationId xmlns:p14="http://schemas.microsoft.com/office/powerpoint/2010/main" val="1024101759"/>
       </p:ext>
     </p:extLst>
   </p:cSld>
   <p:clrMapOvr>
     <a:masterClrMapping/>
   </p:clrMapOvr>
+  <p:hf sldNum="0" hdr="0" ftr="0" dt="0"/>
 </p:sldLayout>
 </file>
 
 <file path=ppt/slideLayouts/slideLayout6.xml><?xml version="1.0" encoding="utf-8"?>
 <p:sldLayout xmlns:a="http://schemas.openxmlformats.org/drawingml/2006/main" xmlns:r="http://schemas.openxmlformats.org/officeDocument/2006/relationships" xmlns:p="http://schemas.openxmlformats.org/presentationml/2006/main" type="titleOnly" preserve="1">
-  <p:cSld name="Title Only">
+  <p:cSld name="Solo el título">
     <p:spTree>
       <p:nvGrpSpPr>
         <p:cNvPr id="1" name=""/>
@@ -4703,8 +4247,8 @@
           <a:lstStyle/>
           <a:p>
             <a:r>
-              <a:rPr lang="en-US"/>
-              <a:t>Click to edit Master title style</a:t>
+              <a:rPr lang="es-ES"/>
+              <a:t>Haga clic para modificar el estilo de título del patrón</a:t>
             </a:r>
             <a:endParaRPr lang="en-US" dirty="0"/>
           </a:p>
@@ -4725,9 +4269,9 @@
           <a:bodyPr/>
           <a:lstStyle/>
           <a:p>
-            <a:fld id="{A143DE9B-B678-4EFB-BB7D-A4370204A0B0}" type="datetime1">
+            <a:fld id="{073ED0CC-082F-4160-86E5-0D6041F12778}" type="datetime1">
               <a:rPr lang="en-US" smtClean="0"/>
-              <a:t>11/28/19</a:t>
+              <a:t>11/28/2019</a:t>
             </a:fld>
             <a:endParaRPr lang="en-US" dirty="0"/>
           </a:p>
@@ -4778,19 +4322,20 @@
     </p:spTree>
     <p:extLst>
       <p:ext uri="{BB962C8B-B14F-4D97-AF65-F5344CB8AC3E}">
-        <p14:creationId xmlns:p14="http://schemas.microsoft.com/office/powerpoint/2010/main" val="1056940506"/>
+        <p14:creationId xmlns:p14="http://schemas.microsoft.com/office/powerpoint/2010/main" val="4128194106"/>
       </p:ext>
     </p:extLst>
   </p:cSld>
   <p:clrMapOvr>
     <a:masterClrMapping/>
   </p:clrMapOvr>
+  <p:hf sldNum="0" hdr="0" ftr="0" dt="0"/>
 </p:sldLayout>
 </file>
 
 <file path=ppt/slideLayouts/slideLayout7.xml><?xml version="1.0" encoding="utf-8"?>
 <p:sldLayout xmlns:a="http://schemas.openxmlformats.org/drawingml/2006/main" xmlns:r="http://schemas.openxmlformats.org/officeDocument/2006/relationships" xmlns:p="http://schemas.openxmlformats.org/presentationml/2006/main" type="blank" preserve="1">
-  <p:cSld name="Blank">
+  <p:cSld name="En blanco">
     <p:spTree>
       <p:nvGrpSpPr>
         <p:cNvPr id="1" name=""/>
@@ -4820,9 +4365,9 @@
           <a:bodyPr/>
           <a:lstStyle/>
           <a:p>
-            <a:fld id="{E68812DA-F765-4142-A6A3-A8ED7235E082}" type="datetime1">
+            <a:fld id="{073ED0CC-082F-4160-86E5-0D6041F12778}" type="datetime1">
               <a:rPr lang="en-US" smtClean="0"/>
-              <a:t>11/28/19</a:t>
+              <a:t>11/28/2019</a:t>
             </a:fld>
             <a:endParaRPr lang="en-US" dirty="0"/>
           </a:p>
@@ -4873,19 +4418,20 @@
     </p:spTree>
     <p:extLst>
       <p:ext uri="{BB962C8B-B14F-4D97-AF65-F5344CB8AC3E}">
-        <p14:creationId xmlns:p14="http://schemas.microsoft.com/office/powerpoint/2010/main" val="1313966851"/>
+        <p14:creationId xmlns:p14="http://schemas.microsoft.com/office/powerpoint/2010/main" val="781406979"/>
       </p:ext>
     </p:extLst>
   </p:cSld>
   <p:clrMapOvr>
     <a:masterClrMapping/>
   </p:clrMapOvr>
+  <p:hf sldNum="0" hdr="0" ftr="0" dt="0"/>
 </p:sldLayout>
 </file>
 
 <file path=ppt/slideLayouts/slideLayout8.xml><?xml version="1.0" encoding="utf-8"?>
 <p:sldLayout xmlns:a="http://schemas.openxmlformats.org/drawingml/2006/main" xmlns:r="http://schemas.openxmlformats.org/officeDocument/2006/relationships" xmlns:p="http://schemas.openxmlformats.org/presentationml/2006/main" type="objTx" preserve="1">
-  <p:cSld name="Content with Caption">
+  <p:cSld name="Contenido con título">
     <p:spTree>
       <p:nvGrpSpPr>
         <p:cNvPr id="1" name=""/>
@@ -4912,8 +4458,8 @@
         </p:nvSpPr>
         <p:spPr>
           <a:xfrm>
-            <a:off x="913795" y="609600"/>
-            <a:ext cx="3706889" cy="1821918"/>
+            <a:off x="1141411" y="1600200"/>
+            <a:ext cx="3549121" cy="1371600"/>
           </a:xfrm>
         </p:spPr>
         <p:txBody>
@@ -4921,14 +4467,14 @@
             <a:normAutofit/>
           </a:bodyPr>
           <a:lstStyle>
-            <a:lvl1pPr algn="ctr">
-              <a:defRPr sz="2800" b="0"/>
+            <a:lvl1pPr algn="l">
+              <a:defRPr sz="2400" b="0"/>
             </a:lvl1pPr>
           </a:lstStyle>
           <a:p>
             <a:r>
-              <a:rPr lang="en-US"/>
-              <a:t>Click to edit Master title style</a:t>
+              <a:rPr lang="es-ES"/>
+              <a:t>Haga clic para modificar el estilo de título del patrón</a:t>
             </a:r>
             <a:endParaRPr lang="en-US" dirty="0"/>
           </a:p>
@@ -4946,75 +4492,103 @@
         </p:nvSpPr>
         <p:spPr>
           <a:xfrm>
-            <a:off x="4855633" y="609600"/>
-            <a:ext cx="6411924" cy="5080001"/>
+            <a:off x="5103812" y="609601"/>
+            <a:ext cx="5943601" cy="5181600"/>
+          </a:xfrm>
+        </p:spPr>
+        <p:txBody>
+          <a:bodyPr anchor="ctr">
+            <a:normAutofit/>
+          </a:bodyPr>
+          <a:lstStyle>
+            <a:lvl1pPr>
+              <a:defRPr sz="2000"/>
+            </a:lvl1pPr>
+            <a:lvl2pPr>
+              <a:defRPr sz="1800"/>
+            </a:lvl2pPr>
+            <a:lvl3pPr>
+              <a:defRPr sz="1600"/>
+            </a:lvl3pPr>
+            <a:lvl4pPr>
+              <a:defRPr sz="1400"/>
+            </a:lvl4pPr>
+            <a:lvl5pPr>
+              <a:defRPr sz="1400"/>
+            </a:lvl5pPr>
+            <a:lvl6pPr>
+              <a:defRPr sz="1400"/>
+            </a:lvl6pPr>
+            <a:lvl7pPr>
+              <a:defRPr sz="1400"/>
+            </a:lvl7pPr>
+            <a:lvl8pPr>
+              <a:defRPr sz="1400"/>
+            </a:lvl8pPr>
+            <a:lvl9pPr>
+              <a:defRPr sz="1400"/>
+            </a:lvl9pPr>
+          </a:lstStyle>
+          <a:p>
+            <a:pPr lvl="0"/>
+            <a:r>
+              <a:rPr lang="es-ES"/>
+              <a:t>Haga clic para modificar los estilos de texto del patrón</a:t>
+            </a:r>
+          </a:p>
+          <a:p>
+            <a:pPr lvl="1"/>
+            <a:r>
+              <a:rPr lang="es-ES"/>
+              <a:t>Segundo nivel</a:t>
+            </a:r>
+          </a:p>
+          <a:p>
+            <a:pPr lvl="2"/>
+            <a:r>
+              <a:rPr lang="es-ES"/>
+              <a:t>Tercer nivel</a:t>
+            </a:r>
+          </a:p>
+          <a:p>
+            <a:pPr lvl="3"/>
+            <a:r>
+              <a:rPr lang="es-ES"/>
+              <a:t>Cuarto nivel</a:t>
+            </a:r>
+          </a:p>
+          <a:p>
+            <a:pPr lvl="4"/>
+            <a:r>
+              <a:rPr lang="es-ES"/>
+              <a:t>Quinto nivel</a:t>
+            </a:r>
+            <a:endParaRPr lang="en-US" dirty="0"/>
+          </a:p>
+        </p:txBody>
+      </p:sp>
+      <p:sp>
+        <p:nvSpPr>
+          <p:cNvPr id="4" name="Text Placeholder 3"/>
+          <p:cNvSpPr>
+            <a:spLocks noGrp="1"/>
+          </p:cNvSpPr>
+          <p:nvPr>
+            <p:ph type="body" sz="half" idx="2"/>
+          </p:nvPr>
+        </p:nvSpPr>
+        <p:spPr>
+          <a:xfrm>
+            <a:off x="1141411" y="2971800"/>
+            <a:ext cx="3549121" cy="1828800"/>
           </a:xfrm>
         </p:spPr>
         <p:txBody>
           <a:bodyPr>
             <a:normAutofit/>
           </a:bodyPr>
-          <a:lstStyle/>
-          <a:p>
-            <a:pPr lvl="0"/>
-            <a:r>
-              <a:rPr lang="en-US"/>
-              <a:t>Click to edit Master text styles</a:t>
-            </a:r>
-          </a:p>
-          <a:p>
-            <a:pPr lvl="1"/>
-            <a:r>
-              <a:rPr lang="en-US"/>
-              <a:t>Second level</a:t>
-            </a:r>
-          </a:p>
-          <a:p>
-            <a:pPr lvl="2"/>
-            <a:r>
-              <a:rPr lang="en-US"/>
-              <a:t>Third level</a:t>
-            </a:r>
-          </a:p>
-          <a:p>
-            <a:pPr lvl="3"/>
-            <a:r>
-              <a:rPr lang="en-US"/>
-              <a:t>Fourth level</a:t>
-            </a:r>
-          </a:p>
-          <a:p>
-            <a:pPr lvl="4"/>
-            <a:r>
-              <a:rPr lang="en-US"/>
-              <a:t>Fifth level</a:t>
-            </a:r>
-            <a:endParaRPr lang="en-US" dirty="0"/>
-          </a:p>
-        </p:txBody>
-      </p:sp>
-      <p:sp>
-        <p:nvSpPr>
-          <p:cNvPr id="4" name="Text Placeholder 3"/>
-          <p:cNvSpPr>
-            <a:spLocks noGrp="1"/>
-          </p:cNvSpPr>
-          <p:nvPr>
-            <p:ph type="body" sz="half" idx="2"/>
-          </p:nvPr>
-        </p:nvSpPr>
-        <p:spPr>
-          <a:xfrm>
-            <a:off x="913795" y="2673351"/>
-            <a:ext cx="3706889" cy="3016250"/>
-          </a:xfrm>
-        </p:spPr>
-        <p:txBody>
-          <a:bodyPr anchor="t">
-            <a:normAutofit/>
-          </a:bodyPr>
           <a:lstStyle>
-            <a:lvl1pPr marL="0" indent="0" algn="ctr">
+            <a:lvl1pPr marL="0" indent="0">
               <a:buNone/>
               <a:defRPr sz="1600"/>
             </a:lvl1pPr>
@@ -5054,8 +4628,8 @@
           <a:p>
             <a:pPr lvl="0"/>
             <a:r>
-              <a:rPr lang="en-US"/>
-              <a:t>Click to edit Master text styles</a:t>
+              <a:rPr lang="es-ES"/>
+              <a:t>Haga clic para modificar los estilos de texto del patrón</a:t>
             </a:r>
           </a:p>
         </p:txBody>
@@ -5075,9 +4649,9 @@
           <a:bodyPr/>
           <a:lstStyle/>
           <a:p>
-            <a:fld id="{3E0277FD-7DE6-41D4-930D-AC99F5AFE54E}" type="datetime1">
+            <a:fld id="{073ED0CC-082F-4160-86E5-0D6041F12778}" type="datetime1">
               <a:rPr lang="en-US" smtClean="0"/>
-              <a:t>11/28/19</a:t>
+              <a:t>11/28/2019</a:t>
             </a:fld>
             <a:endParaRPr lang="en-US" dirty="0"/>
           </a:p>
@@ -5119,7 +4693,6 @@
           <a:p>
             <a:fld id="{3A98EE3D-8CD1-4C3F-BD1C-C98C9596463C}" type="slidenum">
               <a:rPr lang="en-US" smtClean="0"/>
-              <a:pPr/>
               <a:t>‹Nº›</a:t>
             </a:fld>
             <a:endParaRPr lang="en-US" dirty="0"/>
@@ -5129,19 +4702,20 @@
     </p:spTree>
     <p:extLst>
       <p:ext uri="{BB962C8B-B14F-4D97-AF65-F5344CB8AC3E}">
-        <p14:creationId xmlns:p14="http://schemas.microsoft.com/office/powerpoint/2010/main" val="313304693"/>
+        <p14:creationId xmlns:p14="http://schemas.microsoft.com/office/powerpoint/2010/main" val="3482792914"/>
       </p:ext>
     </p:extLst>
   </p:cSld>
   <p:clrMapOvr>
     <a:masterClrMapping/>
   </p:clrMapOvr>
+  <p:hf sldNum="0" hdr="0" ftr="0" dt="0"/>
 </p:sldLayout>
 </file>
 
 <file path=ppt/slideLayouts/slideLayout9.xml><?xml version="1.0" encoding="utf-8"?>
 <p:sldLayout xmlns:a="http://schemas.openxmlformats.org/drawingml/2006/main" xmlns:r="http://schemas.openxmlformats.org/officeDocument/2006/relationships" xmlns:p="http://schemas.openxmlformats.org/presentationml/2006/main" type="picTx" preserve="1">
-  <p:cSld name="Picture with Caption">
+  <p:cSld name="Imagen con título">
     <p:spTree>
       <p:nvGrpSpPr>
         <p:cNvPr id="1" name=""/>
@@ -5156,97 +4730,77 @@
           <a:chExt cx="0" cy="0"/>
         </a:xfrm>
       </p:grpSpPr>
-      <p:pic>
-        <p:nvPicPr>
-          <p:cNvPr id="22" name="Picture 21" descr="Slate-V2-HD-vertPhotoInset.png">
-            <a:extLst>
-              <a:ext uri="{FF2B5EF4-FFF2-40B4-BE49-F238E27FC236}">
-                <a16:creationId xmlns:a16="http://schemas.microsoft.com/office/drawing/2014/main" id="{4D06E496-ACBA-4063-B4A1-C5C484EE5A77}"/>
-              </a:ext>
-            </a:extLst>
-          </p:cNvPr>
-          <p:cNvPicPr>
-            <a:picLocks noChangeAspect="1"/>
-          </p:cNvPicPr>
-          <p:nvPr/>
-        </p:nvPicPr>
-        <p:blipFill>
-          <a:blip r:embed="rId2">
-            <a:extLst>
-              <a:ext uri="{28A0092B-C50C-407E-A947-70E740481C1C}">
-                <a14:useLocalDpi xmlns:a14="http://schemas.microsoft.com/office/drawing/2010/main" val="0"/>
-              </a:ext>
-            </a:extLst>
-          </a:blip>
-          <a:stretch>
-            <a:fillRect/>
-          </a:stretch>
-        </p:blipFill>
+      <p:sp>
+        <p:nvSpPr>
+          <p:cNvPr id="2" name="Title 1"/>
+          <p:cNvSpPr>
+            <a:spLocks noGrp="1"/>
+          </p:cNvSpPr>
+          <p:nvPr>
+            <p:ph type="title"/>
+          </p:nvPr>
+        </p:nvSpPr>
         <p:spPr>
           <a:xfrm>
-            <a:off x="7293665" y="609600"/>
-            <a:ext cx="3584166" cy="5204832"/>
+            <a:off x="1141411" y="1600200"/>
+            <a:ext cx="5334001" cy="1371600"/>
           </a:xfrm>
-          <a:prstGeom prst="rect">
-            <a:avLst/>
-          </a:prstGeom>
         </p:spPr>
-      </p:pic>
-      <p:sp>
-        <p:nvSpPr>
-          <p:cNvPr id="2" name="Title 1"/>
-          <p:cNvSpPr>
-            <a:spLocks noGrp="1"/>
-          </p:cNvSpPr>
-          <p:nvPr>
-            <p:ph type="title"/>
+        <p:txBody>
+          <a:bodyPr anchor="b">
+            <a:normAutofit/>
+          </a:bodyPr>
+          <a:lstStyle>
+            <a:lvl1pPr algn="l">
+              <a:defRPr sz="2800" b="0"/>
+            </a:lvl1pPr>
+          </a:lstStyle>
+          <a:p>
+            <a:r>
+              <a:rPr lang="es-ES"/>
+              <a:t>Haga clic para modificar el estilo de título del patrón</a:t>
+            </a:r>
+            <a:endParaRPr lang="en-US" dirty="0"/>
+          </a:p>
+        </p:txBody>
+      </p:sp>
+      <p:sp>
+        <p:nvSpPr>
+          <p:cNvPr id="14" name="Picture Placeholder 2"/>
+          <p:cNvSpPr>
+            <a:spLocks noGrp="1" noChangeAspect="1"/>
+          </p:cNvSpPr>
+          <p:nvPr>
+            <p:ph type="pic" idx="1"/>
           </p:nvPr>
         </p:nvSpPr>
         <p:spPr>
           <a:xfrm>
-            <a:off x="913795" y="763701"/>
-            <a:ext cx="5707899" cy="1675559"/>
+            <a:off x="7433733" y="-18288"/>
+            <a:ext cx="3276599" cy="6903720"/>
           </a:xfrm>
-        </p:spPr>
-        <p:txBody>
-          <a:bodyPr anchor="b">
-            <a:noAutofit/>
-          </a:bodyPr>
-          <a:lstStyle>
-            <a:lvl1pPr algn="ctr">
-              <a:defRPr sz="3200" b="0"/>
-            </a:lvl1pPr>
-          </a:lstStyle>
-          <a:p>
-            <a:r>
-              <a:rPr lang="en-US"/>
-              <a:t>Click to edit Master title style</a:t>
-            </a:r>
-            <a:endParaRPr lang="en-US" dirty="0"/>
-          </a:p>
-        </p:txBody>
-      </p:sp>
-      <p:sp>
-        <p:nvSpPr>
-          <p:cNvPr id="3" name="Picture Placeholder 2"/>
-          <p:cNvSpPr>
-            <a:spLocks noGrp="1" noChangeAspect="1"/>
-          </p:cNvSpPr>
-          <p:nvPr>
-            <p:ph type="pic" idx="1"/>
-          </p:nvPr>
-        </p:nvSpPr>
-        <p:spPr>
-          <a:xfrm>
-            <a:off x="7442551" y="763702"/>
-            <a:ext cx="3275751" cy="4912822"/>
-          </a:xfrm>
+          <a:ln w="38100">
+            <a:gradFill flip="none" rotWithShape="1">
+              <a:gsLst>
+                <a:gs pos="0">
+                  <a:schemeClr val="bg2"/>
+                </a:gs>
+                <a:gs pos="100000">
+                  <a:schemeClr val="bg2">
+                    <a:lumMod val="75000"/>
+                  </a:schemeClr>
+                </a:gs>
+              </a:gsLst>
+              <a:lin ang="5400000" scaled="0"/>
+              <a:tileRect/>
+            </a:gradFill>
+          </a:ln>
           <a:effectLst>
-            <a:outerShdw blurRad="38100" dist="25400" dir="4440000">
+            <a:innerShdw blurRad="57150" dist="38100" dir="10800000">
               <a:srgbClr val="000000">
-                <a:alpha val="36000"/>
+                <a:alpha val="70000"/>
               </a:srgbClr>
-            </a:outerShdw>
+            </a:innerShdw>
           </a:effectLst>
         </p:spPr>
         <p:txBody>
@@ -5293,8 +4847,8 @@
           </a:lstStyle>
           <a:p>
             <a:r>
-              <a:rPr lang="en-US"/>
-              <a:t>Click icon to add picture</a:t>
+              <a:rPr lang="es-ES"/>
+              <a:t>Haga clic en el icono para agregar una imagen</a:t>
             </a:r>
             <a:endParaRPr lang="en-US" dirty="0"/>
           </a:p>
@@ -5312,18 +4866,18 @@
         </p:nvSpPr>
         <p:spPr>
           <a:xfrm>
-            <a:off x="1473698" y="2679699"/>
-            <a:ext cx="4588094" cy="3135695"/>
+            <a:off x="1141411" y="2971800"/>
+            <a:ext cx="5334001" cy="1828800"/>
           </a:xfrm>
         </p:spPr>
         <p:txBody>
-          <a:bodyPr anchor="t">
+          <a:bodyPr>
             <a:normAutofit/>
           </a:bodyPr>
           <a:lstStyle>
-            <a:lvl1pPr marL="0" indent="0" algn="ctr">
-              <a:buNone/>
-              <a:defRPr sz="1600"/>
+            <a:lvl1pPr marL="0" indent="0">
+              <a:buNone/>
+              <a:defRPr sz="1800"/>
             </a:lvl1pPr>
             <a:lvl2pPr marL="457200" indent="0">
               <a:buNone/>
@@ -5361,8 +4915,8 @@
           <a:p>
             <a:pPr lvl="0"/>
             <a:r>
-              <a:rPr lang="en-US"/>
-              <a:t>Click to edit Master text styles</a:t>
+              <a:rPr lang="es-ES"/>
+              <a:t>Haga clic para modificar los estilos de texto del patrón</a:t>
             </a:r>
           </a:p>
         </p:txBody>
@@ -5377,14 +4931,19 @@
             <p:ph type="dt" sz="half" idx="10"/>
           </p:nvPr>
         </p:nvSpPr>
-        <p:spPr/>
+        <p:spPr>
+          <a:xfrm>
+            <a:off x="6399212" y="5883275"/>
+            <a:ext cx="914400" cy="365125"/>
+          </a:xfrm>
+        </p:spPr>
         <p:txBody>
           <a:bodyPr/>
           <a:lstStyle/>
           <a:p>
-            <a:fld id="{9EA15526-7079-4B7B-987C-1B5FAE11A0FF}" type="datetime1">
+            <a:fld id="{073ED0CC-082F-4160-86E5-0D6041F12778}" type="datetime1">
               <a:rPr lang="en-US" smtClean="0"/>
-              <a:t>11/28/19</a:t>
+              <a:t>11/28/2019</a:t>
             </a:fld>
             <a:endParaRPr lang="en-US" dirty="0"/>
           </a:p>
@@ -5400,12 +4959,16 @@
             <p:ph type="ftr" sz="quarter" idx="11"/>
           </p:nvPr>
         </p:nvSpPr>
-        <p:spPr/>
+        <p:spPr>
+          <a:xfrm>
+            <a:off x="1141412" y="5883275"/>
+            <a:ext cx="5105400" cy="365125"/>
+          </a:xfrm>
+        </p:spPr>
         <p:txBody>
           <a:bodyPr/>
           <a:lstStyle/>
           <a:p>
-            <a:pPr algn="l"/>
             <a:endParaRPr lang="en-US" dirty="0"/>
           </a:p>
         </p:txBody>
@@ -5420,7 +4983,12 @@
             <p:ph type="sldNum" sz="quarter" idx="12"/>
           </p:nvPr>
         </p:nvSpPr>
-        <p:spPr/>
+        <p:spPr>
+          <a:xfrm>
+            <a:off x="10742612" y="5883275"/>
+            <a:ext cx="322567" cy="365125"/>
+          </a:xfrm>
+        </p:spPr>
         <p:txBody>
           <a:bodyPr/>
           <a:lstStyle/>
@@ -5436,13 +5004,14 @@
     </p:spTree>
     <p:extLst>
       <p:ext uri="{BB962C8B-B14F-4D97-AF65-F5344CB8AC3E}">
-        <p14:creationId xmlns:p14="http://schemas.microsoft.com/office/powerpoint/2010/main" val="3486191384"/>
+        <p14:creationId xmlns:p14="http://schemas.microsoft.com/office/powerpoint/2010/main" val="1853532826"/>
       </p:ext>
     </p:extLst>
   </p:cSld>
   <p:clrMapOvr>
     <a:masterClrMapping/>
   </p:clrMapOvr>
+  <p:hf sldNum="0" hdr="0" ftr="0" dt="0"/>
 </p:sldLayout>
 </file>
 
@@ -5451,7 +5020,7 @@
   <p:cSld>
     <p:bg>
       <p:bgRef idx="1003">
-        <a:schemeClr val="bg1"/>
+        <a:schemeClr val="bg2"/>
       </p:bgRef>
     </p:bg>
     <p:spTree>
@@ -5480,209 +5049,103 @@
         </p:nvSpPr>
         <p:spPr>
           <a:xfrm>
-            <a:off x="913795" y="609600"/>
-            <a:ext cx="10353762" cy="1257300"/>
-          </a:xfrm>
-          <a:prstGeom prst="rect">
-            <a:avLst/>
-          </a:prstGeom>
-          <a:effectLst>
-            <a:outerShdw blurRad="25400" dir="17880000">
-              <a:srgbClr val="000000">
-                <a:alpha val="46000"/>
-              </a:srgbClr>
-            </a:outerShdw>
-          </a:effectLst>
-        </p:spPr>
-        <p:txBody>
-          <a:bodyPr vert="horz" lIns="91440" tIns="45720" rIns="91440" bIns="45720" rtlCol="0" anchor="ctr">
-            <a:normAutofit/>
-          </a:bodyPr>
-          <a:lstStyle/>
-          <a:p>
-            <a:r>
-              <a:rPr lang="en-US"/>
-              <a:t>Click to edit Master title style</a:t>
-            </a:r>
-            <a:endParaRPr lang="en-US" dirty="0"/>
-          </a:p>
-        </p:txBody>
-      </p:sp>
-      <p:sp>
-        <p:nvSpPr>
-          <p:cNvPr id="3" name="Text Placeholder 2"/>
-          <p:cNvSpPr>
-            <a:spLocks noGrp="1"/>
-          </p:cNvSpPr>
-          <p:nvPr>
-            <p:ph type="body" idx="1"/>
-          </p:nvPr>
-        </p:nvSpPr>
-        <p:spPr>
-          <a:xfrm>
-            <a:off x="913795" y="2076450"/>
-            <a:ext cx="10353762" cy="3714749"/>
-          </a:xfrm>
-          <a:prstGeom prst="rect">
-            <a:avLst/>
-          </a:prstGeom>
-          <a:effectLst>
-            <a:outerShdw blurRad="25400" dir="17880000">
-              <a:srgbClr val="000000">
-                <a:alpha val="46000"/>
-              </a:srgbClr>
-            </a:outerShdw>
-          </a:effectLst>
-        </p:spPr>
-        <p:txBody>
-          <a:bodyPr vert="horz" lIns="91440" tIns="45720" rIns="91440" bIns="45720" rtlCol="0" anchor="t">
-            <a:normAutofit/>
-          </a:bodyPr>
-          <a:lstStyle/>
-          <a:p>
-            <a:pPr lvl="0"/>
-            <a:r>
-              <a:rPr lang="en-US"/>
-              <a:t>Click to edit Master text styles</a:t>
-            </a:r>
-          </a:p>
-          <a:p>
-            <a:pPr lvl="1"/>
-            <a:r>
-              <a:rPr lang="en-US"/>
-              <a:t>Second level</a:t>
-            </a:r>
-          </a:p>
-          <a:p>
-            <a:pPr lvl="2"/>
-            <a:r>
-              <a:rPr lang="en-US"/>
-              <a:t>Third level</a:t>
-            </a:r>
-          </a:p>
-          <a:p>
-            <a:pPr lvl="3"/>
-            <a:r>
-              <a:rPr lang="en-US"/>
-              <a:t>Fourth level</a:t>
-            </a:r>
-          </a:p>
-          <a:p>
-            <a:pPr lvl="4"/>
-            <a:r>
-              <a:rPr lang="en-US"/>
-              <a:t>Fifth level</a:t>
-            </a:r>
-            <a:endParaRPr lang="en-US" dirty="0"/>
-          </a:p>
-        </p:txBody>
-      </p:sp>
-      <p:sp>
-        <p:nvSpPr>
-          <p:cNvPr id="4" name="Date Placeholder 3"/>
-          <p:cNvSpPr>
-            <a:spLocks noGrp="1"/>
-          </p:cNvSpPr>
-          <p:nvPr>
-            <p:ph type="dt" sz="half" idx="2"/>
-          </p:nvPr>
-        </p:nvSpPr>
-        <p:spPr>
-          <a:xfrm>
-            <a:off x="7678736" y="6000749"/>
-            <a:ext cx="2743200" cy="365125"/>
+            <a:off x="1141413" y="609600"/>
+            <a:ext cx="9905998" cy="1905000"/>
           </a:xfrm>
           <a:prstGeom prst="rect">
             <a:avLst/>
           </a:prstGeom>
         </p:spPr>
         <p:txBody>
-          <a:bodyPr vert="horz" lIns="91440" tIns="45720" rIns="91440" bIns="45720" rtlCol="0" anchor="ctr"/>
-          <a:lstStyle>
-            <a:lvl1pPr algn="r">
-              <a:defRPr sz="1000">
-                <a:solidFill>
-                  <a:schemeClr val="tx1">
-                    <a:lumMod val="95000"/>
-                  </a:schemeClr>
-                </a:solidFill>
-                <a:effectLst>
-                  <a:outerShdw blurRad="50800" dist="38100" dir="2700000" algn="tl" rotWithShape="0">
-                    <a:schemeClr val="bg1">
-                      <a:alpha val="43000"/>
-                    </a:schemeClr>
-                  </a:outerShdw>
-                </a:effectLst>
-              </a:defRPr>
-            </a:lvl1pPr>
-          </a:lstStyle>
-          <a:p>
-            <a:fld id="{073ED0CC-082F-4160-86E5-0D6041F12778}" type="datetime1">
-              <a:rPr lang="en-US" smtClean="0"/>
-              <a:t>11/28/19</a:t>
-            </a:fld>
-            <a:endParaRPr lang="en-US" dirty="0"/>
-          </a:p>
-        </p:txBody>
-      </p:sp>
-      <p:sp>
-        <p:nvSpPr>
-          <p:cNvPr id="5" name="Footer Placeholder 4"/>
-          <p:cNvSpPr>
-            <a:spLocks noGrp="1"/>
-          </p:cNvSpPr>
-          <p:nvPr>
-            <p:ph type="ftr" sz="quarter" idx="3"/>
+          <a:bodyPr vert="horz" lIns="91440" tIns="45720" rIns="91440" bIns="45720" rtlCol="0" anchor="ctr">
+            <a:normAutofit/>
+          </a:bodyPr>
+          <a:lstStyle/>
+          <a:p>
+            <a:r>
+              <a:rPr lang="es-ES"/>
+              <a:t>Haga clic para modificar el estilo de título del patrón</a:t>
+            </a:r>
+            <a:endParaRPr lang="en-US" dirty="0"/>
+          </a:p>
+        </p:txBody>
+      </p:sp>
+      <p:sp>
+        <p:nvSpPr>
+          <p:cNvPr id="3" name="Text Placeholder 2"/>
+          <p:cNvSpPr>
+            <a:spLocks noGrp="1"/>
+          </p:cNvSpPr>
+          <p:nvPr>
+            <p:ph type="body" idx="1"/>
           </p:nvPr>
         </p:nvSpPr>
         <p:spPr>
           <a:xfrm>
-            <a:off x="913795" y="6000749"/>
-            <a:ext cx="6672865" cy="365125"/>
+            <a:off x="1141413" y="2666999"/>
+            <a:ext cx="9905998" cy="3124201"/>
           </a:xfrm>
           <a:prstGeom prst="rect">
             <a:avLst/>
           </a:prstGeom>
         </p:spPr>
         <p:txBody>
-          <a:bodyPr vert="horz" lIns="91440" tIns="45720" rIns="91440" bIns="45720" rtlCol="0" anchor="ctr"/>
-          <a:lstStyle>
-            <a:lvl1pPr algn="l">
-              <a:defRPr sz="1000">
-                <a:solidFill>
-                  <a:schemeClr val="tx1">
-                    <a:lumMod val="95000"/>
-                  </a:schemeClr>
-                </a:solidFill>
-                <a:effectLst>
-                  <a:outerShdw blurRad="50800" dist="38100" dir="2700000" algn="tl" rotWithShape="0">
-                    <a:schemeClr val="bg1">
-                      <a:alpha val="43000"/>
-                    </a:schemeClr>
-                  </a:outerShdw>
-                </a:effectLst>
-              </a:defRPr>
-            </a:lvl1pPr>
-          </a:lstStyle>
-          <a:p>
-            <a:endParaRPr lang="en-US" dirty="0"/>
-          </a:p>
-        </p:txBody>
-      </p:sp>
-      <p:sp>
-        <p:nvSpPr>
-          <p:cNvPr id="6" name="Slide Number Placeholder 5"/>
-          <p:cNvSpPr>
-            <a:spLocks noGrp="1"/>
-          </p:cNvSpPr>
-          <p:nvPr>
-            <p:ph type="sldNum" sz="quarter" idx="4"/>
+          <a:bodyPr vert="horz" lIns="91440" tIns="45720" rIns="91440" bIns="45720" rtlCol="0" anchor="ctr">
+            <a:normAutofit/>
+          </a:bodyPr>
+          <a:lstStyle/>
+          <a:p>
+            <a:pPr lvl="0"/>
+            <a:r>
+              <a:rPr lang="es-ES"/>
+              <a:t>Haga clic para modificar los estilos de texto del patrón</a:t>
+            </a:r>
+          </a:p>
+          <a:p>
+            <a:pPr lvl="1"/>
+            <a:r>
+              <a:rPr lang="es-ES"/>
+              <a:t>Segundo nivel</a:t>
+            </a:r>
+          </a:p>
+          <a:p>
+            <a:pPr lvl="2"/>
+            <a:r>
+              <a:rPr lang="es-ES"/>
+              <a:t>Tercer nivel</a:t>
+            </a:r>
+          </a:p>
+          <a:p>
+            <a:pPr lvl="3"/>
+            <a:r>
+              <a:rPr lang="es-ES"/>
+              <a:t>Cuarto nivel</a:t>
+            </a:r>
+          </a:p>
+          <a:p>
+            <a:pPr lvl="4"/>
+            <a:r>
+              <a:rPr lang="es-ES"/>
+              <a:t>Quinto nivel</a:t>
+            </a:r>
+            <a:endParaRPr lang="en-US" dirty="0"/>
+          </a:p>
+        </p:txBody>
+      </p:sp>
+      <p:sp>
+        <p:nvSpPr>
+          <p:cNvPr id="4" name="Date Placeholder 3"/>
+          <p:cNvSpPr>
+            <a:spLocks noGrp="1"/>
+          </p:cNvSpPr>
+          <p:nvPr>
+            <p:ph type="dt" sz="half" idx="2"/>
           </p:nvPr>
         </p:nvSpPr>
         <p:spPr>
           <a:xfrm>
-            <a:off x="10514011" y="6000749"/>
-            <a:ext cx="753545" cy="365125"/>
+            <a:off x="8837612" y="5883275"/>
+            <a:ext cx="1600200" cy="365125"/>
           </a:xfrm>
           <a:prstGeom prst="rect">
             <a:avLst/>
@@ -5692,19 +5155,114 @@
           <a:bodyPr vert="horz" lIns="91440" tIns="45720" rIns="91440" bIns="45720" rtlCol="0" anchor="ctr"/>
           <a:lstStyle>
             <a:lvl1pPr algn="r">
-              <a:defRPr sz="1000">
+              <a:defRPr sz="900" b="1" i="0">
                 <a:solidFill>
                   <a:schemeClr val="tx1">
-                    <a:lumMod val="95000"/>
+                    <a:lumMod val="75000"/>
                   </a:schemeClr>
                 </a:solidFill>
                 <a:effectLst>
                   <a:outerShdw blurRad="50800" dist="38100" dir="2700000" algn="tl" rotWithShape="0">
-                    <a:schemeClr val="bg1">
+                    <a:srgbClr val="000000">
                       <a:alpha val="43000"/>
-                    </a:schemeClr>
+                    </a:srgbClr>
                   </a:outerShdw>
                 </a:effectLst>
+                <a:latin typeface="+mn-lt"/>
+              </a:defRPr>
+            </a:lvl1pPr>
+          </a:lstStyle>
+          <a:p>
+            <a:fld id="{073ED0CC-082F-4160-86E5-0D6041F12778}" type="datetime1">
+              <a:rPr lang="en-US" smtClean="0"/>
+              <a:t>11/28/2019</a:t>
+            </a:fld>
+            <a:endParaRPr lang="en-US" dirty="0"/>
+          </a:p>
+        </p:txBody>
+      </p:sp>
+      <p:sp>
+        <p:nvSpPr>
+          <p:cNvPr id="5" name="Footer Placeholder 4"/>
+          <p:cNvSpPr>
+            <a:spLocks noGrp="1"/>
+          </p:cNvSpPr>
+          <p:nvPr>
+            <p:ph type="ftr" sz="quarter" idx="3"/>
+          </p:nvPr>
+        </p:nvSpPr>
+        <p:spPr>
+          <a:xfrm>
+            <a:off x="1141412" y="5883275"/>
+            <a:ext cx="7543800" cy="365125"/>
+          </a:xfrm>
+          <a:prstGeom prst="rect">
+            <a:avLst/>
+          </a:prstGeom>
+        </p:spPr>
+        <p:txBody>
+          <a:bodyPr vert="horz" lIns="91440" tIns="45720" rIns="91440" bIns="45720" rtlCol="0" anchor="ctr"/>
+          <a:lstStyle>
+            <a:lvl1pPr algn="l">
+              <a:defRPr sz="900" b="1" i="0">
+                <a:solidFill>
+                  <a:schemeClr val="tx1">
+                    <a:lumMod val="75000"/>
+                  </a:schemeClr>
+                </a:solidFill>
+                <a:effectLst>
+                  <a:outerShdw blurRad="50800" dist="38100" dir="2700000" algn="tl" rotWithShape="0">
+                    <a:srgbClr val="000000">
+                      <a:alpha val="43000"/>
+                    </a:srgbClr>
+                  </a:outerShdw>
+                </a:effectLst>
+                <a:latin typeface="+mn-lt"/>
+              </a:defRPr>
+            </a:lvl1pPr>
+          </a:lstStyle>
+          <a:p>
+            <a:endParaRPr lang="en-US" dirty="0"/>
+          </a:p>
+        </p:txBody>
+      </p:sp>
+      <p:sp>
+        <p:nvSpPr>
+          <p:cNvPr id="6" name="Slide Number Placeholder 5"/>
+          <p:cNvSpPr>
+            <a:spLocks noGrp="1"/>
+          </p:cNvSpPr>
+          <p:nvPr>
+            <p:ph type="sldNum" sz="quarter" idx="4"/>
+          </p:nvPr>
+        </p:nvSpPr>
+        <p:spPr>
+          <a:xfrm>
+            <a:off x="10514012" y="5883275"/>
+            <a:ext cx="551167" cy="365125"/>
+          </a:xfrm>
+          <a:prstGeom prst="rect">
+            <a:avLst/>
+          </a:prstGeom>
+        </p:spPr>
+        <p:txBody>
+          <a:bodyPr vert="horz" lIns="91440" tIns="45720" rIns="91440" bIns="45720" rtlCol="0" anchor="ctr"/>
+          <a:lstStyle>
+            <a:lvl1pPr algn="r">
+              <a:defRPr sz="900" b="1" i="0">
+                <a:solidFill>
+                  <a:schemeClr val="tx1">
+                    <a:lumMod val="75000"/>
+                  </a:schemeClr>
+                </a:solidFill>
+                <a:effectLst>
+                  <a:outerShdw blurRad="50800" dist="38100" dir="2700000" algn="tl" rotWithShape="0">
+                    <a:srgbClr val="000000">
+                      <a:alpha val="43000"/>
+                    </a:srgbClr>
+                  </a:outerShdw>
+                </a:effectLst>
+                <a:latin typeface="+mn-lt"/>
               </a:defRPr>
             </a:lvl1pPr>
           </a:lstStyle>
@@ -5720,64 +5278,73 @@
     </p:spTree>
     <p:extLst>
       <p:ext uri="{BB962C8B-B14F-4D97-AF65-F5344CB8AC3E}">
-        <p14:creationId xmlns:p14="http://schemas.microsoft.com/office/powerpoint/2010/main" val="553369581"/>
+        <p14:creationId xmlns:p14="http://schemas.microsoft.com/office/powerpoint/2010/main" val="3049126493"/>
       </p:ext>
     </p:extLst>
   </p:cSld>
   <p:clrMap bg1="dk1" tx1="lt1" bg2="dk2" tx2="lt2" accent1="accent1" accent2="accent2" accent3="accent3" accent4="accent4" accent5="accent5" accent6="accent6" hlink="hlink" folHlink="folHlink"/>
   <p:sldLayoutIdLst>
-    <p:sldLayoutId id="2147483677" r:id="rId1"/>
-    <p:sldLayoutId id="2147483678" r:id="rId2"/>
-    <p:sldLayoutId id="2147483662" r:id="rId3"/>
-    <p:sldLayoutId id="2147483663" r:id="rId4"/>
-    <p:sldLayoutId id="2147483664" r:id="rId5"/>
-    <p:sldLayoutId id="2147483665" r:id="rId6"/>
-    <p:sldLayoutId id="2147483666" r:id="rId7"/>
-    <p:sldLayoutId id="2147483667" r:id="rId8"/>
-    <p:sldLayoutId id="2147483668" r:id="rId9"/>
-    <p:sldLayoutId id="2147483669" r:id="rId10"/>
-    <p:sldLayoutId id="2147483670" r:id="rId11"/>
-    <p:sldLayoutId id="2147483671" r:id="rId12"/>
-    <p:sldLayoutId id="2147483672" r:id="rId13"/>
-    <p:sldLayoutId id="2147483673" r:id="rId14"/>
-    <p:sldLayoutId id="2147483674" r:id="rId15"/>
-    <p:sldLayoutId id="2147483675" r:id="rId16"/>
-    <p:sldLayoutId id="2147483676" r:id="rId17"/>
+    <p:sldLayoutId id="2147483681" r:id="rId1"/>
+    <p:sldLayoutId id="2147483682" r:id="rId2"/>
+    <p:sldLayoutId id="2147483683" r:id="rId3"/>
+    <p:sldLayoutId id="2147483684" r:id="rId4"/>
+    <p:sldLayoutId id="2147483685" r:id="rId5"/>
+    <p:sldLayoutId id="2147483686" r:id="rId6"/>
+    <p:sldLayoutId id="2147483687" r:id="rId7"/>
+    <p:sldLayoutId id="2147483688" r:id="rId8"/>
+    <p:sldLayoutId id="2147483689" r:id="rId9"/>
+    <p:sldLayoutId id="2147483690" r:id="rId10"/>
+    <p:sldLayoutId id="2147483691" r:id="rId11"/>
+    <p:sldLayoutId id="2147483692" r:id="rId12"/>
+    <p:sldLayoutId id="2147483693" r:id="rId13"/>
+    <p:sldLayoutId id="2147483694" r:id="rId14"/>
+    <p:sldLayoutId id="2147483695" r:id="rId15"/>
+    <p:sldLayoutId id="2147483696" r:id="rId16"/>
+    <p:sldLayoutId id="2147483697" r:id="rId17"/>
   </p:sldLayoutIdLst>
   <p:hf sldNum="0" hdr="0" ftr="0" dt="0"/>
   <p:txStyles>
     <p:titleStyle>
-      <a:lvl1pPr algn="ctr" defTabSz="457200" rtl="0" eaLnBrk="1" latinLnBrk="0" hangingPunct="1">
-        <a:lnSpc>
-          <a:spcPct val="100000"/>
-        </a:lnSpc>
+      <a:lvl1pPr algn="l" defTabSz="457200" rtl="0" eaLnBrk="1" latinLnBrk="0" hangingPunct="1">
         <a:spcBef>
           <a:spcPct val="0"/>
         </a:spcBef>
         <a:buNone/>
-        <a:defRPr sz="4000" i="0" kern="1200">
-          <a:ln>
-            <a:solidFill>
+        <a:defRPr sz="3200" kern="1200" cap="all">
+          <a:ln w="3175" cmpd="sng">
+            <a:noFill/>
+          </a:ln>
+          <a:gradFill flip="none" rotWithShape="1">
+            <a:gsLst>
+              <a:gs pos="0">
+                <a:schemeClr val="tx1"/>
+              </a:gs>
+              <a:gs pos="100000">
+                <a:schemeClr val="tx1">
+                  <a:lumMod val="65000"/>
+                </a:schemeClr>
+              </a:gs>
+            </a:gsLst>
+            <a:lin ang="5580000" scaled="0"/>
+            <a:tileRect/>
+          </a:gradFill>
+          <a:effectLst>
+            <a:glow rad="38100">
               <a:schemeClr val="bg1">
-                <a:lumMod val="75000"/>
-                <a:lumOff val="25000"/>
-                <a:alpha val="10000"/>
+                <a:lumMod val="65000"/>
+                <a:lumOff val="35000"/>
+                <a:alpha val="40000"/>
               </a:schemeClr>
-            </a:solidFill>
-          </a:ln>
-          <a:solidFill>
-            <a:schemeClr val="tx2"/>
-          </a:solidFill>
-          <a:effectLst>
-            <a:outerShdw blurRad="9525" dist="25400" dir="14640000" algn="tl" rotWithShape="0">
-              <a:schemeClr val="bg1">
-                <a:alpha val="30000"/>
-              </a:schemeClr>
+            </a:glow>
+            <a:outerShdw blurRad="28575" dist="38100" dir="14040000" algn="tl" rotWithShape="0">
+              <a:srgbClr val="000000">
+                <a:alpha val="25000"/>
+              </a:srgbClr>
             </a:outerShdw>
           </a:effectLst>
           <a:latin typeface="+mj-lt"/>
           <a:ea typeface="+mj-ea"/>
-          <a:cs typeface="Trebuchet MS"/>
+          <a:cs typeface="+mj-cs"/>
         </a:defRPr>
       </a:lvl1pPr>
       <a:lvl2pPr eaLnBrk="1" hangingPunct="1">
@@ -5838,10 +5405,7 @@
       </a:lvl9pPr>
     </p:titleStyle>
     <p:bodyStyle>
-      <a:lvl1pPr marL="342900" indent="-306000" algn="l" defTabSz="457200" rtl="0" eaLnBrk="1" latinLnBrk="0" hangingPunct="1">
-        <a:lnSpc>
-          <a:spcPct val="100000"/>
-        </a:lnSpc>
+      <a:lvl1pPr marL="285750" indent="-285750" algn="l" defTabSz="457200" rtl="0" eaLnBrk="1" latinLnBrk="0" hangingPunct="1">
         <a:spcBef>
           <a:spcPct val="20000"/>
         </a:spcBef>
@@ -5849,29 +5413,38 @@
           <a:spcPts val="600"/>
         </a:spcAft>
         <a:buClr>
-          <a:schemeClr val="tx2"/>
+          <a:schemeClr val="tx1"/>
         </a:buClr>
-        <a:buSzPct val="70000"/>
-        <a:buFont typeface="Wingdings 2" charset="2"/>
-        <a:buChar char=""/>
-        <a:defRPr sz="2000" kern="1200">
-          <a:ln>
-            <a:solidFill>
+        <a:buSzPct val="100000"/>
+        <a:buFont typeface="Arial"/>
+        <a:buChar char="•"/>
+        <a:defRPr sz="2000" kern="1200" cap="small">
+          <a:gradFill flip="none" rotWithShape="1">
+            <a:gsLst>
+              <a:gs pos="0">
+                <a:schemeClr val="tx1"/>
+              </a:gs>
+              <a:gs pos="100000">
+                <a:schemeClr val="tx1">
+                  <a:lumMod val="75000"/>
+                </a:schemeClr>
+              </a:gs>
+            </a:gsLst>
+            <a:lin ang="5580000" scaled="0"/>
+            <a:tileRect/>
+          </a:gradFill>
+          <a:effectLst>
+            <a:glow rad="38100">
               <a:schemeClr val="bg1">
-                <a:lumMod val="75000"/>
-                <a:lumOff val="25000"/>
-                <a:alpha val="10000"/>
+                <a:lumMod val="50000"/>
+                <a:lumOff val="50000"/>
+                <a:alpha val="20000"/>
               </a:schemeClr>
-            </a:solidFill>
-          </a:ln>
-          <a:solidFill>
-            <a:schemeClr val="tx2"/>
-          </a:solidFill>
-          <a:effectLst>
-            <a:outerShdw blurRad="9525" dist="25400" dir="14640000" algn="tl" rotWithShape="0">
-              <a:schemeClr val="bg1">
-                <a:alpha val="30000"/>
-              </a:schemeClr>
+            </a:glow>
+            <a:outerShdw blurRad="44450" dist="12700" dir="13860000" algn="tl" rotWithShape="0">
+              <a:srgbClr val="000000">
+                <a:alpha val="20000"/>
+              </a:srgbClr>
             </a:outerShdw>
           </a:effectLst>
           <a:latin typeface="+mn-lt"/>
@@ -5879,7 +5452,7 @@
           <a:cs typeface="+mn-cs"/>
         </a:defRPr>
       </a:lvl1pPr>
-      <a:lvl2pPr marL="720000" indent="-270000" algn="l" defTabSz="457200" rtl="0" eaLnBrk="1" latinLnBrk="0" hangingPunct="1">
+      <a:lvl2pPr marL="742950" indent="-285750" algn="l" defTabSz="457200" rtl="0" eaLnBrk="1" latinLnBrk="0" hangingPunct="1">
         <a:spcBef>
           <a:spcPct val="20000"/>
         </a:spcBef>
@@ -5887,29 +5460,38 @@
           <a:spcPts val="600"/>
         </a:spcAft>
         <a:buClr>
-          <a:schemeClr val="tx2"/>
+          <a:schemeClr val="tx1"/>
         </a:buClr>
-        <a:buSzPct val="70000"/>
-        <a:buFont typeface="Wingdings 2" charset="2"/>
-        <a:buChar char=""/>
-        <a:defRPr sz="1800" kern="1200">
-          <a:ln>
-            <a:solidFill>
+        <a:buSzPct val="100000"/>
+        <a:buFont typeface="Arial"/>
+        <a:buChar char="•"/>
+        <a:defRPr sz="1800" kern="1200" cap="small">
+          <a:gradFill flip="none" rotWithShape="1">
+            <a:gsLst>
+              <a:gs pos="0">
+                <a:schemeClr val="tx1"/>
+              </a:gs>
+              <a:gs pos="100000">
+                <a:schemeClr val="tx1">
+                  <a:lumMod val="75000"/>
+                </a:schemeClr>
+              </a:gs>
+            </a:gsLst>
+            <a:lin ang="5580000" scaled="0"/>
+            <a:tileRect/>
+          </a:gradFill>
+          <a:effectLst>
+            <a:glow rad="38100">
               <a:schemeClr val="bg1">
-                <a:lumMod val="75000"/>
-                <a:lumOff val="25000"/>
-                <a:alpha val="10000"/>
+                <a:lumMod val="50000"/>
+                <a:lumOff val="50000"/>
+                <a:alpha val="20000"/>
               </a:schemeClr>
-            </a:solidFill>
-          </a:ln>
-          <a:solidFill>
-            <a:schemeClr val="tx2"/>
-          </a:solidFill>
-          <a:effectLst>
-            <a:outerShdw blurRad="9525" dist="25400" dir="14640000" algn="tl" rotWithShape="0">
-              <a:schemeClr val="bg1">
-                <a:alpha val="30000"/>
-              </a:schemeClr>
+            </a:glow>
+            <a:outerShdw blurRad="44450" dist="12700" dir="13860000" algn="tl" rotWithShape="0">
+              <a:srgbClr val="000000">
+                <a:alpha val="20000"/>
+              </a:srgbClr>
             </a:outerShdw>
           </a:effectLst>
           <a:latin typeface="+mn-lt"/>
@@ -5917,7 +5499,7 @@
           <a:cs typeface="+mn-cs"/>
         </a:defRPr>
       </a:lvl2pPr>
-      <a:lvl3pPr marL="1026000" indent="-216000" algn="l" defTabSz="457200" rtl="0" eaLnBrk="1" latinLnBrk="0" hangingPunct="1">
+      <a:lvl3pPr marL="1200150" indent="-285750" algn="l" defTabSz="457200" rtl="0" eaLnBrk="1" latinLnBrk="0" hangingPunct="1">
         <a:spcBef>
           <a:spcPct val="20000"/>
         </a:spcBef>
@@ -5925,29 +5507,38 @@
           <a:spcPts val="600"/>
         </a:spcAft>
         <a:buClr>
-          <a:schemeClr val="tx2"/>
+          <a:schemeClr val="tx1"/>
         </a:buClr>
-        <a:buSzPct val="70000"/>
-        <a:buFont typeface="Wingdings 2" charset="2"/>
-        <a:buChar char=""/>
-        <a:defRPr sz="1600" kern="1200">
-          <a:ln>
-            <a:solidFill>
+        <a:buSzPct val="100000"/>
+        <a:buFont typeface="Arial"/>
+        <a:buChar char="•"/>
+        <a:defRPr sz="1600" kern="1200" cap="small">
+          <a:gradFill flip="none" rotWithShape="1">
+            <a:gsLst>
+              <a:gs pos="0">
+                <a:schemeClr val="tx1"/>
+              </a:gs>
+              <a:gs pos="100000">
+                <a:schemeClr val="tx1">
+                  <a:lumMod val="75000"/>
+                </a:schemeClr>
+              </a:gs>
+            </a:gsLst>
+            <a:lin ang="5580000" scaled="0"/>
+            <a:tileRect/>
+          </a:gradFill>
+          <a:effectLst>
+            <a:glow rad="38100">
               <a:schemeClr val="bg1">
-                <a:lumMod val="75000"/>
-                <a:lumOff val="25000"/>
-                <a:alpha val="10000"/>
+                <a:lumMod val="50000"/>
+                <a:lumOff val="50000"/>
+                <a:alpha val="20000"/>
               </a:schemeClr>
-            </a:solidFill>
-          </a:ln>
-          <a:solidFill>
-            <a:schemeClr val="tx2"/>
-          </a:solidFill>
-          <a:effectLst>
-            <a:outerShdw blurRad="9525" dist="25400" dir="14640000" algn="tl" rotWithShape="0">
-              <a:schemeClr val="bg1">
-                <a:alpha val="30000"/>
-              </a:schemeClr>
+            </a:glow>
+            <a:outerShdw blurRad="44450" dist="12700" dir="13860000" algn="tl" rotWithShape="0">
+              <a:srgbClr val="000000">
+                <a:alpha val="20000"/>
+              </a:srgbClr>
             </a:outerShdw>
           </a:effectLst>
           <a:latin typeface="+mn-lt"/>
@@ -5955,7 +5546,7 @@
           <a:cs typeface="+mn-cs"/>
         </a:defRPr>
       </a:lvl3pPr>
-      <a:lvl4pPr marL="1386000" indent="-216000" algn="l" defTabSz="457200" rtl="0" eaLnBrk="1" latinLnBrk="0" hangingPunct="1">
+      <a:lvl4pPr marL="1543050" indent="-171450" algn="l" defTabSz="457200" rtl="0" eaLnBrk="1" latinLnBrk="0" hangingPunct="1">
         <a:spcBef>
           <a:spcPct val="20000"/>
         </a:spcBef>
@@ -5963,29 +5554,38 @@
           <a:spcPts val="600"/>
         </a:spcAft>
         <a:buClr>
-          <a:schemeClr val="tx2"/>
+          <a:schemeClr val="tx1"/>
         </a:buClr>
-        <a:buSzPct val="70000"/>
-        <a:buFont typeface="Wingdings 2" charset="2"/>
-        <a:buChar char=""/>
-        <a:defRPr sz="1400" kern="1200">
-          <a:ln>
-            <a:solidFill>
+        <a:buSzPct val="100000"/>
+        <a:buFont typeface="Arial"/>
+        <a:buChar char="•"/>
+        <a:defRPr sz="1400" kern="1200" cap="small">
+          <a:gradFill flip="none" rotWithShape="1">
+            <a:gsLst>
+              <a:gs pos="0">
+                <a:schemeClr val="tx1"/>
+              </a:gs>
+              <a:gs pos="100000">
+                <a:schemeClr val="tx1">
+                  <a:lumMod val="75000"/>
+                </a:schemeClr>
+              </a:gs>
+            </a:gsLst>
+            <a:lin ang="5580000" scaled="0"/>
+            <a:tileRect/>
+          </a:gradFill>
+          <a:effectLst>
+            <a:glow rad="38100">
               <a:schemeClr val="bg1">
-                <a:lumMod val="75000"/>
-                <a:lumOff val="25000"/>
-                <a:alpha val="10000"/>
+                <a:lumMod val="50000"/>
+                <a:lumOff val="50000"/>
+                <a:alpha val="20000"/>
               </a:schemeClr>
-            </a:solidFill>
-          </a:ln>
-          <a:solidFill>
-            <a:schemeClr val="tx2"/>
-          </a:solidFill>
-          <a:effectLst>
-            <a:outerShdw blurRad="9525" dist="25400" dir="14640000" algn="tl" rotWithShape="0">
-              <a:schemeClr val="bg1">
-                <a:alpha val="30000"/>
-              </a:schemeClr>
+            </a:glow>
+            <a:outerShdw blurRad="44450" dist="12700" dir="13860000" algn="tl" rotWithShape="0">
+              <a:srgbClr val="000000">
+                <a:alpha val="20000"/>
+              </a:srgbClr>
             </a:outerShdw>
           </a:effectLst>
           <a:latin typeface="+mn-lt"/>
@@ -5993,7 +5593,7 @@
           <a:cs typeface="+mn-cs"/>
         </a:defRPr>
       </a:lvl4pPr>
-      <a:lvl5pPr marL="1674000" indent="-216000" algn="l" defTabSz="457200" rtl="0" eaLnBrk="1" latinLnBrk="0" hangingPunct="1">
+      <a:lvl5pPr marL="2000250" indent="-171450" algn="l" defTabSz="457200" rtl="0" eaLnBrk="1" latinLnBrk="0" hangingPunct="1">
         <a:spcBef>
           <a:spcPct val="20000"/>
         </a:spcBef>
@@ -6001,29 +5601,38 @@
           <a:spcPts val="600"/>
         </a:spcAft>
         <a:buClr>
-          <a:schemeClr val="tx2"/>
+          <a:schemeClr val="tx1"/>
         </a:buClr>
-        <a:buSzPct val="70000"/>
-        <a:buFont typeface="Wingdings 2" charset="2"/>
-        <a:buChar char=""/>
-        <a:defRPr sz="1400" kern="1200">
-          <a:ln>
-            <a:solidFill>
+        <a:buSzPct val="100000"/>
+        <a:buFont typeface="Arial"/>
+        <a:buChar char="•"/>
+        <a:defRPr sz="1400" kern="1200" cap="small">
+          <a:gradFill flip="none" rotWithShape="1">
+            <a:gsLst>
+              <a:gs pos="0">
+                <a:schemeClr val="tx1"/>
+              </a:gs>
+              <a:gs pos="100000">
+                <a:schemeClr val="tx1">
+                  <a:lumMod val="75000"/>
+                </a:schemeClr>
+              </a:gs>
+            </a:gsLst>
+            <a:lin ang="5580000" scaled="0"/>
+            <a:tileRect/>
+          </a:gradFill>
+          <a:effectLst>
+            <a:glow rad="38100">
               <a:schemeClr val="bg1">
-                <a:lumMod val="75000"/>
-                <a:lumOff val="25000"/>
-                <a:alpha val="10000"/>
+                <a:lumMod val="50000"/>
+                <a:lumOff val="50000"/>
+                <a:alpha val="20000"/>
               </a:schemeClr>
-            </a:solidFill>
-          </a:ln>
-          <a:solidFill>
-            <a:schemeClr val="tx2"/>
-          </a:solidFill>
-          <a:effectLst>
-            <a:outerShdw blurRad="9525" dist="25400" dir="14640000" algn="tl" rotWithShape="0">
-              <a:schemeClr val="bg1">
-                <a:alpha val="30000"/>
-              </a:schemeClr>
+            </a:glow>
+            <a:outerShdw blurRad="44450" dist="12700" dir="13860000" algn="tl" rotWithShape="0">
+              <a:srgbClr val="000000">
+                <a:alpha val="20000"/>
+              </a:srgbClr>
             </a:outerShdw>
           </a:effectLst>
           <a:latin typeface="+mn-lt"/>
@@ -6031,7 +5640,7 @@
           <a:cs typeface="+mn-cs"/>
         </a:defRPr>
       </a:lvl5pPr>
-      <a:lvl6pPr marL="2014600" indent="-228600" algn="l" defTabSz="457200" rtl="0" eaLnBrk="1" latinLnBrk="0" hangingPunct="1">
+      <a:lvl6pPr marL="2514600" indent="-228600" algn="l" defTabSz="457200" rtl="0" eaLnBrk="1" latinLnBrk="0" hangingPunct="1">
         <a:spcBef>
           <a:spcPct val="20000"/>
         </a:spcBef>
@@ -6039,29 +5648,38 @@
           <a:spcPts val="600"/>
         </a:spcAft>
         <a:buClr>
-          <a:schemeClr val="tx2"/>
+          <a:schemeClr val="tx1"/>
         </a:buClr>
-        <a:buSzPct val="70000"/>
-        <a:buFont typeface="Wingdings 2" charset="2"/>
-        <a:buChar char=""/>
-        <a:defRPr sz="1400" kern="1200">
-          <a:ln>
-            <a:solidFill>
+        <a:buSzPct val="100000"/>
+        <a:buFont typeface="Arial"/>
+        <a:buChar char="•"/>
+        <a:defRPr sz="1200" kern="1200" cap="small">
+          <a:gradFill flip="none" rotWithShape="1">
+            <a:gsLst>
+              <a:gs pos="0">
+                <a:schemeClr val="tx1"/>
+              </a:gs>
+              <a:gs pos="100000">
+                <a:schemeClr val="tx1">
+                  <a:lumMod val="75000"/>
+                </a:schemeClr>
+              </a:gs>
+            </a:gsLst>
+            <a:lin ang="5580000" scaled="0"/>
+            <a:tileRect/>
+          </a:gradFill>
+          <a:effectLst>
+            <a:glow rad="38100">
               <a:schemeClr val="bg1">
-                <a:lumMod val="75000"/>
-                <a:lumOff val="25000"/>
-                <a:alpha val="10000"/>
+                <a:lumMod val="50000"/>
+                <a:lumOff val="50000"/>
+                <a:alpha val="20000"/>
               </a:schemeClr>
-            </a:solidFill>
-          </a:ln>
-          <a:solidFill>
-            <a:schemeClr val="tx2"/>
-          </a:solidFill>
-          <a:effectLst>
-            <a:outerShdw blurRad="9525" dist="25400" dir="14640000" algn="tl" rotWithShape="0">
-              <a:schemeClr val="bg1">
-                <a:alpha val="30000"/>
-              </a:schemeClr>
+            </a:glow>
+            <a:outerShdw blurRad="44450" dist="12700" dir="13860000" algn="tl" rotWithShape="0">
+              <a:srgbClr val="000000">
+                <a:alpha val="20000"/>
+              </a:srgbClr>
             </a:outerShdw>
           </a:effectLst>
           <a:latin typeface="+mn-lt"/>
@@ -6069,7 +5687,7 @@
           <a:cs typeface="+mn-cs"/>
         </a:defRPr>
       </a:lvl6pPr>
-      <a:lvl7pPr marL="2401800" indent="-228600" algn="l" defTabSz="457200" rtl="0" eaLnBrk="1" latinLnBrk="0" hangingPunct="1">
+      <a:lvl7pPr marL="2971800" indent="-228600" algn="l" defTabSz="457200" rtl="0" eaLnBrk="1" latinLnBrk="0" hangingPunct="1">
         <a:spcBef>
           <a:spcPct val="20000"/>
         </a:spcBef>
@@ -6077,29 +5695,38 @@
           <a:spcPts val="600"/>
         </a:spcAft>
         <a:buClr>
-          <a:schemeClr val="tx2"/>
+          <a:schemeClr val="tx1"/>
         </a:buClr>
-        <a:buSzPct val="70000"/>
-        <a:buFont typeface="Wingdings 2" charset="2"/>
-        <a:buChar char=""/>
-        <a:defRPr sz="1400" kern="1200">
-          <a:ln>
-            <a:solidFill>
+        <a:buSzPct val="100000"/>
+        <a:buFont typeface="Arial"/>
+        <a:buChar char="•"/>
+        <a:defRPr sz="1200" kern="1200" cap="small">
+          <a:gradFill flip="none" rotWithShape="1">
+            <a:gsLst>
+              <a:gs pos="0">
+                <a:schemeClr val="tx1"/>
+              </a:gs>
+              <a:gs pos="100000">
+                <a:schemeClr val="tx1">
+                  <a:lumMod val="75000"/>
+                </a:schemeClr>
+              </a:gs>
+            </a:gsLst>
+            <a:lin ang="5580000" scaled="0"/>
+            <a:tileRect/>
+          </a:gradFill>
+          <a:effectLst>
+            <a:glow rad="38100">
               <a:schemeClr val="bg1">
-                <a:lumMod val="75000"/>
-                <a:lumOff val="25000"/>
-                <a:alpha val="10000"/>
+                <a:lumMod val="50000"/>
+                <a:lumOff val="50000"/>
+                <a:alpha val="20000"/>
               </a:schemeClr>
-            </a:solidFill>
-          </a:ln>
-          <a:solidFill>
-            <a:schemeClr val="tx2"/>
-          </a:solidFill>
-          <a:effectLst>
-            <a:outerShdw blurRad="9525" dist="25400" dir="14640000" algn="tl" rotWithShape="0">
-              <a:schemeClr val="bg1">
-                <a:alpha val="30000"/>
-              </a:schemeClr>
+            </a:glow>
+            <a:outerShdw blurRad="44450" dist="12700" dir="13860000" algn="tl" rotWithShape="0">
+              <a:srgbClr val="000000">
+                <a:alpha val="20000"/>
+              </a:srgbClr>
             </a:outerShdw>
           </a:effectLst>
           <a:latin typeface="+mn-lt"/>
@@ -6107,7 +5734,7 @@
           <a:cs typeface="+mn-cs"/>
         </a:defRPr>
       </a:lvl7pPr>
-      <a:lvl8pPr marL="2789000" indent="-228600" algn="l" defTabSz="457200" rtl="0" eaLnBrk="1" latinLnBrk="0" hangingPunct="1">
+      <a:lvl8pPr marL="3429000" indent="-228600" algn="l" defTabSz="457200" rtl="0" eaLnBrk="1" latinLnBrk="0" hangingPunct="1">
         <a:spcBef>
           <a:spcPct val="20000"/>
         </a:spcBef>
@@ -6115,29 +5742,38 @@
           <a:spcPts val="600"/>
         </a:spcAft>
         <a:buClr>
-          <a:schemeClr val="tx2"/>
+          <a:schemeClr val="tx1"/>
         </a:buClr>
-        <a:buSzPct val="70000"/>
-        <a:buFont typeface="Wingdings 2" charset="2"/>
-        <a:buChar char=""/>
-        <a:defRPr sz="1400" kern="1200">
-          <a:ln>
-            <a:solidFill>
+        <a:buSzPct val="100000"/>
+        <a:buFont typeface="Arial"/>
+        <a:buChar char="•"/>
+        <a:defRPr sz="1200" kern="1200" cap="small">
+          <a:gradFill flip="none" rotWithShape="1">
+            <a:gsLst>
+              <a:gs pos="0">
+                <a:schemeClr val="tx1"/>
+              </a:gs>
+              <a:gs pos="100000">
+                <a:schemeClr val="tx1">
+                  <a:lumMod val="75000"/>
+                </a:schemeClr>
+              </a:gs>
+            </a:gsLst>
+            <a:lin ang="5580000" scaled="0"/>
+            <a:tileRect/>
+          </a:gradFill>
+          <a:effectLst>
+            <a:glow rad="38100">
               <a:schemeClr val="bg1">
-                <a:lumMod val="75000"/>
-                <a:lumOff val="25000"/>
-                <a:alpha val="10000"/>
+                <a:lumMod val="50000"/>
+                <a:lumOff val="50000"/>
+                <a:alpha val="20000"/>
               </a:schemeClr>
-            </a:solidFill>
-          </a:ln>
-          <a:solidFill>
-            <a:schemeClr val="tx2"/>
-          </a:solidFill>
-          <a:effectLst>
-            <a:outerShdw blurRad="9525" dist="25400" dir="14640000" algn="tl" rotWithShape="0">
-              <a:schemeClr val="bg1">
-                <a:alpha val="30000"/>
-              </a:schemeClr>
+            </a:glow>
+            <a:outerShdw blurRad="44450" dist="12700" dir="13860000" algn="tl" rotWithShape="0">
+              <a:srgbClr val="000000">
+                <a:alpha val="20000"/>
+              </a:srgbClr>
             </a:outerShdw>
           </a:effectLst>
           <a:latin typeface="+mn-lt"/>
@@ -6145,7 +5781,7 @@
           <a:cs typeface="+mn-cs"/>
         </a:defRPr>
       </a:lvl8pPr>
-      <a:lvl9pPr marL="3106200" indent="-228600" algn="l" defTabSz="457200" rtl="0" eaLnBrk="1" latinLnBrk="0" hangingPunct="1">
+      <a:lvl9pPr marL="3886200" indent="-228600" algn="l" defTabSz="457200" rtl="0" eaLnBrk="1" latinLnBrk="0" hangingPunct="1">
         <a:spcBef>
           <a:spcPct val="20000"/>
         </a:spcBef>
@@ -6153,29 +5789,38 @@
           <a:spcPts val="600"/>
         </a:spcAft>
         <a:buClr>
-          <a:schemeClr val="tx2"/>
+          <a:schemeClr val="tx1"/>
         </a:buClr>
-        <a:buSzPct val="70000"/>
-        <a:buFont typeface="Wingdings 2" charset="2"/>
-        <a:buChar char=""/>
-        <a:defRPr sz="1400" kern="1200">
-          <a:ln>
-            <a:solidFill>
+        <a:buSzPct val="100000"/>
+        <a:buFont typeface="Arial"/>
+        <a:buChar char="•"/>
+        <a:defRPr sz="1200" kern="1200" cap="small">
+          <a:gradFill flip="none" rotWithShape="1">
+            <a:gsLst>
+              <a:gs pos="0">
+                <a:schemeClr val="tx1"/>
+              </a:gs>
+              <a:gs pos="100000">
+                <a:schemeClr val="tx1">
+                  <a:lumMod val="75000"/>
+                </a:schemeClr>
+              </a:gs>
+            </a:gsLst>
+            <a:lin ang="5580000" scaled="0"/>
+            <a:tileRect/>
+          </a:gradFill>
+          <a:effectLst>
+            <a:glow rad="38100">
               <a:schemeClr val="bg1">
-                <a:lumMod val="75000"/>
-                <a:lumOff val="25000"/>
-                <a:alpha val="10000"/>
+                <a:lumMod val="50000"/>
+                <a:lumOff val="50000"/>
+                <a:alpha val="20000"/>
               </a:schemeClr>
-            </a:solidFill>
-          </a:ln>
-          <a:solidFill>
-            <a:schemeClr val="tx2"/>
-          </a:solidFill>
-          <a:effectLst>
-            <a:outerShdw blurRad="9525" dist="25400" dir="14640000" algn="tl" rotWithShape="0">
-              <a:schemeClr val="bg1">
-                <a:alpha val="30000"/>
-              </a:schemeClr>
+            </a:glow>
+            <a:outerShdw blurRad="44450" dist="12700" dir="13860000" algn="tl" rotWithShape="0">
+              <a:srgbClr val="000000">
+                <a:alpha val="20000"/>
+              </a:srgbClr>
             </a:outerShdw>
           </a:effectLst>
           <a:latin typeface="+mn-lt"/>
@@ -6321,274 +5966,6 @@
       </p:grpSpPr>
       <p:sp>
         <p:nvSpPr>
-          <p:cNvPr id="17" name="Rectangle 11">
-            <a:extLst>
-              <a:ext uri="{FF2B5EF4-FFF2-40B4-BE49-F238E27FC236}">
-                <a16:creationId xmlns:a16="http://schemas.microsoft.com/office/drawing/2014/main" id="{D30579BA-22EC-41CB-82B7-65D5DFCA603C}"/>
-              </a:ext>
-              <a:ext uri="{C183D7F6-B498-43B3-948B-1728B52AA6E4}">
-                <adec:decorative xmlns:adec="http://schemas.microsoft.com/office/drawing/2017/decorative" val="1"/>
-              </a:ext>
-            </a:extLst>
-          </p:cNvPr>
-          <p:cNvSpPr>
-            <a:spLocks noGrp="1" noRot="1" noChangeAspect="1" noMove="1" noResize="1" noEditPoints="1" noAdjustHandles="1" noChangeArrowheads="1" noChangeShapeType="1" noTextEdit="1"/>
-          </p:cNvSpPr>
-          <p:nvPr>
-            <p:extLst>
-              <p:ext uri="{386F3935-93C4-4BCD-93E2-E3B085C9AB24}">
-                <p16:designElem xmlns:p16="http://schemas.microsoft.com/office/powerpoint/2015/main" val="1"/>
-              </p:ext>
-            </p:extLst>
-          </p:nvPr>
-        </p:nvSpPr>
-        <p:spPr>
-          <a:xfrm>
-            <a:off x="0" y="0"/>
-            <a:ext cx="12192000" cy="6858000"/>
-          </a:xfrm>
-          <a:prstGeom prst="rect">
-            <a:avLst/>
-          </a:prstGeom>
-          <a:solidFill>
-            <a:srgbClr val="FFFFFF"/>
-          </a:solidFill>
-          <a:ln>
-            <a:noFill/>
-          </a:ln>
-        </p:spPr>
-        <p:style>
-          <a:lnRef idx="2">
-            <a:schemeClr val="accent1">
-              <a:shade val="50000"/>
-            </a:schemeClr>
-          </a:lnRef>
-          <a:fillRef idx="1">
-            <a:schemeClr val="accent1"/>
-          </a:fillRef>
-          <a:effectRef idx="0">
-            <a:schemeClr val="accent1"/>
-          </a:effectRef>
-          <a:fontRef idx="minor">
-            <a:schemeClr val="lt1"/>
-          </a:fontRef>
-        </p:style>
-        <p:txBody>
-          <a:bodyPr rtlCol="0" anchor="ctr"/>
-          <a:lstStyle/>
-          <a:p>
-            <a:pPr algn="ctr"/>
-            <a:endParaRPr lang="en-US"/>
-          </a:p>
-        </p:txBody>
-      </p:sp>
-      <p:sp useBgFill="1">
-        <p:nvSpPr>
-          <p:cNvPr id="18" name="Freeform 5">
-            <a:extLst>
-              <a:ext uri="{FF2B5EF4-FFF2-40B4-BE49-F238E27FC236}">
-                <a16:creationId xmlns:a16="http://schemas.microsoft.com/office/drawing/2014/main" id="{FE469E50-3893-4ED6-92BA-2985C32B0CA6}"/>
-              </a:ext>
-              <a:ext uri="{C183D7F6-B498-43B3-948B-1728B52AA6E4}">
-                <adec:decorative xmlns:adec="http://schemas.microsoft.com/office/drawing/2017/decorative" val="1"/>
-              </a:ext>
-            </a:extLst>
-          </p:cNvPr>
-          <p:cNvSpPr>
-            <a:spLocks noGrp="1" noRot="1" noChangeAspect="1" noMove="1" noResize="1" noEditPoints="1" noAdjustHandles="1" noChangeArrowheads="1" noChangeShapeType="1" noTextEdit="1"/>
-          </p:cNvSpPr>
-          <p:nvPr>
-            <p:extLst>
-              <p:ext uri="{386F3935-93C4-4BCD-93E2-E3B085C9AB24}">
-                <p16:designElem xmlns:p16="http://schemas.microsoft.com/office/powerpoint/2015/main" val="1"/>
-              </p:ext>
-            </p:extLst>
-          </p:nvPr>
-        </p:nvSpPr>
-        <p:spPr bwMode="auto">
-          <a:xfrm rot="5400000">
-            <a:off x="1028777" y="1385982"/>
-            <a:ext cx="4031414" cy="4100418"/>
-          </a:xfrm>
-          <a:custGeom>
-            <a:avLst/>
-            <a:gdLst>
-              <a:gd name="T0" fmla="*/ 1577 w 1601"/>
-              <a:gd name="T1" fmla="*/ 0 h 696"/>
-              <a:gd name="T2" fmla="*/ 833 w 1601"/>
-              <a:gd name="T3" fmla="*/ 0 h 696"/>
-              <a:gd name="T4" fmla="*/ 768 w 1601"/>
-              <a:gd name="T5" fmla="*/ 0 h 696"/>
-              <a:gd name="T6" fmla="*/ 24 w 1601"/>
-              <a:gd name="T7" fmla="*/ 0 h 696"/>
-              <a:gd name="T8" fmla="*/ 0 w 1601"/>
-              <a:gd name="T9" fmla="*/ 27 h 696"/>
-              <a:gd name="T10" fmla="*/ 0 w 1601"/>
-              <a:gd name="T11" fmla="*/ 669 h 696"/>
-              <a:gd name="T12" fmla="*/ 24 w 1601"/>
-              <a:gd name="T13" fmla="*/ 696 h 696"/>
-              <a:gd name="T14" fmla="*/ 768 w 1601"/>
-              <a:gd name="T15" fmla="*/ 696 h 696"/>
-              <a:gd name="T16" fmla="*/ 833 w 1601"/>
-              <a:gd name="T17" fmla="*/ 696 h 696"/>
-              <a:gd name="T18" fmla="*/ 1577 w 1601"/>
-              <a:gd name="T19" fmla="*/ 696 h 696"/>
-              <a:gd name="T20" fmla="*/ 1601 w 1601"/>
-              <a:gd name="T21" fmla="*/ 669 h 696"/>
-              <a:gd name="T22" fmla="*/ 1601 w 1601"/>
-              <a:gd name="T23" fmla="*/ 27 h 696"/>
-              <a:gd name="T24" fmla="*/ 1577 w 1601"/>
-              <a:gd name="T25" fmla="*/ 0 h 696"/>
-            </a:gdLst>
-            <a:ahLst/>
-            <a:cxnLst>
-              <a:cxn ang="0">
-                <a:pos x="T0" y="T1"/>
-              </a:cxn>
-              <a:cxn ang="0">
-                <a:pos x="T2" y="T3"/>
-              </a:cxn>
-              <a:cxn ang="0">
-                <a:pos x="T4" y="T5"/>
-              </a:cxn>
-              <a:cxn ang="0">
-                <a:pos x="T6" y="T7"/>
-              </a:cxn>
-              <a:cxn ang="0">
-                <a:pos x="T8" y="T9"/>
-              </a:cxn>
-              <a:cxn ang="0">
-                <a:pos x="T10" y="T11"/>
-              </a:cxn>
-              <a:cxn ang="0">
-                <a:pos x="T12" y="T13"/>
-              </a:cxn>
-              <a:cxn ang="0">
-                <a:pos x="T14" y="T15"/>
-              </a:cxn>
-              <a:cxn ang="0">
-                <a:pos x="T16" y="T17"/>
-              </a:cxn>
-              <a:cxn ang="0">
-                <a:pos x="T18" y="T19"/>
-              </a:cxn>
-              <a:cxn ang="0">
-                <a:pos x="T20" y="T21"/>
-              </a:cxn>
-              <a:cxn ang="0">
-                <a:pos x="T22" y="T23"/>
-              </a:cxn>
-              <a:cxn ang="0">
-                <a:pos x="T24" y="T25"/>
-              </a:cxn>
-            </a:cxnLst>
-            <a:rect l="0" t="0" r="r" b="b"/>
-            <a:pathLst>
-              <a:path w="1601" h="696">
-                <a:moveTo>
-                  <a:pt x="1577" y="0"/>
-                </a:moveTo>
-                <a:cubicBezTo>
-                  <a:pt x="833" y="0"/>
-                  <a:pt x="833" y="0"/>
-                  <a:pt x="833" y="0"/>
-                </a:cubicBezTo>
-                <a:cubicBezTo>
-                  <a:pt x="768" y="0"/>
-                  <a:pt x="768" y="0"/>
-                  <a:pt x="768" y="0"/>
-                </a:cubicBezTo>
-                <a:cubicBezTo>
-                  <a:pt x="24" y="0"/>
-                  <a:pt x="24" y="0"/>
-                  <a:pt x="24" y="0"/>
-                </a:cubicBezTo>
-                <a:cubicBezTo>
-                  <a:pt x="11" y="0"/>
-                  <a:pt x="0" y="12"/>
-                  <a:pt x="0" y="27"/>
-                </a:cubicBezTo>
-                <a:cubicBezTo>
-                  <a:pt x="0" y="669"/>
-                  <a:pt x="0" y="669"/>
-                  <a:pt x="0" y="669"/>
-                </a:cubicBezTo>
-                <a:cubicBezTo>
-                  <a:pt x="0" y="684"/>
-                  <a:pt x="11" y="696"/>
-                  <a:pt x="24" y="696"/>
-                </a:cubicBezTo>
-                <a:cubicBezTo>
-                  <a:pt x="768" y="696"/>
-                  <a:pt x="768" y="696"/>
-                  <a:pt x="768" y="696"/>
-                </a:cubicBezTo>
-                <a:cubicBezTo>
-                  <a:pt x="833" y="696"/>
-                  <a:pt x="833" y="696"/>
-                  <a:pt x="833" y="696"/>
-                </a:cubicBezTo>
-                <a:cubicBezTo>
-                  <a:pt x="1577" y="696"/>
-                  <a:pt x="1577" y="696"/>
-                  <a:pt x="1577" y="696"/>
-                </a:cubicBezTo>
-                <a:cubicBezTo>
-                  <a:pt x="1590" y="696"/>
-                  <a:pt x="1601" y="684"/>
-                  <a:pt x="1601" y="669"/>
-                </a:cubicBezTo>
-                <a:cubicBezTo>
-                  <a:pt x="1601" y="27"/>
-                  <a:pt x="1601" y="27"/>
-                  <a:pt x="1601" y="27"/>
-                </a:cubicBezTo>
-                <a:cubicBezTo>
-                  <a:pt x="1601" y="12"/>
-                  <a:pt x="1590" y="0"/>
-                  <a:pt x="1577" y="0"/>
-                </a:cubicBezTo>
-                <a:close/>
-              </a:path>
-            </a:pathLst>
-          </a:custGeom>
-          <a:ln>
-            <a:noFill/>
-          </a:ln>
-          <a:effectLst>
-            <a:outerShdw blurRad="50800" dist="38100" dir="5400000" algn="tl" rotWithShape="0">
-              <a:srgbClr val="000000">
-                <a:alpha val="43000"/>
-              </a:srgbClr>
-            </a:outerShdw>
-          </a:effectLst>
-          <a:extLst>
-            <a:ext uri="{91240B29-F687-4f45-9708-019B960494DF}">
-              <a14:hiddenLine xmlns="" xmlns:a16="http://schemas.microsoft.com/office/drawing/2014/main" xmlns:p14="http://schemas.microsoft.com/office/powerpoint/2010/main" xmlns:a14="http://schemas.microsoft.com/office/drawing/2010/main" w="9525">
-                <a:solidFill>
-                  <a:srgbClr val="000000"/>
-                </a:solidFill>
-                <a:round/>
-                <a:headEnd/>
-                <a:tailEnd/>
-              </a14:hiddenLine>
-            </a:ext>
-          </a:extLst>
-        </p:spPr>
-        <p:txBody>
-          <a:bodyPr vert="horz" wrap="square" lIns="91440" tIns="45720" rIns="91440" bIns="45720" numCol="1" anchor="t" anchorCtr="0" compatLnSpc="1">
-            <a:prstTxWarp prst="textNoShape">
-              <a:avLst/>
-            </a:prstTxWarp>
-          </a:bodyPr>
-          <a:lstStyle/>
-          <a:p>
-            <a:endParaRPr lang="en-US"/>
-          </a:p>
-        </p:txBody>
-      </p:sp>
-      <p:sp>
-        <p:nvSpPr>
           <p:cNvPr id="2" name="Título 1">
             <a:extLst>
               <a:ext uri="{FF2B5EF4-FFF2-40B4-BE49-F238E27FC236}">
@@ -7167,7 +6544,7 @@
           <p:cNvPr id="2" name="Título 1">
             <a:extLst>
               <a:ext uri="{FF2B5EF4-FFF2-40B4-BE49-F238E27FC236}">
-                <a16:creationId xmlns:a16="http://schemas.microsoft.com/office/drawing/2014/main" id="{06FE7186-56D9-5C43-B9C5-DC929687CDE0}"/>
+                <a16:creationId xmlns:a16="http://schemas.microsoft.com/office/drawing/2014/main" id="{989A579A-3593-4A4A-80F0-673AE79A3B5B}"/>
               </a:ext>
             </a:extLst>
           </p:cNvPr>
@@ -7183,7 +6560,15 @@
           <a:bodyPr/>
           <a:lstStyle/>
           <a:p>
-            <a:endParaRPr lang="es-MX"/>
+            <a:r>
+              <a:rPr lang="es-MX" dirty="0"/>
+              <a:t>Objetivo General: </a:t>
+            </a:r>
+            <a:r>
+              <a:rPr lang="es-ES" dirty="0"/>
+              <a:t>Resolver un problema de resortes acoplados mediante el uso de ecuaciones diferenciales.</a:t>
+            </a:r>
+            <a:endParaRPr lang="es-MX" dirty="0"/>
           </a:p>
         </p:txBody>
       </p:sp>
@@ -7192,7 +6577,7 @@
           <p:cNvPr id="3" name="Marcador de contenido 2">
             <a:extLst>
               <a:ext uri="{FF2B5EF4-FFF2-40B4-BE49-F238E27FC236}">
-                <a16:creationId xmlns:a16="http://schemas.microsoft.com/office/drawing/2014/main" id="{0B42BBF3-4284-DE4D-857F-A21F2185805D}"/>
+                <a16:creationId xmlns:a16="http://schemas.microsoft.com/office/drawing/2014/main" id="{E4B5FA32-4152-4BB0-BB25-59F36693AC07}"/>
               </a:ext>
             </a:extLst>
           </p:cNvPr>
@@ -7208,14 +6593,69 @@
           <a:bodyPr/>
           <a:lstStyle/>
           <a:p>
-            <a:endParaRPr lang="es-MX"/>
+            <a:pPr marL="0" indent="0">
+              <a:buNone/>
+            </a:pPr>
+            <a:r>
+              <a:rPr lang="es-MX" dirty="0"/>
+              <a:t>Objetivos específicos:</a:t>
+            </a:r>
+          </a:p>
+          <a:p>
+            <a:r>
+              <a:rPr lang="es-ES" dirty="0"/>
+              <a:t>Aprender a usar el sistema de ecuaciones diferenciales aplicado a una situación de interés.</a:t>
+            </a:r>
+          </a:p>
+          <a:p>
+            <a:r>
+              <a:rPr lang="es-ES" dirty="0"/>
+              <a:t>Manejar las librerías adecuadas para obtener una solución.</a:t>
+            </a:r>
+          </a:p>
+          <a:p>
+            <a:r>
+              <a:rPr lang="es-ES" dirty="0"/>
+              <a:t>Mediante el uso de lo aprendido en el Módulo 3 resolver correctamente la ecuación de resortes acoplados.</a:t>
+            </a:r>
+          </a:p>
+          <a:p>
+            <a:r>
+              <a:rPr lang="es-ES" dirty="0"/>
+              <a:t>Utilizar la función </a:t>
+            </a:r>
+            <a:r>
+              <a:rPr lang="es-ES" dirty="0" err="1"/>
+              <a:t>signal</a:t>
+            </a:r>
+            <a:r>
+              <a:rPr lang="es-ES" dirty="0"/>
+              <a:t> de la librería </a:t>
+            </a:r>
+            <a:r>
+              <a:rPr lang="es-ES" dirty="0" err="1"/>
+              <a:t>scipy</a:t>
+            </a:r>
+            <a:r>
+              <a:rPr lang="es-ES" dirty="0"/>
+              <a:t>(</a:t>
+            </a:r>
+            <a:r>
+              <a:rPr lang="es-ES" dirty="0" err="1"/>
+              <a:t>scipy.signal</a:t>
+            </a:r>
+            <a:r>
+              <a:rPr lang="es-ES" dirty="0"/>
+              <a:t>)</a:t>
+            </a:r>
+            <a:endParaRPr lang="es-MX" dirty="0"/>
           </a:p>
         </p:txBody>
       </p:sp>
     </p:spTree>
     <p:extLst>
       <p:ext uri="{BB962C8B-B14F-4D97-AF65-F5344CB8AC3E}">
-        <p14:creationId xmlns:p14="http://schemas.microsoft.com/office/powerpoint/2010/main" val="977861380"/>
+        <p14:creationId xmlns:p14="http://schemas.microsoft.com/office/powerpoint/2010/main" val="2668546851"/>
       </p:ext>
     </p:extLst>
   </p:cSld>
@@ -7226,58 +6666,58 @@
 </file>
 
 <file path=ppt/theme/theme1.xml><?xml version="1.0" encoding="utf-8"?>
-<a:theme xmlns:a="http://schemas.openxmlformats.org/drawingml/2006/main" name="SlateVTI">
+<a:theme xmlns:a="http://schemas.openxmlformats.org/drawingml/2006/main" name="Malla">
   <a:themeElements>
-    <a:clrScheme name="AnalogousFromRegularSeedLeftStep">
+    <a:clrScheme name="Malla">
       <a:dk1>
-        <a:srgbClr val="000000"/>
+        <a:sysClr val="windowText" lastClr="000000"/>
       </a:dk1>
       <a:lt1>
-        <a:srgbClr val="FFFFFF"/>
+        <a:sysClr val="window" lastClr="FFFFFF"/>
       </a:lt1>
       <a:dk2>
-        <a:srgbClr val="412426"/>
+        <a:srgbClr val="363D46"/>
       </a:dk2>
       <a:lt2>
-        <a:srgbClr val="E2E6E8"/>
+        <a:srgbClr val="EBEBEB"/>
       </a:lt2>
       <a:accent1>
-        <a:srgbClr val="C3784D"/>
+        <a:srgbClr val="6F6F6F"/>
       </a:accent1>
       <a:accent2>
-        <a:srgbClr val="B13B41"/>
+        <a:srgbClr val="BFBFA5"/>
       </a:accent2>
       <a:accent3>
-        <a:srgbClr val="C34D84"/>
+        <a:srgbClr val="DCD084"/>
       </a:accent3>
       <a:accent4>
-        <a:srgbClr val="B13BA3"/>
+        <a:srgbClr val="E7BF5F"/>
       </a:accent4>
       <a:accent5>
-        <a:srgbClr val="A04DC3"/>
+        <a:srgbClr val="E9A039"/>
       </a:accent5>
       <a:accent6>
-        <a:srgbClr val="6545B5"/>
+        <a:srgbClr val="CF7133"/>
       </a:accent6>
       <a:hlink>
-        <a:srgbClr val="3C8AB6"/>
+        <a:srgbClr val="F28943"/>
       </a:hlink>
       <a:folHlink>
-        <a:srgbClr val="7F7F7F"/>
+        <a:srgbClr val="F1B76C"/>
       </a:folHlink>
     </a:clrScheme>
-    <a:fontScheme name="Slate">
+    <a:fontScheme name="Malla">
       <a:majorFont>
-        <a:latin typeface="Calisto MT" panose="02040603050505030304"/>
+        <a:latin typeface="Century Gothic" panose="020B0502020202020204"/>
         <a:ea typeface=""/>
         <a:cs typeface=""/>
-        <a:font script="Jpan" typeface="ＭＳ Ｐゴシック"/>
-        <a:font script="Hang" typeface="돋움"/>
-        <a:font script="Hans" typeface="方正舒体"/>
-        <a:font script="Hant" typeface="微軟正黑體"/>
-        <a:font script="Arab" typeface="Arial"/>
-        <a:font script="Hebr" typeface="Arial"/>
-        <a:font script="Thai" typeface="Cordia New"/>
+        <a:font script="Jpan" typeface="ＭＳ ゴシック"/>
+        <a:font script="Hang" typeface="맑은 고딕"/>
+        <a:font script="Hans" typeface="宋体"/>
+        <a:font script="Hant" typeface="新細明體"/>
+        <a:font script="Arab" typeface="Tahoma"/>
+        <a:font script="Hebr" typeface="Gisha"/>
+        <a:font script="Thai" typeface="DilleniaUPC"/>
         <a:font script="Ethi" typeface="Nyala"/>
         <a:font script="Beng" typeface="Vrinda"/>
         <a:font script="Gujr" typeface="Shruti"/>
@@ -7298,21 +6738,21 @@
         <a:font script="Laoo" typeface="DokChampa"/>
         <a:font script="Sinh" typeface="Iskoola Pota"/>
         <a:font script="Mong" typeface="Mongolian Baiti"/>
-        <a:font script="Viet" typeface="Arial"/>
+        <a:font script="Viet" typeface="Tahoma"/>
         <a:font script="Uigh" typeface="Microsoft Uighur"/>
         <a:font script="Geor" typeface="Sylfaen"/>
       </a:majorFont>
       <a:minorFont>
-        <a:latin typeface="Calisto MT" panose="02040603050505030304"/>
+        <a:latin typeface="Century Gothic" panose="020B0502020202020204"/>
         <a:ea typeface=""/>
         <a:cs typeface=""/>
-        <a:font script="Jpan" typeface="ＭＳ Ｐゴシック"/>
-        <a:font script="Hang" typeface="돋움"/>
-        <a:font script="Hans" typeface="方正舒体"/>
-        <a:font script="Hant" typeface="微軟正黑體"/>
-        <a:font script="Arab" typeface="Arial"/>
-        <a:font script="Hebr" typeface="Arial"/>
-        <a:font script="Thai" typeface="Cordia New"/>
+        <a:font script="Jpan" typeface="ＭＳ ゴシック"/>
+        <a:font script="Hang" typeface="맑은 고딕"/>
+        <a:font script="Hans" typeface="宋体"/>
+        <a:font script="Hant" typeface="新細明體"/>
+        <a:font script="Arab" typeface="Tahoma"/>
+        <a:font script="Hebr" typeface="Gisha"/>
+        <a:font script="Thai" typeface="DilleniaUPC"/>
         <a:font script="Ethi" typeface="Nyala"/>
         <a:font script="Beng" typeface="Vrinda"/>
         <a:font script="Gujr" typeface="Shruti"/>
@@ -7333,12 +6773,12 @@
         <a:font script="Laoo" typeface="DokChampa"/>
         <a:font script="Sinh" typeface="Iskoola Pota"/>
         <a:font script="Mong" typeface="Mongolian Baiti"/>
-        <a:font script="Viet" typeface="Arial"/>
+        <a:font script="Viet" typeface="Verdana"/>
         <a:font script="Uigh" typeface="Microsoft Uighur"/>
         <a:font script="Geor" typeface="Sylfaen"/>
       </a:minorFont>
     </a:fontScheme>
-    <a:fmtScheme name="Slate">
+    <a:fmtScheme name="Malla">
       <a:fillStyleLst>
         <a:solidFill>
           <a:schemeClr val="phClr"/>
@@ -7353,7 +6793,7 @@
             </a:gs>
             <a:gs pos="100000">
               <a:schemeClr val="phClr">
-                <a:tint val="88000"/>
+                <a:tint val="82000"/>
               </a:schemeClr>
             </a:gs>
           </a:gsLst>
@@ -7369,8 +6809,8 @@
             </a:gs>
             <a:gs pos="100000">
               <a:schemeClr val="phClr">
-                <a:shade val="90000"/>
-                <a:lumMod val="90000"/>
+                <a:shade val="84000"/>
+                <a:lumMod val="84000"/>
               </a:schemeClr>
             </a:gs>
           </a:gsLst>
@@ -7380,13 +6820,11 @@
       <a:lnStyleLst>
         <a:ln w="9525" cap="rnd" cmpd="sng" algn="ctr">
           <a:solidFill>
-            <a:schemeClr val="phClr">
-              <a:shade val="90000"/>
-            </a:schemeClr>
+            <a:schemeClr val="phClr"/>
           </a:solidFill>
           <a:prstDash val="solid"/>
         </a:ln>
-        <a:ln w="15875" cap="rnd" cmpd="sng" algn="ctr">
+        <a:ln w="19050" cap="rnd" cmpd="sng" algn="ctr">
           <a:solidFill>
             <a:schemeClr val="phClr"/>
           </a:solidFill>
@@ -7405,18 +6843,18 @@
         </a:effectStyle>
         <a:effectStyle>
           <a:effectLst>
-            <a:outerShdw blurRad="63500" dist="25400" dir="5400000" rotWithShape="0">
+            <a:innerShdw blurRad="50800" dist="25400" dir="13500000">
               <a:srgbClr val="000000">
-                <a:alpha val="60000"/>
+                <a:alpha val="55000"/>
               </a:srgbClr>
-            </a:outerShdw>
+            </a:innerShdw>
           </a:effectLst>
         </a:effectStyle>
         <a:effectStyle>
           <a:effectLst>
-            <a:outerShdw blurRad="76200" dist="38100" dir="5400000" rotWithShape="0">
+            <a:outerShdw blurRad="50800" dist="38100" dir="5400000" rotWithShape="0">
               <a:srgbClr val="000000">
-                <a:alpha val="75000"/>
+                <a:alpha val="60000"/>
               </a:srgbClr>
             </a:outerShdw>
           </a:effectLst>
@@ -7424,12 +6862,10 @@
             <a:camera prst="orthographicFront">
               <a:rot lat="0" lon="0" rev="0"/>
             </a:camera>
-            <a:lightRig rig="threePt" dir="t">
-              <a:rot lat="0" lon="0" rev="1200000"/>
-            </a:lightRig>
+            <a:lightRig rig="threePt" dir="tl"/>
           </a:scene3d>
           <a:sp3d>
-            <a:bevelT w="63500" h="25400" prst="hardEdge"/>
+            <a:bevelT w="25400" h="25400" prst="slope"/>
           </a:sp3d>
         </a:effectStyle>
       </a:effectStyleLst>
@@ -7437,18 +6873,36 @@
         <a:solidFill>
           <a:schemeClr val="phClr"/>
         </a:solidFill>
-        <a:solidFill>
-          <a:schemeClr val="phClr"/>
-        </a:solidFill>
+        <a:gradFill rotWithShape="1">
+          <a:gsLst>
+            <a:gs pos="0">
+              <a:schemeClr val="phClr">
+                <a:tint val="90000"/>
+                <a:lumMod val="110000"/>
+              </a:schemeClr>
+            </a:gs>
+            <a:gs pos="100000">
+              <a:schemeClr val="phClr">
+                <a:shade val="64000"/>
+                <a:lumMod val="98000"/>
+              </a:schemeClr>
+            </a:gs>
+          </a:gsLst>
+          <a:lin ang="5400000" scaled="0"/>
+        </a:gradFill>
         <a:blipFill rotWithShape="1">
           <a:blip xmlns:r="http://schemas.openxmlformats.org/officeDocument/2006/relationships" r:embed="rId1">
             <a:duotone>
               <a:schemeClr val="phClr">
-                <a:shade val="80000"/>
-                <a:lumMod val="80000"/>
+                <a:shade val="28000"/>
+                <a:satMod val="94000"/>
+                <a:lumMod val="20000"/>
               </a:schemeClr>
               <a:schemeClr val="phClr">
-                <a:tint val="98000"/>
+                <a:tint val="94000"/>
+                <a:shade val="84000"/>
+                <a:satMod val="148000"/>
+                <a:lumMod val="114000"/>
               </a:schemeClr>
             </a:duotone>
           </a:blip>
@@ -7461,7 +6915,7 @@
   <a:extraClrSchemeLst/>
   <a:extLst>
     <a:ext uri="{05A4C25C-085E-4340-85A3-A5531E510DB2}">
-      <thm15:themeFamily xmlns:thm15="http://schemas.microsoft.com/office/thememl/2012/main" name="SlateVTI" id="{35C4A07C-0176-4A32-9BCB-B016516853F0}" vid="{9B70D35C-BCA8-4715-BB49-8BE54A7FC07C}"/>
+      <thm15:themeFamily xmlns:thm15="http://schemas.microsoft.com/office/thememl/2012/main" name="Mesh" id="{789EC3FE-34FD-429C-9918-760025E6C145}" vid="{B8BE45C0-8141-4D58-8C71-A009BC26FBBB}"/>
     </a:ext>
   </a:extLst>
 </a:theme>

--- a/Presentación módulo 3.pptx
+++ b/Presentación módulo 3.pptx
@@ -7,6 +7,7 @@
   <p:sldIdLst>
     <p:sldId id="256" r:id="rId2"/>
     <p:sldId id="257" r:id="rId3"/>
+    <p:sldId id="258" r:id="rId4"/>
   </p:sldIdLst>
   <p:sldSz cx="12192000" cy="6858000"/>
   <p:notesSz cx="6858000" cy="9144000"/>
@@ -529,7 +530,7 @@
           <a:p>
             <a:fld id="{073ED0CC-082F-4160-86E5-0D6041F12778}" type="datetime1">
               <a:rPr lang="en-US" smtClean="0"/>
-              <a:t>11/28/2019</a:t>
+              <a:t>11/29/2019</a:t>
             </a:fld>
             <a:endParaRPr lang="en-US" dirty="0"/>
           </a:p>
@@ -821,7 +822,7 @@
           <a:p>
             <a:fld id="{073ED0CC-082F-4160-86E5-0D6041F12778}" type="datetime1">
               <a:rPr lang="en-US" smtClean="0"/>
-              <a:t>11/28/2019</a:t>
+              <a:t>11/29/2019</a:t>
             </a:fld>
             <a:endParaRPr lang="en-US" dirty="0"/>
           </a:p>
@@ -1081,7 +1082,7 @@
           <a:p>
             <a:fld id="{073ED0CC-082F-4160-86E5-0D6041F12778}" type="datetime1">
               <a:rPr lang="en-US" smtClean="0"/>
-              <a:t>11/28/2019</a:t>
+              <a:t>11/29/2019</a:t>
             </a:fld>
             <a:endParaRPr lang="en-US" dirty="0"/>
           </a:p>
@@ -1551,7 +1552,7 @@
           <a:p>
             <a:fld id="{073ED0CC-082F-4160-86E5-0D6041F12778}" type="datetime1">
               <a:rPr lang="en-US" smtClean="0"/>
-              <a:t>11/28/2019</a:t>
+              <a:t>11/29/2019</a:t>
             </a:fld>
             <a:endParaRPr lang="en-US" dirty="0"/>
           </a:p>
@@ -1732,7 +1733,7 @@
           <a:p>
             <a:fld id="{073ED0CC-082F-4160-86E5-0D6041F12778}" type="datetime1">
               <a:rPr lang="en-US" smtClean="0"/>
-              <a:t>11/28/2019</a:t>
+              <a:t>11/29/2019</a:t>
             </a:fld>
             <a:endParaRPr lang="en-US" dirty="0"/>
           </a:p>
@@ -2309,7 +2310,7 @@
           <a:p>
             <a:fld id="{073ED0CC-082F-4160-86E5-0D6041F12778}" type="datetime1">
               <a:rPr lang="en-US" smtClean="0"/>
-              <a:t>11/28/2019</a:t>
+              <a:t>11/29/2019</a:t>
             </a:fld>
             <a:endParaRPr lang="en-US" dirty="0"/>
           </a:p>
@@ -2642,7 +2643,7 @@
           <a:p>
             <a:fld id="{073ED0CC-082F-4160-86E5-0D6041F12778}" type="datetime1">
               <a:rPr lang="en-US" smtClean="0"/>
-              <a:t>11/28/2019</a:t>
+              <a:t>11/29/2019</a:t>
             </a:fld>
             <a:endParaRPr lang="en-US" dirty="0"/>
           </a:p>
@@ -2818,7 +2819,7 @@
           <a:p>
             <a:fld id="{073ED0CC-082F-4160-86E5-0D6041F12778}" type="datetime1">
               <a:rPr lang="en-US" smtClean="0"/>
-              <a:t>11/28/2019</a:t>
+              <a:t>11/29/2019</a:t>
             </a:fld>
             <a:endParaRPr lang="en-US" dirty="0"/>
           </a:p>
@@ -2999,7 +3000,7 @@
           <a:p>
             <a:fld id="{073ED0CC-082F-4160-86E5-0D6041F12778}" type="datetime1">
               <a:rPr lang="en-US" smtClean="0"/>
-              <a:t>11/28/2019</a:t>
+              <a:t>11/29/2019</a:t>
             </a:fld>
             <a:endParaRPr lang="en-US" dirty="0"/>
           </a:p>
@@ -3170,7 +3171,7 @@
           <a:p>
             <a:fld id="{073ED0CC-082F-4160-86E5-0D6041F12778}" type="datetime1">
               <a:rPr lang="en-US" smtClean="0"/>
-              <a:t>11/28/2019</a:t>
+              <a:t>11/29/2019</a:t>
             </a:fld>
             <a:endParaRPr lang="en-US" dirty="0"/>
           </a:p>
@@ -3428,7 +3429,7 @@
           <a:p>
             <a:fld id="{073ED0CC-082F-4160-86E5-0D6041F12778}" type="datetime1">
               <a:rPr lang="en-US" smtClean="0"/>
-              <a:t>11/28/2019</a:t>
+              <a:t>11/29/2019</a:t>
             </a:fld>
             <a:endParaRPr lang="en-US" dirty="0"/>
           </a:p>
@@ -3721,7 +3722,7 @@
           <a:p>
             <a:fld id="{073ED0CC-082F-4160-86E5-0D6041F12778}" type="datetime1">
               <a:rPr lang="en-US" smtClean="0"/>
-              <a:t>11/28/2019</a:t>
+              <a:t>11/29/2019</a:t>
             </a:fld>
             <a:endParaRPr lang="en-US" dirty="0"/>
           </a:p>
@@ -4152,7 +4153,7 @@
           <a:p>
             <a:fld id="{073ED0CC-082F-4160-86E5-0D6041F12778}" type="datetime1">
               <a:rPr lang="en-US" smtClean="0"/>
-              <a:t>11/28/2019</a:t>
+              <a:t>11/29/2019</a:t>
             </a:fld>
             <a:endParaRPr lang="en-US" dirty="0"/>
           </a:p>
@@ -4271,7 +4272,7 @@
           <a:p>
             <a:fld id="{073ED0CC-082F-4160-86E5-0D6041F12778}" type="datetime1">
               <a:rPr lang="en-US" smtClean="0"/>
-              <a:t>11/28/2019</a:t>
+              <a:t>11/29/2019</a:t>
             </a:fld>
             <a:endParaRPr lang="en-US" dirty="0"/>
           </a:p>
@@ -4367,7 +4368,7 @@
           <a:p>
             <a:fld id="{073ED0CC-082F-4160-86E5-0D6041F12778}" type="datetime1">
               <a:rPr lang="en-US" smtClean="0"/>
-              <a:t>11/28/2019</a:t>
+              <a:t>11/29/2019</a:t>
             </a:fld>
             <a:endParaRPr lang="en-US" dirty="0"/>
           </a:p>
@@ -4651,7 +4652,7 @@
           <a:p>
             <a:fld id="{073ED0CC-082F-4160-86E5-0D6041F12778}" type="datetime1">
               <a:rPr lang="en-US" smtClean="0"/>
-              <a:t>11/28/2019</a:t>
+              <a:t>11/29/2019</a:t>
             </a:fld>
             <a:endParaRPr lang="en-US" dirty="0"/>
           </a:p>
@@ -4943,7 +4944,7 @@
           <a:p>
             <a:fld id="{073ED0CC-082F-4160-86E5-0D6041F12778}" type="datetime1">
               <a:rPr lang="en-US" smtClean="0"/>
-              <a:t>11/28/2019</a:t>
+              <a:t>11/29/2019</a:t>
             </a:fld>
             <a:endParaRPr lang="en-US" dirty="0"/>
           </a:p>
@@ -5175,7 +5176,7 @@
           <a:p>
             <a:fld id="{073ED0CC-082F-4160-86E5-0D6041F12778}" type="datetime1">
               <a:rPr lang="en-US" smtClean="0"/>
-              <a:t>11/28/2019</a:t>
+              <a:t>11/29/2019</a:t>
             </a:fld>
             <a:endParaRPr lang="en-US" dirty="0"/>
           </a:p>
@@ -6619,43 +6620,745 @@
               <a:t>Mediante el uso de lo aprendido en el Módulo 3 resolver correctamente la ecuación de resortes acoplados.</a:t>
             </a:r>
           </a:p>
-          <a:p>
-            <a:r>
-              <a:rPr lang="es-ES" dirty="0"/>
-              <a:t>Utilizar la función </a:t>
-            </a:r>
-            <a:r>
-              <a:rPr lang="es-ES" dirty="0" err="1"/>
-              <a:t>signal</a:t>
-            </a:r>
-            <a:r>
-              <a:rPr lang="es-ES" dirty="0"/>
-              <a:t> de la librería </a:t>
-            </a:r>
-            <a:r>
-              <a:rPr lang="es-ES" dirty="0" err="1"/>
-              <a:t>scipy</a:t>
-            </a:r>
-            <a:r>
-              <a:rPr lang="es-ES" dirty="0"/>
-              <a:t>(</a:t>
-            </a:r>
-            <a:r>
-              <a:rPr lang="es-ES" dirty="0" err="1"/>
-              <a:t>scipy.signal</a:t>
-            </a:r>
-            <a:r>
-              <a:rPr lang="es-ES" dirty="0"/>
-              <a:t>)</a:t>
-            </a:r>
-            <a:endParaRPr lang="es-MX" dirty="0"/>
-          </a:p>
         </p:txBody>
       </p:sp>
     </p:spTree>
     <p:extLst>
       <p:ext uri="{BB962C8B-B14F-4D97-AF65-F5344CB8AC3E}">
         <p14:creationId xmlns:p14="http://schemas.microsoft.com/office/powerpoint/2010/main" val="2668546851"/>
+      </p:ext>
+    </p:extLst>
+  </p:cSld>
+  <p:clrMapOvr>
+    <a:masterClrMapping/>
+  </p:clrMapOvr>
+</p:sld>
+</file>
+
+<file path=ppt/slides/slide3.xml><?xml version="1.0" encoding="utf-8"?>
+<p:sld xmlns:a="http://schemas.openxmlformats.org/drawingml/2006/main" xmlns:r="http://schemas.openxmlformats.org/officeDocument/2006/relationships" xmlns:p="http://schemas.openxmlformats.org/presentationml/2006/main">
+  <p:cSld>
+    <p:spTree>
+      <p:nvGrpSpPr>
+        <p:cNvPr id="1" name=""/>
+        <p:cNvGrpSpPr/>
+        <p:nvPr/>
+      </p:nvGrpSpPr>
+      <p:grpSpPr>
+        <a:xfrm>
+          <a:off x="0" y="0"/>
+          <a:ext cx="0" cy="0"/>
+          <a:chOff x="0" y="0"/>
+          <a:chExt cx="0" cy="0"/>
+        </a:xfrm>
+      </p:grpSpPr>
+      <p:sp>
+        <p:nvSpPr>
+          <p:cNvPr id="2" name="Título 1">
+            <a:extLst>
+              <a:ext uri="{FF2B5EF4-FFF2-40B4-BE49-F238E27FC236}">
+                <a16:creationId xmlns:a16="http://schemas.microsoft.com/office/drawing/2014/main" id="{268D9272-DED4-407C-8B4F-48A90C1FCC15}"/>
+              </a:ext>
+            </a:extLst>
+          </p:cNvPr>
+          <p:cNvSpPr>
+            <a:spLocks noGrp="1"/>
+          </p:cNvSpPr>
+          <p:nvPr>
+            <p:ph type="title"/>
+          </p:nvPr>
+        </p:nvSpPr>
+        <p:spPr>
+          <a:xfrm>
+            <a:off x="1141413" y="300110"/>
+            <a:ext cx="9905998" cy="1905000"/>
+          </a:xfrm>
+        </p:spPr>
+        <p:txBody>
+          <a:bodyPr/>
+          <a:lstStyle/>
+          <a:p>
+            <a:r>
+              <a:rPr lang="es-MX" dirty="0"/>
+              <a:t>Modelo que representa el problema.</a:t>
+            </a:r>
+          </a:p>
+        </p:txBody>
+      </p:sp>
+      <mc:AlternateContent xmlns:mc="http://schemas.openxmlformats.org/markup-compatibility/2006">
+        <mc:Choice xmlns:a14="http://schemas.microsoft.com/office/drawing/2010/main" Requires="a14">
+          <p:sp>
+            <p:nvSpPr>
+              <p:cNvPr id="3" name="Marcador de contenido 2">
+                <a:extLst>
+                  <a:ext uri="{FF2B5EF4-FFF2-40B4-BE49-F238E27FC236}">
+                    <a16:creationId xmlns:a16="http://schemas.microsoft.com/office/drawing/2014/main" id="{D6CB29A0-D6AB-4E53-887C-372C6C3EB72E}"/>
+                  </a:ext>
+                </a:extLst>
+              </p:cNvPr>
+              <p:cNvSpPr>
+                <a:spLocks noGrp="1"/>
+              </p:cNvSpPr>
+              <p:nvPr>
+                <p:ph idx="1"/>
+              </p:nvPr>
+            </p:nvSpPr>
+            <p:spPr>
+              <a:xfrm>
+                <a:off x="1141413" y="1752599"/>
+                <a:ext cx="9905998" cy="3124201"/>
+              </a:xfrm>
+            </p:spPr>
+            <p:txBody>
+              <a:bodyPr/>
+              <a:lstStyle/>
+              <a:p>
+                <a:r>
+                  <a:rPr lang="es-MX" dirty="0"/>
+                  <a:t>El modelo que representa el problema esta representado por las siguientes ecuaciones diferenciales:</a:t>
+                </a:r>
+              </a:p>
+              <a:p>
+                <a:pPr marL="0" indent="0">
+                  <a:buNone/>
+                </a:pPr>
+                <a14:m>
+                  <m:oMathPara xmlns:m="http://schemas.openxmlformats.org/officeDocument/2006/math">
+                    <m:oMathParaPr>
+                      <m:jc m:val="centerGroup"/>
+                    </m:oMathParaPr>
+                    <m:oMath xmlns:m="http://schemas.openxmlformats.org/officeDocument/2006/math">
+                      <m:r>
+                        <a:rPr lang="es-MX" b="0" i="1" smtClean="0">
+                          <a:latin typeface="Cambria Math" panose="02040503050406030204" pitchFamily="18" charset="0"/>
+                        </a:rPr>
+                        <m:t>𝐹</m:t>
+                      </m:r>
+                      <m:r>
+                        <a:rPr lang="es-MX" b="0" i="1" smtClean="0">
+                          <a:latin typeface="Cambria Math" panose="02040503050406030204" pitchFamily="18" charset="0"/>
+                          <a:ea typeface="Cambria Math" panose="02040503050406030204" pitchFamily="18" charset="0"/>
+                        </a:rPr>
+                        <m:t>=</m:t>
+                      </m:r>
+                      <m:sSub>
+                        <m:sSubPr>
+                          <m:ctrlPr>
+                            <a:rPr lang="es-MX" b="0" i="1" smtClean="0">
+                              <a:latin typeface="Cambria Math" panose="02040503050406030204" pitchFamily="18" charset="0"/>
+                              <a:ea typeface="Cambria Math" panose="02040503050406030204" pitchFamily="18" charset="0"/>
+                            </a:rPr>
+                          </m:ctrlPr>
+                        </m:sSubPr>
+                        <m:e>
+                          <m:r>
+                            <a:rPr lang="es-MX" b="0" i="1" smtClean="0">
+                              <a:latin typeface="Cambria Math" panose="02040503050406030204" pitchFamily="18" charset="0"/>
+                              <a:ea typeface="Cambria Math" panose="02040503050406030204" pitchFamily="18" charset="0"/>
+                            </a:rPr>
+                            <m:t>𝑚</m:t>
+                          </m:r>
+                        </m:e>
+                        <m:sub>
+                          <m:r>
+                            <a:rPr lang="es-MX" b="0" i="1" smtClean="0">
+                              <a:latin typeface="Cambria Math" panose="02040503050406030204" pitchFamily="18" charset="0"/>
+                              <a:ea typeface="Cambria Math" panose="02040503050406030204" pitchFamily="18" charset="0"/>
+                            </a:rPr>
+                            <m:t>1</m:t>
+                          </m:r>
+                        </m:sub>
+                      </m:sSub>
+                      <m:f>
+                        <m:fPr>
+                          <m:ctrlPr>
+                            <a:rPr lang="es-MX" b="0" i="1" smtClean="0">
+                              <a:latin typeface="Cambria Math" panose="02040503050406030204" pitchFamily="18" charset="0"/>
+                              <a:ea typeface="Cambria Math" panose="02040503050406030204" pitchFamily="18" charset="0"/>
+                            </a:rPr>
+                          </m:ctrlPr>
+                        </m:fPr>
+                        <m:num>
+                          <m:sSup>
+                            <m:sSupPr>
+                              <m:ctrlPr>
+                                <a:rPr lang="es-MX" b="0" i="1" smtClean="0">
+                                  <a:latin typeface="Cambria Math" panose="02040503050406030204" pitchFamily="18" charset="0"/>
+                                  <a:ea typeface="Cambria Math" panose="02040503050406030204" pitchFamily="18" charset="0"/>
+                                </a:rPr>
+                              </m:ctrlPr>
+                            </m:sSupPr>
+                            <m:e>
+                              <m:r>
+                                <a:rPr lang="es-MX" b="0" i="1" smtClean="0">
+                                  <a:latin typeface="Cambria Math" panose="02040503050406030204" pitchFamily="18" charset="0"/>
+                                  <a:ea typeface="Cambria Math" panose="02040503050406030204" pitchFamily="18" charset="0"/>
+                                </a:rPr>
+                                <m:t>𝑑</m:t>
+                              </m:r>
+                            </m:e>
+                            <m:sup>
+                              <m:r>
+                                <a:rPr lang="es-MX" b="0" i="1" smtClean="0">
+                                  <a:latin typeface="Cambria Math" panose="02040503050406030204" pitchFamily="18" charset="0"/>
+                                  <a:ea typeface="Cambria Math" panose="02040503050406030204" pitchFamily="18" charset="0"/>
+                                </a:rPr>
+                                <m:t>2</m:t>
+                              </m:r>
+                            </m:sup>
+                          </m:sSup>
+                          <m:sSub>
+                            <m:sSubPr>
+                              <m:ctrlPr>
+                                <a:rPr lang="es-MX" b="0" i="1" smtClean="0">
+                                  <a:latin typeface="Cambria Math" panose="02040503050406030204" pitchFamily="18" charset="0"/>
+                                  <a:ea typeface="Cambria Math" panose="02040503050406030204" pitchFamily="18" charset="0"/>
+                                </a:rPr>
+                              </m:ctrlPr>
+                            </m:sSubPr>
+                            <m:e>
+                              <m:r>
+                                <a:rPr lang="es-MX" b="0" i="1" smtClean="0">
+                                  <a:latin typeface="Cambria Math" panose="02040503050406030204" pitchFamily="18" charset="0"/>
+                                  <a:ea typeface="Cambria Math" panose="02040503050406030204" pitchFamily="18" charset="0"/>
+                                </a:rPr>
+                                <m:t>𝑥</m:t>
+                              </m:r>
+                            </m:e>
+                            <m:sub>
+                              <m:r>
+                                <a:rPr lang="es-MX" b="0" i="1" smtClean="0">
+                                  <a:latin typeface="Cambria Math" panose="02040503050406030204" pitchFamily="18" charset="0"/>
+                                  <a:ea typeface="Cambria Math" panose="02040503050406030204" pitchFamily="18" charset="0"/>
+                                </a:rPr>
+                                <m:t>1</m:t>
+                              </m:r>
+                            </m:sub>
+                          </m:sSub>
+                        </m:num>
+                        <m:den>
+                          <m:r>
+                            <a:rPr lang="es-MX" b="0" i="1" smtClean="0">
+                              <a:latin typeface="Cambria Math" panose="02040503050406030204" pitchFamily="18" charset="0"/>
+                              <a:ea typeface="Cambria Math" panose="02040503050406030204" pitchFamily="18" charset="0"/>
+                            </a:rPr>
+                            <m:t>𝑑</m:t>
+                          </m:r>
+                          <m:sSup>
+                            <m:sSupPr>
+                              <m:ctrlPr>
+                                <a:rPr lang="es-MX" b="0" i="1" smtClean="0">
+                                  <a:latin typeface="Cambria Math" panose="02040503050406030204" pitchFamily="18" charset="0"/>
+                                  <a:ea typeface="Cambria Math" panose="02040503050406030204" pitchFamily="18" charset="0"/>
+                                </a:rPr>
+                              </m:ctrlPr>
+                            </m:sSupPr>
+                            <m:e>
+                              <m:r>
+                                <a:rPr lang="es-MX" b="0" i="1" smtClean="0">
+                                  <a:latin typeface="Cambria Math" panose="02040503050406030204" pitchFamily="18" charset="0"/>
+                                  <a:ea typeface="Cambria Math" panose="02040503050406030204" pitchFamily="18" charset="0"/>
+                                </a:rPr>
+                                <m:t>𝑡</m:t>
+                              </m:r>
+                            </m:e>
+                            <m:sup>
+                              <m:r>
+                                <a:rPr lang="es-MX" b="0" i="1" smtClean="0">
+                                  <a:latin typeface="Cambria Math" panose="02040503050406030204" pitchFamily="18" charset="0"/>
+                                  <a:ea typeface="Cambria Math" panose="02040503050406030204" pitchFamily="18" charset="0"/>
+                                </a:rPr>
+                                <m:t>2</m:t>
+                              </m:r>
+                            </m:sup>
+                          </m:sSup>
+                        </m:den>
+                      </m:f>
+                      <m:r>
+                        <a:rPr lang="es-MX" b="0" i="1" smtClean="0">
+                          <a:latin typeface="Cambria Math" panose="02040503050406030204" pitchFamily="18" charset="0"/>
+                          <a:ea typeface="Cambria Math" panose="02040503050406030204" pitchFamily="18" charset="0"/>
+                        </a:rPr>
+                        <m:t>=</m:t>
+                      </m:r>
+                      <m:r>
+                        <a:rPr lang="es-MX" b="0" i="0" smtClean="0">
+                          <a:latin typeface="Cambria Math" panose="02040503050406030204" pitchFamily="18" charset="0"/>
+                          <a:ea typeface="Cambria Math" panose="02040503050406030204" pitchFamily="18" charset="0"/>
+                        </a:rPr>
+                        <m:t>−</m:t>
+                      </m:r>
+                      <m:sSub>
+                        <m:sSubPr>
+                          <m:ctrlPr>
+                            <a:rPr lang="es-MX" b="0" i="1" smtClean="0">
+                              <a:latin typeface="Cambria Math" panose="02040503050406030204" pitchFamily="18" charset="0"/>
+                              <a:ea typeface="Cambria Math" panose="02040503050406030204" pitchFamily="18" charset="0"/>
+                            </a:rPr>
+                          </m:ctrlPr>
+                        </m:sSubPr>
+                        <m:e>
+                          <m:r>
+                            <a:rPr lang="es-MX" b="0" i="1" smtClean="0">
+                              <a:latin typeface="Cambria Math" panose="02040503050406030204" pitchFamily="18" charset="0"/>
+                              <a:ea typeface="Cambria Math" panose="02040503050406030204" pitchFamily="18" charset="0"/>
+                            </a:rPr>
+                            <m:t>𝑘</m:t>
+                          </m:r>
+                        </m:e>
+                        <m:sub>
+                          <m:r>
+                            <a:rPr lang="es-MX" b="0" i="1" smtClean="0">
+                              <a:latin typeface="Cambria Math" panose="02040503050406030204" pitchFamily="18" charset="0"/>
+                              <a:ea typeface="Cambria Math" panose="02040503050406030204" pitchFamily="18" charset="0"/>
+                            </a:rPr>
+                            <m:t>1</m:t>
+                          </m:r>
+                        </m:sub>
+                      </m:sSub>
+                      <m:r>
+                        <a:rPr lang="es-MX" b="0" i="1" smtClean="0">
+                          <a:latin typeface="Cambria Math" panose="02040503050406030204" pitchFamily="18" charset="0"/>
+                          <a:ea typeface="Cambria Math" panose="02040503050406030204" pitchFamily="18" charset="0"/>
+                        </a:rPr>
+                        <m:t>+</m:t>
+                      </m:r>
+                      <m:sSub>
+                        <m:sSubPr>
+                          <m:ctrlPr>
+                            <a:rPr lang="es-MX" b="0" i="1" smtClean="0">
+                              <a:latin typeface="Cambria Math" panose="02040503050406030204" pitchFamily="18" charset="0"/>
+                              <a:ea typeface="Cambria Math" panose="02040503050406030204" pitchFamily="18" charset="0"/>
+                            </a:rPr>
+                          </m:ctrlPr>
+                        </m:sSubPr>
+                        <m:e>
+                          <m:r>
+                            <a:rPr lang="es-MX" b="0" i="1" smtClean="0">
+                              <a:latin typeface="Cambria Math" panose="02040503050406030204" pitchFamily="18" charset="0"/>
+                              <a:ea typeface="Cambria Math" panose="02040503050406030204" pitchFamily="18" charset="0"/>
+                            </a:rPr>
+                            <m:t>𝑘</m:t>
+                          </m:r>
+                        </m:e>
+                        <m:sub>
+                          <m:r>
+                            <a:rPr lang="es-MX" b="0" i="1" smtClean="0">
+                              <a:latin typeface="Cambria Math" panose="02040503050406030204" pitchFamily="18" charset="0"/>
+                              <a:ea typeface="Cambria Math" panose="02040503050406030204" pitchFamily="18" charset="0"/>
+                            </a:rPr>
+                            <m:t>2</m:t>
+                          </m:r>
+                        </m:sub>
+                      </m:sSub>
+                      <m:r>
+                        <a:rPr lang="es-MX" b="0" i="1" smtClean="0">
+                          <a:latin typeface="Cambria Math" panose="02040503050406030204" pitchFamily="18" charset="0"/>
+                          <a:ea typeface="Cambria Math" panose="02040503050406030204" pitchFamily="18" charset="0"/>
+                        </a:rPr>
+                        <m:t>(</m:t>
+                      </m:r>
+                      <m:sSub>
+                        <m:sSubPr>
+                          <m:ctrlPr>
+                            <a:rPr lang="es-MX" b="0" i="1" smtClean="0">
+                              <a:latin typeface="Cambria Math" panose="02040503050406030204" pitchFamily="18" charset="0"/>
+                              <a:ea typeface="Cambria Math" panose="02040503050406030204" pitchFamily="18" charset="0"/>
+                            </a:rPr>
+                          </m:ctrlPr>
+                        </m:sSubPr>
+                        <m:e>
+                          <m:r>
+                            <a:rPr lang="es-MX" b="0" i="1" smtClean="0">
+                              <a:latin typeface="Cambria Math" panose="02040503050406030204" pitchFamily="18" charset="0"/>
+                              <a:ea typeface="Cambria Math" panose="02040503050406030204" pitchFamily="18" charset="0"/>
+                            </a:rPr>
+                            <m:t>𝑥</m:t>
+                          </m:r>
+                        </m:e>
+                        <m:sub>
+                          <m:r>
+                            <a:rPr lang="es-MX" b="0" i="1" smtClean="0">
+                              <a:latin typeface="Cambria Math" panose="02040503050406030204" pitchFamily="18" charset="0"/>
+                              <a:ea typeface="Cambria Math" panose="02040503050406030204" pitchFamily="18" charset="0"/>
+                            </a:rPr>
+                            <m:t>2</m:t>
+                          </m:r>
+                        </m:sub>
+                      </m:sSub>
+                      <m:r>
+                        <a:rPr lang="es-MX" b="0" i="1" smtClean="0">
+                          <a:latin typeface="Cambria Math" panose="02040503050406030204" pitchFamily="18" charset="0"/>
+                          <a:ea typeface="Cambria Math" panose="02040503050406030204" pitchFamily="18" charset="0"/>
+                        </a:rPr>
+                        <m:t>−</m:t>
+                      </m:r>
+                      <m:sSub>
+                        <m:sSubPr>
+                          <m:ctrlPr>
+                            <a:rPr lang="es-MX" b="0" i="1" smtClean="0">
+                              <a:latin typeface="Cambria Math" panose="02040503050406030204" pitchFamily="18" charset="0"/>
+                              <a:ea typeface="Cambria Math" panose="02040503050406030204" pitchFamily="18" charset="0"/>
+                            </a:rPr>
+                          </m:ctrlPr>
+                        </m:sSubPr>
+                        <m:e>
+                          <m:r>
+                            <a:rPr lang="es-MX" b="0" i="1" smtClean="0">
+                              <a:latin typeface="Cambria Math" panose="02040503050406030204" pitchFamily="18" charset="0"/>
+                              <a:ea typeface="Cambria Math" panose="02040503050406030204" pitchFamily="18" charset="0"/>
+                            </a:rPr>
+                            <m:t>𝑥</m:t>
+                          </m:r>
+                        </m:e>
+                        <m:sub>
+                          <m:r>
+                            <a:rPr lang="es-MX" b="0" i="1" smtClean="0">
+                              <a:latin typeface="Cambria Math" panose="02040503050406030204" pitchFamily="18" charset="0"/>
+                              <a:ea typeface="Cambria Math" panose="02040503050406030204" pitchFamily="18" charset="0"/>
+                            </a:rPr>
+                            <m:t>1</m:t>
+                          </m:r>
+                        </m:sub>
+                      </m:sSub>
+                      <m:r>
+                        <a:rPr lang="es-MX" b="0" i="1" smtClean="0">
+                          <a:latin typeface="Cambria Math" panose="02040503050406030204" pitchFamily="18" charset="0"/>
+                          <a:ea typeface="Cambria Math" panose="02040503050406030204" pitchFamily="18" charset="0"/>
+                        </a:rPr>
+                        <m:t>)</m:t>
+                      </m:r>
+                    </m:oMath>
+                  </m:oMathPara>
+                </a14:m>
+                <a:endParaRPr lang="es-MX" dirty="0"/>
+              </a:p>
+              <a:p>
+                <a:pPr marL="0" indent="0">
+                  <a:buNone/>
+                </a:pPr>
+                <a14:m>
+                  <m:oMathPara xmlns:m="http://schemas.openxmlformats.org/officeDocument/2006/math">
+                    <m:oMathParaPr>
+                      <m:jc m:val="centerGroup"/>
+                    </m:oMathParaPr>
+                    <m:oMath xmlns:m="http://schemas.openxmlformats.org/officeDocument/2006/math">
+                      <m:r>
+                        <a:rPr lang="es-MX" b="0" i="1" smtClean="0">
+                          <a:latin typeface="Cambria Math" panose="02040503050406030204" pitchFamily="18" charset="0"/>
+                        </a:rPr>
+                        <m:t>𝐹</m:t>
+                      </m:r>
+                      <m:r>
+                        <a:rPr lang="es-MX" b="0" i="1" smtClean="0">
+                          <a:latin typeface="Cambria Math" panose="02040503050406030204" pitchFamily="18" charset="0"/>
+                        </a:rPr>
+                        <m:t>=</m:t>
+                      </m:r>
+                      <m:sSub>
+                        <m:sSubPr>
+                          <m:ctrlPr>
+                            <a:rPr lang="es-MX" b="0" i="1" smtClean="0">
+                              <a:latin typeface="Cambria Math" panose="02040503050406030204" pitchFamily="18" charset="0"/>
+                            </a:rPr>
+                          </m:ctrlPr>
+                        </m:sSubPr>
+                        <m:e>
+                          <m:r>
+                            <a:rPr lang="es-MX" b="0" i="1" smtClean="0">
+                              <a:latin typeface="Cambria Math" panose="02040503050406030204" pitchFamily="18" charset="0"/>
+                            </a:rPr>
+                            <m:t>𝑚</m:t>
+                          </m:r>
+                        </m:e>
+                        <m:sub>
+                          <m:r>
+                            <a:rPr lang="es-MX" b="0" i="1" smtClean="0">
+                              <a:latin typeface="Cambria Math" panose="02040503050406030204" pitchFamily="18" charset="0"/>
+                            </a:rPr>
+                            <m:t>2</m:t>
+                          </m:r>
+                        </m:sub>
+                      </m:sSub>
+                      <m:f>
+                        <m:fPr>
+                          <m:ctrlPr>
+                            <a:rPr lang="es-MX" b="0" i="1" smtClean="0">
+                              <a:latin typeface="Cambria Math" panose="02040503050406030204" pitchFamily="18" charset="0"/>
+                            </a:rPr>
+                          </m:ctrlPr>
+                        </m:fPr>
+                        <m:num>
+                          <m:sSup>
+                            <m:sSupPr>
+                              <m:ctrlPr>
+                                <a:rPr lang="es-MX" b="0" i="1" smtClean="0">
+                                  <a:latin typeface="Cambria Math" panose="02040503050406030204" pitchFamily="18" charset="0"/>
+                                </a:rPr>
+                              </m:ctrlPr>
+                            </m:sSupPr>
+                            <m:e>
+                              <m:r>
+                                <a:rPr lang="es-MX" b="0" i="1" smtClean="0">
+                                  <a:latin typeface="Cambria Math" panose="02040503050406030204" pitchFamily="18" charset="0"/>
+                                </a:rPr>
+                                <m:t>𝑑</m:t>
+                              </m:r>
+                            </m:e>
+                            <m:sup>
+                              <m:r>
+                                <a:rPr lang="es-MX" b="0" i="1" smtClean="0">
+                                  <a:latin typeface="Cambria Math" panose="02040503050406030204" pitchFamily="18" charset="0"/>
+                                </a:rPr>
+                                <m:t>2</m:t>
+                              </m:r>
+                            </m:sup>
+                          </m:sSup>
+                          <m:sSub>
+                            <m:sSubPr>
+                              <m:ctrlPr>
+                                <a:rPr lang="es-MX" b="0" i="1" smtClean="0">
+                                  <a:latin typeface="Cambria Math" panose="02040503050406030204" pitchFamily="18" charset="0"/>
+                                </a:rPr>
+                              </m:ctrlPr>
+                            </m:sSubPr>
+                            <m:e>
+                              <m:r>
+                                <a:rPr lang="es-MX" b="0" i="1" smtClean="0">
+                                  <a:latin typeface="Cambria Math" panose="02040503050406030204" pitchFamily="18" charset="0"/>
+                                </a:rPr>
+                                <m:t>𝑥</m:t>
+                              </m:r>
+                            </m:e>
+                            <m:sub>
+                              <m:r>
+                                <a:rPr lang="es-MX" b="0" i="1" smtClean="0">
+                                  <a:latin typeface="Cambria Math" panose="02040503050406030204" pitchFamily="18" charset="0"/>
+                                </a:rPr>
+                                <m:t>2</m:t>
+                              </m:r>
+                            </m:sub>
+                          </m:sSub>
+                        </m:num>
+                        <m:den>
+                          <m:r>
+                            <a:rPr lang="es-MX" b="0" i="1" smtClean="0">
+                              <a:latin typeface="Cambria Math" panose="02040503050406030204" pitchFamily="18" charset="0"/>
+                            </a:rPr>
+                            <m:t>𝑑</m:t>
+                          </m:r>
+                          <m:sSup>
+                            <m:sSupPr>
+                              <m:ctrlPr>
+                                <a:rPr lang="es-MX" b="0" i="1" smtClean="0">
+                                  <a:latin typeface="Cambria Math" panose="02040503050406030204" pitchFamily="18" charset="0"/>
+                                </a:rPr>
+                              </m:ctrlPr>
+                            </m:sSupPr>
+                            <m:e>
+                              <m:r>
+                                <a:rPr lang="es-MX" b="0" i="1" smtClean="0">
+                                  <a:latin typeface="Cambria Math" panose="02040503050406030204" pitchFamily="18" charset="0"/>
+                                </a:rPr>
+                                <m:t>𝑡</m:t>
+                              </m:r>
+                            </m:e>
+                            <m:sup>
+                              <m:r>
+                                <a:rPr lang="es-MX" b="0" i="1" smtClean="0">
+                                  <a:latin typeface="Cambria Math" panose="02040503050406030204" pitchFamily="18" charset="0"/>
+                                </a:rPr>
+                                <m:t>2</m:t>
+                              </m:r>
+                            </m:sup>
+                          </m:sSup>
+                        </m:den>
+                      </m:f>
+                      <m:r>
+                        <a:rPr lang="es-MX" b="0" i="1" smtClean="0">
+                          <a:latin typeface="Cambria Math" panose="02040503050406030204" pitchFamily="18" charset="0"/>
+                        </a:rPr>
+                        <m:t>=−</m:t>
+                      </m:r>
+                      <m:sSub>
+                        <m:sSubPr>
+                          <m:ctrlPr>
+                            <a:rPr lang="es-MX" b="0" i="1" smtClean="0">
+                              <a:latin typeface="Cambria Math" panose="02040503050406030204" pitchFamily="18" charset="0"/>
+                            </a:rPr>
+                          </m:ctrlPr>
+                        </m:sSubPr>
+                        <m:e>
+                          <m:r>
+                            <a:rPr lang="es-MX" b="0" i="1" smtClean="0">
+                              <a:latin typeface="Cambria Math" panose="02040503050406030204" pitchFamily="18" charset="0"/>
+                            </a:rPr>
+                            <m:t>𝑘</m:t>
+                          </m:r>
+                        </m:e>
+                        <m:sub>
+                          <m:r>
+                            <a:rPr lang="es-MX" b="0" i="1" smtClean="0">
+                              <a:latin typeface="Cambria Math" panose="02040503050406030204" pitchFamily="18" charset="0"/>
+                            </a:rPr>
+                            <m:t>2</m:t>
+                          </m:r>
+                        </m:sub>
+                      </m:sSub>
+                      <m:r>
+                        <a:rPr lang="es-MX" b="0" i="1" smtClean="0">
+                          <a:latin typeface="Cambria Math" panose="02040503050406030204" pitchFamily="18" charset="0"/>
+                        </a:rPr>
+                        <m:t>(</m:t>
+                      </m:r>
+                      <m:sSub>
+                        <m:sSubPr>
+                          <m:ctrlPr>
+                            <a:rPr lang="es-MX" b="0" i="1" smtClean="0">
+                              <a:latin typeface="Cambria Math" panose="02040503050406030204" pitchFamily="18" charset="0"/>
+                            </a:rPr>
+                          </m:ctrlPr>
+                        </m:sSubPr>
+                        <m:e>
+                          <m:r>
+                            <a:rPr lang="es-MX" b="0" i="1" smtClean="0">
+                              <a:latin typeface="Cambria Math" panose="02040503050406030204" pitchFamily="18" charset="0"/>
+                            </a:rPr>
+                            <m:t>𝑥</m:t>
+                          </m:r>
+                        </m:e>
+                        <m:sub>
+                          <m:r>
+                            <a:rPr lang="es-MX" b="0" i="1" smtClean="0">
+                              <a:latin typeface="Cambria Math" panose="02040503050406030204" pitchFamily="18" charset="0"/>
+                            </a:rPr>
+                            <m:t>2</m:t>
+                          </m:r>
+                        </m:sub>
+                      </m:sSub>
+                      <m:r>
+                        <a:rPr lang="es-MX" b="0" i="1" smtClean="0">
+                          <a:latin typeface="Cambria Math" panose="02040503050406030204" pitchFamily="18" charset="0"/>
+                        </a:rPr>
+                        <m:t>−</m:t>
+                      </m:r>
+                      <m:sSub>
+                        <m:sSubPr>
+                          <m:ctrlPr>
+                            <a:rPr lang="es-MX" b="0" i="1" smtClean="0">
+                              <a:latin typeface="Cambria Math" panose="02040503050406030204" pitchFamily="18" charset="0"/>
+                            </a:rPr>
+                          </m:ctrlPr>
+                        </m:sSubPr>
+                        <m:e>
+                          <m:r>
+                            <a:rPr lang="es-MX" b="0" i="1" smtClean="0">
+                              <a:latin typeface="Cambria Math" panose="02040503050406030204" pitchFamily="18" charset="0"/>
+                            </a:rPr>
+                            <m:t>𝑥</m:t>
+                          </m:r>
+                        </m:e>
+                        <m:sub>
+                          <m:r>
+                            <a:rPr lang="es-MX" b="0" i="1" smtClean="0">
+                              <a:latin typeface="Cambria Math" panose="02040503050406030204" pitchFamily="18" charset="0"/>
+                            </a:rPr>
+                            <m:t>1</m:t>
+                          </m:r>
+                        </m:sub>
+                      </m:sSub>
+                      <m:r>
+                        <a:rPr lang="es-MX" b="0" i="1" smtClean="0">
+                          <a:latin typeface="Cambria Math" panose="02040503050406030204" pitchFamily="18" charset="0"/>
+                        </a:rPr>
+                        <m:t>)</m:t>
+                      </m:r>
+                    </m:oMath>
+                  </m:oMathPara>
+                </a14:m>
+                <a:endParaRPr lang="es-MX" dirty="0"/>
+              </a:p>
+            </p:txBody>
+          </p:sp>
+        </mc:Choice>
+        <mc:Fallback>
+          <p:sp>
+            <p:nvSpPr>
+              <p:cNvPr id="3" name="Marcador de contenido 2">
+                <a:extLst>
+                  <a:ext uri="{FF2B5EF4-FFF2-40B4-BE49-F238E27FC236}">
+                    <a16:creationId xmlns:a16="http://schemas.microsoft.com/office/drawing/2014/main" id="{D6CB29A0-D6AB-4E53-887C-372C6C3EB72E}"/>
+                  </a:ext>
+                </a:extLst>
+              </p:cNvPr>
+              <p:cNvSpPr>
+                <a:spLocks noGrp="1" noRot="1" noChangeAspect="1" noMove="1" noResize="1" noEditPoints="1" noAdjustHandles="1" noChangeArrowheads="1" noChangeShapeType="1" noTextEdit="1"/>
+              </p:cNvSpPr>
+              <p:nvPr>
+                <p:ph idx="1"/>
+              </p:nvPr>
+            </p:nvSpPr>
+            <p:spPr>
+              <a:xfrm>
+                <a:off x="1141413" y="1752599"/>
+                <a:ext cx="9905998" cy="3124201"/>
+              </a:xfrm>
+              <a:blipFill>
+                <a:blip r:embed="rId2"/>
+                <a:stretch>
+                  <a:fillRect l="-985"/>
+                </a:stretch>
+              </a:blipFill>
+            </p:spPr>
+            <p:txBody>
+              <a:bodyPr/>
+              <a:lstStyle/>
+              <a:p>
+                <a:r>
+                  <a:rPr lang="es-MX">
+                    <a:noFill/>
+                  </a:rPr>
+                  <a:t> </a:t>
+                </a:r>
+              </a:p>
+            </p:txBody>
+          </p:sp>
+        </mc:Fallback>
+      </mc:AlternateContent>
+      <p:pic>
+        <p:nvPicPr>
+          <p:cNvPr id="5" name="Imagen 4">
+            <a:extLst>
+              <a:ext uri="{FF2B5EF4-FFF2-40B4-BE49-F238E27FC236}">
+                <a16:creationId xmlns:a16="http://schemas.microsoft.com/office/drawing/2014/main" id="{2CF100CA-4F84-4E27-954F-D2E6FA2C87C6}"/>
+              </a:ext>
+            </a:extLst>
+          </p:cNvPr>
+          <p:cNvPicPr>
+            <a:picLocks noChangeAspect="1"/>
+          </p:cNvPicPr>
+          <p:nvPr/>
+        </p:nvPicPr>
+        <p:blipFill>
+          <a:blip r:embed="rId3"/>
+          <a:stretch>
+            <a:fillRect/>
+          </a:stretch>
+        </p:blipFill>
+        <p:spPr>
+          <a:xfrm>
+            <a:off x="8482819" y="3657599"/>
+            <a:ext cx="3208068" cy="2609062"/>
+          </a:xfrm>
+          <a:prstGeom prst="rect">
+            <a:avLst/>
+          </a:prstGeom>
+        </p:spPr>
+      </p:pic>
+    </p:spTree>
+    <p:extLst>
+      <p:ext uri="{BB962C8B-B14F-4D97-AF65-F5344CB8AC3E}">
+        <p14:creationId xmlns:p14="http://schemas.microsoft.com/office/powerpoint/2010/main" val="1621503599"/>
       </p:ext>
     </p:extLst>
   </p:cSld>

--- a/Presentación módulo 3.pptx
+++ b/Presentación módulo 3.pptx
@@ -6,8 +6,11 @@
   </p:sldMasterIdLst>
   <p:sldIdLst>
     <p:sldId id="256" r:id="rId2"/>
-    <p:sldId id="257" r:id="rId3"/>
-    <p:sldId id="258" r:id="rId4"/>
+    <p:sldId id="260" r:id="rId3"/>
+    <p:sldId id="257" r:id="rId4"/>
+    <p:sldId id="258" r:id="rId5"/>
+    <p:sldId id="259" r:id="rId6"/>
+    <p:sldId id="261" r:id="rId7"/>
   </p:sldIdLst>
   <p:sldSz cx="12192000" cy="6858000"/>
   <p:notesSz cx="6858000" cy="9144000"/>
@@ -530,7 +533,7 @@
           <a:p>
             <a:fld id="{073ED0CC-082F-4160-86E5-0D6041F12778}" type="datetime1">
               <a:rPr lang="en-US" smtClean="0"/>
-              <a:t>11/29/2019</a:t>
+              <a:t>12/1/2019</a:t>
             </a:fld>
             <a:endParaRPr lang="en-US" dirty="0"/>
           </a:p>
@@ -822,7 +825,7 @@
           <a:p>
             <a:fld id="{073ED0CC-082F-4160-86E5-0D6041F12778}" type="datetime1">
               <a:rPr lang="en-US" smtClean="0"/>
-              <a:t>11/29/2019</a:t>
+              <a:t>12/1/2019</a:t>
             </a:fld>
             <a:endParaRPr lang="en-US" dirty="0"/>
           </a:p>
@@ -1082,7 +1085,7 @@
           <a:p>
             <a:fld id="{073ED0CC-082F-4160-86E5-0D6041F12778}" type="datetime1">
               <a:rPr lang="en-US" smtClean="0"/>
-              <a:t>11/29/2019</a:t>
+              <a:t>12/1/2019</a:t>
             </a:fld>
             <a:endParaRPr lang="en-US" dirty="0"/>
           </a:p>
@@ -1552,7 +1555,7 @@
           <a:p>
             <a:fld id="{073ED0CC-082F-4160-86E5-0D6041F12778}" type="datetime1">
               <a:rPr lang="en-US" smtClean="0"/>
-              <a:t>11/29/2019</a:t>
+              <a:t>12/1/2019</a:t>
             </a:fld>
             <a:endParaRPr lang="en-US" dirty="0"/>
           </a:p>
@@ -1733,7 +1736,7 @@
           <a:p>
             <a:fld id="{073ED0CC-082F-4160-86E5-0D6041F12778}" type="datetime1">
               <a:rPr lang="en-US" smtClean="0"/>
-              <a:t>11/29/2019</a:t>
+              <a:t>12/1/2019</a:t>
             </a:fld>
             <a:endParaRPr lang="en-US" dirty="0"/>
           </a:p>
@@ -2310,7 +2313,7 @@
           <a:p>
             <a:fld id="{073ED0CC-082F-4160-86E5-0D6041F12778}" type="datetime1">
               <a:rPr lang="en-US" smtClean="0"/>
-              <a:t>11/29/2019</a:t>
+              <a:t>12/1/2019</a:t>
             </a:fld>
             <a:endParaRPr lang="en-US" dirty="0"/>
           </a:p>
@@ -2643,7 +2646,7 @@
           <a:p>
             <a:fld id="{073ED0CC-082F-4160-86E5-0D6041F12778}" type="datetime1">
               <a:rPr lang="en-US" smtClean="0"/>
-              <a:t>11/29/2019</a:t>
+              <a:t>12/1/2019</a:t>
             </a:fld>
             <a:endParaRPr lang="en-US" dirty="0"/>
           </a:p>
@@ -2819,7 +2822,7 @@
           <a:p>
             <a:fld id="{073ED0CC-082F-4160-86E5-0D6041F12778}" type="datetime1">
               <a:rPr lang="en-US" smtClean="0"/>
-              <a:t>11/29/2019</a:t>
+              <a:t>12/1/2019</a:t>
             </a:fld>
             <a:endParaRPr lang="en-US" dirty="0"/>
           </a:p>
@@ -3000,7 +3003,7 @@
           <a:p>
             <a:fld id="{073ED0CC-082F-4160-86E5-0D6041F12778}" type="datetime1">
               <a:rPr lang="en-US" smtClean="0"/>
-              <a:t>11/29/2019</a:t>
+              <a:t>12/1/2019</a:t>
             </a:fld>
             <a:endParaRPr lang="en-US" dirty="0"/>
           </a:p>
@@ -3171,7 +3174,7 @@
           <a:p>
             <a:fld id="{073ED0CC-082F-4160-86E5-0D6041F12778}" type="datetime1">
               <a:rPr lang="en-US" smtClean="0"/>
-              <a:t>11/29/2019</a:t>
+              <a:t>12/1/2019</a:t>
             </a:fld>
             <a:endParaRPr lang="en-US" dirty="0"/>
           </a:p>
@@ -3429,7 +3432,7 @@
           <a:p>
             <a:fld id="{073ED0CC-082F-4160-86E5-0D6041F12778}" type="datetime1">
               <a:rPr lang="en-US" smtClean="0"/>
-              <a:t>11/29/2019</a:t>
+              <a:t>12/1/2019</a:t>
             </a:fld>
             <a:endParaRPr lang="en-US" dirty="0"/>
           </a:p>
@@ -3722,7 +3725,7 @@
           <a:p>
             <a:fld id="{073ED0CC-082F-4160-86E5-0D6041F12778}" type="datetime1">
               <a:rPr lang="en-US" smtClean="0"/>
-              <a:t>11/29/2019</a:t>
+              <a:t>12/1/2019</a:t>
             </a:fld>
             <a:endParaRPr lang="en-US" dirty="0"/>
           </a:p>
@@ -4153,7 +4156,7 @@
           <a:p>
             <a:fld id="{073ED0CC-082F-4160-86E5-0D6041F12778}" type="datetime1">
               <a:rPr lang="en-US" smtClean="0"/>
-              <a:t>11/29/2019</a:t>
+              <a:t>12/1/2019</a:t>
             </a:fld>
             <a:endParaRPr lang="en-US" dirty="0"/>
           </a:p>
@@ -4272,7 +4275,7 @@
           <a:p>
             <a:fld id="{073ED0CC-082F-4160-86E5-0D6041F12778}" type="datetime1">
               <a:rPr lang="en-US" smtClean="0"/>
-              <a:t>11/29/2019</a:t>
+              <a:t>12/1/2019</a:t>
             </a:fld>
             <a:endParaRPr lang="en-US" dirty="0"/>
           </a:p>
@@ -4368,7 +4371,7 @@
           <a:p>
             <a:fld id="{073ED0CC-082F-4160-86E5-0D6041F12778}" type="datetime1">
               <a:rPr lang="en-US" smtClean="0"/>
-              <a:t>11/29/2019</a:t>
+              <a:t>12/1/2019</a:t>
             </a:fld>
             <a:endParaRPr lang="en-US" dirty="0"/>
           </a:p>
@@ -4652,7 +4655,7 @@
           <a:p>
             <a:fld id="{073ED0CC-082F-4160-86E5-0D6041F12778}" type="datetime1">
               <a:rPr lang="en-US" smtClean="0"/>
-              <a:t>11/29/2019</a:t>
+              <a:t>12/1/2019</a:t>
             </a:fld>
             <a:endParaRPr lang="en-US" dirty="0"/>
           </a:p>
@@ -4944,7 +4947,7 @@
           <a:p>
             <a:fld id="{073ED0CC-082F-4160-86E5-0D6041F12778}" type="datetime1">
               <a:rPr lang="en-US" smtClean="0"/>
-              <a:t>11/29/2019</a:t>
+              <a:t>12/1/2019</a:t>
             </a:fld>
             <a:endParaRPr lang="en-US" dirty="0"/>
           </a:p>
@@ -5176,7 +5179,7 @@
           <a:p>
             <a:fld id="{073ED0CC-082F-4160-86E5-0D6041F12778}" type="datetime1">
               <a:rPr lang="en-US" smtClean="0"/>
-              <a:t>11/29/2019</a:t>
+              <a:t>12/1/2019</a:t>
             </a:fld>
             <a:endParaRPr lang="en-US" dirty="0"/>
           </a:p>
@@ -6545,7 +6548,7 @@
           <p:cNvPr id="2" name="Título 1">
             <a:extLst>
               <a:ext uri="{FF2B5EF4-FFF2-40B4-BE49-F238E27FC236}">
-                <a16:creationId xmlns:a16="http://schemas.microsoft.com/office/drawing/2014/main" id="{989A579A-3593-4A4A-80F0-673AE79A3B5B}"/>
+                <a16:creationId xmlns:a16="http://schemas.microsoft.com/office/drawing/2014/main" id="{9101380B-039D-4911-980A-78557A2A7BFC}"/>
               </a:ext>
             </a:extLst>
           </p:cNvPr>
@@ -6563,13 +6566,8 @@
           <a:p>
             <a:r>
               <a:rPr lang="es-MX" dirty="0"/>
-              <a:t>Objetivo General: </a:t>
-            </a:r>
-            <a:r>
-              <a:rPr lang="es-ES" dirty="0"/>
-              <a:t>Resolver un problema de resortes acoplados mediante el uso de ecuaciones diferenciales.</a:t>
-            </a:r>
-            <a:endParaRPr lang="es-MX" dirty="0"/>
+              <a:t>¿Qué es un sistema de resortes acoplados?</a:t>
+            </a:r>
           </a:p>
         </p:txBody>
       </p:sp>
@@ -6578,7 +6576,7 @@
           <p:cNvPr id="3" name="Marcador de contenido 2">
             <a:extLst>
               <a:ext uri="{FF2B5EF4-FFF2-40B4-BE49-F238E27FC236}">
-                <a16:creationId xmlns:a16="http://schemas.microsoft.com/office/drawing/2014/main" id="{E4B5FA32-4152-4BB0-BB25-59F36693AC07}"/>
+                <a16:creationId xmlns:a16="http://schemas.microsoft.com/office/drawing/2014/main" id="{19736CAE-E289-49E9-907B-4670DC37DBBB}"/>
               </a:ext>
             </a:extLst>
           </p:cNvPr>
@@ -6594,38 +6592,18 @@
           <a:bodyPr/>
           <a:lstStyle/>
           <a:p>
-            <a:pPr marL="0" indent="0">
-              <a:buNone/>
-            </a:pPr>
-            <a:r>
-              <a:rPr lang="es-MX" dirty="0"/>
-              <a:t>Objetivos específicos:</a:t>
-            </a:r>
-          </a:p>
-          <a:p>
             <a:r>
               <a:rPr lang="es-ES" dirty="0"/>
-              <a:t>Aprender a usar el sistema de ecuaciones diferenciales aplicado a una situación de interés.</a:t>
-            </a:r>
-          </a:p>
-          <a:p>
-            <a:r>
-              <a:rPr lang="es-ES" dirty="0"/>
-              <a:t>Manejar las librerías adecuadas para obtener una solución.</a:t>
-            </a:r>
-          </a:p>
-          <a:p>
-            <a:r>
-              <a:rPr lang="es-ES" dirty="0"/>
-              <a:t>Mediante el uso de lo aprendido en el Módulo 3 resolver correctamente la ecuación de resortes acoplados.</a:t>
-            </a:r>
+              <a:t>Un sistema de resortes acoplados es aquel que consta de muchos resortes individuales interconectados entre sí. El modelo de resortes acoplados se puede aplicar tanto a sistemas mecánicos como a modelos atómicos de sólidos.</a:t>
+            </a:r>
+            <a:endParaRPr lang="es-MX" dirty="0"/>
           </a:p>
         </p:txBody>
       </p:sp>
     </p:spTree>
     <p:extLst>
       <p:ext uri="{BB962C8B-B14F-4D97-AF65-F5344CB8AC3E}">
-        <p14:creationId xmlns:p14="http://schemas.microsoft.com/office/powerpoint/2010/main" val="2668546851"/>
+        <p14:creationId xmlns:p14="http://schemas.microsoft.com/office/powerpoint/2010/main" val="3839328021"/>
       </p:ext>
     </p:extLst>
   </p:cSld>
@@ -6657,6 +6635,118 @@
           <p:cNvPr id="2" name="Título 1">
             <a:extLst>
               <a:ext uri="{FF2B5EF4-FFF2-40B4-BE49-F238E27FC236}">
+                <a16:creationId xmlns:a16="http://schemas.microsoft.com/office/drawing/2014/main" id="{989A579A-3593-4A4A-80F0-673AE79A3B5B}"/>
+              </a:ext>
+            </a:extLst>
+          </p:cNvPr>
+          <p:cNvSpPr>
+            <a:spLocks noGrp="1"/>
+          </p:cNvSpPr>
+          <p:nvPr>
+            <p:ph type="title"/>
+          </p:nvPr>
+        </p:nvSpPr>
+        <p:spPr/>
+        <p:txBody>
+          <a:bodyPr/>
+          <a:lstStyle/>
+          <a:p>
+            <a:r>
+              <a:rPr lang="es-MX" dirty="0"/>
+              <a:t>Objetivo General: </a:t>
+            </a:r>
+            <a:r>
+              <a:rPr lang="es-ES" dirty="0"/>
+              <a:t>Resolver un problema de resortes acoplados mediante el uso de ecuaciones diferenciales.</a:t>
+            </a:r>
+            <a:endParaRPr lang="es-MX" dirty="0"/>
+          </a:p>
+        </p:txBody>
+      </p:sp>
+      <p:sp>
+        <p:nvSpPr>
+          <p:cNvPr id="3" name="Marcador de contenido 2">
+            <a:extLst>
+              <a:ext uri="{FF2B5EF4-FFF2-40B4-BE49-F238E27FC236}">
+                <a16:creationId xmlns:a16="http://schemas.microsoft.com/office/drawing/2014/main" id="{E4B5FA32-4152-4BB0-BB25-59F36693AC07}"/>
+              </a:ext>
+            </a:extLst>
+          </p:cNvPr>
+          <p:cNvSpPr>
+            <a:spLocks noGrp="1"/>
+          </p:cNvSpPr>
+          <p:nvPr>
+            <p:ph idx="1"/>
+          </p:nvPr>
+        </p:nvSpPr>
+        <p:spPr/>
+        <p:txBody>
+          <a:bodyPr/>
+          <a:lstStyle/>
+          <a:p>
+            <a:pPr marL="0" indent="0">
+              <a:buNone/>
+            </a:pPr>
+            <a:r>
+              <a:rPr lang="es-MX" dirty="0"/>
+              <a:t>Objetivos específicos:</a:t>
+            </a:r>
+          </a:p>
+          <a:p>
+            <a:r>
+              <a:rPr lang="es-ES" dirty="0"/>
+              <a:t>Aprender a usar el sistema de ecuaciones diferenciales aplicado a una situación de interés.</a:t>
+            </a:r>
+          </a:p>
+          <a:p>
+            <a:r>
+              <a:rPr lang="es-ES" dirty="0"/>
+              <a:t>Manejar las librerías adecuadas para obtener una solución.</a:t>
+            </a:r>
+          </a:p>
+          <a:p>
+            <a:r>
+              <a:rPr lang="es-ES" dirty="0"/>
+              <a:t>Mediante el uso de lo aprendido en el Módulo 3 resolver correctamente la ecuación de resortes acoplados.</a:t>
+            </a:r>
+          </a:p>
+        </p:txBody>
+      </p:sp>
+    </p:spTree>
+    <p:extLst>
+      <p:ext uri="{BB962C8B-B14F-4D97-AF65-F5344CB8AC3E}">
+        <p14:creationId xmlns:p14="http://schemas.microsoft.com/office/powerpoint/2010/main" val="2668546851"/>
+      </p:ext>
+    </p:extLst>
+  </p:cSld>
+  <p:clrMapOvr>
+    <a:masterClrMapping/>
+  </p:clrMapOvr>
+</p:sld>
+</file>
+
+<file path=ppt/slides/slide4.xml><?xml version="1.0" encoding="utf-8"?>
+<p:sld xmlns:a="http://schemas.openxmlformats.org/drawingml/2006/main" xmlns:r="http://schemas.openxmlformats.org/officeDocument/2006/relationships" xmlns:p="http://schemas.openxmlformats.org/presentationml/2006/main">
+  <p:cSld>
+    <p:spTree>
+      <p:nvGrpSpPr>
+        <p:cNvPr id="1" name=""/>
+        <p:cNvGrpSpPr/>
+        <p:nvPr/>
+      </p:nvGrpSpPr>
+      <p:grpSpPr>
+        <a:xfrm>
+          <a:off x="0" y="0"/>
+          <a:ext cx="0" cy="0"/>
+          <a:chOff x="0" y="0"/>
+          <a:chExt cx="0" cy="0"/>
+        </a:xfrm>
+      </p:grpSpPr>
+      <p:sp>
+        <p:nvSpPr>
+          <p:cNvPr id="2" name="Título 1">
+            <a:extLst>
+              <a:ext uri="{FF2B5EF4-FFF2-40B4-BE49-F238E27FC236}">
                 <a16:creationId xmlns:a16="http://schemas.microsoft.com/office/drawing/2014/main" id="{268D9272-DED4-407C-8B4F-48A90C1FCC15}"/>
               </a:ext>
             </a:extLst>
@@ -6685,8 +6775,8 @@
           </a:p>
         </p:txBody>
       </p:sp>
-      <mc:AlternateContent xmlns:mc="http://schemas.openxmlformats.org/markup-compatibility/2006">
-        <mc:Choice xmlns:a14="http://schemas.microsoft.com/office/drawing/2010/main" Requires="a14">
+      <mc:AlternateContent xmlns:mc="http://schemas.openxmlformats.org/markup-compatibility/2006" xmlns:a14="http://schemas.microsoft.com/office/drawing/2010/main">
+        <mc:Choice Requires="a14">
           <p:sp>
             <p:nvSpPr>
               <p:cNvPr id="3" name="Marcador de contenido 2">
@@ -7281,7 +7371,7 @@
             </p:txBody>
           </p:sp>
         </mc:Choice>
-        <mc:Fallback>
+        <mc:Fallback xmlns="">
           <p:sp>
             <p:nvSpPr>
               <p:cNvPr id="3" name="Marcador de contenido 2">
@@ -7359,6 +7449,351 @@
     <p:extLst>
       <p:ext uri="{BB962C8B-B14F-4D97-AF65-F5344CB8AC3E}">
         <p14:creationId xmlns:p14="http://schemas.microsoft.com/office/powerpoint/2010/main" val="1621503599"/>
+      </p:ext>
+    </p:extLst>
+  </p:cSld>
+  <p:clrMapOvr>
+    <a:masterClrMapping/>
+  </p:clrMapOvr>
+</p:sld>
+</file>
+
+<file path=ppt/slides/slide5.xml><?xml version="1.0" encoding="utf-8"?>
+<p:sld xmlns:a="http://schemas.openxmlformats.org/drawingml/2006/main" xmlns:r="http://schemas.openxmlformats.org/officeDocument/2006/relationships" xmlns:p="http://schemas.openxmlformats.org/presentationml/2006/main">
+  <p:cSld>
+    <p:spTree>
+      <p:nvGrpSpPr>
+        <p:cNvPr id="1" name=""/>
+        <p:cNvGrpSpPr/>
+        <p:nvPr/>
+      </p:nvGrpSpPr>
+      <p:grpSpPr>
+        <a:xfrm>
+          <a:off x="0" y="0"/>
+          <a:ext cx="0" cy="0"/>
+          <a:chOff x="0" y="0"/>
+          <a:chExt cx="0" cy="0"/>
+        </a:xfrm>
+      </p:grpSpPr>
+      <p:sp>
+        <p:nvSpPr>
+          <p:cNvPr id="2" name="Título 1">
+            <a:extLst>
+              <a:ext uri="{FF2B5EF4-FFF2-40B4-BE49-F238E27FC236}">
+                <a16:creationId xmlns:a16="http://schemas.microsoft.com/office/drawing/2014/main" id="{454DEAF7-1C81-457A-A108-F05F6F143FEE}"/>
+              </a:ext>
+            </a:extLst>
+          </p:cNvPr>
+          <p:cNvSpPr>
+            <a:spLocks noGrp="1"/>
+          </p:cNvSpPr>
+          <p:nvPr>
+            <p:ph type="title"/>
+          </p:nvPr>
+        </p:nvSpPr>
+        <p:spPr/>
+        <p:txBody>
+          <a:bodyPr/>
+          <a:lstStyle/>
+          <a:p>
+            <a:r>
+              <a:rPr lang="es-MX" dirty="0"/>
+              <a:t>Problema</a:t>
+            </a:r>
+          </a:p>
+        </p:txBody>
+      </p:sp>
+      <mc:AlternateContent xmlns:mc="http://schemas.openxmlformats.org/markup-compatibility/2006">
+        <mc:Choice xmlns:a14="http://schemas.microsoft.com/office/drawing/2010/main" Requires="a14">
+          <p:sp>
+            <p:nvSpPr>
+              <p:cNvPr id="3" name="Marcador de contenido 2">
+                <a:extLst>
+                  <a:ext uri="{FF2B5EF4-FFF2-40B4-BE49-F238E27FC236}">
+                    <a16:creationId xmlns:a16="http://schemas.microsoft.com/office/drawing/2014/main" id="{2962C3A8-24EA-4FD4-8E0A-15A10F433B35}"/>
+                  </a:ext>
+                </a:extLst>
+              </p:cNvPr>
+              <p:cNvSpPr>
+                <a:spLocks noGrp="1"/>
+              </p:cNvSpPr>
+              <p:nvPr>
+                <p:ph idx="1"/>
+              </p:nvPr>
+            </p:nvSpPr>
+            <p:spPr/>
+            <p:txBody>
+              <a:bodyPr/>
+              <a:lstStyle/>
+              <a:p>
+                <a:r>
+                  <a:rPr lang="es-ES" dirty="0"/>
+                  <a:t>Se tienen 2 masas de 1 slug cada una conectadas mediante dos resortes, el resorte 1 tiene una constante ( </a:t>
+                </a:r>
+                <a14:m>
+                  <m:oMath xmlns:m="http://schemas.openxmlformats.org/officeDocument/2006/math">
+                    <m:sSub>
+                      <m:sSubPr>
+                        <m:ctrlPr>
+                          <a:rPr lang="es-ES" i="1" smtClean="0">
+                            <a:latin typeface="Cambria Math" panose="02040503050406030204" pitchFamily="18" charset="0"/>
+                          </a:rPr>
+                        </m:ctrlPr>
+                      </m:sSubPr>
+                      <m:e>
+                        <m:r>
+                          <a:rPr lang="es-MX" b="0" i="1" smtClean="0">
+                            <a:latin typeface="Cambria Math" panose="02040503050406030204" pitchFamily="18" charset="0"/>
+                          </a:rPr>
+                          <m:t>𝑘</m:t>
+                        </m:r>
+                      </m:e>
+                      <m:sub>
+                        <m:r>
+                          <a:rPr lang="es-MX" b="0" i="1" smtClean="0">
+                            <a:latin typeface="Cambria Math" panose="02040503050406030204" pitchFamily="18" charset="0"/>
+                          </a:rPr>
+                          <m:t>1</m:t>
+                        </m:r>
+                      </m:sub>
+                    </m:sSub>
+                  </m:oMath>
+                </a14:m>
+                <a:r>
+                  <a:rPr lang="es-ES" dirty="0"/>
+                  <a:t> ) de 6lb/ft y el resorte 2 tiene una constante ( </a:t>
+                </a:r>
+                <a14:m>
+                  <m:oMath xmlns:m="http://schemas.openxmlformats.org/officeDocument/2006/math">
+                    <m:sSub>
+                      <m:sSubPr>
+                        <m:ctrlPr>
+                          <a:rPr lang="es-ES" i="1" smtClean="0">
+                            <a:latin typeface="Cambria Math" panose="02040503050406030204" pitchFamily="18" charset="0"/>
+                          </a:rPr>
+                        </m:ctrlPr>
+                      </m:sSubPr>
+                      <m:e>
+                        <m:r>
+                          <a:rPr lang="es-MX" b="0" i="1" smtClean="0">
+                            <a:latin typeface="Cambria Math" panose="02040503050406030204" pitchFamily="18" charset="0"/>
+                          </a:rPr>
+                          <m:t>𝑘</m:t>
+                        </m:r>
+                      </m:e>
+                      <m:sub>
+                        <m:r>
+                          <a:rPr lang="es-MX" b="0" i="1" smtClean="0">
+                            <a:latin typeface="Cambria Math" panose="02040503050406030204" pitchFamily="18" charset="0"/>
+                          </a:rPr>
+                          <m:t>2</m:t>
+                        </m:r>
+                      </m:sub>
+                    </m:sSub>
+                  </m:oMath>
+                </a14:m>
+                <a:r>
+                  <a:rPr lang="es-ES" dirty="0"/>
+                  <a:t> ) de 4lb/ft. El movimiento de las masas comienza desde la posición de equilibrio. La velocidad inicial de la masa 1 ( </a:t>
+                </a:r>
+                <a14:m>
+                  <m:oMath xmlns:m="http://schemas.openxmlformats.org/officeDocument/2006/math">
+                    <m:sSub>
+                      <m:sSubPr>
+                        <m:ctrlPr>
+                          <a:rPr lang="es-ES" i="1" smtClean="0">
+                            <a:latin typeface="Cambria Math" panose="02040503050406030204" pitchFamily="18" charset="0"/>
+                          </a:rPr>
+                        </m:ctrlPr>
+                      </m:sSubPr>
+                      <m:e>
+                        <m:r>
+                          <a:rPr lang="es-MX" b="0" i="1" smtClean="0">
+                            <a:latin typeface="Cambria Math" panose="02040503050406030204" pitchFamily="18" charset="0"/>
+                          </a:rPr>
+                          <m:t>𝑚</m:t>
+                        </m:r>
+                      </m:e>
+                      <m:sub>
+                        <m:r>
+                          <a:rPr lang="es-MX" b="0" i="1" smtClean="0">
+                            <a:latin typeface="Cambria Math" panose="02040503050406030204" pitchFamily="18" charset="0"/>
+                          </a:rPr>
+                          <m:t>1</m:t>
+                        </m:r>
+                      </m:sub>
+                    </m:sSub>
+                  </m:oMath>
+                </a14:m>
+                <a:r>
+                  <a:rPr lang="es-ES" dirty="0"/>
+                  <a:t> ) es de 1ft/s y la de la masa 2 ( </a:t>
+                </a:r>
+                <a14:m>
+                  <m:oMath xmlns:m="http://schemas.openxmlformats.org/officeDocument/2006/math">
+                    <m:sSub>
+                      <m:sSubPr>
+                        <m:ctrlPr>
+                          <a:rPr lang="es-ES" i="1" smtClean="0">
+                            <a:latin typeface="Cambria Math" panose="02040503050406030204" pitchFamily="18" charset="0"/>
+                          </a:rPr>
+                        </m:ctrlPr>
+                      </m:sSubPr>
+                      <m:e>
+                        <m:r>
+                          <a:rPr lang="es-MX" b="0" i="1" smtClean="0">
+                            <a:latin typeface="Cambria Math" panose="02040503050406030204" pitchFamily="18" charset="0"/>
+                          </a:rPr>
+                          <m:t>𝑚</m:t>
+                        </m:r>
+                      </m:e>
+                      <m:sub>
+                        <m:r>
+                          <a:rPr lang="es-MX" b="0" i="1" smtClean="0">
+                            <a:latin typeface="Cambria Math" panose="02040503050406030204" pitchFamily="18" charset="0"/>
+                          </a:rPr>
+                          <m:t>2</m:t>
+                        </m:r>
+                      </m:sub>
+                    </m:sSub>
+                  </m:oMath>
+                </a14:m>
+                <a:r>
+                  <a:rPr lang="es-ES" dirty="0"/>
+                  <a:t> ) es de -1ft/s. Dar las ecuaciones de movimiento de cada masa y graficar.</a:t>
+                </a:r>
+                <a:endParaRPr lang="es-MX" dirty="0"/>
+              </a:p>
+            </p:txBody>
+          </p:sp>
+        </mc:Choice>
+        <mc:Fallback>
+          <p:sp>
+            <p:nvSpPr>
+              <p:cNvPr id="3" name="Marcador de contenido 2">
+                <a:extLst>
+                  <a:ext uri="{FF2B5EF4-FFF2-40B4-BE49-F238E27FC236}">
+                    <a16:creationId xmlns:a16="http://schemas.microsoft.com/office/drawing/2014/main" id="{2962C3A8-24EA-4FD4-8E0A-15A10F433B35}"/>
+                  </a:ext>
+                </a:extLst>
+              </p:cNvPr>
+              <p:cNvSpPr>
+                <a:spLocks noGrp="1" noRot="1" noChangeAspect="1" noMove="1" noResize="1" noEditPoints="1" noAdjustHandles="1" noChangeArrowheads="1" noChangeShapeType="1" noTextEdit="1"/>
+              </p:cNvSpPr>
+              <p:nvPr>
+                <p:ph idx="1"/>
+              </p:nvPr>
+            </p:nvSpPr>
+            <p:spPr>
+              <a:blipFill>
+                <a:blip r:embed="rId2"/>
+                <a:stretch>
+                  <a:fillRect l="-985"/>
+                </a:stretch>
+              </a:blipFill>
+            </p:spPr>
+            <p:txBody>
+              <a:bodyPr/>
+              <a:lstStyle/>
+              <a:p>
+                <a:r>
+                  <a:rPr lang="es-MX">
+                    <a:noFill/>
+                  </a:rPr>
+                  <a:t> </a:t>
+                </a:r>
+              </a:p>
+            </p:txBody>
+          </p:sp>
+        </mc:Fallback>
+      </mc:AlternateContent>
+    </p:spTree>
+    <p:extLst>
+      <p:ext uri="{BB962C8B-B14F-4D97-AF65-F5344CB8AC3E}">
+        <p14:creationId xmlns:p14="http://schemas.microsoft.com/office/powerpoint/2010/main" val="2443520311"/>
+      </p:ext>
+    </p:extLst>
+  </p:cSld>
+  <p:clrMapOvr>
+    <a:masterClrMapping/>
+  </p:clrMapOvr>
+</p:sld>
+</file>
+
+<file path=ppt/slides/slide6.xml><?xml version="1.0" encoding="utf-8"?>
+<p:sld xmlns:a="http://schemas.openxmlformats.org/drawingml/2006/main" xmlns:r="http://schemas.openxmlformats.org/officeDocument/2006/relationships" xmlns:p="http://schemas.openxmlformats.org/presentationml/2006/main">
+  <p:cSld>
+    <p:spTree>
+      <p:nvGrpSpPr>
+        <p:cNvPr id="1" name=""/>
+        <p:cNvGrpSpPr/>
+        <p:nvPr/>
+      </p:nvGrpSpPr>
+      <p:grpSpPr>
+        <a:xfrm>
+          <a:off x="0" y="0"/>
+          <a:ext cx="0" cy="0"/>
+          <a:chOff x="0" y="0"/>
+          <a:chExt cx="0" cy="0"/>
+        </a:xfrm>
+      </p:grpSpPr>
+      <p:sp>
+        <p:nvSpPr>
+          <p:cNvPr id="2" name="Título 1">
+            <a:extLst>
+              <a:ext uri="{FF2B5EF4-FFF2-40B4-BE49-F238E27FC236}">
+                <a16:creationId xmlns:a16="http://schemas.microsoft.com/office/drawing/2014/main" id="{4E02CCCC-7FBC-4417-BFF7-3BF9EAA363D4}"/>
+              </a:ext>
+            </a:extLst>
+          </p:cNvPr>
+          <p:cNvSpPr>
+            <a:spLocks noGrp="1"/>
+          </p:cNvSpPr>
+          <p:nvPr>
+            <p:ph type="title"/>
+          </p:nvPr>
+        </p:nvSpPr>
+        <p:spPr/>
+        <p:txBody>
+          <a:bodyPr/>
+          <a:lstStyle/>
+          <a:p>
+            <a:r>
+              <a:rPr lang="es-MX" dirty="0"/>
+              <a:t>Solución:</a:t>
+            </a:r>
+          </a:p>
+        </p:txBody>
+      </p:sp>
+      <p:sp>
+        <p:nvSpPr>
+          <p:cNvPr id="3" name="Marcador de contenido 2">
+            <a:extLst>
+              <a:ext uri="{FF2B5EF4-FFF2-40B4-BE49-F238E27FC236}">
+                <a16:creationId xmlns:a16="http://schemas.microsoft.com/office/drawing/2014/main" id="{F3585CB5-4C20-4F47-98EC-AC28AC146C70}"/>
+              </a:ext>
+            </a:extLst>
+          </p:cNvPr>
+          <p:cNvSpPr>
+            <a:spLocks noGrp="1"/>
+          </p:cNvSpPr>
+          <p:nvPr>
+            <p:ph idx="1"/>
+          </p:nvPr>
+        </p:nvSpPr>
+        <p:spPr/>
+        <p:txBody>
+          <a:bodyPr/>
+          <a:lstStyle/>
+          <a:p>
+            <a:endParaRPr lang="es-MX"/>
+          </a:p>
+        </p:txBody>
+      </p:sp>
+    </p:spTree>
+    <p:extLst>
+      <p:ext uri="{BB962C8B-B14F-4D97-AF65-F5344CB8AC3E}">
+        <p14:creationId xmlns:p14="http://schemas.microsoft.com/office/powerpoint/2010/main" val="2030316521"/>
       </p:ext>
     </p:extLst>
   </p:cSld>

--- a/Presentación módulo 3.pptx
+++ b/Presentación módulo 3.pptx
@@ -117,16 +117,55 @@
 </p:presentation>
 </file>
 
-<file path=ppt/revisionInfo.xml><?xml version="1.0" encoding="utf-8"?>
-<p1510:revInfo xmlns:a="http://schemas.openxmlformats.org/drawingml/2006/main" xmlns:r="http://schemas.openxmlformats.org/officeDocument/2006/relationships" xmlns:p1510="http://schemas.microsoft.com/office/powerpoint/2015/10/main">
-  <p1510:revLst>
-    <p1510:client id="{0CC2B96C-8C16-6948-8F5E-71C9436FA720}" v="53" dt="2019-11-28T22:52:32.417"/>
-  </p1510:revLst>
-</p1510:revInfo>
-</file>
-
 <file path=ppt/changesInfos/changesInfo1.xml><?xml version="1.0" encoding="utf-8"?>
 <pc:chgInfo xmlns:a="http://schemas.openxmlformats.org/drawingml/2006/main" xmlns:r="http://schemas.openxmlformats.org/officeDocument/2006/relationships" xmlns:ac="http://schemas.microsoft.com/office/drawing/2013/main/command" xmlns:pc="http://schemas.microsoft.com/office/powerpoint/2013/main/command">
+  <pc:docChgLst>
+    <pc:chgData name="HERNANDEZ GUEVARA, RUBEN" userId="08384712-03f0-464d-8ad7-de766f15b0ea" providerId="ADAL" clId="{89551EF5-BCE1-4DAA-85CF-E8F22E95B5D7}"/>
+    <pc:docChg chg="custSel modSld">
+      <pc:chgData name="HERNANDEZ GUEVARA, RUBEN" userId="08384712-03f0-464d-8ad7-de766f15b0ea" providerId="ADAL" clId="{89551EF5-BCE1-4DAA-85CF-E8F22E95B5D7}" dt="2019-12-01T19:48:22.849" v="15" actId="313"/>
+      <pc:docMkLst>
+        <pc:docMk/>
+      </pc:docMkLst>
+      <pc:sldChg chg="modSp">
+        <pc:chgData name="HERNANDEZ GUEVARA, RUBEN" userId="08384712-03f0-464d-8ad7-de766f15b0ea" providerId="ADAL" clId="{89551EF5-BCE1-4DAA-85CF-E8F22E95B5D7}" dt="2019-12-01T19:48:22.849" v="15" actId="313"/>
+        <pc:sldMkLst>
+          <pc:docMk/>
+          <pc:sldMk cId="1584898864" sldId="256"/>
+        </pc:sldMkLst>
+        <pc:spChg chg="mod">
+          <ac:chgData name="HERNANDEZ GUEVARA, RUBEN" userId="08384712-03f0-464d-8ad7-de766f15b0ea" providerId="ADAL" clId="{89551EF5-BCE1-4DAA-85CF-E8F22E95B5D7}" dt="2019-12-01T19:48:22.849" v="15" actId="313"/>
+          <ac:spMkLst>
+            <pc:docMk/>
+            <pc:sldMk cId="1584898864" sldId="256"/>
+            <ac:spMk id="5" creationId="{A4F6EE36-99F5-C946-8049-AE8DA576B024}"/>
+          </ac:spMkLst>
+        </pc:spChg>
+      </pc:sldChg>
+      <pc:sldChg chg="modSp">
+        <pc:chgData name="HERNANDEZ GUEVARA, RUBEN" userId="08384712-03f0-464d-8ad7-de766f15b0ea" providerId="ADAL" clId="{89551EF5-BCE1-4DAA-85CF-E8F22E95B5D7}" dt="2019-12-01T19:47:22.523" v="2" actId="14100"/>
+        <pc:sldMkLst>
+          <pc:docMk/>
+          <pc:sldMk cId="1621503599" sldId="258"/>
+        </pc:sldMkLst>
+        <pc:spChg chg="mod">
+          <ac:chgData name="HERNANDEZ GUEVARA, RUBEN" userId="08384712-03f0-464d-8ad7-de766f15b0ea" providerId="ADAL" clId="{89551EF5-BCE1-4DAA-85CF-E8F22E95B5D7}" dt="2019-12-01T19:47:16.486" v="0" actId="1076"/>
+          <ac:spMkLst>
+            <pc:docMk/>
+            <pc:sldMk cId="1621503599" sldId="258"/>
+            <ac:spMk id="3" creationId="{D6CB29A0-D6AB-4E53-887C-372C6C3EB72E}"/>
+          </ac:spMkLst>
+        </pc:spChg>
+        <pc:picChg chg="mod">
+          <ac:chgData name="HERNANDEZ GUEVARA, RUBEN" userId="08384712-03f0-464d-8ad7-de766f15b0ea" providerId="ADAL" clId="{89551EF5-BCE1-4DAA-85CF-E8F22E95B5D7}" dt="2019-12-01T19:47:22.523" v="2" actId="14100"/>
+          <ac:picMkLst>
+            <pc:docMk/>
+            <pc:sldMk cId="1621503599" sldId="258"/>
+            <ac:picMk id="5" creationId="{2CF100CA-4F84-4E27-954F-D2E6FA2C87C6}"/>
+          </ac:picMkLst>
+        </pc:picChg>
+      </pc:sldChg>
+    </pc:docChg>
+  </pc:docChgLst>
   <pc:docChgLst>
     <pc:chgData name="CASTELLANOS CISNEROS, MIRIAM" userId="cc3e60e2-d848-4d5e-915b-29679e0a3e96" providerId="ADAL" clId="{0CC2B96C-8C16-6948-8F5E-71C9436FA720}"/>
     <pc:docChg chg="undo custSel mod addSld delSld modSld">
@@ -575,7 +614,7 @@
           <a:p>
             <a:fld id="{3A98EE3D-8CD1-4C3F-BD1C-C98C9596463C}" type="slidenum">
               <a:rPr lang="en-US" smtClean="0"/>
-              <a:t>‹Nº›</a:t>
+              <a:t>‹#›</a:t>
             </a:fld>
             <a:endParaRPr lang="en-US" dirty="0"/>
           </a:p>
@@ -867,7 +906,7 @@
           <a:p>
             <a:fld id="{3A98EE3D-8CD1-4C3F-BD1C-C98C9596463C}" type="slidenum">
               <a:rPr lang="en-US" smtClean="0"/>
-              <a:t>‹Nº›</a:t>
+              <a:t>‹#›</a:t>
             </a:fld>
             <a:endParaRPr lang="en-US" dirty="0"/>
           </a:p>
@@ -1127,7 +1166,7 @@
           <a:p>
             <a:fld id="{3A98EE3D-8CD1-4C3F-BD1C-C98C9596463C}" type="slidenum">
               <a:rPr lang="en-US" smtClean="0"/>
-              <a:t>‹Nº›</a:t>
+              <a:t>‹#›</a:t>
             </a:fld>
             <a:endParaRPr lang="en-US" dirty="0"/>
           </a:p>
@@ -1597,7 +1636,7 @@
           <a:p>
             <a:fld id="{3A98EE3D-8CD1-4C3F-BD1C-C98C9596463C}" type="slidenum">
               <a:rPr lang="en-US" smtClean="0"/>
-              <a:t>‹Nº›</a:t>
+              <a:t>‹#›</a:t>
             </a:fld>
             <a:endParaRPr lang="en-US" dirty="0"/>
           </a:p>
@@ -1778,7 +1817,7 @@
           <a:p>
             <a:fld id="{3A98EE3D-8CD1-4C3F-BD1C-C98C9596463C}" type="slidenum">
               <a:rPr lang="en-US" smtClean="0"/>
-              <a:t>‹Nº›</a:t>
+              <a:t>‹#›</a:t>
             </a:fld>
             <a:endParaRPr lang="en-US" dirty="0"/>
           </a:p>
@@ -2355,7 +2394,7 @@
           <a:p>
             <a:fld id="{3A98EE3D-8CD1-4C3F-BD1C-C98C9596463C}" type="slidenum">
               <a:rPr lang="en-US" smtClean="0"/>
-              <a:t>‹Nº›</a:t>
+              <a:t>‹#›</a:t>
             </a:fld>
             <a:endParaRPr lang="en-US" dirty="0"/>
           </a:p>
@@ -2688,7 +2727,7 @@
           <a:p>
             <a:fld id="{3A98EE3D-8CD1-4C3F-BD1C-C98C9596463C}" type="slidenum">
               <a:rPr lang="en-US" smtClean="0"/>
-              <a:t>‹Nº›</a:t>
+              <a:t>‹#›</a:t>
             </a:fld>
             <a:endParaRPr lang="en-US" dirty="0"/>
           </a:p>
@@ -2864,7 +2903,7 @@
           <a:p>
             <a:fld id="{3A98EE3D-8CD1-4C3F-BD1C-C98C9596463C}" type="slidenum">
               <a:rPr lang="en-US" smtClean="0"/>
-              <a:t>‹Nº›</a:t>
+              <a:t>‹#›</a:t>
             </a:fld>
             <a:endParaRPr lang="en-US" dirty="0"/>
           </a:p>
@@ -3045,7 +3084,7 @@
           <a:p>
             <a:fld id="{3A98EE3D-8CD1-4C3F-BD1C-C98C9596463C}" type="slidenum">
               <a:rPr lang="en-US" smtClean="0"/>
-              <a:t>‹Nº›</a:t>
+              <a:t>‹#›</a:t>
             </a:fld>
             <a:endParaRPr lang="en-US" dirty="0"/>
           </a:p>
@@ -3216,7 +3255,7 @@
           <a:p>
             <a:fld id="{3A98EE3D-8CD1-4C3F-BD1C-C98C9596463C}" type="slidenum">
               <a:rPr lang="en-US" smtClean="0"/>
-              <a:t>‹Nº›</a:t>
+              <a:t>‹#›</a:t>
             </a:fld>
             <a:endParaRPr lang="en-US" dirty="0"/>
           </a:p>
@@ -3474,7 +3513,7 @@
           <a:p>
             <a:fld id="{3A98EE3D-8CD1-4C3F-BD1C-C98C9596463C}" type="slidenum">
               <a:rPr lang="en-US" smtClean="0"/>
-              <a:t>‹Nº›</a:t>
+              <a:t>‹#›</a:t>
             </a:fld>
             <a:endParaRPr lang="en-US" dirty="0"/>
           </a:p>
@@ -3767,7 +3806,7 @@
           <a:p>
             <a:fld id="{3A98EE3D-8CD1-4C3F-BD1C-C98C9596463C}" type="slidenum">
               <a:rPr lang="en-US" smtClean="0"/>
-              <a:t>‹Nº›</a:t>
+              <a:t>‹#›</a:t>
             </a:fld>
             <a:endParaRPr lang="en-US" dirty="0"/>
           </a:p>
@@ -4198,7 +4237,7 @@
           <a:p>
             <a:fld id="{3A98EE3D-8CD1-4C3F-BD1C-C98C9596463C}" type="slidenum">
               <a:rPr lang="en-US" smtClean="0"/>
-              <a:t>‹Nº›</a:t>
+              <a:t>‹#›</a:t>
             </a:fld>
             <a:endParaRPr lang="en-US" dirty="0"/>
           </a:p>
@@ -4317,7 +4356,7 @@
           <a:p>
             <a:fld id="{3A98EE3D-8CD1-4C3F-BD1C-C98C9596463C}" type="slidenum">
               <a:rPr lang="en-US" smtClean="0"/>
-              <a:t>‹Nº›</a:t>
+              <a:t>‹#›</a:t>
             </a:fld>
             <a:endParaRPr lang="en-US" dirty="0"/>
           </a:p>
@@ -4413,7 +4452,7 @@
           <a:p>
             <a:fld id="{3A98EE3D-8CD1-4C3F-BD1C-C98C9596463C}" type="slidenum">
               <a:rPr lang="en-US" smtClean="0"/>
-              <a:t>‹Nº›</a:t>
+              <a:t>‹#›</a:t>
             </a:fld>
             <a:endParaRPr lang="en-US" dirty="0"/>
           </a:p>
@@ -4697,7 +4736,7 @@
           <a:p>
             <a:fld id="{3A98EE3D-8CD1-4C3F-BD1C-C98C9596463C}" type="slidenum">
               <a:rPr lang="en-US" smtClean="0"/>
-              <a:t>‹Nº›</a:t>
+              <a:t>‹#›</a:t>
             </a:fld>
             <a:endParaRPr lang="en-US" dirty="0"/>
           </a:p>
@@ -4999,7 +5038,7 @@
           <a:p>
             <a:fld id="{3A98EE3D-8CD1-4C3F-BD1C-C98C9596463C}" type="slidenum">
               <a:rPr lang="en-US" smtClean="0"/>
-              <a:t>‹Nº›</a:t>
+              <a:t>‹#›</a:t>
             </a:fld>
             <a:endParaRPr lang="en-US" dirty="0"/>
           </a:p>
@@ -5273,7 +5312,7 @@
           <a:p>
             <a:fld id="{3A98EE3D-8CD1-4C3F-BD1C-C98C9596463C}" type="slidenum">
               <a:rPr lang="en-US" smtClean="0"/>
-              <a:t>‹Nº›</a:t>
+              <a:t>‹#›</a:t>
             </a:fld>
             <a:endParaRPr lang="en-US" dirty="0"/>
           </a:p>
@@ -6498,7 +6537,7 @@
             <a:pPr algn="l"/>
             <a:r>
               <a:rPr lang="es-MX" dirty="0"/>
-              <a:t>Ruben Hernández guevara</a:t>
+              <a:t>Rubén Hernández guevara</a:t>
             </a:r>
           </a:p>
           <a:p>
@@ -6775,8 +6814,8 @@
           </a:p>
         </p:txBody>
       </p:sp>
-      <mc:AlternateContent xmlns:mc="http://schemas.openxmlformats.org/markup-compatibility/2006" xmlns:a14="http://schemas.microsoft.com/office/drawing/2010/main">
-        <mc:Choice Requires="a14">
+      <mc:AlternateContent xmlns:mc="http://schemas.openxmlformats.org/markup-compatibility/2006">
+        <mc:Choice xmlns:a14="http://schemas.microsoft.com/office/drawing/2010/main" Requires="a14">
           <p:sp>
             <p:nvSpPr>
               <p:cNvPr id="3" name="Marcador de contenido 2">
@@ -6795,7 +6834,7 @@
             </p:nvSpPr>
             <p:spPr>
               <a:xfrm>
-                <a:off x="1141413" y="1752599"/>
+                <a:off x="860060" y="1732669"/>
                 <a:ext cx="9905998" cy="3124201"/>
               </a:xfrm>
             </p:spPr>
@@ -7371,7 +7410,7 @@
             </p:txBody>
           </p:sp>
         </mc:Choice>
-        <mc:Fallback xmlns="">
+        <mc:Fallback>
           <p:sp>
             <p:nvSpPr>
               <p:cNvPr id="3" name="Marcador de contenido 2">
@@ -7390,7 +7429,7 @@
             </p:nvSpPr>
             <p:spPr>
               <a:xfrm>
-                <a:off x="1141413" y="1752599"/>
+                <a:off x="860060" y="1732669"/>
                 <a:ext cx="9905998" cy="3124201"/>
               </a:xfrm>
               <a:blipFill>
@@ -7437,8 +7476,8 @@
         </p:blipFill>
         <p:spPr>
           <a:xfrm>
-            <a:off x="8482819" y="3657599"/>
-            <a:ext cx="3208068" cy="2609062"/>
+            <a:off x="7821637" y="3119872"/>
+            <a:ext cx="4093698" cy="3329328"/>
           </a:xfrm>
           <a:prstGeom prst="rect">
             <a:avLst/>
@@ -7503,8 +7542,8 @@
           </a:p>
         </p:txBody>
       </p:sp>
-      <mc:AlternateContent xmlns:mc="http://schemas.openxmlformats.org/markup-compatibility/2006">
-        <mc:Choice xmlns:a14="http://schemas.microsoft.com/office/drawing/2010/main" Requires="a14">
+      <mc:AlternateContent xmlns:mc="http://schemas.openxmlformats.org/markup-compatibility/2006" xmlns:a14="http://schemas.microsoft.com/office/drawing/2010/main">
+        <mc:Choice Requires="a14">
           <p:sp>
             <p:nvSpPr>
               <p:cNvPr id="3" name="Marcador de contenido 2">
@@ -7667,7 +7706,7 @@
             </p:txBody>
           </p:sp>
         </mc:Choice>
-        <mc:Fallback>
+        <mc:Fallback xmlns="">
           <p:sp>
             <p:nvSpPr>
               <p:cNvPr id="3" name="Marcador de contenido 2">

--- a/Presentación módulo 3.pptx
+++ b/Presentación módulo 3.pptx
@@ -11,6 +11,9 @@
     <p:sldId id="258" r:id="rId5"/>
     <p:sldId id="259" r:id="rId6"/>
     <p:sldId id="261" r:id="rId7"/>
+    <p:sldId id="262" r:id="rId8"/>
+    <p:sldId id="263" r:id="rId9"/>
+    <p:sldId id="264" r:id="rId10"/>
   </p:sldIdLst>
   <p:sldSz cx="12192000" cy="6858000"/>
   <p:notesSz cx="6858000" cy="9144000"/>
@@ -614,7 +617,7 @@
           <a:p>
             <a:fld id="{3A98EE3D-8CD1-4C3F-BD1C-C98C9596463C}" type="slidenum">
               <a:rPr lang="en-US" smtClean="0"/>
-              <a:t>‹#›</a:t>
+              <a:t>‹Nº›</a:t>
             </a:fld>
             <a:endParaRPr lang="en-US" dirty="0"/>
           </a:p>
@@ -906,7 +909,7 @@
           <a:p>
             <a:fld id="{3A98EE3D-8CD1-4C3F-BD1C-C98C9596463C}" type="slidenum">
               <a:rPr lang="en-US" smtClean="0"/>
-              <a:t>‹#›</a:t>
+              <a:t>‹Nº›</a:t>
             </a:fld>
             <a:endParaRPr lang="en-US" dirty="0"/>
           </a:p>
@@ -1166,7 +1169,7 @@
           <a:p>
             <a:fld id="{3A98EE3D-8CD1-4C3F-BD1C-C98C9596463C}" type="slidenum">
               <a:rPr lang="en-US" smtClean="0"/>
-              <a:t>‹#›</a:t>
+              <a:t>‹Nº›</a:t>
             </a:fld>
             <a:endParaRPr lang="en-US" dirty="0"/>
           </a:p>
@@ -1636,7 +1639,7 @@
           <a:p>
             <a:fld id="{3A98EE3D-8CD1-4C3F-BD1C-C98C9596463C}" type="slidenum">
               <a:rPr lang="en-US" smtClean="0"/>
-              <a:t>‹#›</a:t>
+              <a:t>‹Nº›</a:t>
             </a:fld>
             <a:endParaRPr lang="en-US" dirty="0"/>
           </a:p>
@@ -1817,7 +1820,7 @@
           <a:p>
             <a:fld id="{3A98EE3D-8CD1-4C3F-BD1C-C98C9596463C}" type="slidenum">
               <a:rPr lang="en-US" smtClean="0"/>
-              <a:t>‹#›</a:t>
+              <a:t>‹Nº›</a:t>
             </a:fld>
             <a:endParaRPr lang="en-US" dirty="0"/>
           </a:p>
@@ -2394,7 +2397,7 @@
           <a:p>
             <a:fld id="{3A98EE3D-8CD1-4C3F-BD1C-C98C9596463C}" type="slidenum">
               <a:rPr lang="en-US" smtClean="0"/>
-              <a:t>‹#›</a:t>
+              <a:t>‹Nº›</a:t>
             </a:fld>
             <a:endParaRPr lang="en-US" dirty="0"/>
           </a:p>
@@ -2727,7 +2730,7 @@
           <a:p>
             <a:fld id="{3A98EE3D-8CD1-4C3F-BD1C-C98C9596463C}" type="slidenum">
               <a:rPr lang="en-US" smtClean="0"/>
-              <a:t>‹#›</a:t>
+              <a:t>‹Nº›</a:t>
             </a:fld>
             <a:endParaRPr lang="en-US" dirty="0"/>
           </a:p>
@@ -2903,7 +2906,7 @@
           <a:p>
             <a:fld id="{3A98EE3D-8CD1-4C3F-BD1C-C98C9596463C}" type="slidenum">
               <a:rPr lang="en-US" smtClean="0"/>
-              <a:t>‹#›</a:t>
+              <a:t>‹Nº›</a:t>
             </a:fld>
             <a:endParaRPr lang="en-US" dirty="0"/>
           </a:p>
@@ -3084,7 +3087,7 @@
           <a:p>
             <a:fld id="{3A98EE3D-8CD1-4C3F-BD1C-C98C9596463C}" type="slidenum">
               <a:rPr lang="en-US" smtClean="0"/>
-              <a:t>‹#›</a:t>
+              <a:t>‹Nº›</a:t>
             </a:fld>
             <a:endParaRPr lang="en-US" dirty="0"/>
           </a:p>
@@ -3255,7 +3258,7 @@
           <a:p>
             <a:fld id="{3A98EE3D-8CD1-4C3F-BD1C-C98C9596463C}" type="slidenum">
               <a:rPr lang="en-US" smtClean="0"/>
-              <a:t>‹#›</a:t>
+              <a:t>‹Nº›</a:t>
             </a:fld>
             <a:endParaRPr lang="en-US" dirty="0"/>
           </a:p>
@@ -3513,7 +3516,7 @@
           <a:p>
             <a:fld id="{3A98EE3D-8CD1-4C3F-BD1C-C98C9596463C}" type="slidenum">
               <a:rPr lang="en-US" smtClean="0"/>
-              <a:t>‹#›</a:t>
+              <a:t>‹Nº›</a:t>
             </a:fld>
             <a:endParaRPr lang="en-US" dirty="0"/>
           </a:p>
@@ -3806,7 +3809,7 @@
           <a:p>
             <a:fld id="{3A98EE3D-8CD1-4C3F-BD1C-C98C9596463C}" type="slidenum">
               <a:rPr lang="en-US" smtClean="0"/>
-              <a:t>‹#›</a:t>
+              <a:t>‹Nº›</a:t>
             </a:fld>
             <a:endParaRPr lang="en-US" dirty="0"/>
           </a:p>
@@ -4237,7 +4240,7 @@
           <a:p>
             <a:fld id="{3A98EE3D-8CD1-4C3F-BD1C-C98C9596463C}" type="slidenum">
               <a:rPr lang="en-US" smtClean="0"/>
-              <a:t>‹#›</a:t>
+              <a:t>‹Nº›</a:t>
             </a:fld>
             <a:endParaRPr lang="en-US" dirty="0"/>
           </a:p>
@@ -4356,7 +4359,7 @@
           <a:p>
             <a:fld id="{3A98EE3D-8CD1-4C3F-BD1C-C98C9596463C}" type="slidenum">
               <a:rPr lang="en-US" smtClean="0"/>
-              <a:t>‹#›</a:t>
+              <a:t>‹Nº›</a:t>
             </a:fld>
             <a:endParaRPr lang="en-US" dirty="0"/>
           </a:p>
@@ -4452,7 +4455,7 @@
           <a:p>
             <a:fld id="{3A98EE3D-8CD1-4C3F-BD1C-C98C9596463C}" type="slidenum">
               <a:rPr lang="en-US" smtClean="0"/>
-              <a:t>‹#›</a:t>
+              <a:t>‹Nº›</a:t>
             </a:fld>
             <a:endParaRPr lang="en-US" dirty="0"/>
           </a:p>
@@ -4736,7 +4739,7 @@
           <a:p>
             <a:fld id="{3A98EE3D-8CD1-4C3F-BD1C-C98C9596463C}" type="slidenum">
               <a:rPr lang="en-US" smtClean="0"/>
-              <a:t>‹#›</a:t>
+              <a:t>‹Nº›</a:t>
             </a:fld>
             <a:endParaRPr lang="en-US" dirty="0"/>
           </a:p>
@@ -5038,7 +5041,7 @@
           <a:p>
             <a:fld id="{3A98EE3D-8CD1-4C3F-BD1C-C98C9596463C}" type="slidenum">
               <a:rPr lang="en-US" smtClean="0"/>
-              <a:t>‹#›</a:t>
+              <a:t>‹Nº›</a:t>
             </a:fld>
             <a:endParaRPr lang="en-US" dirty="0"/>
           </a:p>
@@ -5312,7 +5315,7 @@
           <a:p>
             <a:fld id="{3A98EE3D-8CD1-4C3F-BD1C-C98C9596463C}" type="slidenum">
               <a:rPr lang="en-US" smtClean="0"/>
-              <a:t>‹#›</a:t>
+              <a:t>‹Nº›</a:t>
             </a:fld>
             <a:endParaRPr lang="en-US" dirty="0"/>
           </a:p>
@@ -6814,8 +6817,8 @@
           </a:p>
         </p:txBody>
       </p:sp>
-      <mc:AlternateContent xmlns:mc="http://schemas.openxmlformats.org/markup-compatibility/2006">
-        <mc:Choice xmlns:a14="http://schemas.microsoft.com/office/drawing/2010/main" Requires="a14">
+      <mc:AlternateContent xmlns:mc="http://schemas.openxmlformats.org/markup-compatibility/2006" xmlns:a14="http://schemas.microsoft.com/office/drawing/2010/main">
+        <mc:Choice Requires="a14">
           <p:sp>
             <p:nvSpPr>
               <p:cNvPr id="3" name="Marcador de contenido 2">
@@ -7410,7 +7413,7 @@
             </p:txBody>
           </p:sp>
         </mc:Choice>
-        <mc:Fallback>
+        <mc:Fallback xmlns="">
           <p:sp>
             <p:nvSpPr>
               <p:cNvPr id="3" name="Marcador de contenido 2">
@@ -7833,6 +7836,255 @@
     <p:extLst>
       <p:ext uri="{BB962C8B-B14F-4D97-AF65-F5344CB8AC3E}">
         <p14:creationId xmlns:p14="http://schemas.microsoft.com/office/powerpoint/2010/main" val="2030316521"/>
+      </p:ext>
+    </p:extLst>
+  </p:cSld>
+  <p:clrMapOvr>
+    <a:masterClrMapping/>
+  </p:clrMapOvr>
+</p:sld>
+</file>
+
+<file path=ppt/slides/slide7.xml><?xml version="1.0" encoding="utf-8"?>
+<p:sld xmlns:a="http://schemas.openxmlformats.org/drawingml/2006/main" xmlns:r="http://schemas.openxmlformats.org/officeDocument/2006/relationships" xmlns:p="http://schemas.openxmlformats.org/presentationml/2006/main">
+  <p:cSld>
+    <p:spTree>
+      <p:nvGrpSpPr>
+        <p:cNvPr id="1" name=""/>
+        <p:cNvGrpSpPr/>
+        <p:nvPr/>
+      </p:nvGrpSpPr>
+      <p:grpSpPr>
+        <a:xfrm>
+          <a:off x="0" y="0"/>
+          <a:ext cx="0" cy="0"/>
+          <a:chOff x="0" y="0"/>
+          <a:chExt cx="0" cy="0"/>
+        </a:xfrm>
+      </p:grpSpPr>
+      <p:sp>
+        <p:nvSpPr>
+          <p:cNvPr id="2" name="Título 1">
+            <a:extLst>
+              <a:ext uri="{FF2B5EF4-FFF2-40B4-BE49-F238E27FC236}">
+                <a16:creationId xmlns:a16="http://schemas.microsoft.com/office/drawing/2014/main" id="{4446BB12-80D3-452F-86D0-2FF1E3F2338D}"/>
+              </a:ext>
+            </a:extLst>
+          </p:cNvPr>
+          <p:cNvSpPr>
+            <a:spLocks noGrp="1"/>
+          </p:cNvSpPr>
+          <p:nvPr>
+            <p:ph type="title"/>
+          </p:nvPr>
+        </p:nvSpPr>
+        <p:spPr/>
+        <p:txBody>
+          <a:bodyPr/>
+          <a:lstStyle/>
+          <a:p>
+            <a:r>
+              <a:rPr lang="es-MX" dirty="0"/>
+              <a:t>Visualización:</a:t>
+            </a:r>
+          </a:p>
+        </p:txBody>
+      </p:sp>
+      <p:sp>
+        <p:nvSpPr>
+          <p:cNvPr id="3" name="Marcador de contenido 2">
+            <a:extLst>
+              <a:ext uri="{FF2B5EF4-FFF2-40B4-BE49-F238E27FC236}">
+                <a16:creationId xmlns:a16="http://schemas.microsoft.com/office/drawing/2014/main" id="{33038E93-6EFC-433B-B066-DBA80CA6C37D}"/>
+              </a:ext>
+            </a:extLst>
+          </p:cNvPr>
+          <p:cNvSpPr>
+            <a:spLocks noGrp="1"/>
+          </p:cNvSpPr>
+          <p:nvPr>
+            <p:ph idx="1"/>
+          </p:nvPr>
+        </p:nvSpPr>
+        <p:spPr/>
+        <p:txBody>
+          <a:bodyPr/>
+          <a:lstStyle/>
+          <a:p>
+            <a:endParaRPr lang="es-MX"/>
+          </a:p>
+        </p:txBody>
+      </p:sp>
+    </p:spTree>
+    <p:extLst>
+      <p:ext uri="{BB962C8B-B14F-4D97-AF65-F5344CB8AC3E}">
+        <p14:creationId xmlns:p14="http://schemas.microsoft.com/office/powerpoint/2010/main" val="2348170608"/>
+      </p:ext>
+    </p:extLst>
+  </p:cSld>
+  <p:clrMapOvr>
+    <a:masterClrMapping/>
+  </p:clrMapOvr>
+</p:sld>
+</file>
+
+<file path=ppt/slides/slide8.xml><?xml version="1.0" encoding="utf-8"?>
+<p:sld xmlns:a="http://schemas.openxmlformats.org/drawingml/2006/main" xmlns:r="http://schemas.openxmlformats.org/officeDocument/2006/relationships" xmlns:p="http://schemas.openxmlformats.org/presentationml/2006/main">
+  <p:cSld>
+    <p:spTree>
+      <p:nvGrpSpPr>
+        <p:cNvPr id="1" name=""/>
+        <p:cNvGrpSpPr/>
+        <p:nvPr/>
+      </p:nvGrpSpPr>
+      <p:grpSpPr>
+        <a:xfrm>
+          <a:off x="0" y="0"/>
+          <a:ext cx="0" cy="0"/>
+          <a:chOff x="0" y="0"/>
+          <a:chExt cx="0" cy="0"/>
+        </a:xfrm>
+      </p:grpSpPr>
+      <p:sp>
+        <p:nvSpPr>
+          <p:cNvPr id="2" name="Título 1">
+            <a:extLst>
+              <a:ext uri="{FF2B5EF4-FFF2-40B4-BE49-F238E27FC236}">
+                <a16:creationId xmlns:a16="http://schemas.microsoft.com/office/drawing/2014/main" id="{B1B45FFF-A0C2-40ED-A784-445AE4038CD2}"/>
+              </a:ext>
+            </a:extLst>
+          </p:cNvPr>
+          <p:cNvSpPr>
+            <a:spLocks noGrp="1"/>
+          </p:cNvSpPr>
+          <p:nvPr>
+            <p:ph type="title"/>
+          </p:nvPr>
+        </p:nvSpPr>
+        <p:spPr/>
+        <p:txBody>
+          <a:bodyPr/>
+          <a:lstStyle/>
+          <a:p>
+            <a:r>
+              <a:rPr lang="es-MX" dirty="0"/>
+              <a:t>conclusión</a:t>
+            </a:r>
+          </a:p>
+        </p:txBody>
+      </p:sp>
+      <p:sp>
+        <p:nvSpPr>
+          <p:cNvPr id="3" name="Marcador de contenido 2">
+            <a:extLst>
+              <a:ext uri="{FF2B5EF4-FFF2-40B4-BE49-F238E27FC236}">
+                <a16:creationId xmlns:a16="http://schemas.microsoft.com/office/drawing/2014/main" id="{822DF433-3AD3-403C-A38C-B587BEED1FB5}"/>
+              </a:ext>
+            </a:extLst>
+          </p:cNvPr>
+          <p:cNvSpPr>
+            <a:spLocks noGrp="1"/>
+          </p:cNvSpPr>
+          <p:nvPr>
+            <p:ph idx="1"/>
+          </p:nvPr>
+        </p:nvSpPr>
+        <p:spPr/>
+        <p:txBody>
+          <a:bodyPr/>
+          <a:lstStyle/>
+          <a:p>
+            <a:endParaRPr lang="es-MX"/>
+          </a:p>
+        </p:txBody>
+      </p:sp>
+    </p:spTree>
+    <p:extLst>
+      <p:ext uri="{BB962C8B-B14F-4D97-AF65-F5344CB8AC3E}">
+        <p14:creationId xmlns:p14="http://schemas.microsoft.com/office/powerpoint/2010/main" val="745074821"/>
+      </p:ext>
+    </p:extLst>
+  </p:cSld>
+  <p:clrMapOvr>
+    <a:masterClrMapping/>
+  </p:clrMapOvr>
+</p:sld>
+</file>
+
+<file path=ppt/slides/slide9.xml><?xml version="1.0" encoding="utf-8"?>
+<p:sld xmlns:a="http://schemas.openxmlformats.org/drawingml/2006/main" xmlns:r="http://schemas.openxmlformats.org/officeDocument/2006/relationships" xmlns:p="http://schemas.openxmlformats.org/presentationml/2006/main">
+  <p:cSld>
+    <p:spTree>
+      <p:nvGrpSpPr>
+        <p:cNvPr id="1" name=""/>
+        <p:cNvGrpSpPr/>
+        <p:nvPr/>
+      </p:nvGrpSpPr>
+      <p:grpSpPr>
+        <a:xfrm>
+          <a:off x="0" y="0"/>
+          <a:ext cx="0" cy="0"/>
+          <a:chOff x="0" y="0"/>
+          <a:chExt cx="0" cy="0"/>
+        </a:xfrm>
+      </p:grpSpPr>
+      <p:sp>
+        <p:nvSpPr>
+          <p:cNvPr id="2" name="Título 1">
+            <a:extLst>
+              <a:ext uri="{FF2B5EF4-FFF2-40B4-BE49-F238E27FC236}">
+                <a16:creationId xmlns:a16="http://schemas.microsoft.com/office/drawing/2014/main" id="{47E6FFF6-2115-4C79-8895-66A7C1BF5119}"/>
+              </a:ext>
+            </a:extLst>
+          </p:cNvPr>
+          <p:cNvSpPr>
+            <a:spLocks noGrp="1"/>
+          </p:cNvSpPr>
+          <p:nvPr>
+            <p:ph type="title"/>
+          </p:nvPr>
+        </p:nvSpPr>
+        <p:spPr/>
+        <p:txBody>
+          <a:bodyPr/>
+          <a:lstStyle/>
+          <a:p>
+            <a:r>
+              <a:rPr lang="es-MX" dirty="0"/>
+              <a:t>Bibliografía:</a:t>
+            </a:r>
+          </a:p>
+        </p:txBody>
+      </p:sp>
+      <p:sp>
+        <p:nvSpPr>
+          <p:cNvPr id="3" name="Marcador de contenido 2">
+            <a:extLst>
+              <a:ext uri="{FF2B5EF4-FFF2-40B4-BE49-F238E27FC236}">
+                <a16:creationId xmlns:a16="http://schemas.microsoft.com/office/drawing/2014/main" id="{3AE749AC-896E-406D-BE8A-A786DA7069DC}"/>
+              </a:ext>
+            </a:extLst>
+          </p:cNvPr>
+          <p:cNvSpPr>
+            <a:spLocks noGrp="1"/>
+          </p:cNvSpPr>
+          <p:nvPr>
+            <p:ph idx="1"/>
+          </p:nvPr>
+        </p:nvSpPr>
+        <p:spPr/>
+        <p:txBody>
+          <a:bodyPr/>
+          <a:lstStyle/>
+          <a:p>
+            <a:endParaRPr lang="es-MX"/>
+          </a:p>
+        </p:txBody>
+      </p:sp>
+    </p:spTree>
+    <p:extLst>
+      <p:ext uri="{BB962C8B-B14F-4D97-AF65-F5344CB8AC3E}">
+        <p14:creationId xmlns:p14="http://schemas.microsoft.com/office/powerpoint/2010/main" val="1147627252"/>
       </p:ext>
     </p:extLst>
   </p:cSld>

--- a/Presentación módulo 3.pptx
+++ b/Presentación módulo 3.pptx
@@ -12,8 +12,11 @@
     <p:sldId id="259" r:id="rId6"/>
     <p:sldId id="261" r:id="rId7"/>
     <p:sldId id="262" r:id="rId8"/>
-    <p:sldId id="263" r:id="rId9"/>
-    <p:sldId id="264" r:id="rId10"/>
+    <p:sldId id="265" r:id="rId9"/>
+    <p:sldId id="266" r:id="rId10"/>
+    <p:sldId id="267" r:id="rId11"/>
+    <p:sldId id="263" r:id="rId12"/>
+    <p:sldId id="264" r:id="rId13"/>
   </p:sldIdLst>
   <p:sldSz cx="12192000" cy="6858000"/>
   <p:notesSz cx="6858000" cy="9144000"/>
@@ -6559,6 +6562,345 @@
     <p:extLst>
       <p:ext uri="{BB962C8B-B14F-4D97-AF65-F5344CB8AC3E}">
         <p14:creationId xmlns:p14="http://schemas.microsoft.com/office/powerpoint/2010/main" val="1584898864"/>
+      </p:ext>
+    </p:extLst>
+  </p:cSld>
+  <p:clrMapOvr>
+    <a:masterClrMapping/>
+  </p:clrMapOvr>
+</p:sld>
+</file>
+
+<file path=ppt/slides/slide10.xml><?xml version="1.0" encoding="utf-8"?>
+<p:sld xmlns:a="http://schemas.openxmlformats.org/drawingml/2006/main" xmlns:r="http://schemas.openxmlformats.org/officeDocument/2006/relationships" xmlns:p="http://schemas.openxmlformats.org/presentationml/2006/main">
+  <p:cSld>
+    <p:spTree>
+      <p:nvGrpSpPr>
+        <p:cNvPr id="1" name=""/>
+        <p:cNvGrpSpPr/>
+        <p:nvPr/>
+      </p:nvGrpSpPr>
+      <p:grpSpPr>
+        <a:xfrm>
+          <a:off x="0" y="0"/>
+          <a:ext cx="0" cy="0"/>
+          <a:chOff x="0" y="0"/>
+          <a:chExt cx="0" cy="0"/>
+        </a:xfrm>
+      </p:grpSpPr>
+      <p:sp>
+        <p:nvSpPr>
+          <p:cNvPr id="2" name="Título 1">
+            <a:extLst>
+              <a:ext uri="{FF2B5EF4-FFF2-40B4-BE49-F238E27FC236}">
+                <a16:creationId xmlns:a16="http://schemas.microsoft.com/office/drawing/2014/main" id="{486787EA-34B2-4FA6-9C5A-CAD89B426C9C}"/>
+              </a:ext>
+            </a:extLst>
+          </p:cNvPr>
+          <p:cNvSpPr>
+            <a:spLocks noGrp="1"/>
+          </p:cNvSpPr>
+          <p:nvPr>
+            <p:ph type="title"/>
+          </p:nvPr>
+        </p:nvSpPr>
+        <p:spPr/>
+        <p:txBody>
+          <a:bodyPr/>
+          <a:lstStyle/>
+          <a:p>
+            <a:r>
+              <a:rPr lang="es-MX" dirty="0"/>
+              <a:t>Comparativa de la solución analítica y la solución numérica dada por Python.</a:t>
+            </a:r>
+          </a:p>
+        </p:txBody>
+      </p:sp>
+      <p:pic>
+        <p:nvPicPr>
+          <p:cNvPr id="3" name="Imagen 2">
+            <a:extLst>
+              <a:ext uri="{FF2B5EF4-FFF2-40B4-BE49-F238E27FC236}">
+                <a16:creationId xmlns:a16="http://schemas.microsoft.com/office/drawing/2014/main" id="{A996F0C4-D398-4EE0-9E93-C0EB177FE4AF}"/>
+              </a:ext>
+            </a:extLst>
+          </p:cNvPr>
+          <p:cNvPicPr>
+            <a:picLocks noChangeAspect="1"/>
+          </p:cNvPicPr>
+          <p:nvPr/>
+        </p:nvPicPr>
+        <p:blipFill>
+          <a:blip r:embed="rId2"/>
+          <a:stretch>
+            <a:fillRect/>
+          </a:stretch>
+        </p:blipFill>
+        <p:spPr>
+          <a:xfrm>
+            <a:off x="754108" y="2318727"/>
+            <a:ext cx="4944165" cy="3486637"/>
+          </a:xfrm>
+          <a:prstGeom prst="rect">
+            <a:avLst/>
+          </a:prstGeom>
+        </p:spPr>
+      </p:pic>
+      <p:pic>
+        <p:nvPicPr>
+          <p:cNvPr id="4" name="Imagen 3">
+            <a:extLst>
+              <a:ext uri="{FF2B5EF4-FFF2-40B4-BE49-F238E27FC236}">
+                <a16:creationId xmlns:a16="http://schemas.microsoft.com/office/drawing/2014/main" id="{B5D4B34E-30D8-422E-B3B1-A0538FA0C49B}"/>
+              </a:ext>
+            </a:extLst>
+          </p:cNvPr>
+          <p:cNvPicPr>
+            <a:picLocks noChangeAspect="1"/>
+          </p:cNvPicPr>
+          <p:nvPr/>
+        </p:nvPicPr>
+        <p:blipFill>
+          <a:blip r:embed="rId3"/>
+          <a:stretch>
+            <a:fillRect/>
+          </a:stretch>
+        </p:blipFill>
+        <p:spPr>
+          <a:xfrm>
+            <a:off x="5996023" y="2483348"/>
+            <a:ext cx="4753638" cy="3353268"/>
+          </a:xfrm>
+          <a:prstGeom prst="rect">
+            <a:avLst/>
+          </a:prstGeom>
+        </p:spPr>
+      </p:pic>
+    </p:spTree>
+    <p:extLst>
+      <p:ext uri="{BB962C8B-B14F-4D97-AF65-F5344CB8AC3E}">
+        <p14:creationId xmlns:p14="http://schemas.microsoft.com/office/powerpoint/2010/main" val="1512784384"/>
+      </p:ext>
+    </p:extLst>
+  </p:cSld>
+  <p:clrMapOvr>
+    <a:masterClrMapping/>
+  </p:clrMapOvr>
+</p:sld>
+</file>
+
+<file path=ppt/slides/slide11.xml><?xml version="1.0" encoding="utf-8"?>
+<p:sld xmlns:a="http://schemas.openxmlformats.org/drawingml/2006/main" xmlns:r="http://schemas.openxmlformats.org/officeDocument/2006/relationships" xmlns:p="http://schemas.openxmlformats.org/presentationml/2006/main">
+  <p:cSld>
+    <p:spTree>
+      <p:nvGrpSpPr>
+        <p:cNvPr id="1" name=""/>
+        <p:cNvGrpSpPr/>
+        <p:nvPr/>
+      </p:nvGrpSpPr>
+      <p:grpSpPr>
+        <a:xfrm>
+          <a:off x="0" y="0"/>
+          <a:ext cx="0" cy="0"/>
+          <a:chOff x="0" y="0"/>
+          <a:chExt cx="0" cy="0"/>
+        </a:xfrm>
+      </p:grpSpPr>
+      <p:sp>
+        <p:nvSpPr>
+          <p:cNvPr id="2" name="Título 1">
+            <a:extLst>
+              <a:ext uri="{FF2B5EF4-FFF2-40B4-BE49-F238E27FC236}">
+                <a16:creationId xmlns:a16="http://schemas.microsoft.com/office/drawing/2014/main" id="{B1B45FFF-A0C2-40ED-A784-445AE4038CD2}"/>
+              </a:ext>
+            </a:extLst>
+          </p:cNvPr>
+          <p:cNvSpPr>
+            <a:spLocks noGrp="1"/>
+          </p:cNvSpPr>
+          <p:nvPr>
+            <p:ph type="title"/>
+          </p:nvPr>
+        </p:nvSpPr>
+        <p:spPr/>
+        <p:txBody>
+          <a:bodyPr/>
+          <a:lstStyle/>
+          <a:p>
+            <a:r>
+              <a:rPr lang="es-MX" dirty="0"/>
+              <a:t>conclusión</a:t>
+            </a:r>
+          </a:p>
+        </p:txBody>
+      </p:sp>
+      <p:sp>
+        <p:nvSpPr>
+          <p:cNvPr id="3" name="Marcador de contenido 2">
+            <a:extLst>
+              <a:ext uri="{FF2B5EF4-FFF2-40B4-BE49-F238E27FC236}">
+                <a16:creationId xmlns:a16="http://schemas.microsoft.com/office/drawing/2014/main" id="{822DF433-3AD3-403C-A38C-B587BEED1FB5}"/>
+              </a:ext>
+            </a:extLst>
+          </p:cNvPr>
+          <p:cNvSpPr>
+            <a:spLocks noGrp="1"/>
+          </p:cNvSpPr>
+          <p:nvPr>
+            <p:ph idx="1"/>
+          </p:nvPr>
+        </p:nvSpPr>
+        <p:spPr/>
+        <p:txBody>
+          <a:bodyPr/>
+          <a:lstStyle/>
+          <a:p>
+            <a:r>
+              <a:rPr lang="es-ES" dirty="0"/>
+              <a:t>Se aprendió a utilizar nuevas funciones imprescindibles para la solución del problema.</a:t>
+            </a:r>
+          </a:p>
+          <a:p>
+            <a:endParaRPr lang="es-ES" dirty="0"/>
+          </a:p>
+          <a:p>
+            <a:r>
+              <a:rPr lang="es-ES" dirty="0"/>
+              <a:t>Fue posible resolver el problema de interés, tanto analíticamente como numéricamente con </a:t>
+            </a:r>
+            <a:r>
+              <a:rPr lang="es-ES" dirty="0" err="1"/>
+              <a:t>python</a:t>
+            </a:r>
+            <a:r>
+              <a:rPr lang="es-ES" dirty="0"/>
+              <a:t>.</a:t>
+            </a:r>
+          </a:p>
+          <a:p>
+            <a:endParaRPr lang="es-ES" dirty="0"/>
+          </a:p>
+          <a:p>
+            <a:r>
+              <a:rPr lang="es-ES" dirty="0"/>
+              <a:t>Se aprendió a resolver no solo esta ecuación, sino otras similares que involucren un sistema de resortes.</a:t>
+            </a:r>
+            <a:endParaRPr lang="es-MX" dirty="0"/>
+          </a:p>
+        </p:txBody>
+      </p:sp>
+    </p:spTree>
+    <p:extLst>
+      <p:ext uri="{BB962C8B-B14F-4D97-AF65-F5344CB8AC3E}">
+        <p14:creationId xmlns:p14="http://schemas.microsoft.com/office/powerpoint/2010/main" val="745074821"/>
+      </p:ext>
+    </p:extLst>
+  </p:cSld>
+  <p:clrMapOvr>
+    <a:masterClrMapping/>
+  </p:clrMapOvr>
+</p:sld>
+</file>
+
+<file path=ppt/slides/slide12.xml><?xml version="1.0" encoding="utf-8"?>
+<p:sld xmlns:a="http://schemas.openxmlformats.org/drawingml/2006/main" xmlns:r="http://schemas.openxmlformats.org/officeDocument/2006/relationships" xmlns:p="http://schemas.openxmlformats.org/presentationml/2006/main">
+  <p:cSld>
+    <p:spTree>
+      <p:nvGrpSpPr>
+        <p:cNvPr id="1" name=""/>
+        <p:cNvGrpSpPr/>
+        <p:nvPr/>
+      </p:nvGrpSpPr>
+      <p:grpSpPr>
+        <a:xfrm>
+          <a:off x="0" y="0"/>
+          <a:ext cx="0" cy="0"/>
+          <a:chOff x="0" y="0"/>
+          <a:chExt cx="0" cy="0"/>
+        </a:xfrm>
+      </p:grpSpPr>
+      <p:sp>
+        <p:nvSpPr>
+          <p:cNvPr id="2" name="Título 1">
+            <a:extLst>
+              <a:ext uri="{FF2B5EF4-FFF2-40B4-BE49-F238E27FC236}">
+                <a16:creationId xmlns:a16="http://schemas.microsoft.com/office/drawing/2014/main" id="{47E6FFF6-2115-4C79-8895-66A7C1BF5119}"/>
+              </a:ext>
+            </a:extLst>
+          </p:cNvPr>
+          <p:cNvSpPr>
+            <a:spLocks noGrp="1"/>
+          </p:cNvSpPr>
+          <p:nvPr>
+            <p:ph type="title"/>
+          </p:nvPr>
+        </p:nvSpPr>
+        <p:spPr/>
+        <p:txBody>
+          <a:bodyPr/>
+          <a:lstStyle/>
+          <a:p>
+            <a:r>
+              <a:rPr lang="es-MX" dirty="0"/>
+              <a:t>Bibliografía:</a:t>
+            </a:r>
+          </a:p>
+        </p:txBody>
+      </p:sp>
+      <p:sp>
+        <p:nvSpPr>
+          <p:cNvPr id="3" name="Marcador de contenido 2">
+            <a:extLst>
+              <a:ext uri="{FF2B5EF4-FFF2-40B4-BE49-F238E27FC236}">
+                <a16:creationId xmlns:a16="http://schemas.microsoft.com/office/drawing/2014/main" id="{3AE749AC-896E-406D-BE8A-A786DA7069DC}"/>
+              </a:ext>
+            </a:extLst>
+          </p:cNvPr>
+          <p:cNvSpPr>
+            <a:spLocks noGrp="1"/>
+          </p:cNvSpPr>
+          <p:nvPr>
+            <p:ph idx="1"/>
+          </p:nvPr>
+        </p:nvSpPr>
+        <p:spPr/>
+        <p:txBody>
+          <a:bodyPr/>
+          <a:lstStyle/>
+          <a:p>
+            <a:r>
+              <a:rPr lang="en-US" dirty="0">
+                <a:effectLst/>
+              </a:rPr>
+              <a:t>Brigham Young University. (2018). Laplace Transforms. </a:t>
+            </a:r>
+            <a:r>
+              <a:rPr lang="en-US" dirty="0" err="1">
+                <a:effectLst/>
+              </a:rPr>
+              <a:t>Recuperado</a:t>
+            </a:r>
+            <a:r>
+              <a:rPr lang="en-US" dirty="0">
+                <a:effectLst/>
+              </a:rPr>
+              <a:t> de: </a:t>
+            </a:r>
+            <a:r>
+              <a:rPr lang="en-US" u="sng" dirty="0">
+                <a:effectLst/>
+                <a:hlinkClick r:id="rId2"/>
+              </a:rPr>
+              <a:t>https://apmonitor.com/pdc/index.php/Main/LaplaceTransforms</a:t>
+            </a:r>
+            <a:endParaRPr lang="es-MX" dirty="0"/>
+          </a:p>
+        </p:txBody>
+      </p:sp>
+    </p:spTree>
+    <p:extLst>
+      <p:ext uri="{BB962C8B-B14F-4D97-AF65-F5344CB8AC3E}">
+        <p14:creationId xmlns:p14="http://schemas.microsoft.com/office/powerpoint/2010/main" val="1147627252"/>
       </p:ext>
     </p:extLst>
   </p:cSld>
@@ -7878,7 +8220,12 @@
             <p:ph type="title"/>
           </p:nvPr>
         </p:nvSpPr>
-        <p:spPr/>
+        <p:spPr>
+          <a:xfrm>
+            <a:off x="1141412" y="442170"/>
+            <a:ext cx="9268680" cy="1547873"/>
+          </a:xfrm>
+        </p:spPr>
         <p:txBody>
           <a:bodyPr/>
           <a:lstStyle/>
@@ -7906,15 +8253,97 @@
             <p:ph idx="1"/>
           </p:nvPr>
         </p:nvSpPr>
-        <p:spPr/>
-        <p:txBody>
-          <a:bodyPr/>
+        <p:spPr>
+          <a:xfrm>
+            <a:off x="1141412" y="1904998"/>
+            <a:ext cx="10028335" cy="1077353"/>
+          </a:xfrm>
+        </p:spPr>
+        <p:txBody>
+          <a:bodyPr>
+            <a:normAutofit/>
+          </a:bodyPr>
           <a:lstStyle/>
           <a:p>
-            <a:endParaRPr lang="es-MX"/>
-          </a:p>
-        </p:txBody>
-      </p:sp>
+            <a:r>
+              <a:rPr lang="es-MX" dirty="0"/>
+              <a:t>Esta son las gráficas de nuestras soluciones a las que llegamos.</a:t>
+            </a:r>
+          </a:p>
+          <a:p>
+            <a:pPr marL="0" indent="0">
+              <a:buNone/>
+            </a:pPr>
+            <a:r>
+              <a:rPr lang="es-MX" dirty="0"/>
+              <a:t>Solución numérica .</a:t>
+            </a:r>
+          </a:p>
+          <a:p>
+            <a:endParaRPr lang="es-MX" dirty="0"/>
+          </a:p>
+        </p:txBody>
+      </p:sp>
+      <p:pic>
+        <p:nvPicPr>
+          <p:cNvPr id="4" name="Imagen 3">
+            <a:extLst>
+              <a:ext uri="{FF2B5EF4-FFF2-40B4-BE49-F238E27FC236}">
+                <a16:creationId xmlns:a16="http://schemas.microsoft.com/office/drawing/2014/main" id="{6C56BEAA-3F2D-4FB5-9A5E-94CF40F7BA94}"/>
+              </a:ext>
+            </a:extLst>
+          </p:cNvPr>
+          <p:cNvPicPr>
+            <a:picLocks noChangeAspect="1"/>
+          </p:cNvPicPr>
+          <p:nvPr/>
+        </p:nvPicPr>
+        <p:blipFill>
+          <a:blip r:embed="rId2"/>
+          <a:stretch>
+            <a:fillRect/>
+          </a:stretch>
+        </p:blipFill>
+        <p:spPr>
+          <a:xfrm>
+            <a:off x="863439" y="3429000"/>
+            <a:ext cx="4491627" cy="3087431"/>
+          </a:xfrm>
+          <a:prstGeom prst="rect">
+            <a:avLst/>
+          </a:prstGeom>
+        </p:spPr>
+      </p:pic>
+      <p:pic>
+        <p:nvPicPr>
+          <p:cNvPr id="5" name="Imagen 4">
+            <a:extLst>
+              <a:ext uri="{FF2B5EF4-FFF2-40B4-BE49-F238E27FC236}">
+                <a16:creationId xmlns:a16="http://schemas.microsoft.com/office/drawing/2014/main" id="{D5ACC43D-938C-4C27-B877-5732CCC22844}"/>
+              </a:ext>
+            </a:extLst>
+          </p:cNvPr>
+          <p:cNvPicPr>
+            <a:picLocks noChangeAspect="1"/>
+          </p:cNvPicPr>
+          <p:nvPr/>
+        </p:nvPicPr>
+        <p:blipFill>
+          <a:blip r:embed="rId3"/>
+          <a:stretch>
+            <a:fillRect/>
+          </a:stretch>
+        </p:blipFill>
+        <p:spPr>
+          <a:xfrm>
+            <a:off x="5702060" y="3429000"/>
+            <a:ext cx="4384475" cy="3072585"/>
+          </a:xfrm>
+          <a:prstGeom prst="rect">
+            <a:avLst/>
+          </a:prstGeom>
+        </p:spPr>
+      </p:pic>
     </p:spTree>
     <p:extLst>
       <p:ext uri="{BB962C8B-B14F-4D97-AF65-F5344CB8AC3E}">
@@ -7945,63 +8374,70 @@
           <a:chExt cx="0" cy="0"/>
         </a:xfrm>
       </p:grpSpPr>
-      <p:sp>
-        <p:nvSpPr>
-          <p:cNvPr id="2" name="Título 1">
+      <p:pic>
+        <p:nvPicPr>
+          <p:cNvPr id="2" name="Imagen 1">
             <a:extLst>
               <a:ext uri="{FF2B5EF4-FFF2-40B4-BE49-F238E27FC236}">
-                <a16:creationId xmlns:a16="http://schemas.microsoft.com/office/drawing/2014/main" id="{B1B45FFF-A0C2-40ED-A784-445AE4038CD2}"/>
+                <a16:creationId xmlns:a16="http://schemas.microsoft.com/office/drawing/2014/main" id="{2F07326D-928C-44D3-BEB6-52663956B40A}"/>
               </a:ext>
             </a:extLst>
           </p:cNvPr>
-          <p:cNvSpPr>
-            <a:spLocks noGrp="1"/>
-          </p:cNvSpPr>
-          <p:nvPr>
-            <p:ph type="title"/>
-          </p:nvPr>
-        </p:nvSpPr>
-        <p:spPr/>
-        <p:txBody>
-          <a:bodyPr/>
-          <a:lstStyle/>
-          <a:p>
-            <a:r>
-              <a:rPr lang="es-MX" dirty="0"/>
-              <a:t>conclusión</a:t>
-            </a:r>
-          </a:p>
-        </p:txBody>
-      </p:sp>
-      <p:sp>
-        <p:nvSpPr>
-          <p:cNvPr id="3" name="Marcador de contenido 2">
+          <p:cNvPicPr>
+            <a:picLocks noChangeAspect="1"/>
+          </p:cNvPicPr>
+          <p:nvPr/>
+        </p:nvPicPr>
+        <p:blipFill>
+          <a:blip r:embed="rId2"/>
+          <a:stretch>
+            <a:fillRect/>
+          </a:stretch>
+        </p:blipFill>
+        <p:spPr>
+          <a:xfrm>
+            <a:off x="368629" y="195615"/>
+            <a:ext cx="5068007" cy="3343742"/>
+          </a:xfrm>
+          <a:prstGeom prst="rect">
+            <a:avLst/>
+          </a:prstGeom>
+        </p:spPr>
+      </p:pic>
+      <p:pic>
+        <p:nvPicPr>
+          <p:cNvPr id="3" name="Imagen 2">
             <a:extLst>
               <a:ext uri="{FF2B5EF4-FFF2-40B4-BE49-F238E27FC236}">
-                <a16:creationId xmlns:a16="http://schemas.microsoft.com/office/drawing/2014/main" id="{822DF433-3AD3-403C-A38C-B587BEED1FB5}"/>
+                <a16:creationId xmlns:a16="http://schemas.microsoft.com/office/drawing/2014/main" id="{15D4083A-B65D-405B-B6A1-9605D2A522FA}"/>
               </a:ext>
             </a:extLst>
           </p:cNvPr>
-          <p:cNvSpPr>
-            <a:spLocks noGrp="1"/>
-          </p:cNvSpPr>
-          <p:nvPr>
-            <p:ph idx="1"/>
-          </p:nvPr>
-        </p:nvSpPr>
-        <p:spPr/>
-        <p:txBody>
-          <a:bodyPr/>
-          <a:lstStyle/>
-          <a:p>
-            <a:endParaRPr lang="es-MX"/>
-          </a:p>
-        </p:txBody>
-      </p:sp>
+          <p:cNvPicPr>
+            <a:picLocks noChangeAspect="1"/>
+          </p:cNvPicPr>
+          <p:nvPr/>
+        </p:nvPicPr>
+        <p:blipFill>
+          <a:blip r:embed="rId3"/>
+          <a:stretch>
+            <a:fillRect/>
+          </a:stretch>
+        </p:blipFill>
+        <p:spPr>
+          <a:xfrm>
+            <a:off x="5650330" y="195615"/>
+            <a:ext cx="4858428" cy="3353268"/>
+          </a:xfrm>
+          <a:prstGeom prst="rect">
+            <a:avLst/>
+          </a:prstGeom>
+        </p:spPr>
+      </p:pic>
     </p:spTree>
     <p:extLst>
       <p:ext uri="{BB962C8B-B14F-4D97-AF65-F5344CB8AC3E}">
-        <p14:creationId xmlns:p14="http://schemas.microsoft.com/office/powerpoint/2010/main" val="745074821"/>
+        <p14:creationId xmlns:p14="http://schemas.microsoft.com/office/powerpoint/2010/main" val="1280332428"/>
       </p:ext>
     </p:extLst>
   </p:cSld>
@@ -8033,7 +8469,7 @@
           <p:cNvPr id="2" name="Título 1">
             <a:extLst>
               <a:ext uri="{FF2B5EF4-FFF2-40B4-BE49-F238E27FC236}">
-                <a16:creationId xmlns:a16="http://schemas.microsoft.com/office/drawing/2014/main" id="{47E6FFF6-2115-4C79-8895-66A7C1BF5119}"/>
+                <a16:creationId xmlns:a16="http://schemas.microsoft.com/office/drawing/2014/main" id="{8B071BB7-30F9-46C2-A5B7-A1FF277B3982}"/>
               </a:ext>
             </a:extLst>
           </p:cNvPr>
@@ -8044,47 +8480,87 @@
             <p:ph type="title"/>
           </p:nvPr>
         </p:nvSpPr>
-        <p:spPr/>
+        <p:spPr>
+          <a:xfrm>
+            <a:off x="1141413" y="609600"/>
+            <a:ext cx="9240544" cy="1514622"/>
+          </a:xfrm>
+        </p:spPr>
         <p:txBody>
           <a:bodyPr/>
           <a:lstStyle/>
           <a:p>
             <a:r>
               <a:rPr lang="es-MX" dirty="0"/>
-              <a:t>Bibliografía:</a:t>
-            </a:r>
-          </a:p>
-        </p:txBody>
-      </p:sp>
-      <p:sp>
-        <p:nvSpPr>
-          <p:cNvPr id="3" name="Marcador de contenido 2">
+              <a:t>Solución analítica:</a:t>
+            </a:r>
+          </a:p>
+        </p:txBody>
+      </p:sp>
+      <p:pic>
+        <p:nvPicPr>
+          <p:cNvPr id="3" name="Imagen 2">
             <a:extLst>
               <a:ext uri="{FF2B5EF4-FFF2-40B4-BE49-F238E27FC236}">
-                <a16:creationId xmlns:a16="http://schemas.microsoft.com/office/drawing/2014/main" id="{3AE749AC-896E-406D-BE8A-A786DA7069DC}"/>
+                <a16:creationId xmlns:a16="http://schemas.microsoft.com/office/drawing/2014/main" id="{CD7DDC5F-BD04-4B9F-85FC-738B7D9AACEB}"/>
               </a:ext>
             </a:extLst>
           </p:cNvPr>
-          <p:cNvSpPr>
-            <a:spLocks noGrp="1"/>
-          </p:cNvSpPr>
-          <p:nvPr>
-            <p:ph idx="1"/>
-          </p:nvPr>
-        </p:nvSpPr>
-        <p:spPr/>
-        <p:txBody>
-          <a:bodyPr/>
-          <a:lstStyle/>
-          <a:p>
-            <a:endParaRPr lang="es-MX"/>
-          </a:p>
-        </p:txBody>
-      </p:sp>
+          <p:cNvPicPr>
+            <a:picLocks noChangeAspect="1"/>
+          </p:cNvPicPr>
+          <p:nvPr/>
+        </p:nvPicPr>
+        <p:blipFill>
+          <a:blip r:embed="rId2"/>
+          <a:stretch>
+            <a:fillRect/>
+          </a:stretch>
+        </p:blipFill>
+        <p:spPr>
+          <a:xfrm>
+            <a:off x="969442" y="1753390"/>
+            <a:ext cx="4991797" cy="3372321"/>
+          </a:xfrm>
+          <a:prstGeom prst="rect">
+            <a:avLst/>
+          </a:prstGeom>
+        </p:spPr>
+      </p:pic>
+      <p:pic>
+        <p:nvPicPr>
+          <p:cNvPr id="4" name="Imagen 3">
+            <a:extLst>
+              <a:ext uri="{FF2B5EF4-FFF2-40B4-BE49-F238E27FC236}">
+                <a16:creationId xmlns:a16="http://schemas.microsoft.com/office/drawing/2014/main" id="{7CC359FB-A472-4CF6-A5F6-F306C9791440}"/>
+              </a:ext>
+            </a:extLst>
+          </p:cNvPr>
+          <p:cNvPicPr>
+            <a:picLocks noChangeAspect="1"/>
+          </p:cNvPicPr>
+          <p:nvPr/>
+        </p:nvPicPr>
+        <p:blipFill>
+          <a:blip r:embed="rId3"/>
+          <a:stretch>
+            <a:fillRect/>
+          </a:stretch>
+        </p:blipFill>
+        <p:spPr>
+          <a:xfrm>
+            <a:off x="6133210" y="1753390"/>
+            <a:ext cx="5144218" cy="3486637"/>
+          </a:xfrm>
+          <a:prstGeom prst="rect">
+            <a:avLst/>
+          </a:prstGeom>
+        </p:spPr>
+      </p:pic>
     </p:spTree>
     <p:extLst>
       <p:ext uri="{BB962C8B-B14F-4D97-AF65-F5344CB8AC3E}">
-        <p14:creationId xmlns:p14="http://schemas.microsoft.com/office/powerpoint/2010/main" val="1147627252"/>
+        <p14:creationId xmlns:p14="http://schemas.microsoft.com/office/powerpoint/2010/main" val="1686203095"/>
       </p:ext>
     </p:extLst>
   </p:cSld>

--- a/Presentación módulo 3.pptx
+++ b/Presentación módulo 3.pptx
@@ -6,8 +6,8 @@
   </p:sldMasterIdLst>
   <p:sldIdLst>
     <p:sldId id="256" r:id="rId2"/>
-    <p:sldId id="260" r:id="rId3"/>
-    <p:sldId id="257" r:id="rId4"/>
+    <p:sldId id="257" r:id="rId3"/>
+    <p:sldId id="260" r:id="rId4"/>
     <p:sldId id="258" r:id="rId5"/>
     <p:sldId id="259" r:id="rId6"/>
     <p:sldId id="261" r:id="rId7"/>
@@ -578,7 +578,7 @@
           <a:p>
             <a:fld id="{073ED0CC-082F-4160-86E5-0D6041F12778}" type="datetime1">
               <a:rPr lang="en-US" smtClean="0"/>
-              <a:t>12/1/2019</a:t>
+              <a:t>12/2/19</a:t>
             </a:fld>
             <a:endParaRPr lang="en-US" dirty="0"/>
           </a:p>
@@ -870,7 +870,7 @@
           <a:p>
             <a:fld id="{073ED0CC-082F-4160-86E5-0D6041F12778}" type="datetime1">
               <a:rPr lang="en-US" smtClean="0"/>
-              <a:t>12/1/2019</a:t>
+              <a:t>12/2/19</a:t>
             </a:fld>
             <a:endParaRPr lang="en-US" dirty="0"/>
           </a:p>
@@ -1130,7 +1130,7 @@
           <a:p>
             <a:fld id="{073ED0CC-082F-4160-86E5-0D6041F12778}" type="datetime1">
               <a:rPr lang="en-US" smtClean="0"/>
-              <a:t>12/1/2019</a:t>
+              <a:t>12/2/19</a:t>
             </a:fld>
             <a:endParaRPr lang="en-US" dirty="0"/>
           </a:p>
@@ -1600,7 +1600,7 @@
           <a:p>
             <a:fld id="{073ED0CC-082F-4160-86E5-0D6041F12778}" type="datetime1">
               <a:rPr lang="en-US" smtClean="0"/>
-              <a:t>12/1/2019</a:t>
+              <a:t>12/2/19</a:t>
             </a:fld>
             <a:endParaRPr lang="en-US" dirty="0"/>
           </a:p>
@@ -1781,7 +1781,7 @@
           <a:p>
             <a:fld id="{073ED0CC-082F-4160-86E5-0D6041F12778}" type="datetime1">
               <a:rPr lang="en-US" smtClean="0"/>
-              <a:t>12/1/2019</a:t>
+              <a:t>12/2/19</a:t>
             </a:fld>
             <a:endParaRPr lang="en-US" dirty="0"/>
           </a:p>
@@ -2358,7 +2358,7 @@
           <a:p>
             <a:fld id="{073ED0CC-082F-4160-86E5-0D6041F12778}" type="datetime1">
               <a:rPr lang="en-US" smtClean="0"/>
-              <a:t>12/1/2019</a:t>
+              <a:t>12/2/19</a:t>
             </a:fld>
             <a:endParaRPr lang="en-US" dirty="0"/>
           </a:p>
@@ -2691,7 +2691,7 @@
           <a:p>
             <a:fld id="{073ED0CC-082F-4160-86E5-0D6041F12778}" type="datetime1">
               <a:rPr lang="en-US" smtClean="0"/>
-              <a:t>12/1/2019</a:t>
+              <a:t>12/2/19</a:t>
             </a:fld>
             <a:endParaRPr lang="en-US" dirty="0"/>
           </a:p>
@@ -2867,7 +2867,7 @@
           <a:p>
             <a:fld id="{073ED0CC-082F-4160-86E5-0D6041F12778}" type="datetime1">
               <a:rPr lang="en-US" smtClean="0"/>
-              <a:t>12/1/2019</a:t>
+              <a:t>12/2/19</a:t>
             </a:fld>
             <a:endParaRPr lang="en-US" dirty="0"/>
           </a:p>
@@ -3048,7 +3048,7 @@
           <a:p>
             <a:fld id="{073ED0CC-082F-4160-86E5-0D6041F12778}" type="datetime1">
               <a:rPr lang="en-US" smtClean="0"/>
-              <a:t>12/1/2019</a:t>
+              <a:t>12/2/19</a:t>
             </a:fld>
             <a:endParaRPr lang="en-US" dirty="0"/>
           </a:p>
@@ -3219,7 +3219,7 @@
           <a:p>
             <a:fld id="{073ED0CC-082F-4160-86E5-0D6041F12778}" type="datetime1">
               <a:rPr lang="en-US" smtClean="0"/>
-              <a:t>12/1/2019</a:t>
+              <a:t>12/2/19</a:t>
             </a:fld>
             <a:endParaRPr lang="en-US" dirty="0"/>
           </a:p>
@@ -3477,7 +3477,7 @@
           <a:p>
             <a:fld id="{073ED0CC-082F-4160-86E5-0D6041F12778}" type="datetime1">
               <a:rPr lang="en-US" smtClean="0"/>
-              <a:t>12/1/2019</a:t>
+              <a:t>12/2/19</a:t>
             </a:fld>
             <a:endParaRPr lang="en-US" dirty="0"/>
           </a:p>
@@ -3770,7 +3770,7 @@
           <a:p>
             <a:fld id="{073ED0CC-082F-4160-86E5-0D6041F12778}" type="datetime1">
               <a:rPr lang="en-US" smtClean="0"/>
-              <a:t>12/1/2019</a:t>
+              <a:t>12/2/19</a:t>
             </a:fld>
             <a:endParaRPr lang="en-US" dirty="0"/>
           </a:p>
@@ -4201,7 +4201,7 @@
           <a:p>
             <a:fld id="{073ED0CC-082F-4160-86E5-0D6041F12778}" type="datetime1">
               <a:rPr lang="en-US" smtClean="0"/>
-              <a:t>12/1/2019</a:t>
+              <a:t>12/2/19</a:t>
             </a:fld>
             <a:endParaRPr lang="en-US" dirty="0"/>
           </a:p>
@@ -4320,7 +4320,7 @@
           <a:p>
             <a:fld id="{073ED0CC-082F-4160-86E5-0D6041F12778}" type="datetime1">
               <a:rPr lang="en-US" smtClean="0"/>
-              <a:t>12/1/2019</a:t>
+              <a:t>12/2/19</a:t>
             </a:fld>
             <a:endParaRPr lang="en-US" dirty="0"/>
           </a:p>
@@ -4416,7 +4416,7 @@
           <a:p>
             <a:fld id="{073ED0CC-082F-4160-86E5-0D6041F12778}" type="datetime1">
               <a:rPr lang="en-US" smtClean="0"/>
-              <a:t>12/1/2019</a:t>
+              <a:t>12/2/19</a:t>
             </a:fld>
             <a:endParaRPr lang="en-US" dirty="0"/>
           </a:p>
@@ -4700,7 +4700,7 @@
           <a:p>
             <a:fld id="{073ED0CC-082F-4160-86E5-0D6041F12778}" type="datetime1">
               <a:rPr lang="en-US" smtClean="0"/>
-              <a:t>12/1/2019</a:t>
+              <a:t>12/2/19</a:t>
             </a:fld>
             <a:endParaRPr lang="en-US" dirty="0"/>
           </a:p>
@@ -4992,7 +4992,7 @@
           <a:p>
             <a:fld id="{073ED0CC-082F-4160-86E5-0D6041F12778}" type="datetime1">
               <a:rPr lang="en-US" smtClean="0"/>
-              <a:t>12/1/2019</a:t>
+              <a:t>12/2/19</a:t>
             </a:fld>
             <a:endParaRPr lang="en-US" dirty="0"/>
           </a:p>
@@ -5224,7 +5224,7 @@
           <a:p>
             <a:fld id="{073ED0CC-082F-4160-86E5-0D6041F12778}" type="datetime1">
               <a:rPr lang="en-US" smtClean="0"/>
-              <a:t>12/1/2019</a:t>
+              <a:t>12/2/19</a:t>
             </a:fld>
             <a:endParaRPr lang="en-US" dirty="0"/>
           </a:p>
@@ -6932,7 +6932,7 @@
           <p:cNvPr id="2" name="Título 1">
             <a:extLst>
               <a:ext uri="{FF2B5EF4-FFF2-40B4-BE49-F238E27FC236}">
-                <a16:creationId xmlns:a16="http://schemas.microsoft.com/office/drawing/2014/main" id="{9101380B-039D-4911-980A-78557A2A7BFC}"/>
+                <a16:creationId xmlns:a16="http://schemas.microsoft.com/office/drawing/2014/main" id="{989A579A-3593-4A4A-80F0-673AE79A3B5B}"/>
               </a:ext>
             </a:extLst>
           </p:cNvPr>
@@ -6950,8 +6950,13 @@
           <a:p>
             <a:r>
               <a:rPr lang="es-MX" dirty="0"/>
-              <a:t>¿Qué es un sistema de resortes acoplados?</a:t>
-            </a:r>
+              <a:t>Objetivo General: </a:t>
+            </a:r>
+            <a:r>
+              <a:rPr lang="es-ES" dirty="0"/>
+              <a:t>Resolver un problema de resortes acoplados mediante el uso de ecuaciones diferenciales.</a:t>
+            </a:r>
+            <a:endParaRPr lang="es-MX" dirty="0"/>
           </a:p>
         </p:txBody>
       </p:sp>
@@ -6960,7 +6965,7 @@
           <p:cNvPr id="3" name="Marcador de contenido 2">
             <a:extLst>
               <a:ext uri="{FF2B5EF4-FFF2-40B4-BE49-F238E27FC236}">
-                <a16:creationId xmlns:a16="http://schemas.microsoft.com/office/drawing/2014/main" id="{19736CAE-E289-49E9-907B-4670DC37DBBB}"/>
+                <a16:creationId xmlns:a16="http://schemas.microsoft.com/office/drawing/2014/main" id="{E4B5FA32-4152-4BB0-BB25-59F36693AC07}"/>
               </a:ext>
             </a:extLst>
           </p:cNvPr>
@@ -6976,18 +6981,38 @@
           <a:bodyPr/>
           <a:lstStyle/>
           <a:p>
+            <a:pPr marL="0" indent="0">
+              <a:buNone/>
+            </a:pPr>
+            <a:r>
+              <a:rPr lang="es-MX" dirty="0"/>
+              <a:t>Objetivos específicos:</a:t>
+            </a:r>
+          </a:p>
+          <a:p>
             <a:r>
               <a:rPr lang="es-ES" dirty="0"/>
-              <a:t>Un sistema de resortes acoplados es aquel que consta de muchos resortes individuales interconectados entre sí. El modelo de resortes acoplados se puede aplicar tanto a sistemas mecánicos como a modelos atómicos de sólidos.</a:t>
-            </a:r>
-            <a:endParaRPr lang="es-MX" dirty="0"/>
+              <a:t>Aprender a usar el sistema de ecuaciones diferenciales aplicado a una situación de interés.</a:t>
+            </a:r>
+          </a:p>
+          <a:p>
+            <a:r>
+              <a:rPr lang="es-ES" dirty="0"/>
+              <a:t>Manejar las librerías adecuadas para obtener una solución.</a:t>
+            </a:r>
+          </a:p>
+          <a:p>
+            <a:r>
+              <a:rPr lang="es-ES" dirty="0"/>
+              <a:t>Mediante el uso de lo aprendido en el Módulo 3 resolver correctamente la ecuación de resortes acoplados.</a:t>
+            </a:r>
           </a:p>
         </p:txBody>
       </p:sp>
     </p:spTree>
     <p:extLst>
       <p:ext uri="{BB962C8B-B14F-4D97-AF65-F5344CB8AC3E}">
-        <p14:creationId xmlns:p14="http://schemas.microsoft.com/office/powerpoint/2010/main" val="3839328021"/>
+        <p14:creationId xmlns:p14="http://schemas.microsoft.com/office/powerpoint/2010/main" val="2668546851"/>
       </p:ext>
     </p:extLst>
   </p:cSld>
@@ -7019,7 +7044,7 @@
           <p:cNvPr id="2" name="Título 1">
             <a:extLst>
               <a:ext uri="{FF2B5EF4-FFF2-40B4-BE49-F238E27FC236}">
-                <a16:creationId xmlns:a16="http://schemas.microsoft.com/office/drawing/2014/main" id="{989A579A-3593-4A4A-80F0-673AE79A3B5B}"/>
+                <a16:creationId xmlns:a16="http://schemas.microsoft.com/office/drawing/2014/main" id="{9101380B-039D-4911-980A-78557A2A7BFC}"/>
               </a:ext>
             </a:extLst>
           </p:cNvPr>
@@ -7037,13 +7062,8 @@
           <a:p>
             <a:r>
               <a:rPr lang="es-MX" dirty="0"/>
-              <a:t>Objetivo General: </a:t>
-            </a:r>
-            <a:r>
-              <a:rPr lang="es-ES" dirty="0"/>
-              <a:t>Resolver un problema de resortes acoplados mediante el uso de ecuaciones diferenciales.</a:t>
-            </a:r>
-            <a:endParaRPr lang="es-MX" dirty="0"/>
+              <a:t>¿Qué es un sistema de resortes acoplados?</a:t>
+            </a:r>
           </a:p>
         </p:txBody>
       </p:sp>
@@ -7052,7 +7072,7 @@
           <p:cNvPr id="3" name="Marcador de contenido 2">
             <a:extLst>
               <a:ext uri="{FF2B5EF4-FFF2-40B4-BE49-F238E27FC236}">
-                <a16:creationId xmlns:a16="http://schemas.microsoft.com/office/drawing/2014/main" id="{E4B5FA32-4152-4BB0-BB25-59F36693AC07}"/>
+                <a16:creationId xmlns:a16="http://schemas.microsoft.com/office/drawing/2014/main" id="{19736CAE-E289-49E9-907B-4670DC37DBBB}"/>
               </a:ext>
             </a:extLst>
           </p:cNvPr>
@@ -7068,38 +7088,18 @@
           <a:bodyPr/>
           <a:lstStyle/>
           <a:p>
-            <a:pPr marL="0" indent="0">
-              <a:buNone/>
-            </a:pPr>
-            <a:r>
-              <a:rPr lang="es-MX" dirty="0"/>
-              <a:t>Objetivos específicos:</a:t>
-            </a:r>
-          </a:p>
-          <a:p>
             <a:r>
               <a:rPr lang="es-ES" dirty="0"/>
-              <a:t>Aprender a usar el sistema de ecuaciones diferenciales aplicado a una situación de interés.</a:t>
-            </a:r>
-          </a:p>
-          <a:p>
-            <a:r>
-              <a:rPr lang="es-ES" dirty="0"/>
-              <a:t>Manejar las librerías adecuadas para obtener una solución.</a:t>
-            </a:r>
-          </a:p>
-          <a:p>
-            <a:r>
-              <a:rPr lang="es-ES" dirty="0"/>
-              <a:t>Mediante el uso de lo aprendido en el Módulo 3 resolver correctamente la ecuación de resortes acoplados.</a:t>
-            </a:r>
+              <a:t>Un sistema de resortes acoplados es aquel que consta de muchos resortes individuales interconectados entre sí. El modelo de resortes acoplados se puede aplicar tanto a sistemas mecánicos como a modelos atómicos de sólidos.</a:t>
+            </a:r>
+            <a:endParaRPr lang="es-MX" dirty="0"/>
           </a:p>
         </p:txBody>
       </p:sp>
     </p:spTree>
     <p:extLst>
       <p:ext uri="{BB962C8B-B14F-4D97-AF65-F5344CB8AC3E}">
-        <p14:creationId xmlns:p14="http://schemas.microsoft.com/office/powerpoint/2010/main" val="2668546851"/>
+        <p14:creationId xmlns:p14="http://schemas.microsoft.com/office/powerpoint/2010/main" val="3839328021"/>
       </p:ext>
     </p:extLst>
   </p:cSld>

--- a/Presentación módulo 3.pptx
+++ b/Presentación módulo 3.pptx
@@ -12,11 +12,10 @@
     <p:sldId id="259" r:id="rId6"/>
     <p:sldId id="261" r:id="rId7"/>
     <p:sldId id="262" r:id="rId8"/>
-    <p:sldId id="265" r:id="rId9"/>
-    <p:sldId id="266" r:id="rId10"/>
-    <p:sldId id="267" r:id="rId11"/>
-    <p:sldId id="263" r:id="rId12"/>
-    <p:sldId id="264" r:id="rId13"/>
+    <p:sldId id="266" r:id="rId9"/>
+    <p:sldId id="267" r:id="rId10"/>
+    <p:sldId id="263" r:id="rId11"/>
+    <p:sldId id="264" r:id="rId12"/>
   </p:sldIdLst>
   <p:sldSz cx="12192000" cy="6858000"/>
   <p:notesSz cx="6858000" cy="9144000"/>
@@ -6593,124 +6592,6 @@
           <p:cNvPr id="2" name="Título 1">
             <a:extLst>
               <a:ext uri="{FF2B5EF4-FFF2-40B4-BE49-F238E27FC236}">
-                <a16:creationId xmlns:a16="http://schemas.microsoft.com/office/drawing/2014/main" id="{486787EA-34B2-4FA6-9C5A-CAD89B426C9C}"/>
-              </a:ext>
-            </a:extLst>
-          </p:cNvPr>
-          <p:cNvSpPr>
-            <a:spLocks noGrp="1"/>
-          </p:cNvSpPr>
-          <p:nvPr>
-            <p:ph type="title"/>
-          </p:nvPr>
-        </p:nvSpPr>
-        <p:spPr/>
-        <p:txBody>
-          <a:bodyPr/>
-          <a:lstStyle/>
-          <a:p>
-            <a:r>
-              <a:rPr lang="es-MX" dirty="0"/>
-              <a:t>Comparativa de la solución analítica y la solución numérica dada por Python.</a:t>
-            </a:r>
-          </a:p>
-        </p:txBody>
-      </p:sp>
-      <p:pic>
-        <p:nvPicPr>
-          <p:cNvPr id="3" name="Imagen 2">
-            <a:extLst>
-              <a:ext uri="{FF2B5EF4-FFF2-40B4-BE49-F238E27FC236}">
-                <a16:creationId xmlns:a16="http://schemas.microsoft.com/office/drawing/2014/main" id="{A996F0C4-D398-4EE0-9E93-C0EB177FE4AF}"/>
-              </a:ext>
-            </a:extLst>
-          </p:cNvPr>
-          <p:cNvPicPr>
-            <a:picLocks noChangeAspect="1"/>
-          </p:cNvPicPr>
-          <p:nvPr/>
-        </p:nvPicPr>
-        <p:blipFill>
-          <a:blip r:embed="rId2"/>
-          <a:stretch>
-            <a:fillRect/>
-          </a:stretch>
-        </p:blipFill>
-        <p:spPr>
-          <a:xfrm>
-            <a:off x="754108" y="2318727"/>
-            <a:ext cx="4944165" cy="3486637"/>
-          </a:xfrm>
-          <a:prstGeom prst="rect">
-            <a:avLst/>
-          </a:prstGeom>
-        </p:spPr>
-      </p:pic>
-      <p:pic>
-        <p:nvPicPr>
-          <p:cNvPr id="4" name="Imagen 3">
-            <a:extLst>
-              <a:ext uri="{FF2B5EF4-FFF2-40B4-BE49-F238E27FC236}">
-                <a16:creationId xmlns:a16="http://schemas.microsoft.com/office/drawing/2014/main" id="{B5D4B34E-30D8-422E-B3B1-A0538FA0C49B}"/>
-              </a:ext>
-            </a:extLst>
-          </p:cNvPr>
-          <p:cNvPicPr>
-            <a:picLocks noChangeAspect="1"/>
-          </p:cNvPicPr>
-          <p:nvPr/>
-        </p:nvPicPr>
-        <p:blipFill>
-          <a:blip r:embed="rId3"/>
-          <a:stretch>
-            <a:fillRect/>
-          </a:stretch>
-        </p:blipFill>
-        <p:spPr>
-          <a:xfrm>
-            <a:off x="5996023" y="2483348"/>
-            <a:ext cx="4753638" cy="3353268"/>
-          </a:xfrm>
-          <a:prstGeom prst="rect">
-            <a:avLst/>
-          </a:prstGeom>
-        </p:spPr>
-      </p:pic>
-    </p:spTree>
-    <p:extLst>
-      <p:ext uri="{BB962C8B-B14F-4D97-AF65-F5344CB8AC3E}">
-        <p14:creationId xmlns:p14="http://schemas.microsoft.com/office/powerpoint/2010/main" val="1512784384"/>
-      </p:ext>
-    </p:extLst>
-  </p:cSld>
-  <p:clrMapOvr>
-    <a:masterClrMapping/>
-  </p:clrMapOvr>
-</p:sld>
-</file>
-
-<file path=ppt/slides/slide11.xml><?xml version="1.0" encoding="utf-8"?>
-<p:sld xmlns:a="http://schemas.openxmlformats.org/drawingml/2006/main" xmlns:r="http://schemas.openxmlformats.org/officeDocument/2006/relationships" xmlns:p="http://schemas.openxmlformats.org/presentationml/2006/main">
-  <p:cSld>
-    <p:spTree>
-      <p:nvGrpSpPr>
-        <p:cNvPr id="1" name=""/>
-        <p:cNvGrpSpPr/>
-        <p:nvPr/>
-      </p:nvGrpSpPr>
-      <p:grpSpPr>
-        <a:xfrm>
-          <a:off x="0" y="0"/>
-          <a:ext cx="0" cy="0"/>
-          <a:chOff x="0" y="0"/>
-          <a:chExt cx="0" cy="0"/>
-        </a:xfrm>
-      </p:grpSpPr>
-      <p:sp>
-        <p:nvSpPr>
-          <p:cNvPr id="2" name="Título 1">
-            <a:extLst>
-              <a:ext uri="{FF2B5EF4-FFF2-40B4-BE49-F238E27FC236}">
                 <a16:creationId xmlns:a16="http://schemas.microsoft.com/office/drawing/2014/main" id="{B1B45FFF-A0C2-40ED-A784-445AE4038CD2}"/>
               </a:ext>
             </a:extLst>
@@ -6802,7 +6683,7 @@
 </p:sld>
 </file>
 
-<file path=ppt/slides/slide12.xml><?xml version="1.0" encoding="utf-8"?>
+<file path=ppt/slides/slide11.xml><?xml version="1.0" encoding="utf-8"?>
 <p:sld xmlns:a="http://schemas.openxmlformats.org/drawingml/2006/main" xmlns:r="http://schemas.openxmlformats.org/officeDocument/2006/relationships" xmlns:p="http://schemas.openxmlformats.org/presentationml/2006/main">
   <p:cSld>
     <p:spTree>
@@ -8344,6 +8225,76 @@
           </a:prstGeom>
         </p:spPr>
       </p:pic>
+      <p:sp>
+        <p:nvSpPr>
+          <p:cNvPr id="6" name="CuadroTexto 5">
+            <a:extLst>
+              <a:ext uri="{FF2B5EF4-FFF2-40B4-BE49-F238E27FC236}">
+                <a16:creationId xmlns:a16="http://schemas.microsoft.com/office/drawing/2014/main" id="{D0735417-8789-6148-A9E4-95181EB94CCD}"/>
+              </a:ext>
+            </a:extLst>
+          </p:cNvPr>
+          <p:cNvSpPr txBox="1"/>
+          <p:nvPr/>
+        </p:nvSpPr>
+        <p:spPr>
+          <a:xfrm>
+            <a:off x="863439" y="2782669"/>
+            <a:ext cx="3739507" cy="646331"/>
+          </a:xfrm>
+          <a:prstGeom prst="rect">
+            <a:avLst/>
+          </a:prstGeom>
+          <a:noFill/>
+        </p:spPr>
+        <p:txBody>
+          <a:bodyPr wrap="square" rtlCol="0">
+            <a:spAutoFit/>
+          </a:bodyPr>
+          <a:lstStyle/>
+          <a:p>
+            <a:r>
+              <a:rPr lang="es-MX" dirty="0"/>
+              <a:t>Solución numérica para la masa 1 (x1)</a:t>
+            </a:r>
+          </a:p>
+        </p:txBody>
+      </p:sp>
+      <p:sp>
+        <p:nvSpPr>
+          <p:cNvPr id="7" name="CuadroTexto 6">
+            <a:extLst>
+              <a:ext uri="{FF2B5EF4-FFF2-40B4-BE49-F238E27FC236}">
+                <a16:creationId xmlns:a16="http://schemas.microsoft.com/office/drawing/2014/main" id="{5D52107E-31BD-5848-8E28-456DDF3F02CE}"/>
+              </a:ext>
+            </a:extLst>
+          </p:cNvPr>
+          <p:cNvSpPr txBox="1"/>
+          <p:nvPr/>
+        </p:nvSpPr>
+        <p:spPr>
+          <a:xfrm>
+            <a:off x="5702060" y="2760354"/>
+            <a:ext cx="3739507" cy="646331"/>
+          </a:xfrm>
+          <a:prstGeom prst="rect">
+            <a:avLst/>
+          </a:prstGeom>
+          <a:noFill/>
+        </p:spPr>
+        <p:txBody>
+          <a:bodyPr wrap="square" rtlCol="0">
+            <a:spAutoFit/>
+          </a:bodyPr>
+          <a:lstStyle/>
+          <a:p>
+            <a:r>
+              <a:rPr lang="es-MX" dirty="0"/>
+              <a:t>Solución numérica para la masa 2 (x2)</a:t>
+            </a:r>
+          </a:p>
+        </p:txBody>
+      </p:sp>
     </p:spTree>
     <p:extLst>
       <p:ext uri="{BB962C8B-B14F-4D97-AF65-F5344CB8AC3E}">
@@ -8374,96 +8325,6 @@
           <a:chExt cx="0" cy="0"/>
         </a:xfrm>
       </p:grpSpPr>
-      <p:pic>
-        <p:nvPicPr>
-          <p:cNvPr id="2" name="Imagen 1">
-            <a:extLst>
-              <a:ext uri="{FF2B5EF4-FFF2-40B4-BE49-F238E27FC236}">
-                <a16:creationId xmlns:a16="http://schemas.microsoft.com/office/drawing/2014/main" id="{2F07326D-928C-44D3-BEB6-52663956B40A}"/>
-              </a:ext>
-            </a:extLst>
-          </p:cNvPr>
-          <p:cNvPicPr>
-            <a:picLocks noChangeAspect="1"/>
-          </p:cNvPicPr>
-          <p:nvPr/>
-        </p:nvPicPr>
-        <p:blipFill>
-          <a:blip r:embed="rId2"/>
-          <a:stretch>
-            <a:fillRect/>
-          </a:stretch>
-        </p:blipFill>
-        <p:spPr>
-          <a:xfrm>
-            <a:off x="368629" y="195615"/>
-            <a:ext cx="5068007" cy="3343742"/>
-          </a:xfrm>
-          <a:prstGeom prst="rect">
-            <a:avLst/>
-          </a:prstGeom>
-        </p:spPr>
-      </p:pic>
-      <p:pic>
-        <p:nvPicPr>
-          <p:cNvPr id="3" name="Imagen 2">
-            <a:extLst>
-              <a:ext uri="{FF2B5EF4-FFF2-40B4-BE49-F238E27FC236}">
-                <a16:creationId xmlns:a16="http://schemas.microsoft.com/office/drawing/2014/main" id="{15D4083A-B65D-405B-B6A1-9605D2A522FA}"/>
-              </a:ext>
-            </a:extLst>
-          </p:cNvPr>
-          <p:cNvPicPr>
-            <a:picLocks noChangeAspect="1"/>
-          </p:cNvPicPr>
-          <p:nvPr/>
-        </p:nvPicPr>
-        <p:blipFill>
-          <a:blip r:embed="rId3"/>
-          <a:stretch>
-            <a:fillRect/>
-          </a:stretch>
-        </p:blipFill>
-        <p:spPr>
-          <a:xfrm>
-            <a:off x="5650330" y="195615"/>
-            <a:ext cx="4858428" cy="3353268"/>
-          </a:xfrm>
-          <a:prstGeom prst="rect">
-            <a:avLst/>
-          </a:prstGeom>
-        </p:spPr>
-      </p:pic>
-    </p:spTree>
-    <p:extLst>
-      <p:ext uri="{BB962C8B-B14F-4D97-AF65-F5344CB8AC3E}">
-        <p14:creationId xmlns:p14="http://schemas.microsoft.com/office/powerpoint/2010/main" val="1280332428"/>
-      </p:ext>
-    </p:extLst>
-  </p:cSld>
-  <p:clrMapOvr>
-    <a:masterClrMapping/>
-  </p:clrMapOvr>
-</p:sld>
-</file>
-
-<file path=ppt/slides/slide9.xml><?xml version="1.0" encoding="utf-8"?>
-<p:sld xmlns:a="http://schemas.openxmlformats.org/drawingml/2006/main" xmlns:r="http://schemas.openxmlformats.org/officeDocument/2006/relationships" xmlns:p="http://schemas.openxmlformats.org/presentationml/2006/main">
-  <p:cSld>
-    <p:spTree>
-      <p:nvGrpSpPr>
-        <p:cNvPr id="1" name=""/>
-        <p:cNvGrpSpPr/>
-        <p:nvPr/>
-      </p:nvGrpSpPr>
-      <p:grpSpPr>
-        <a:xfrm>
-          <a:off x="0" y="0"/>
-          <a:ext cx="0" cy="0"/>
-          <a:chOff x="0" y="0"/>
-          <a:chExt cx="0" cy="0"/>
-        </a:xfrm>
-      </p:grpSpPr>
       <p:sp>
         <p:nvSpPr>
           <p:cNvPr id="2" name="Título 1">
@@ -8519,8 +8380,8 @@
         </p:blipFill>
         <p:spPr>
           <a:xfrm>
-            <a:off x="969442" y="1753390"/>
-            <a:ext cx="4991797" cy="3372321"/>
+            <a:off x="141540" y="2706131"/>
+            <a:ext cx="5986957" cy="4044624"/>
           </a:xfrm>
           <a:prstGeom prst="rect">
             <a:avLst/>
@@ -8549,8 +8410,196 @@
         </p:blipFill>
         <p:spPr>
           <a:xfrm>
-            <a:off x="6133210" y="1753390"/>
-            <a:ext cx="5144218" cy="3486637"/>
+            <a:off x="6082984" y="2706131"/>
+            <a:ext cx="5967476" cy="4044623"/>
+          </a:xfrm>
+          <a:prstGeom prst="rect">
+            <a:avLst/>
+          </a:prstGeom>
+        </p:spPr>
+      </p:pic>
+      <p:sp>
+        <p:nvSpPr>
+          <p:cNvPr id="5" name="CuadroTexto 4">
+            <a:extLst>
+              <a:ext uri="{FF2B5EF4-FFF2-40B4-BE49-F238E27FC236}">
+                <a16:creationId xmlns:a16="http://schemas.microsoft.com/office/drawing/2014/main" id="{F6F2929A-728E-BB4F-AA51-AD20BD5AA786}"/>
+              </a:ext>
+            </a:extLst>
+          </p:cNvPr>
+          <p:cNvSpPr txBox="1"/>
+          <p:nvPr/>
+        </p:nvSpPr>
+        <p:spPr>
+          <a:xfrm>
+            <a:off x="141540" y="2059800"/>
+            <a:ext cx="3739507" cy="646331"/>
+          </a:xfrm>
+          <a:prstGeom prst="rect">
+            <a:avLst/>
+          </a:prstGeom>
+          <a:noFill/>
+        </p:spPr>
+        <p:txBody>
+          <a:bodyPr wrap="square" rtlCol="0">
+            <a:spAutoFit/>
+          </a:bodyPr>
+          <a:lstStyle/>
+          <a:p>
+            <a:r>
+              <a:rPr lang="es-MX" dirty="0"/>
+              <a:t>Solución analítica para la masa 1 (x1)</a:t>
+            </a:r>
+          </a:p>
+        </p:txBody>
+      </p:sp>
+      <p:sp>
+        <p:nvSpPr>
+          <p:cNvPr id="6" name="CuadroTexto 5">
+            <a:extLst>
+              <a:ext uri="{FF2B5EF4-FFF2-40B4-BE49-F238E27FC236}">
+                <a16:creationId xmlns:a16="http://schemas.microsoft.com/office/drawing/2014/main" id="{5C2C2A5D-0697-1A40-A627-5D15AC171721}"/>
+              </a:ext>
+            </a:extLst>
+          </p:cNvPr>
+          <p:cNvSpPr txBox="1"/>
+          <p:nvPr/>
+        </p:nvSpPr>
+        <p:spPr>
+          <a:xfrm>
+            <a:off x="6082984" y="2124222"/>
+            <a:ext cx="3739507" cy="646331"/>
+          </a:xfrm>
+          <a:prstGeom prst="rect">
+            <a:avLst/>
+          </a:prstGeom>
+          <a:noFill/>
+        </p:spPr>
+        <p:txBody>
+          <a:bodyPr wrap="square" rtlCol="0">
+            <a:spAutoFit/>
+          </a:bodyPr>
+          <a:lstStyle/>
+          <a:p>
+            <a:r>
+              <a:rPr lang="es-MX" dirty="0"/>
+              <a:t>Solución analítica para la masa 2 (x2)</a:t>
+            </a:r>
+          </a:p>
+        </p:txBody>
+      </p:sp>
+    </p:spTree>
+    <p:extLst>
+      <p:ext uri="{BB962C8B-B14F-4D97-AF65-F5344CB8AC3E}">
+        <p14:creationId xmlns:p14="http://schemas.microsoft.com/office/powerpoint/2010/main" val="1686203095"/>
+      </p:ext>
+    </p:extLst>
+  </p:cSld>
+  <p:clrMapOvr>
+    <a:masterClrMapping/>
+  </p:clrMapOvr>
+</p:sld>
+</file>
+
+<file path=ppt/slides/slide9.xml><?xml version="1.0" encoding="utf-8"?>
+<p:sld xmlns:a="http://schemas.openxmlformats.org/drawingml/2006/main" xmlns:r="http://schemas.openxmlformats.org/officeDocument/2006/relationships" xmlns:p="http://schemas.openxmlformats.org/presentationml/2006/main">
+  <p:cSld>
+    <p:spTree>
+      <p:nvGrpSpPr>
+        <p:cNvPr id="1" name=""/>
+        <p:cNvGrpSpPr/>
+        <p:nvPr/>
+      </p:nvGrpSpPr>
+      <p:grpSpPr>
+        <a:xfrm>
+          <a:off x="0" y="0"/>
+          <a:ext cx="0" cy="0"/>
+          <a:chOff x="0" y="0"/>
+          <a:chExt cx="0" cy="0"/>
+        </a:xfrm>
+      </p:grpSpPr>
+      <p:sp>
+        <p:nvSpPr>
+          <p:cNvPr id="2" name="Título 1">
+            <a:extLst>
+              <a:ext uri="{FF2B5EF4-FFF2-40B4-BE49-F238E27FC236}">
+                <a16:creationId xmlns:a16="http://schemas.microsoft.com/office/drawing/2014/main" id="{486787EA-34B2-4FA6-9C5A-CAD89B426C9C}"/>
+              </a:ext>
+            </a:extLst>
+          </p:cNvPr>
+          <p:cNvSpPr>
+            <a:spLocks noGrp="1"/>
+          </p:cNvSpPr>
+          <p:nvPr>
+            <p:ph type="title"/>
+          </p:nvPr>
+        </p:nvSpPr>
+        <p:spPr/>
+        <p:txBody>
+          <a:bodyPr/>
+          <a:lstStyle/>
+          <a:p>
+            <a:r>
+              <a:rPr lang="es-MX" dirty="0"/>
+              <a:t>Comparativa de la solución analítica y la solución numérica dada por Python.</a:t>
+            </a:r>
+          </a:p>
+        </p:txBody>
+      </p:sp>
+      <p:pic>
+        <p:nvPicPr>
+          <p:cNvPr id="3" name="Imagen 2">
+            <a:extLst>
+              <a:ext uri="{FF2B5EF4-FFF2-40B4-BE49-F238E27FC236}">
+                <a16:creationId xmlns:a16="http://schemas.microsoft.com/office/drawing/2014/main" id="{A996F0C4-D398-4EE0-9E93-C0EB177FE4AF}"/>
+              </a:ext>
+            </a:extLst>
+          </p:cNvPr>
+          <p:cNvPicPr>
+            <a:picLocks noChangeAspect="1"/>
+          </p:cNvPicPr>
+          <p:nvPr/>
+        </p:nvPicPr>
+        <p:blipFill>
+          <a:blip r:embed="rId2"/>
+          <a:stretch>
+            <a:fillRect/>
+          </a:stretch>
+        </p:blipFill>
+        <p:spPr>
+          <a:xfrm>
+            <a:off x="754108" y="2318727"/>
+            <a:ext cx="4944165" cy="3486637"/>
+          </a:xfrm>
+          <a:prstGeom prst="rect">
+            <a:avLst/>
+          </a:prstGeom>
+        </p:spPr>
+      </p:pic>
+      <p:pic>
+        <p:nvPicPr>
+          <p:cNvPr id="4" name="Imagen 3">
+            <a:extLst>
+              <a:ext uri="{FF2B5EF4-FFF2-40B4-BE49-F238E27FC236}">
+                <a16:creationId xmlns:a16="http://schemas.microsoft.com/office/drawing/2014/main" id="{B5D4B34E-30D8-422E-B3B1-A0538FA0C49B}"/>
+              </a:ext>
+            </a:extLst>
+          </p:cNvPr>
+          <p:cNvPicPr>
+            <a:picLocks noChangeAspect="1"/>
+          </p:cNvPicPr>
+          <p:nvPr/>
+        </p:nvPicPr>
+        <p:blipFill>
+          <a:blip r:embed="rId3"/>
+          <a:stretch>
+            <a:fillRect/>
+          </a:stretch>
+        </p:blipFill>
+        <p:spPr>
+          <a:xfrm>
+            <a:off x="5996023" y="2483348"/>
+            <a:ext cx="4753638" cy="3353268"/>
           </a:xfrm>
           <a:prstGeom prst="rect">
             <a:avLst/>
@@ -8560,7 +8609,7 @@
     </p:spTree>
     <p:extLst>
       <p:ext uri="{BB962C8B-B14F-4D97-AF65-F5344CB8AC3E}">
-        <p14:creationId xmlns:p14="http://schemas.microsoft.com/office/powerpoint/2010/main" val="1686203095"/>
+        <p14:creationId xmlns:p14="http://schemas.microsoft.com/office/powerpoint/2010/main" val="1512784384"/>
       </p:ext>
     </p:extLst>
   </p:cSld>

--- a/Presentación módulo 3.pptx
+++ b/Presentación módulo 3.pptx
@@ -577,7 +577,7 @@
           <a:p>
             <a:fld id="{073ED0CC-082F-4160-86E5-0D6041F12778}" type="datetime1">
               <a:rPr lang="en-US" smtClean="0"/>
-              <a:t>12/2/19</a:t>
+              <a:t>12/2/2019</a:t>
             </a:fld>
             <a:endParaRPr lang="en-US" dirty="0"/>
           </a:p>
@@ -869,7 +869,7 @@
           <a:p>
             <a:fld id="{073ED0CC-082F-4160-86E5-0D6041F12778}" type="datetime1">
               <a:rPr lang="en-US" smtClean="0"/>
-              <a:t>12/2/19</a:t>
+              <a:t>12/2/2019</a:t>
             </a:fld>
             <a:endParaRPr lang="en-US" dirty="0"/>
           </a:p>
@@ -1129,7 +1129,7 @@
           <a:p>
             <a:fld id="{073ED0CC-082F-4160-86E5-0D6041F12778}" type="datetime1">
               <a:rPr lang="en-US" smtClean="0"/>
-              <a:t>12/2/19</a:t>
+              <a:t>12/2/2019</a:t>
             </a:fld>
             <a:endParaRPr lang="en-US" dirty="0"/>
           </a:p>
@@ -1599,7 +1599,7 @@
           <a:p>
             <a:fld id="{073ED0CC-082F-4160-86E5-0D6041F12778}" type="datetime1">
               <a:rPr lang="en-US" smtClean="0"/>
-              <a:t>12/2/19</a:t>
+              <a:t>12/2/2019</a:t>
             </a:fld>
             <a:endParaRPr lang="en-US" dirty="0"/>
           </a:p>
@@ -1780,7 +1780,7 @@
           <a:p>
             <a:fld id="{073ED0CC-082F-4160-86E5-0D6041F12778}" type="datetime1">
               <a:rPr lang="en-US" smtClean="0"/>
-              <a:t>12/2/19</a:t>
+              <a:t>12/2/2019</a:t>
             </a:fld>
             <a:endParaRPr lang="en-US" dirty="0"/>
           </a:p>
@@ -2357,7 +2357,7 @@
           <a:p>
             <a:fld id="{073ED0CC-082F-4160-86E5-0D6041F12778}" type="datetime1">
               <a:rPr lang="en-US" smtClean="0"/>
-              <a:t>12/2/19</a:t>
+              <a:t>12/2/2019</a:t>
             </a:fld>
             <a:endParaRPr lang="en-US" dirty="0"/>
           </a:p>
@@ -2690,7 +2690,7 @@
           <a:p>
             <a:fld id="{073ED0CC-082F-4160-86E5-0D6041F12778}" type="datetime1">
               <a:rPr lang="en-US" smtClean="0"/>
-              <a:t>12/2/19</a:t>
+              <a:t>12/2/2019</a:t>
             </a:fld>
             <a:endParaRPr lang="en-US" dirty="0"/>
           </a:p>
@@ -2866,7 +2866,7 @@
           <a:p>
             <a:fld id="{073ED0CC-082F-4160-86E5-0D6041F12778}" type="datetime1">
               <a:rPr lang="en-US" smtClean="0"/>
-              <a:t>12/2/19</a:t>
+              <a:t>12/2/2019</a:t>
             </a:fld>
             <a:endParaRPr lang="en-US" dirty="0"/>
           </a:p>
@@ -3047,7 +3047,7 @@
           <a:p>
             <a:fld id="{073ED0CC-082F-4160-86E5-0D6041F12778}" type="datetime1">
               <a:rPr lang="en-US" smtClean="0"/>
-              <a:t>12/2/19</a:t>
+              <a:t>12/2/2019</a:t>
             </a:fld>
             <a:endParaRPr lang="en-US" dirty="0"/>
           </a:p>
@@ -3218,7 +3218,7 @@
           <a:p>
             <a:fld id="{073ED0CC-082F-4160-86E5-0D6041F12778}" type="datetime1">
               <a:rPr lang="en-US" smtClean="0"/>
-              <a:t>12/2/19</a:t>
+              <a:t>12/2/2019</a:t>
             </a:fld>
             <a:endParaRPr lang="en-US" dirty="0"/>
           </a:p>
@@ -3476,7 +3476,7 @@
           <a:p>
             <a:fld id="{073ED0CC-082F-4160-86E5-0D6041F12778}" type="datetime1">
               <a:rPr lang="en-US" smtClean="0"/>
-              <a:t>12/2/19</a:t>
+              <a:t>12/2/2019</a:t>
             </a:fld>
             <a:endParaRPr lang="en-US" dirty="0"/>
           </a:p>
@@ -3769,7 +3769,7 @@
           <a:p>
             <a:fld id="{073ED0CC-082F-4160-86E5-0D6041F12778}" type="datetime1">
               <a:rPr lang="en-US" smtClean="0"/>
-              <a:t>12/2/19</a:t>
+              <a:t>12/2/2019</a:t>
             </a:fld>
             <a:endParaRPr lang="en-US" dirty="0"/>
           </a:p>
@@ -4200,7 +4200,7 @@
           <a:p>
             <a:fld id="{073ED0CC-082F-4160-86E5-0D6041F12778}" type="datetime1">
               <a:rPr lang="en-US" smtClean="0"/>
-              <a:t>12/2/19</a:t>
+              <a:t>12/2/2019</a:t>
             </a:fld>
             <a:endParaRPr lang="en-US" dirty="0"/>
           </a:p>
@@ -4319,7 +4319,7 @@
           <a:p>
             <a:fld id="{073ED0CC-082F-4160-86E5-0D6041F12778}" type="datetime1">
               <a:rPr lang="en-US" smtClean="0"/>
-              <a:t>12/2/19</a:t>
+              <a:t>12/2/2019</a:t>
             </a:fld>
             <a:endParaRPr lang="en-US" dirty="0"/>
           </a:p>
@@ -4415,7 +4415,7 @@
           <a:p>
             <a:fld id="{073ED0CC-082F-4160-86E5-0D6041F12778}" type="datetime1">
               <a:rPr lang="en-US" smtClean="0"/>
-              <a:t>12/2/19</a:t>
+              <a:t>12/2/2019</a:t>
             </a:fld>
             <a:endParaRPr lang="en-US" dirty="0"/>
           </a:p>
@@ -4699,7 +4699,7 @@
           <a:p>
             <a:fld id="{073ED0CC-082F-4160-86E5-0D6041F12778}" type="datetime1">
               <a:rPr lang="en-US" smtClean="0"/>
-              <a:t>12/2/19</a:t>
+              <a:t>12/2/2019</a:t>
             </a:fld>
             <a:endParaRPr lang="en-US" dirty="0"/>
           </a:p>
@@ -4991,7 +4991,7 @@
           <a:p>
             <a:fld id="{073ED0CC-082F-4160-86E5-0D6041F12778}" type="datetime1">
               <a:rPr lang="en-US" smtClean="0"/>
-              <a:t>12/2/19</a:t>
+              <a:t>12/2/2019</a:t>
             </a:fld>
             <a:endParaRPr lang="en-US" dirty="0"/>
           </a:p>
@@ -5223,7 +5223,7 @@
           <a:p>
             <a:fld id="{073ED0CC-082F-4160-86E5-0D6041F12778}" type="datetime1">
               <a:rPr lang="en-US" smtClean="0"/>
-              <a:t>12/2/19</a:t>
+              <a:t>12/2/2019</a:t>
             </a:fld>
             <a:endParaRPr lang="en-US" dirty="0"/>
           </a:p>
@@ -7680,12 +7680,57 @@
           </p:sp>
         </mc:Fallback>
       </mc:AlternateContent>
+      <p:sp>
+        <p:nvSpPr>
+          <p:cNvPr id="4" name="AutoShape 2">
+            <a:extLst>
+              <a:ext uri="{FF2B5EF4-FFF2-40B4-BE49-F238E27FC236}">
+                <a16:creationId xmlns:a16="http://schemas.microsoft.com/office/drawing/2014/main" id="{AA19C2F3-879B-48A0-9E74-08ECF51B9731}"/>
+              </a:ext>
+            </a:extLst>
+          </p:cNvPr>
+          <p:cNvSpPr>
+            <a:spLocks noChangeAspect="1" noChangeArrowheads="1"/>
+          </p:cNvSpPr>
+          <p:nvPr/>
+        </p:nvSpPr>
+        <p:spPr bwMode="auto">
+          <a:xfrm>
+            <a:off x="9544929" y="3637669"/>
+            <a:ext cx="2201593" cy="2201593"/>
+          </a:xfrm>
+          <a:prstGeom prst="rect">
+            <a:avLst/>
+          </a:prstGeom>
+          <a:noFill/>
+          <a:extLst>
+            <a:ext uri="{909E8E84-426E-40DD-AFC4-6F175D3DCCD1}">
+              <a14:hiddenFill xmlns:a14="http://schemas.microsoft.com/office/drawing/2010/main">
+                <a:solidFill>
+                  <a:srgbClr val="FFFFFF"/>
+                </a:solidFill>
+              </a14:hiddenFill>
+            </a:ext>
+          </a:extLst>
+        </p:spPr>
+        <p:txBody>
+          <a:bodyPr vert="horz" wrap="square" lIns="91440" tIns="45720" rIns="91440" bIns="45720" numCol="1" anchor="t" anchorCtr="0" compatLnSpc="1">
+            <a:prstTxWarp prst="textNoShape">
+              <a:avLst/>
+            </a:prstTxWarp>
+          </a:bodyPr>
+          <a:lstStyle/>
+          <a:p>
+            <a:endParaRPr lang="es-MX"/>
+          </a:p>
+        </p:txBody>
+      </p:sp>
       <p:pic>
         <p:nvPicPr>
-          <p:cNvPr id="5" name="Imagen 4">
+          <p:cNvPr id="7" name="Imagen 6">
             <a:extLst>
               <a:ext uri="{FF2B5EF4-FFF2-40B4-BE49-F238E27FC236}">
-                <a16:creationId xmlns:a16="http://schemas.microsoft.com/office/drawing/2014/main" id="{2CF100CA-4F84-4E27-954F-D2E6FA2C87C6}"/>
+                <a16:creationId xmlns:a16="http://schemas.microsoft.com/office/drawing/2014/main" id="{B895196E-F706-4587-A7D8-4A8570422992}"/>
               </a:ext>
             </a:extLst>
           </p:cNvPr>
@@ -7702,8 +7747,8 @@
         </p:blipFill>
         <p:spPr>
           <a:xfrm>
-            <a:off x="7821637" y="3119872"/>
-            <a:ext cx="4093698" cy="3329328"/>
+            <a:off x="8354157" y="2785402"/>
+            <a:ext cx="2804161" cy="3738881"/>
           </a:xfrm>
           <a:prstGeom prst="rect">
             <a:avLst/>

--- a/Presentación módulo 3.pptx
+++ b/Presentación módulo 3.pptx
@@ -125,6 +125,91 @@
 <file path=ppt/changesInfos/changesInfo1.xml><?xml version="1.0" encoding="utf-8"?>
 <pc:chgInfo xmlns:a="http://schemas.openxmlformats.org/drawingml/2006/main" xmlns:r="http://schemas.openxmlformats.org/officeDocument/2006/relationships" xmlns:ac="http://schemas.microsoft.com/office/drawing/2013/main/command" xmlns:pc="http://schemas.microsoft.com/office/powerpoint/2013/main/command">
   <pc:docChgLst>
+    <pc:chgData name="RUBEN HERNANDEZ GUEVARA" userId="08384712-03f0-464d-8ad7-de766f15b0ea" providerId="ADAL" clId="{EADF61A9-9F1B-498C-9226-EF7003170C68}"/>
+    <pc:docChg chg="custSel modSld">
+      <pc:chgData name="RUBEN HERNANDEZ GUEVARA" userId="08384712-03f0-464d-8ad7-de766f15b0ea" providerId="ADAL" clId="{EADF61A9-9F1B-498C-9226-EF7003170C68}" dt="2019-12-02T17:43:15.588" v="16"/>
+      <pc:docMkLst>
+        <pc:docMk/>
+      </pc:docMkLst>
+      <pc:sldChg chg="addSp modSp">
+        <pc:chgData name="RUBEN HERNANDEZ GUEVARA" userId="08384712-03f0-464d-8ad7-de766f15b0ea" providerId="ADAL" clId="{EADF61A9-9F1B-498C-9226-EF7003170C68}" dt="2019-12-02T17:43:15.588" v="16"/>
+        <pc:sldMkLst>
+          <pc:docMk/>
+          <pc:sldMk cId="2668546851" sldId="257"/>
+        </pc:sldMkLst>
+        <pc:spChg chg="mod">
+          <ac:chgData name="RUBEN HERNANDEZ GUEVARA" userId="08384712-03f0-464d-8ad7-de766f15b0ea" providerId="ADAL" clId="{EADF61A9-9F1B-498C-9226-EF7003170C68}" dt="2019-12-02T17:43:15.588" v="16"/>
+          <ac:spMkLst>
+            <pc:docMk/>
+            <pc:sldMk cId="2668546851" sldId="257"/>
+            <ac:spMk id="2" creationId="{989A579A-3593-4A4A-80F0-673AE79A3B5B}"/>
+          </ac:spMkLst>
+        </pc:spChg>
+        <pc:spChg chg="mod">
+          <ac:chgData name="RUBEN HERNANDEZ GUEVARA" userId="08384712-03f0-464d-8ad7-de766f15b0ea" providerId="ADAL" clId="{EADF61A9-9F1B-498C-9226-EF7003170C68}" dt="2019-12-02T17:43:06.361" v="15"/>
+          <ac:spMkLst>
+            <pc:docMk/>
+            <pc:sldMk cId="2668546851" sldId="257"/>
+            <ac:spMk id="3" creationId="{E4B5FA32-4152-4BB0-BB25-59F36693AC07}"/>
+          </ac:spMkLst>
+        </pc:spChg>
+        <pc:picChg chg="add mod">
+          <ac:chgData name="RUBEN HERNANDEZ GUEVARA" userId="08384712-03f0-464d-8ad7-de766f15b0ea" providerId="ADAL" clId="{EADF61A9-9F1B-498C-9226-EF7003170C68}" dt="2019-12-02T17:41:45.848" v="9" actId="1076"/>
+          <ac:picMkLst>
+            <pc:docMk/>
+            <pc:sldMk cId="2668546851" sldId="257"/>
+            <ac:picMk id="5" creationId="{144C4628-3A79-4573-AA84-6B4DCA613636}"/>
+          </ac:picMkLst>
+        </pc:picChg>
+      </pc:sldChg>
+      <pc:sldChg chg="modSp">
+        <pc:chgData name="RUBEN HERNANDEZ GUEVARA" userId="08384712-03f0-464d-8ad7-de766f15b0ea" providerId="ADAL" clId="{EADF61A9-9F1B-498C-9226-EF7003170C68}" dt="2019-12-02T17:37:16.186" v="1" actId="1076"/>
+        <pc:sldMkLst>
+          <pc:docMk/>
+          <pc:sldMk cId="2443520311" sldId="259"/>
+        </pc:sldMkLst>
+        <pc:spChg chg="mod">
+          <ac:chgData name="RUBEN HERNANDEZ GUEVARA" userId="08384712-03f0-464d-8ad7-de766f15b0ea" providerId="ADAL" clId="{EADF61A9-9F1B-498C-9226-EF7003170C68}" dt="2019-12-02T17:37:16.186" v="1" actId="1076"/>
+          <ac:spMkLst>
+            <pc:docMk/>
+            <pc:sldMk cId="2443520311" sldId="259"/>
+            <ac:spMk id="3" creationId="{2962C3A8-24EA-4FD4-8E0A-15A10F433B35}"/>
+          </ac:spMkLst>
+        </pc:spChg>
+      </pc:sldChg>
+      <pc:sldChg chg="modSp">
+        <pc:chgData name="RUBEN HERNANDEZ GUEVARA" userId="08384712-03f0-464d-8ad7-de766f15b0ea" providerId="ADAL" clId="{EADF61A9-9F1B-498C-9226-EF7003170C68}" dt="2019-12-02T17:37:48.252" v="3" actId="1076"/>
+        <pc:sldMkLst>
+          <pc:docMk/>
+          <pc:sldMk cId="3839328021" sldId="260"/>
+        </pc:sldMkLst>
+        <pc:spChg chg="mod">
+          <ac:chgData name="RUBEN HERNANDEZ GUEVARA" userId="08384712-03f0-464d-8ad7-de766f15b0ea" providerId="ADAL" clId="{EADF61A9-9F1B-498C-9226-EF7003170C68}" dt="2019-12-02T17:37:48.252" v="3" actId="1076"/>
+          <ac:spMkLst>
+            <pc:docMk/>
+            <pc:sldMk cId="3839328021" sldId="260"/>
+            <ac:spMk id="3" creationId="{19736CAE-E289-49E9-907B-4670DC37DBBB}"/>
+          </ac:spMkLst>
+        </pc:spChg>
+      </pc:sldChg>
+      <pc:sldChg chg="modSp">
+        <pc:chgData name="RUBEN HERNANDEZ GUEVARA" userId="08384712-03f0-464d-8ad7-de766f15b0ea" providerId="ADAL" clId="{EADF61A9-9F1B-498C-9226-EF7003170C68}" dt="2019-12-02T17:36:29.630" v="0" actId="20577"/>
+        <pc:sldMkLst>
+          <pc:docMk/>
+          <pc:sldMk cId="745074821" sldId="263"/>
+        </pc:sldMkLst>
+        <pc:spChg chg="mod">
+          <ac:chgData name="RUBEN HERNANDEZ GUEVARA" userId="08384712-03f0-464d-8ad7-de766f15b0ea" providerId="ADAL" clId="{EADF61A9-9F1B-498C-9226-EF7003170C68}" dt="2019-12-02T17:36:29.630" v="0" actId="20577"/>
+          <ac:spMkLst>
+            <pc:docMk/>
+            <pc:sldMk cId="745074821" sldId="263"/>
+            <ac:spMk id="3" creationId="{822DF433-3AD3-403C-A38C-B587BEED1FB5}"/>
+          </ac:spMkLst>
+        </pc:spChg>
+      </pc:sldChg>
+    </pc:docChg>
+  </pc:docChgLst>
+  <pc:docChgLst>
     <pc:chgData name="HERNANDEZ GUEVARA, RUBEN" userId="08384712-03f0-464d-8ad7-de766f15b0ea" providerId="ADAL" clId="{89551EF5-BCE1-4DAA-85CF-E8F22E95B5D7}"/>
     <pc:docChg chg="custSel modSld">
       <pc:chgData name="HERNANDEZ GUEVARA, RUBEN" userId="08384712-03f0-464d-8ad7-de766f15b0ea" providerId="ADAL" clId="{89551EF5-BCE1-4DAA-85CF-E8F22E95B5D7}" dt="2019-12-01T19:48:22.849" v="15" actId="313"/>
@@ -178,85 +263,6 @@
       <pc:docMkLst>
         <pc:docMk/>
       </pc:docMkLst>
-      <pc:sldChg chg="addSp delSp modSp del setBg">
-        <pc:chgData name="CASTELLANOS CISNEROS, MIRIAM" userId="cc3e60e2-d848-4d5e-915b-29679e0a3e96" providerId="ADAL" clId="{0CC2B96C-8C16-6948-8F5E-71C9436FA720}" dt="2019-11-28T22:46:15.488" v="45" actId="2696"/>
-        <pc:sldMkLst>
-          <pc:docMk/>
-          <pc:sldMk cId="685590734" sldId="256"/>
-        </pc:sldMkLst>
-        <pc:spChg chg="mod">
-          <ac:chgData name="CASTELLANOS CISNEROS, MIRIAM" userId="cc3e60e2-d848-4d5e-915b-29679e0a3e96" providerId="ADAL" clId="{0CC2B96C-8C16-6948-8F5E-71C9436FA720}" dt="2019-11-28T22:44:44.739" v="9" actId="26606"/>
-          <ac:spMkLst>
-            <pc:docMk/>
-            <pc:sldMk cId="685590734" sldId="256"/>
-            <ac:spMk id="2" creationId="{B77DA9E0-114E-E24A-8191-C3EC2C8FB898}"/>
-          </ac:spMkLst>
-        </pc:spChg>
-        <pc:spChg chg="mod">
-          <ac:chgData name="CASTELLANOS CISNEROS, MIRIAM" userId="cc3e60e2-d848-4d5e-915b-29679e0a3e96" providerId="ADAL" clId="{0CC2B96C-8C16-6948-8F5E-71C9436FA720}" dt="2019-11-28T22:44:44.739" v="9" actId="26606"/>
-          <ac:spMkLst>
-            <pc:docMk/>
-            <pc:sldMk cId="685590734" sldId="256"/>
-            <ac:spMk id="3" creationId="{F9C531AC-5185-044F-8BE9-245D662557F9}"/>
-          </ac:spMkLst>
-        </pc:spChg>
-        <pc:spChg chg="ord">
-          <ac:chgData name="CASTELLANOS CISNEROS, MIRIAM" userId="cc3e60e2-d848-4d5e-915b-29679e0a3e96" providerId="ADAL" clId="{0CC2B96C-8C16-6948-8F5E-71C9436FA720}" dt="2019-11-28T22:44:44.739" v="9" actId="26606"/>
-          <ac:spMkLst>
-            <pc:docMk/>
-            <pc:sldMk cId="685590734" sldId="256"/>
-            <ac:spMk id="9" creationId="{2480B623-3A17-3A4E-8175-ADC474F47AE2}"/>
-          </ac:spMkLst>
-        </pc:spChg>
-        <pc:spChg chg="del">
-          <ac:chgData name="CASTELLANOS CISNEROS, MIRIAM" userId="cc3e60e2-d848-4d5e-915b-29679e0a3e96" providerId="ADAL" clId="{0CC2B96C-8C16-6948-8F5E-71C9436FA720}" dt="2019-11-28T22:44:44.739" v="9" actId="26606"/>
-          <ac:spMkLst>
-            <pc:docMk/>
-            <pc:sldMk cId="685590734" sldId="256"/>
-            <ac:spMk id="10" creationId="{72CA733A-8D25-4E63-8273-CC14052E0E8A}"/>
-          </ac:spMkLst>
-        </pc:spChg>
-        <pc:spChg chg="add">
-          <ac:chgData name="CASTELLANOS CISNEROS, MIRIAM" userId="cc3e60e2-d848-4d5e-915b-29679e0a3e96" providerId="ADAL" clId="{0CC2B96C-8C16-6948-8F5E-71C9436FA720}" dt="2019-11-28T22:44:44.739" v="9" actId="26606"/>
-          <ac:spMkLst>
-            <pc:docMk/>
-            <pc:sldMk cId="685590734" sldId="256"/>
-            <ac:spMk id="17" creationId="{1E70A317-DCED-4E80-AA2D-467D8702E5CB}"/>
-          </ac:spMkLst>
-        </pc:spChg>
-        <pc:spChg chg="add">
-          <ac:chgData name="CASTELLANOS CISNEROS, MIRIAM" userId="cc3e60e2-d848-4d5e-915b-29679e0a3e96" providerId="ADAL" clId="{0CC2B96C-8C16-6948-8F5E-71C9436FA720}" dt="2019-11-28T22:44:44.739" v="9" actId="26606"/>
-          <ac:spMkLst>
-            <pc:docMk/>
-            <pc:sldMk cId="685590734" sldId="256"/>
-            <ac:spMk id="19" creationId="{A6D87845-294F-40CB-BC48-46455460D292}"/>
-          </ac:spMkLst>
-        </pc:spChg>
-        <pc:picChg chg="add mod">
-          <ac:chgData name="CASTELLANOS CISNEROS, MIRIAM" userId="cc3e60e2-d848-4d5e-915b-29679e0a3e96" providerId="ADAL" clId="{0CC2B96C-8C16-6948-8F5E-71C9436FA720}" dt="2019-11-28T22:44:44.739" v="9" actId="26606"/>
-          <ac:picMkLst>
-            <pc:docMk/>
-            <pc:sldMk cId="685590734" sldId="256"/>
-            <ac:picMk id="4" creationId="{A6A65CE3-144D-AF4A-8E03-632223272CD0}"/>
-          </ac:picMkLst>
-        </pc:picChg>
-        <pc:picChg chg="del mod">
-          <ac:chgData name="CASTELLANOS CISNEROS, MIRIAM" userId="cc3e60e2-d848-4d5e-915b-29679e0a3e96" providerId="ADAL" clId="{0CC2B96C-8C16-6948-8F5E-71C9436FA720}" dt="2019-11-28T22:41:31.225" v="6" actId="478"/>
-          <ac:picMkLst>
-            <pc:docMk/>
-            <pc:sldMk cId="685590734" sldId="256"/>
-            <ac:picMk id="5" creationId="{D336E8EF-D1C0-4911-8697-55360E43B0D4}"/>
-          </ac:picMkLst>
-        </pc:picChg>
-        <pc:picChg chg="del">
-          <ac:chgData name="CASTELLANOS CISNEROS, MIRIAM" userId="cc3e60e2-d848-4d5e-915b-29679e0a3e96" providerId="ADAL" clId="{0CC2B96C-8C16-6948-8F5E-71C9436FA720}" dt="2019-11-28T22:44:44.739" v="9" actId="26606"/>
-          <ac:picMkLst>
-            <pc:docMk/>
-            <pc:sldMk cId="685590734" sldId="256"/>
-            <ac:picMk id="12" creationId="{2BFB581C-2142-4222-9A3B-905AD6C09535}"/>
-          </ac:picMkLst>
-        </pc:picChg>
-      </pc:sldChg>
       <pc:sldChg chg="addSp delSp modSp add mod setBg">
         <pc:chgData name="CASTELLANOS CISNEROS, MIRIAM" userId="cc3e60e2-d848-4d5e-915b-29679e0a3e96" providerId="ADAL" clId="{0CC2B96C-8C16-6948-8F5E-71C9436FA720}" dt="2019-11-28T22:52:42.863" v="241" actId="1582"/>
         <pc:sldMkLst>
@@ -351,13 +357,6 @@
             <ac:picMk id="7" creationId="{0648674A-8297-FD4C-A619-664BB71FCC41}"/>
           </ac:picMkLst>
         </pc:picChg>
-      </pc:sldChg>
-      <pc:sldChg chg="add">
-        <pc:chgData name="CASTELLANOS CISNEROS, MIRIAM" userId="cc3e60e2-d848-4d5e-915b-29679e0a3e96" providerId="ADAL" clId="{0CC2B96C-8C16-6948-8F5E-71C9436FA720}" dt="2019-11-28T22:49:37.461" v="223"/>
-        <pc:sldMkLst>
-          <pc:docMk/>
-          <pc:sldMk cId="977861380" sldId="257"/>
-        </pc:sldMkLst>
       </pc:sldChg>
     </pc:docChg>
   </pc:docChgLst>
@@ -6661,13 +6660,6 @@
           <a:p>
             <a:endParaRPr lang="es-ES" dirty="0"/>
           </a:p>
-          <a:p>
-            <a:r>
-              <a:rPr lang="es-ES" dirty="0"/>
-              <a:t>Se aprendió a resolver no solo esta ecuación, sino otras similares que involucren un sistema de resortes.</a:t>
-            </a:r>
-            <a:endParaRPr lang="es-MX" dirty="0"/>
-          </a:p>
         </p:txBody>
       </p:sp>
     </p:spTree>
@@ -6826,18 +6818,43 @@
         </p:nvSpPr>
         <p:spPr/>
         <p:txBody>
-          <a:bodyPr/>
+          <a:bodyPr>
+            <a:normAutofit fontScale="90000"/>
+          </a:bodyPr>
           <a:lstStyle/>
           <a:p>
             <a:r>
               <a:rPr lang="es-MX" dirty="0"/>
               <a:t>Objetivo General: </a:t>
             </a:r>
-            <a:r>
-              <a:rPr lang="es-ES" dirty="0"/>
+            <a:br>
+              <a:rPr lang="es-MX" dirty="0"/>
+            </a:br>
+            <a:r>
+              <a:rPr lang="es-ES" dirty="0">
+                <a:effectLst>
+                  <a:glow rad="38100">
+                    <a:schemeClr val="bg1">
+                      <a:lumMod val="65000"/>
+                      <a:lumOff val="35000"/>
+                      <a:alpha val="40000"/>
+                    </a:schemeClr>
+                  </a:glow>
+                </a:effectLst>
+              </a:rPr>
               <a:t>Resolver un problema de resortes acoplados mediante el uso de ecuaciones diferenciales.</a:t>
             </a:r>
-            <a:endParaRPr lang="es-MX" dirty="0"/>
+            <a:endParaRPr lang="es-MX" dirty="0">
+              <a:effectLst>
+                <a:glow rad="38100">
+                  <a:schemeClr val="bg1">
+                    <a:lumMod val="65000"/>
+                    <a:lumOff val="35000"/>
+                    <a:alpha val="40000"/>
+                  </a:schemeClr>
+                </a:glow>
+              </a:effectLst>
+            </a:endParaRPr>
           </a:p>
         </p:txBody>
       </p:sp>
@@ -6872,24 +6889,69 @@
           </a:p>
           <a:p>
             <a:r>
-              <a:rPr lang="es-ES" dirty="0"/>
+              <a:rPr lang="es-ES" dirty="0">
+                <a:effectLst>
+                  <a:glow rad="38100">
+                    <a:schemeClr val="bg1">
+                      <a:lumMod val="50000"/>
+                      <a:lumOff val="50000"/>
+                      <a:alpha val="20000"/>
+                    </a:schemeClr>
+                  </a:glow>
+                </a:effectLst>
+              </a:rPr>
               <a:t>Aprender a usar el sistema de ecuaciones diferenciales aplicado a una situación de interés.</a:t>
             </a:r>
           </a:p>
           <a:p>
             <a:r>
-              <a:rPr lang="es-ES" dirty="0"/>
-              <a:t>Manejar las librerías adecuadas para obtener una solución.</a:t>
-            </a:r>
-          </a:p>
-          <a:p>
-            <a:r>
-              <a:rPr lang="es-ES" dirty="0"/>
+              <a:rPr lang="es-MX" dirty="0">
+                <a:effectLst/>
+              </a:rPr>
               <a:t>Mediante el uso de lo aprendido en el Módulo 3 resolver correctamente la ecuación de resortes acoplados.</a:t>
             </a:r>
           </a:p>
-        </p:txBody>
-      </p:sp>
+          <a:p>
+            <a:r>
+              <a:rPr lang="es-MX" dirty="0">
+                <a:effectLst/>
+              </a:rPr>
+              <a:t>Resolver mediante método numérico y analítico y comparar.</a:t>
+            </a:r>
+            <a:endParaRPr lang="es-ES" dirty="0"/>
+          </a:p>
+        </p:txBody>
+      </p:sp>
+      <p:pic>
+        <p:nvPicPr>
+          <p:cNvPr id="5" name="Imagen 4">
+            <a:extLst>
+              <a:ext uri="{FF2B5EF4-FFF2-40B4-BE49-F238E27FC236}">
+                <a16:creationId xmlns:a16="http://schemas.microsoft.com/office/drawing/2014/main" id="{144C4628-3A79-4573-AA84-6B4DCA613636}"/>
+              </a:ext>
+            </a:extLst>
+          </p:cNvPr>
+          <p:cNvPicPr>
+            <a:picLocks noChangeAspect="1"/>
+          </p:cNvPicPr>
+          <p:nvPr/>
+        </p:nvPicPr>
+        <p:blipFill>
+          <a:blip r:embed="rId2"/>
+          <a:stretch>
+            <a:fillRect/>
+          </a:stretch>
+        </p:blipFill>
+        <p:spPr>
+          <a:xfrm>
+            <a:off x="10156055" y="4823534"/>
+            <a:ext cx="1935332" cy="1935332"/>
+          </a:xfrm>
+          <a:prstGeom prst="rect">
+            <a:avLst/>
+          </a:prstGeom>
+        </p:spPr>
+      </p:pic>
     </p:spTree>
     <p:extLst>
       <p:ext uri="{BB962C8B-B14F-4D97-AF65-F5344CB8AC3E}">
@@ -6964,7 +7026,12 @@
             <p:ph idx="1"/>
           </p:nvPr>
         </p:nvSpPr>
-        <p:spPr/>
+        <p:spPr>
+          <a:xfrm>
+            <a:off x="1647441" y="2338526"/>
+            <a:ext cx="8189018" cy="2908178"/>
+          </a:xfrm>
+        </p:spPr>
         <p:txBody>
           <a:bodyPr/>
           <a:lstStyle/>
@@ -7813,8 +7880,8 @@
           </a:p>
         </p:txBody>
       </p:sp>
-      <mc:AlternateContent xmlns:mc="http://schemas.openxmlformats.org/markup-compatibility/2006" xmlns:a14="http://schemas.microsoft.com/office/drawing/2010/main">
-        <mc:Choice Requires="a14">
+      <mc:AlternateContent xmlns:mc="http://schemas.openxmlformats.org/markup-compatibility/2006">
+        <mc:Choice xmlns:a14="http://schemas.microsoft.com/office/drawing/2010/main" Requires="a14">
           <p:sp>
             <p:nvSpPr>
               <p:cNvPr id="3" name="Marcador de contenido 2">
@@ -7831,7 +7898,12 @@
                 <p:ph idx="1"/>
               </p:nvPr>
             </p:nvSpPr>
-            <p:spPr/>
+            <p:spPr>
+              <a:xfrm>
+                <a:off x="1061514" y="1866899"/>
+                <a:ext cx="9905998" cy="3124201"/>
+              </a:xfrm>
+            </p:spPr>
             <p:txBody>
               <a:bodyPr/>
               <a:lstStyle/>
@@ -7977,7 +8049,7 @@
             </p:txBody>
           </p:sp>
         </mc:Choice>
-        <mc:Fallback xmlns="">
+        <mc:Fallback>
           <p:sp>
             <p:nvSpPr>
               <p:cNvPr id="3" name="Marcador de contenido 2">
@@ -7995,6 +8067,10 @@
               </p:nvPr>
             </p:nvSpPr>
             <p:spPr>
+              <a:xfrm>
+                <a:off x="1061514" y="1866899"/>
+                <a:ext cx="9905998" cy="3124201"/>
+              </a:xfrm>
               <a:blipFill>
                 <a:blip r:embed="rId2"/>
                 <a:stretch>

--- a/Presentación módulo 3.pptx
+++ b/Presentación módulo 3.pptx
@@ -10,12 +10,11 @@
     <p:sldId id="260" r:id="rId4"/>
     <p:sldId id="258" r:id="rId5"/>
     <p:sldId id="259" r:id="rId6"/>
-    <p:sldId id="261" r:id="rId7"/>
-    <p:sldId id="262" r:id="rId8"/>
-    <p:sldId id="266" r:id="rId9"/>
-    <p:sldId id="267" r:id="rId10"/>
-    <p:sldId id="263" r:id="rId11"/>
-    <p:sldId id="264" r:id="rId12"/>
+    <p:sldId id="262" r:id="rId7"/>
+    <p:sldId id="266" r:id="rId8"/>
+    <p:sldId id="267" r:id="rId9"/>
+    <p:sldId id="263" r:id="rId10"/>
+    <p:sldId id="264" r:id="rId11"/>
   </p:sldIdLst>
   <p:sldSz cx="12192000" cy="6858000"/>
   <p:notesSz cx="6858000" cy="9144000"/>
@@ -206,6 +205,249 @@
             <ac:spMk id="3" creationId="{822DF433-3AD3-403C-A38C-B587BEED1FB5}"/>
           </ac:spMkLst>
         </pc:spChg>
+      </pc:sldChg>
+    </pc:docChg>
+  </pc:docChgLst>
+  <pc:docChgLst>
+    <pc:chgData name="HERNANDEZ GUEVARA, RUBEN" userId="08384712-03f0-464d-8ad7-de766f15b0ea" providerId="ADAL" clId="{EADF61A9-9F1B-498C-9226-EF7003170C68}"/>
+    <pc:docChg chg="custSel delSld modSld">
+      <pc:chgData name="HERNANDEZ GUEVARA, RUBEN" userId="08384712-03f0-464d-8ad7-de766f15b0ea" providerId="ADAL" clId="{EADF61A9-9F1B-498C-9226-EF7003170C68}" dt="2019-12-02T18:40:35.157" v="101" actId="14100"/>
+      <pc:docMkLst>
+        <pc:docMk/>
+      </pc:docMkLst>
+      <pc:sldChg chg="modSp">
+        <pc:chgData name="HERNANDEZ GUEVARA, RUBEN" userId="08384712-03f0-464d-8ad7-de766f15b0ea" providerId="ADAL" clId="{EADF61A9-9F1B-498C-9226-EF7003170C68}" dt="2019-12-02T18:38:00.014" v="81" actId="123"/>
+        <pc:sldMkLst>
+          <pc:docMk/>
+          <pc:sldMk cId="2443520311" sldId="259"/>
+        </pc:sldMkLst>
+        <pc:spChg chg="mod">
+          <ac:chgData name="HERNANDEZ GUEVARA, RUBEN" userId="08384712-03f0-464d-8ad7-de766f15b0ea" providerId="ADAL" clId="{EADF61A9-9F1B-498C-9226-EF7003170C68}" dt="2019-12-02T18:38:00.014" v="81" actId="123"/>
+          <ac:spMkLst>
+            <pc:docMk/>
+            <pc:sldMk cId="2443520311" sldId="259"/>
+            <ac:spMk id="3" creationId="{2962C3A8-24EA-4FD4-8E0A-15A10F433B35}"/>
+          </ac:spMkLst>
+        </pc:spChg>
+      </pc:sldChg>
+      <pc:sldChg chg="modSp">
+        <pc:chgData name="HERNANDEZ GUEVARA, RUBEN" userId="08384712-03f0-464d-8ad7-de766f15b0ea" providerId="ADAL" clId="{EADF61A9-9F1B-498C-9226-EF7003170C68}" dt="2019-12-02T18:38:10.803" v="82" actId="123"/>
+        <pc:sldMkLst>
+          <pc:docMk/>
+          <pc:sldMk cId="3839328021" sldId="260"/>
+        </pc:sldMkLst>
+        <pc:spChg chg="mod">
+          <ac:chgData name="HERNANDEZ GUEVARA, RUBEN" userId="08384712-03f0-464d-8ad7-de766f15b0ea" providerId="ADAL" clId="{EADF61A9-9F1B-498C-9226-EF7003170C68}" dt="2019-12-02T18:38:10.803" v="82" actId="123"/>
+          <ac:spMkLst>
+            <pc:docMk/>
+            <pc:sldMk cId="3839328021" sldId="260"/>
+            <ac:spMk id="3" creationId="{19736CAE-E289-49E9-907B-4670DC37DBBB}"/>
+          </ac:spMkLst>
+        </pc:spChg>
+      </pc:sldChg>
+      <pc:sldChg chg="del">
+        <pc:chgData name="HERNANDEZ GUEVARA, RUBEN" userId="08384712-03f0-464d-8ad7-de766f15b0ea" providerId="ADAL" clId="{EADF61A9-9F1B-498C-9226-EF7003170C68}" dt="2019-12-02T18:35:02.013" v="39" actId="2696"/>
+        <pc:sldMkLst>
+          <pc:docMk/>
+          <pc:sldMk cId="2030316521" sldId="261"/>
+        </pc:sldMkLst>
+      </pc:sldChg>
+      <pc:sldChg chg="addSp delSp modSp">
+        <pc:chgData name="HERNANDEZ GUEVARA, RUBEN" userId="08384712-03f0-464d-8ad7-de766f15b0ea" providerId="ADAL" clId="{EADF61A9-9F1B-498C-9226-EF7003170C68}" dt="2019-12-02T18:35:43.050" v="74" actId="1076"/>
+        <pc:sldMkLst>
+          <pc:docMk/>
+          <pc:sldMk cId="2348170608" sldId="262"/>
+        </pc:sldMkLst>
+        <pc:spChg chg="mod">
+          <ac:chgData name="HERNANDEZ GUEVARA, RUBEN" userId="08384712-03f0-464d-8ad7-de766f15b0ea" providerId="ADAL" clId="{EADF61A9-9F1B-498C-9226-EF7003170C68}" dt="2019-12-02T18:35:43.050" v="74" actId="1076"/>
+          <ac:spMkLst>
+            <pc:docMk/>
+            <pc:sldMk cId="2348170608" sldId="262"/>
+            <ac:spMk id="2" creationId="{4446BB12-80D3-452F-86D0-2FF1E3F2338D}"/>
+          </ac:spMkLst>
+        </pc:spChg>
+        <pc:spChg chg="mod">
+          <ac:chgData name="HERNANDEZ GUEVARA, RUBEN" userId="08384712-03f0-464d-8ad7-de766f15b0ea" providerId="ADAL" clId="{EADF61A9-9F1B-498C-9226-EF7003170C68}" dt="2019-12-02T18:35:35.650" v="72" actId="1076"/>
+          <ac:spMkLst>
+            <pc:docMk/>
+            <pc:sldMk cId="2348170608" sldId="262"/>
+            <ac:spMk id="3" creationId="{33038E93-6EFC-433B-B066-DBA80CA6C37D}"/>
+          </ac:spMkLst>
+        </pc:spChg>
+        <pc:spChg chg="mod">
+          <ac:chgData name="HERNANDEZ GUEVARA, RUBEN" userId="08384712-03f0-464d-8ad7-de766f15b0ea" providerId="ADAL" clId="{EADF61A9-9F1B-498C-9226-EF7003170C68}" dt="2019-12-02T18:34:17.838" v="37" actId="1076"/>
+          <ac:spMkLst>
+            <pc:docMk/>
+            <pc:sldMk cId="2348170608" sldId="262"/>
+            <ac:spMk id="6" creationId="{D0735417-8789-6148-A9E4-95181EB94CCD}"/>
+          </ac:spMkLst>
+        </pc:spChg>
+        <pc:spChg chg="mod">
+          <ac:chgData name="HERNANDEZ GUEVARA, RUBEN" userId="08384712-03f0-464d-8ad7-de766f15b0ea" providerId="ADAL" clId="{EADF61A9-9F1B-498C-9226-EF7003170C68}" dt="2019-12-02T18:34:11.635" v="35" actId="1076"/>
+          <ac:spMkLst>
+            <pc:docMk/>
+            <pc:sldMk cId="2348170608" sldId="262"/>
+            <ac:spMk id="7" creationId="{5D52107E-31BD-5848-8E28-456DDF3F02CE}"/>
+          </ac:spMkLst>
+        </pc:spChg>
+        <pc:picChg chg="del">
+          <ac:chgData name="HERNANDEZ GUEVARA, RUBEN" userId="08384712-03f0-464d-8ad7-de766f15b0ea" providerId="ADAL" clId="{EADF61A9-9F1B-498C-9226-EF7003170C68}" dt="2019-12-02T18:33:11.237" v="21" actId="478"/>
+          <ac:picMkLst>
+            <pc:docMk/>
+            <pc:sldMk cId="2348170608" sldId="262"/>
+            <ac:picMk id="4" creationId="{6C56BEAA-3F2D-4FB5-9A5E-94CF40F7BA94}"/>
+          </ac:picMkLst>
+        </pc:picChg>
+        <pc:picChg chg="del">
+          <ac:chgData name="HERNANDEZ GUEVARA, RUBEN" userId="08384712-03f0-464d-8ad7-de766f15b0ea" providerId="ADAL" clId="{EADF61A9-9F1B-498C-9226-EF7003170C68}" dt="2019-12-02T18:33:10.635" v="20" actId="478"/>
+          <ac:picMkLst>
+            <pc:docMk/>
+            <pc:sldMk cId="2348170608" sldId="262"/>
+            <ac:picMk id="5" creationId="{D5ACC43D-938C-4C27-B877-5732CCC22844}"/>
+          </ac:picMkLst>
+        </pc:picChg>
+        <pc:picChg chg="add mod">
+          <ac:chgData name="HERNANDEZ GUEVARA, RUBEN" userId="08384712-03f0-464d-8ad7-de766f15b0ea" providerId="ADAL" clId="{EADF61A9-9F1B-498C-9226-EF7003170C68}" dt="2019-12-02T18:34:19.551" v="38" actId="1076"/>
+          <ac:picMkLst>
+            <pc:docMk/>
+            <pc:sldMk cId="2348170608" sldId="262"/>
+            <ac:picMk id="8" creationId="{FC425F6D-81B8-432E-B21C-F7A66D01931E}"/>
+          </ac:picMkLst>
+        </pc:picChg>
+        <pc:picChg chg="add mod">
+          <ac:chgData name="HERNANDEZ GUEVARA, RUBEN" userId="08384712-03f0-464d-8ad7-de766f15b0ea" providerId="ADAL" clId="{EADF61A9-9F1B-498C-9226-EF7003170C68}" dt="2019-12-02T18:34:13.494" v="36" actId="1076"/>
+          <ac:picMkLst>
+            <pc:docMk/>
+            <pc:sldMk cId="2348170608" sldId="262"/>
+            <ac:picMk id="9" creationId="{0815807A-20C0-46B3-8F75-173D04E9E14C}"/>
+          </ac:picMkLst>
+        </pc:picChg>
+      </pc:sldChg>
+      <pc:sldChg chg="addSp delSp modSp">
+        <pc:chgData name="HERNANDEZ GUEVARA, RUBEN" userId="08384712-03f0-464d-8ad7-de766f15b0ea" providerId="ADAL" clId="{EADF61A9-9F1B-498C-9226-EF7003170C68}" dt="2019-12-02T18:36:43.535" v="78" actId="14100"/>
+        <pc:sldMkLst>
+          <pc:docMk/>
+          <pc:sldMk cId="1686203095" sldId="266"/>
+        </pc:sldMkLst>
+        <pc:spChg chg="mod">
+          <ac:chgData name="HERNANDEZ GUEVARA, RUBEN" userId="08384712-03f0-464d-8ad7-de766f15b0ea" providerId="ADAL" clId="{EADF61A9-9F1B-498C-9226-EF7003170C68}" dt="2019-12-02T18:35:50.033" v="76" actId="122"/>
+          <ac:spMkLst>
+            <pc:docMk/>
+            <pc:sldMk cId="1686203095" sldId="266"/>
+            <ac:spMk id="2" creationId="{8B071BB7-30F9-46C2-A5B7-A1FF277B3982}"/>
+          </ac:spMkLst>
+        </pc:spChg>
+        <pc:spChg chg="mod">
+          <ac:chgData name="HERNANDEZ GUEVARA, RUBEN" userId="08384712-03f0-464d-8ad7-de766f15b0ea" providerId="ADAL" clId="{EADF61A9-9F1B-498C-9226-EF7003170C68}" dt="2019-12-02T18:23:32.369" v="9" actId="1076"/>
+          <ac:spMkLst>
+            <pc:docMk/>
+            <pc:sldMk cId="1686203095" sldId="266"/>
+            <ac:spMk id="5" creationId="{F6F2929A-728E-BB4F-AA51-AD20BD5AA786}"/>
+          </ac:spMkLst>
+        </pc:spChg>
+        <pc:spChg chg="mod">
+          <ac:chgData name="HERNANDEZ GUEVARA, RUBEN" userId="08384712-03f0-464d-8ad7-de766f15b0ea" providerId="ADAL" clId="{EADF61A9-9F1B-498C-9226-EF7003170C68}" dt="2019-12-02T18:23:35.055" v="10" actId="1076"/>
+          <ac:spMkLst>
+            <pc:docMk/>
+            <pc:sldMk cId="1686203095" sldId="266"/>
+            <ac:spMk id="6" creationId="{5C2C2A5D-0697-1A40-A627-5D15AC171721}"/>
+          </ac:spMkLst>
+        </pc:spChg>
+        <pc:picChg chg="del">
+          <ac:chgData name="HERNANDEZ GUEVARA, RUBEN" userId="08384712-03f0-464d-8ad7-de766f15b0ea" providerId="ADAL" clId="{EADF61A9-9F1B-498C-9226-EF7003170C68}" dt="2019-12-02T18:22:57.261" v="0" actId="478"/>
+          <ac:picMkLst>
+            <pc:docMk/>
+            <pc:sldMk cId="1686203095" sldId="266"/>
+            <ac:picMk id="3" creationId="{CD7DDC5F-BD04-4B9F-85FC-738B7D9AACEB}"/>
+          </ac:picMkLst>
+        </pc:picChg>
+        <pc:picChg chg="del">
+          <ac:chgData name="HERNANDEZ GUEVARA, RUBEN" userId="08384712-03f0-464d-8ad7-de766f15b0ea" providerId="ADAL" clId="{EADF61A9-9F1B-498C-9226-EF7003170C68}" dt="2019-12-02T18:23:04.636" v="3" actId="478"/>
+          <ac:picMkLst>
+            <pc:docMk/>
+            <pc:sldMk cId="1686203095" sldId="266"/>
+            <ac:picMk id="4" creationId="{7CC359FB-A472-4CF6-A5F6-F306C9791440}"/>
+          </ac:picMkLst>
+        </pc:picChg>
+        <pc:picChg chg="add del mod">
+          <ac:chgData name="HERNANDEZ GUEVARA, RUBEN" userId="08384712-03f0-464d-8ad7-de766f15b0ea" providerId="ADAL" clId="{EADF61A9-9F1B-498C-9226-EF7003170C68}" dt="2019-12-02T18:32:05.994" v="14" actId="478"/>
+          <ac:picMkLst>
+            <pc:docMk/>
+            <pc:sldMk cId="1686203095" sldId="266"/>
+            <ac:picMk id="7" creationId="{10F6405F-13B3-4C77-9A48-52DC967D35CD}"/>
+          </ac:picMkLst>
+        </pc:picChg>
+        <pc:picChg chg="add del mod">
+          <ac:chgData name="HERNANDEZ GUEVARA, RUBEN" userId="08384712-03f0-464d-8ad7-de766f15b0ea" providerId="ADAL" clId="{EADF61A9-9F1B-498C-9226-EF7003170C68}" dt="2019-12-02T18:32:06.503" v="15" actId="478"/>
+          <ac:picMkLst>
+            <pc:docMk/>
+            <pc:sldMk cId="1686203095" sldId="266"/>
+            <ac:picMk id="8" creationId="{58CC24B5-687A-407A-B99C-AC875ABDA0E7}"/>
+          </ac:picMkLst>
+        </pc:picChg>
+        <pc:picChg chg="add mod">
+          <ac:chgData name="HERNANDEZ GUEVARA, RUBEN" userId="08384712-03f0-464d-8ad7-de766f15b0ea" providerId="ADAL" clId="{EADF61A9-9F1B-498C-9226-EF7003170C68}" dt="2019-12-02T18:36:43.535" v="78" actId="14100"/>
+          <ac:picMkLst>
+            <pc:docMk/>
+            <pc:sldMk cId="1686203095" sldId="266"/>
+            <ac:picMk id="9" creationId="{38DE8C6E-6A6D-46B2-A2DF-2584344B7B63}"/>
+          </ac:picMkLst>
+        </pc:picChg>
+        <pc:picChg chg="add mod">
+          <ac:chgData name="HERNANDEZ GUEVARA, RUBEN" userId="08384712-03f0-464d-8ad7-de766f15b0ea" providerId="ADAL" clId="{EADF61A9-9F1B-498C-9226-EF7003170C68}" dt="2019-12-02T18:32:39.491" v="19" actId="1076"/>
+          <ac:picMkLst>
+            <pc:docMk/>
+            <pc:sldMk cId="1686203095" sldId="266"/>
+            <ac:picMk id="10" creationId="{63B3996A-ED5B-4BBA-867C-07B787E55420}"/>
+          </ac:picMkLst>
+        </pc:picChg>
+      </pc:sldChg>
+      <pc:sldChg chg="addSp delSp modSp">
+        <pc:chgData name="HERNANDEZ GUEVARA, RUBEN" userId="08384712-03f0-464d-8ad7-de766f15b0ea" providerId="ADAL" clId="{EADF61A9-9F1B-498C-9226-EF7003170C68}" dt="2019-12-02T18:40:35.157" v="101" actId="14100"/>
+        <pc:sldMkLst>
+          <pc:docMk/>
+          <pc:sldMk cId="1512784384" sldId="267"/>
+        </pc:sldMkLst>
+        <pc:spChg chg="mod">
+          <ac:chgData name="HERNANDEZ GUEVARA, RUBEN" userId="08384712-03f0-464d-8ad7-de766f15b0ea" providerId="ADAL" clId="{EADF61A9-9F1B-498C-9226-EF7003170C68}" dt="2019-12-02T18:39:29.004" v="91" actId="1076"/>
+          <ac:spMkLst>
+            <pc:docMk/>
+            <pc:sldMk cId="1512784384" sldId="267"/>
+            <ac:spMk id="2" creationId="{486787EA-34B2-4FA6-9C5A-CAD89B426C9C}"/>
+          </ac:spMkLst>
+        </pc:spChg>
+        <pc:picChg chg="del mod">
+          <ac:chgData name="HERNANDEZ GUEVARA, RUBEN" userId="08384712-03f0-464d-8ad7-de766f15b0ea" providerId="ADAL" clId="{EADF61A9-9F1B-498C-9226-EF7003170C68}" dt="2019-12-02T18:39:51.319" v="94" actId="478"/>
+          <ac:picMkLst>
+            <pc:docMk/>
+            <pc:sldMk cId="1512784384" sldId="267"/>
+            <ac:picMk id="3" creationId="{A996F0C4-D398-4EE0-9E93-C0EB177FE4AF}"/>
+          </ac:picMkLst>
+        </pc:picChg>
+        <pc:picChg chg="del">
+          <ac:chgData name="HERNANDEZ GUEVARA, RUBEN" userId="08384712-03f0-464d-8ad7-de766f15b0ea" providerId="ADAL" clId="{EADF61A9-9F1B-498C-9226-EF7003170C68}" dt="2019-12-02T18:39:52.081" v="95" actId="478"/>
+          <ac:picMkLst>
+            <pc:docMk/>
+            <pc:sldMk cId="1512784384" sldId="267"/>
+            <ac:picMk id="4" creationId="{B5D4B34E-30D8-422E-B3B1-A0538FA0C49B}"/>
+          </ac:picMkLst>
+        </pc:picChg>
+        <pc:picChg chg="add mod">
+          <ac:chgData name="HERNANDEZ GUEVARA, RUBEN" userId="08384712-03f0-464d-8ad7-de766f15b0ea" providerId="ADAL" clId="{EADF61A9-9F1B-498C-9226-EF7003170C68}" dt="2019-12-02T18:40:12.135" v="97" actId="1076"/>
+          <ac:picMkLst>
+            <pc:docMk/>
+            <pc:sldMk cId="1512784384" sldId="267"/>
+            <ac:picMk id="5" creationId="{A1D35467-072F-4C42-A2BE-F7A90F59CC03}"/>
+          </ac:picMkLst>
+        </pc:picChg>
+        <pc:picChg chg="add mod">
+          <ac:chgData name="HERNANDEZ GUEVARA, RUBEN" userId="08384712-03f0-464d-8ad7-de766f15b0ea" providerId="ADAL" clId="{EADF61A9-9F1B-498C-9226-EF7003170C68}" dt="2019-12-02T18:40:35.157" v="101" actId="14100"/>
+          <ac:picMkLst>
+            <pc:docMk/>
+            <pc:sldMk cId="1512784384" sldId="267"/>
+            <ac:picMk id="6" creationId="{1D974B87-561F-4B2E-9230-A5B499FA103A}"/>
+          </ac:picMkLst>
+        </pc:picChg>
       </pc:sldChg>
     </pc:docChg>
   </pc:docChgLst>
@@ -6591,112 +6833,6 @@
           <p:cNvPr id="2" name="Título 1">
             <a:extLst>
               <a:ext uri="{FF2B5EF4-FFF2-40B4-BE49-F238E27FC236}">
-                <a16:creationId xmlns:a16="http://schemas.microsoft.com/office/drawing/2014/main" id="{B1B45FFF-A0C2-40ED-A784-445AE4038CD2}"/>
-              </a:ext>
-            </a:extLst>
-          </p:cNvPr>
-          <p:cNvSpPr>
-            <a:spLocks noGrp="1"/>
-          </p:cNvSpPr>
-          <p:nvPr>
-            <p:ph type="title"/>
-          </p:nvPr>
-        </p:nvSpPr>
-        <p:spPr/>
-        <p:txBody>
-          <a:bodyPr/>
-          <a:lstStyle/>
-          <a:p>
-            <a:r>
-              <a:rPr lang="es-MX" dirty="0"/>
-              <a:t>conclusión</a:t>
-            </a:r>
-          </a:p>
-        </p:txBody>
-      </p:sp>
-      <p:sp>
-        <p:nvSpPr>
-          <p:cNvPr id="3" name="Marcador de contenido 2">
-            <a:extLst>
-              <a:ext uri="{FF2B5EF4-FFF2-40B4-BE49-F238E27FC236}">
-                <a16:creationId xmlns:a16="http://schemas.microsoft.com/office/drawing/2014/main" id="{822DF433-3AD3-403C-A38C-B587BEED1FB5}"/>
-              </a:ext>
-            </a:extLst>
-          </p:cNvPr>
-          <p:cNvSpPr>
-            <a:spLocks noGrp="1"/>
-          </p:cNvSpPr>
-          <p:nvPr>
-            <p:ph idx="1"/>
-          </p:nvPr>
-        </p:nvSpPr>
-        <p:spPr/>
-        <p:txBody>
-          <a:bodyPr/>
-          <a:lstStyle/>
-          <a:p>
-            <a:r>
-              <a:rPr lang="es-ES" dirty="0"/>
-              <a:t>Se aprendió a utilizar nuevas funciones imprescindibles para la solución del problema.</a:t>
-            </a:r>
-          </a:p>
-          <a:p>
-            <a:endParaRPr lang="es-ES" dirty="0"/>
-          </a:p>
-          <a:p>
-            <a:r>
-              <a:rPr lang="es-ES" dirty="0"/>
-              <a:t>Fue posible resolver el problema de interés, tanto analíticamente como numéricamente con </a:t>
-            </a:r>
-            <a:r>
-              <a:rPr lang="es-ES" dirty="0" err="1"/>
-              <a:t>python</a:t>
-            </a:r>
-            <a:r>
-              <a:rPr lang="es-ES" dirty="0"/>
-              <a:t>.</a:t>
-            </a:r>
-          </a:p>
-          <a:p>
-            <a:endParaRPr lang="es-ES" dirty="0"/>
-          </a:p>
-        </p:txBody>
-      </p:sp>
-    </p:spTree>
-    <p:extLst>
-      <p:ext uri="{BB962C8B-B14F-4D97-AF65-F5344CB8AC3E}">
-        <p14:creationId xmlns:p14="http://schemas.microsoft.com/office/powerpoint/2010/main" val="745074821"/>
-      </p:ext>
-    </p:extLst>
-  </p:cSld>
-  <p:clrMapOvr>
-    <a:masterClrMapping/>
-  </p:clrMapOvr>
-</p:sld>
-</file>
-
-<file path=ppt/slides/slide11.xml><?xml version="1.0" encoding="utf-8"?>
-<p:sld xmlns:a="http://schemas.openxmlformats.org/drawingml/2006/main" xmlns:r="http://schemas.openxmlformats.org/officeDocument/2006/relationships" xmlns:p="http://schemas.openxmlformats.org/presentationml/2006/main">
-  <p:cSld>
-    <p:spTree>
-      <p:nvGrpSpPr>
-        <p:cNvPr id="1" name=""/>
-        <p:cNvGrpSpPr/>
-        <p:nvPr/>
-      </p:nvGrpSpPr>
-      <p:grpSpPr>
-        <a:xfrm>
-          <a:off x="0" y="0"/>
-          <a:ext cx="0" cy="0"/>
-          <a:chOff x="0" y="0"/>
-          <a:chExt cx="0" cy="0"/>
-        </a:xfrm>
-      </p:grpSpPr>
-      <p:sp>
-        <p:nvSpPr>
-          <p:cNvPr id="2" name="Título 1">
-            <a:extLst>
-              <a:ext uri="{FF2B5EF4-FFF2-40B4-BE49-F238E27FC236}">
                 <a16:creationId xmlns:a16="http://schemas.microsoft.com/office/drawing/2014/main" id="{47E6FFF6-2115-4C79-8895-66A7C1BF5119}"/>
               </a:ext>
             </a:extLst>
@@ -7036,6 +7172,7 @@
           <a:bodyPr/>
           <a:lstStyle/>
           <a:p>
+            <a:pPr algn="just"/>
             <a:r>
               <a:rPr lang="es-ES" dirty="0"/>
               <a:t>Un sistema de resortes acoplados es aquel que consta de muchos resortes individuales interconectados entre sí. El modelo de resortes acoplados se puede aplicar tanto a sistemas mecánicos como a modelos atómicos de sólidos.</a:t>
@@ -7900,14 +8037,15 @@
             </p:nvSpPr>
             <p:spPr>
               <a:xfrm>
-                <a:off x="1061514" y="1866899"/>
-                <a:ext cx="9905998" cy="3124201"/>
+                <a:off x="1061513" y="1866899"/>
+                <a:ext cx="10168739" cy="3124201"/>
               </a:xfrm>
             </p:spPr>
             <p:txBody>
               <a:bodyPr/>
               <a:lstStyle/>
               <a:p>
+                <a:pPr algn="just"/>
                 <a:r>
                   <a:rPr lang="es-ES" dirty="0"/>
                   <a:t>Se tienen 2 masas de 1 slug cada una conectadas mediante dos resortes, el resorte 1 tiene una constante ( </a:t>
@@ -8068,13 +8206,13 @@
             </p:nvSpPr>
             <p:spPr>
               <a:xfrm>
-                <a:off x="1061514" y="1866899"/>
-                <a:ext cx="9905998" cy="3124201"/>
+                <a:off x="1061513" y="1866899"/>
+                <a:ext cx="10168739" cy="3124201"/>
               </a:xfrm>
               <a:blipFill>
                 <a:blip r:embed="rId2"/>
                 <a:stretch>
-                  <a:fillRect l="-985"/>
+                  <a:fillRect l="-959"/>
                 </a:stretch>
               </a:blipFill>
             </p:spPr>
@@ -8128,7 +8266,7 @@
           <p:cNvPr id="2" name="Título 1">
             <a:extLst>
               <a:ext uri="{FF2B5EF4-FFF2-40B4-BE49-F238E27FC236}">
-                <a16:creationId xmlns:a16="http://schemas.microsoft.com/office/drawing/2014/main" id="{4E02CCCC-7FBC-4417-BFF7-3BF9EAA363D4}"/>
+                <a16:creationId xmlns:a16="http://schemas.microsoft.com/office/drawing/2014/main" id="{4446BB12-80D3-452F-86D0-2FF1E3F2338D}"/>
               </a:ext>
             </a:extLst>
           </p:cNvPr>
@@ -8139,14 +8277,19 @@
             <p:ph type="title"/>
           </p:nvPr>
         </p:nvSpPr>
-        <p:spPr/>
+        <p:spPr>
+          <a:xfrm>
+            <a:off x="3062070" y="391783"/>
+            <a:ext cx="5840028" cy="1253913"/>
+          </a:xfrm>
+        </p:spPr>
         <p:txBody>
           <a:bodyPr/>
           <a:lstStyle/>
           <a:p>
             <a:r>
               <a:rPr lang="es-MX" dirty="0"/>
-              <a:t>Solución:</a:t>
+              <a:t>Solución y visualización</a:t>
             </a:r>
           </a:p>
         </p:txBody>
@@ -8156,7 +8299,7 @@
           <p:cNvPr id="3" name="Marcador de contenido 2">
             <a:extLst>
               <a:ext uri="{FF2B5EF4-FFF2-40B4-BE49-F238E27FC236}">
-                <a16:creationId xmlns:a16="http://schemas.microsoft.com/office/drawing/2014/main" id="{F3585CB5-4C20-4F47-98EC-AC28AC146C70}"/>
+                <a16:creationId xmlns:a16="http://schemas.microsoft.com/office/drawing/2014/main" id="{33038E93-6EFC-433B-B066-DBA80CA6C37D}"/>
               </a:ext>
             </a:extLst>
           </p:cNvPr>
@@ -8167,19 +8310,165 @@
             <p:ph idx="1"/>
           </p:nvPr>
         </p:nvSpPr>
-        <p:spPr/>
-        <p:txBody>
-          <a:bodyPr/>
+        <p:spPr>
+          <a:xfrm>
+            <a:off x="3861709" y="1590581"/>
+            <a:ext cx="4148986" cy="877671"/>
+          </a:xfrm>
+        </p:spPr>
+        <p:txBody>
+          <a:bodyPr>
+            <a:normAutofit/>
+          </a:bodyPr>
           <a:lstStyle/>
           <a:p>
-            <a:endParaRPr lang="es-MX"/>
-          </a:p>
-        </p:txBody>
-      </p:sp>
+            <a:pPr marL="0" indent="0" algn="ctr">
+              <a:buNone/>
+            </a:pPr>
+            <a:r>
+              <a:rPr lang="es-MX" sz="3200" dirty="0"/>
+              <a:t>numérica .</a:t>
+            </a:r>
+          </a:p>
+          <a:p>
+            <a:endParaRPr lang="es-MX" dirty="0"/>
+          </a:p>
+        </p:txBody>
+      </p:sp>
+      <p:sp>
+        <p:nvSpPr>
+          <p:cNvPr id="6" name="CuadroTexto 5">
+            <a:extLst>
+              <a:ext uri="{FF2B5EF4-FFF2-40B4-BE49-F238E27FC236}">
+                <a16:creationId xmlns:a16="http://schemas.microsoft.com/office/drawing/2014/main" id="{D0735417-8789-6148-A9E4-95181EB94CCD}"/>
+              </a:ext>
+            </a:extLst>
+          </p:cNvPr>
+          <p:cNvSpPr txBox="1"/>
+          <p:nvPr/>
+        </p:nvSpPr>
+        <p:spPr>
+          <a:xfrm>
+            <a:off x="774662" y="2239641"/>
+            <a:ext cx="3739507" cy="646331"/>
+          </a:xfrm>
+          <a:prstGeom prst="rect">
+            <a:avLst/>
+          </a:prstGeom>
+          <a:noFill/>
+        </p:spPr>
+        <p:txBody>
+          <a:bodyPr wrap="square" rtlCol="0">
+            <a:spAutoFit/>
+          </a:bodyPr>
+          <a:lstStyle/>
+          <a:p>
+            <a:r>
+              <a:rPr lang="es-MX" dirty="0"/>
+              <a:t>Solución numérica para la masa 1 (x1)</a:t>
+            </a:r>
+          </a:p>
+        </p:txBody>
+      </p:sp>
+      <p:sp>
+        <p:nvSpPr>
+          <p:cNvPr id="7" name="CuadroTexto 6">
+            <a:extLst>
+              <a:ext uri="{FF2B5EF4-FFF2-40B4-BE49-F238E27FC236}">
+                <a16:creationId xmlns:a16="http://schemas.microsoft.com/office/drawing/2014/main" id="{5D52107E-31BD-5848-8E28-456DDF3F02CE}"/>
+              </a:ext>
+            </a:extLst>
+          </p:cNvPr>
+          <p:cNvSpPr txBox="1"/>
+          <p:nvPr/>
+        </p:nvSpPr>
+        <p:spPr>
+          <a:xfrm>
+            <a:off x="6847280" y="2239642"/>
+            <a:ext cx="3739507" cy="646331"/>
+          </a:xfrm>
+          <a:prstGeom prst="rect">
+            <a:avLst/>
+          </a:prstGeom>
+          <a:noFill/>
+        </p:spPr>
+        <p:txBody>
+          <a:bodyPr wrap="square" rtlCol="0">
+            <a:spAutoFit/>
+          </a:bodyPr>
+          <a:lstStyle/>
+          <a:p>
+            <a:r>
+              <a:rPr lang="es-MX" dirty="0"/>
+              <a:t>Solución numérica para la masa 2 (x2)</a:t>
+            </a:r>
+          </a:p>
+        </p:txBody>
+      </p:sp>
+      <p:pic>
+        <p:nvPicPr>
+          <p:cNvPr id="8" name="Imagen 7">
+            <a:extLst>
+              <a:ext uri="{FF2B5EF4-FFF2-40B4-BE49-F238E27FC236}">
+                <a16:creationId xmlns:a16="http://schemas.microsoft.com/office/drawing/2014/main" id="{FC425F6D-81B8-432E-B21C-F7A66D01931E}"/>
+              </a:ext>
+            </a:extLst>
+          </p:cNvPr>
+          <p:cNvPicPr>
+            <a:picLocks noChangeAspect="1"/>
+          </p:cNvPicPr>
+          <p:nvPr/>
+        </p:nvPicPr>
+        <p:blipFill>
+          <a:blip r:embed="rId2"/>
+          <a:stretch>
+            <a:fillRect/>
+          </a:stretch>
+        </p:blipFill>
+        <p:spPr>
+          <a:xfrm>
+            <a:off x="651723" y="3040093"/>
+            <a:ext cx="4638675" cy="3476625"/>
+          </a:xfrm>
+          <a:prstGeom prst="rect">
+            <a:avLst/>
+          </a:prstGeom>
+        </p:spPr>
+      </p:pic>
+      <p:pic>
+        <p:nvPicPr>
+          <p:cNvPr id="9" name="Imagen 8">
+            <a:extLst>
+              <a:ext uri="{FF2B5EF4-FFF2-40B4-BE49-F238E27FC236}">
+                <a16:creationId xmlns:a16="http://schemas.microsoft.com/office/drawing/2014/main" id="{0815807A-20C0-46B3-8F75-173D04E9E14C}"/>
+              </a:ext>
+            </a:extLst>
+          </p:cNvPr>
+          <p:cNvPicPr>
+            <a:picLocks noChangeAspect="1"/>
+          </p:cNvPicPr>
+          <p:nvPr/>
+        </p:nvPicPr>
+        <p:blipFill>
+          <a:blip r:embed="rId3"/>
+          <a:stretch>
+            <a:fillRect/>
+          </a:stretch>
+        </p:blipFill>
+        <p:spPr>
+          <a:xfrm>
+            <a:off x="6510946" y="3040093"/>
+            <a:ext cx="4686300" cy="3419475"/>
+          </a:xfrm>
+          <a:prstGeom prst="rect">
+            <a:avLst/>
+          </a:prstGeom>
+        </p:spPr>
+      </p:pic>
     </p:spTree>
     <p:extLst>
       <p:ext uri="{BB962C8B-B14F-4D97-AF65-F5344CB8AC3E}">
-        <p14:creationId xmlns:p14="http://schemas.microsoft.com/office/powerpoint/2010/main" val="2030316521"/>
+        <p14:creationId xmlns:p14="http://schemas.microsoft.com/office/powerpoint/2010/main" val="2348170608"/>
       </p:ext>
     </p:extLst>
   </p:cSld>
@@ -8211,7 +8500,7 @@
           <p:cNvPr id="2" name="Título 1">
             <a:extLst>
               <a:ext uri="{FF2B5EF4-FFF2-40B4-BE49-F238E27FC236}">
-                <a16:creationId xmlns:a16="http://schemas.microsoft.com/office/drawing/2014/main" id="{4446BB12-80D3-452F-86D0-2FF1E3F2338D}"/>
+                <a16:creationId xmlns:a16="http://schemas.microsoft.com/office/drawing/2014/main" id="{8B071BB7-30F9-46C2-A5B7-A1FF277B3982}"/>
               </a:ext>
             </a:extLst>
           </p:cNvPr>
@@ -8224,74 +8513,98 @@
         </p:nvSpPr>
         <p:spPr>
           <a:xfrm>
-            <a:off x="1141412" y="442170"/>
-            <a:ext cx="9268680" cy="1547873"/>
+            <a:off x="3509215" y="609600"/>
+            <a:ext cx="4735604" cy="1325193"/>
           </a:xfrm>
         </p:spPr>
         <p:txBody>
           <a:bodyPr/>
           <a:lstStyle/>
           <a:p>
+            <a:pPr algn="ctr"/>
             <a:r>
               <a:rPr lang="es-MX" dirty="0"/>
-              <a:t>Visualización:</a:t>
-            </a:r>
-          </a:p>
-        </p:txBody>
-      </p:sp>
-      <p:sp>
-        <p:nvSpPr>
-          <p:cNvPr id="3" name="Marcador de contenido 2">
+              <a:t>analítica:</a:t>
+            </a:r>
+          </a:p>
+        </p:txBody>
+      </p:sp>
+      <p:sp>
+        <p:nvSpPr>
+          <p:cNvPr id="5" name="CuadroTexto 4">
             <a:extLst>
               <a:ext uri="{FF2B5EF4-FFF2-40B4-BE49-F238E27FC236}">
-                <a16:creationId xmlns:a16="http://schemas.microsoft.com/office/drawing/2014/main" id="{33038E93-6EFC-433B-B066-DBA80CA6C37D}"/>
+                <a16:creationId xmlns:a16="http://schemas.microsoft.com/office/drawing/2014/main" id="{F6F2929A-728E-BB4F-AA51-AD20BD5AA786}"/>
               </a:ext>
             </a:extLst>
           </p:cNvPr>
-          <p:cNvSpPr>
-            <a:spLocks noGrp="1"/>
-          </p:cNvSpPr>
-          <p:nvPr>
-            <p:ph idx="1"/>
-          </p:nvPr>
+          <p:cNvSpPr txBox="1"/>
+          <p:nvPr/>
         </p:nvSpPr>
         <p:spPr>
           <a:xfrm>
-            <a:off x="1141412" y="1904998"/>
-            <a:ext cx="10028335" cy="1077353"/>
+            <a:off x="1141413" y="2059800"/>
+            <a:ext cx="3739507" cy="646331"/>
           </a:xfrm>
+          <a:prstGeom prst="rect">
+            <a:avLst/>
+          </a:prstGeom>
+          <a:noFill/>
         </p:spPr>
         <p:txBody>
-          <a:bodyPr>
-            <a:normAutofit/>
+          <a:bodyPr wrap="square" rtlCol="0">
+            <a:spAutoFit/>
           </a:bodyPr>
           <a:lstStyle/>
           <a:p>
             <a:r>
               <a:rPr lang="es-MX" dirty="0"/>
-              <a:t>Esta son las gráficas de nuestras soluciones a las que llegamos.</a:t>
-            </a:r>
-          </a:p>
-          <a:p>
-            <a:pPr marL="0" indent="0">
-              <a:buNone/>
-            </a:pPr>
+              <a:t>Solución analítica para la masa 1 (x1)</a:t>
+            </a:r>
+          </a:p>
+        </p:txBody>
+      </p:sp>
+      <p:sp>
+        <p:nvSpPr>
+          <p:cNvPr id="6" name="CuadroTexto 5">
+            <a:extLst>
+              <a:ext uri="{FF2B5EF4-FFF2-40B4-BE49-F238E27FC236}">
+                <a16:creationId xmlns:a16="http://schemas.microsoft.com/office/drawing/2014/main" id="{5C2C2A5D-0697-1A40-A627-5D15AC171721}"/>
+              </a:ext>
+            </a:extLst>
+          </p:cNvPr>
+          <p:cNvSpPr txBox="1"/>
+          <p:nvPr/>
+        </p:nvSpPr>
+        <p:spPr>
+          <a:xfrm>
+            <a:off x="6886379" y="2124222"/>
+            <a:ext cx="3739507" cy="646331"/>
+          </a:xfrm>
+          <a:prstGeom prst="rect">
+            <a:avLst/>
+          </a:prstGeom>
+          <a:noFill/>
+        </p:spPr>
+        <p:txBody>
+          <a:bodyPr wrap="square" rtlCol="0">
+            <a:spAutoFit/>
+          </a:bodyPr>
+          <a:lstStyle/>
+          <a:p>
             <a:r>
               <a:rPr lang="es-MX" dirty="0"/>
-              <a:t>Solución numérica .</a:t>
-            </a:r>
-          </a:p>
-          <a:p>
-            <a:endParaRPr lang="es-MX" dirty="0"/>
+              <a:t>Solución analítica para la masa 2 (x2)</a:t>
+            </a:r>
           </a:p>
         </p:txBody>
       </p:sp>
       <p:pic>
         <p:nvPicPr>
-          <p:cNvPr id="4" name="Imagen 3">
+          <p:cNvPr id="9" name="Imagen 8">
             <a:extLst>
               <a:ext uri="{FF2B5EF4-FFF2-40B4-BE49-F238E27FC236}">
-                <a16:creationId xmlns:a16="http://schemas.microsoft.com/office/drawing/2014/main" id="{6C56BEAA-3F2D-4FB5-9A5E-94CF40F7BA94}"/>
+                <a16:creationId xmlns:a16="http://schemas.microsoft.com/office/drawing/2014/main" id="{38DE8C6E-6A6D-46B2-A2DF-2584344B7B63}"/>
               </a:ext>
             </a:extLst>
           </p:cNvPr>
@@ -8308,8 +8621,8 @@
         </p:blipFill>
         <p:spPr>
           <a:xfrm>
-            <a:off x="863439" y="3429000"/>
-            <a:ext cx="4491627" cy="3087431"/>
+            <a:off x="795786" y="2959982"/>
+            <a:ext cx="4735603" cy="3414264"/>
           </a:xfrm>
           <a:prstGeom prst="rect">
             <a:avLst/>
@@ -8318,10 +8631,10 @@
       </p:pic>
       <p:pic>
         <p:nvPicPr>
-          <p:cNvPr id="5" name="Imagen 4">
+          <p:cNvPr id="10" name="Imagen 9">
             <a:extLst>
               <a:ext uri="{FF2B5EF4-FFF2-40B4-BE49-F238E27FC236}">
-                <a16:creationId xmlns:a16="http://schemas.microsoft.com/office/drawing/2014/main" id="{D5ACC43D-938C-4C27-B877-5732CCC22844}"/>
+                <a16:creationId xmlns:a16="http://schemas.microsoft.com/office/drawing/2014/main" id="{63B3996A-ED5B-4BBA-867C-07B787E55420}"/>
               </a:ext>
             </a:extLst>
           </p:cNvPr>
@@ -8338,88 +8651,18 @@
         </p:blipFill>
         <p:spPr>
           <a:xfrm>
-            <a:off x="5702060" y="3429000"/>
-            <a:ext cx="4384475" cy="3072585"/>
+            <a:off x="6096000" y="2959982"/>
+            <a:ext cx="4838700" cy="3409950"/>
           </a:xfrm>
           <a:prstGeom prst="rect">
             <a:avLst/>
           </a:prstGeom>
         </p:spPr>
       </p:pic>
-      <p:sp>
-        <p:nvSpPr>
-          <p:cNvPr id="6" name="CuadroTexto 5">
-            <a:extLst>
-              <a:ext uri="{FF2B5EF4-FFF2-40B4-BE49-F238E27FC236}">
-                <a16:creationId xmlns:a16="http://schemas.microsoft.com/office/drawing/2014/main" id="{D0735417-8789-6148-A9E4-95181EB94CCD}"/>
-              </a:ext>
-            </a:extLst>
-          </p:cNvPr>
-          <p:cNvSpPr txBox="1"/>
-          <p:nvPr/>
-        </p:nvSpPr>
-        <p:spPr>
-          <a:xfrm>
-            <a:off x="863439" y="2782669"/>
-            <a:ext cx="3739507" cy="646331"/>
-          </a:xfrm>
-          <a:prstGeom prst="rect">
-            <a:avLst/>
-          </a:prstGeom>
-          <a:noFill/>
-        </p:spPr>
-        <p:txBody>
-          <a:bodyPr wrap="square" rtlCol="0">
-            <a:spAutoFit/>
-          </a:bodyPr>
-          <a:lstStyle/>
-          <a:p>
-            <a:r>
-              <a:rPr lang="es-MX" dirty="0"/>
-              <a:t>Solución numérica para la masa 1 (x1)</a:t>
-            </a:r>
-          </a:p>
-        </p:txBody>
-      </p:sp>
-      <p:sp>
-        <p:nvSpPr>
-          <p:cNvPr id="7" name="CuadroTexto 6">
-            <a:extLst>
-              <a:ext uri="{FF2B5EF4-FFF2-40B4-BE49-F238E27FC236}">
-                <a16:creationId xmlns:a16="http://schemas.microsoft.com/office/drawing/2014/main" id="{5D52107E-31BD-5848-8E28-456DDF3F02CE}"/>
-              </a:ext>
-            </a:extLst>
-          </p:cNvPr>
-          <p:cNvSpPr txBox="1"/>
-          <p:nvPr/>
-        </p:nvSpPr>
-        <p:spPr>
-          <a:xfrm>
-            <a:off x="5702060" y="2760354"/>
-            <a:ext cx="3739507" cy="646331"/>
-          </a:xfrm>
-          <a:prstGeom prst="rect">
-            <a:avLst/>
-          </a:prstGeom>
-          <a:noFill/>
-        </p:spPr>
-        <p:txBody>
-          <a:bodyPr wrap="square" rtlCol="0">
-            <a:spAutoFit/>
-          </a:bodyPr>
-          <a:lstStyle/>
-          <a:p>
-            <a:r>
-              <a:rPr lang="es-MX" dirty="0"/>
-              <a:t>Solución numérica para la masa 2 (x2)</a:t>
-            </a:r>
-          </a:p>
-        </p:txBody>
-      </p:sp>
     </p:spTree>
     <p:extLst>
       <p:ext uri="{BB962C8B-B14F-4D97-AF65-F5344CB8AC3E}">
-        <p14:creationId xmlns:p14="http://schemas.microsoft.com/office/powerpoint/2010/main" val="2348170608"/>
+        <p14:creationId xmlns:p14="http://schemas.microsoft.com/office/powerpoint/2010/main" val="1686203095"/>
       </p:ext>
     </p:extLst>
   </p:cSld>
@@ -8451,7 +8694,7 @@
           <p:cNvPr id="2" name="Título 1">
             <a:extLst>
               <a:ext uri="{FF2B5EF4-FFF2-40B4-BE49-F238E27FC236}">
-                <a16:creationId xmlns:a16="http://schemas.microsoft.com/office/drawing/2014/main" id="{8B071BB7-30F9-46C2-A5B7-A1FF277B3982}"/>
+                <a16:creationId xmlns:a16="http://schemas.microsoft.com/office/drawing/2014/main" id="{486787EA-34B2-4FA6-9C5A-CAD89B426C9C}"/>
               </a:ext>
             </a:extLst>
           </p:cNvPr>
@@ -8464,27 +8707,28 @@
         </p:nvSpPr>
         <p:spPr>
           <a:xfrm>
-            <a:off x="1141413" y="609600"/>
-            <a:ext cx="9240544" cy="1514622"/>
+            <a:off x="1682951" y="609600"/>
+            <a:ext cx="7638603" cy="1905000"/>
           </a:xfrm>
         </p:spPr>
         <p:txBody>
           <a:bodyPr/>
           <a:lstStyle/>
           <a:p>
+            <a:pPr algn="ctr"/>
             <a:r>
               <a:rPr lang="es-MX" dirty="0"/>
-              <a:t>Solución analítica:</a:t>
+              <a:t>Comparativa de la solución analítica y numérica.</a:t>
             </a:r>
           </a:p>
         </p:txBody>
       </p:sp>
       <p:pic>
         <p:nvPicPr>
-          <p:cNvPr id="3" name="Imagen 2">
+          <p:cNvPr id="5" name="Imagen 4">
             <a:extLst>
               <a:ext uri="{FF2B5EF4-FFF2-40B4-BE49-F238E27FC236}">
-                <a16:creationId xmlns:a16="http://schemas.microsoft.com/office/drawing/2014/main" id="{CD7DDC5F-BD04-4B9F-85FC-738B7D9AACEB}"/>
+                <a16:creationId xmlns:a16="http://schemas.microsoft.com/office/drawing/2014/main" id="{A1D35467-072F-4C42-A2BE-F7A90F59CC03}"/>
               </a:ext>
             </a:extLst>
           </p:cNvPr>
@@ -8501,8 +8745,8 @@
         </p:blipFill>
         <p:spPr>
           <a:xfrm>
-            <a:off x="141540" y="2706131"/>
-            <a:ext cx="5986957" cy="4044624"/>
+            <a:off x="747019" y="2566988"/>
+            <a:ext cx="4838700" cy="3552825"/>
           </a:xfrm>
           <a:prstGeom prst="rect">
             <a:avLst/>
@@ -8511,10 +8755,10 @@
       </p:pic>
       <p:pic>
         <p:nvPicPr>
-          <p:cNvPr id="4" name="Imagen 3">
+          <p:cNvPr id="6" name="Imagen 5">
             <a:extLst>
               <a:ext uri="{FF2B5EF4-FFF2-40B4-BE49-F238E27FC236}">
-                <a16:creationId xmlns:a16="http://schemas.microsoft.com/office/drawing/2014/main" id="{7CC359FB-A472-4CF6-A5F6-F306C9791440}"/>
+                <a16:creationId xmlns:a16="http://schemas.microsoft.com/office/drawing/2014/main" id="{1D974B87-561F-4B2E-9230-A5B499FA103A}"/>
               </a:ext>
             </a:extLst>
           </p:cNvPr>
@@ -8531,88 +8775,18 @@
         </p:blipFill>
         <p:spPr>
           <a:xfrm>
-            <a:off x="6082984" y="2706131"/>
-            <a:ext cx="5967476" cy="4044623"/>
+            <a:off x="6411203" y="2566988"/>
+            <a:ext cx="5043656" cy="3552825"/>
           </a:xfrm>
           <a:prstGeom prst="rect">
             <a:avLst/>
           </a:prstGeom>
         </p:spPr>
       </p:pic>
-      <p:sp>
-        <p:nvSpPr>
-          <p:cNvPr id="5" name="CuadroTexto 4">
-            <a:extLst>
-              <a:ext uri="{FF2B5EF4-FFF2-40B4-BE49-F238E27FC236}">
-                <a16:creationId xmlns:a16="http://schemas.microsoft.com/office/drawing/2014/main" id="{F6F2929A-728E-BB4F-AA51-AD20BD5AA786}"/>
-              </a:ext>
-            </a:extLst>
-          </p:cNvPr>
-          <p:cNvSpPr txBox="1"/>
-          <p:nvPr/>
-        </p:nvSpPr>
-        <p:spPr>
-          <a:xfrm>
-            <a:off x="141540" y="2059800"/>
-            <a:ext cx="3739507" cy="646331"/>
-          </a:xfrm>
-          <a:prstGeom prst="rect">
-            <a:avLst/>
-          </a:prstGeom>
-          <a:noFill/>
-        </p:spPr>
-        <p:txBody>
-          <a:bodyPr wrap="square" rtlCol="0">
-            <a:spAutoFit/>
-          </a:bodyPr>
-          <a:lstStyle/>
-          <a:p>
-            <a:r>
-              <a:rPr lang="es-MX" dirty="0"/>
-              <a:t>Solución analítica para la masa 1 (x1)</a:t>
-            </a:r>
-          </a:p>
-        </p:txBody>
-      </p:sp>
-      <p:sp>
-        <p:nvSpPr>
-          <p:cNvPr id="6" name="CuadroTexto 5">
-            <a:extLst>
-              <a:ext uri="{FF2B5EF4-FFF2-40B4-BE49-F238E27FC236}">
-                <a16:creationId xmlns:a16="http://schemas.microsoft.com/office/drawing/2014/main" id="{5C2C2A5D-0697-1A40-A627-5D15AC171721}"/>
-              </a:ext>
-            </a:extLst>
-          </p:cNvPr>
-          <p:cNvSpPr txBox="1"/>
-          <p:nvPr/>
-        </p:nvSpPr>
-        <p:spPr>
-          <a:xfrm>
-            <a:off x="6082984" y="2124222"/>
-            <a:ext cx="3739507" cy="646331"/>
-          </a:xfrm>
-          <a:prstGeom prst="rect">
-            <a:avLst/>
-          </a:prstGeom>
-          <a:noFill/>
-        </p:spPr>
-        <p:txBody>
-          <a:bodyPr wrap="square" rtlCol="0">
-            <a:spAutoFit/>
-          </a:bodyPr>
-          <a:lstStyle/>
-          <a:p>
-            <a:r>
-              <a:rPr lang="es-MX" dirty="0"/>
-              <a:t>Solución analítica para la masa 2 (x2)</a:t>
-            </a:r>
-          </a:p>
-        </p:txBody>
-      </p:sp>
     </p:spTree>
     <p:extLst>
       <p:ext uri="{BB962C8B-B14F-4D97-AF65-F5344CB8AC3E}">
-        <p14:creationId xmlns:p14="http://schemas.microsoft.com/office/powerpoint/2010/main" val="1686203095"/>
+        <p14:creationId xmlns:p14="http://schemas.microsoft.com/office/powerpoint/2010/main" val="1512784384"/>
       </p:ext>
     </p:extLst>
   </p:cSld>
@@ -8644,7 +8818,7 @@
           <p:cNvPr id="2" name="Título 1">
             <a:extLst>
               <a:ext uri="{FF2B5EF4-FFF2-40B4-BE49-F238E27FC236}">
-                <a16:creationId xmlns:a16="http://schemas.microsoft.com/office/drawing/2014/main" id="{486787EA-34B2-4FA6-9C5A-CAD89B426C9C}"/>
+                <a16:creationId xmlns:a16="http://schemas.microsoft.com/office/drawing/2014/main" id="{B1B45FFF-A0C2-40ED-A784-445AE4038CD2}"/>
               </a:ext>
             </a:extLst>
           </p:cNvPr>
@@ -8662,75 +8836,63 @@
           <a:p>
             <a:r>
               <a:rPr lang="es-MX" dirty="0"/>
-              <a:t>Comparativa de la solución analítica y la solución numérica dada por Python.</a:t>
-            </a:r>
-          </a:p>
-        </p:txBody>
-      </p:sp>
-      <p:pic>
-        <p:nvPicPr>
-          <p:cNvPr id="3" name="Imagen 2">
+              <a:t>conclusión</a:t>
+            </a:r>
+          </a:p>
+        </p:txBody>
+      </p:sp>
+      <p:sp>
+        <p:nvSpPr>
+          <p:cNvPr id="3" name="Marcador de contenido 2">
             <a:extLst>
               <a:ext uri="{FF2B5EF4-FFF2-40B4-BE49-F238E27FC236}">
-                <a16:creationId xmlns:a16="http://schemas.microsoft.com/office/drawing/2014/main" id="{A996F0C4-D398-4EE0-9E93-C0EB177FE4AF}"/>
+                <a16:creationId xmlns:a16="http://schemas.microsoft.com/office/drawing/2014/main" id="{822DF433-3AD3-403C-A38C-B587BEED1FB5}"/>
               </a:ext>
             </a:extLst>
           </p:cNvPr>
-          <p:cNvPicPr>
-            <a:picLocks noChangeAspect="1"/>
-          </p:cNvPicPr>
-          <p:nvPr/>
-        </p:nvPicPr>
-        <p:blipFill>
-          <a:blip r:embed="rId2"/>
-          <a:stretch>
-            <a:fillRect/>
-          </a:stretch>
-        </p:blipFill>
-        <p:spPr>
-          <a:xfrm>
-            <a:off x="754108" y="2318727"/>
-            <a:ext cx="4944165" cy="3486637"/>
-          </a:xfrm>
-          <a:prstGeom prst="rect">
-            <a:avLst/>
-          </a:prstGeom>
-        </p:spPr>
-      </p:pic>
-      <p:pic>
-        <p:nvPicPr>
-          <p:cNvPr id="4" name="Imagen 3">
-            <a:extLst>
-              <a:ext uri="{FF2B5EF4-FFF2-40B4-BE49-F238E27FC236}">
-                <a16:creationId xmlns:a16="http://schemas.microsoft.com/office/drawing/2014/main" id="{B5D4B34E-30D8-422E-B3B1-A0538FA0C49B}"/>
-              </a:ext>
-            </a:extLst>
-          </p:cNvPr>
-          <p:cNvPicPr>
-            <a:picLocks noChangeAspect="1"/>
-          </p:cNvPicPr>
-          <p:nvPr/>
-        </p:nvPicPr>
-        <p:blipFill>
-          <a:blip r:embed="rId3"/>
-          <a:stretch>
-            <a:fillRect/>
-          </a:stretch>
-        </p:blipFill>
-        <p:spPr>
-          <a:xfrm>
-            <a:off x="5996023" y="2483348"/>
-            <a:ext cx="4753638" cy="3353268"/>
-          </a:xfrm>
-          <a:prstGeom prst="rect">
-            <a:avLst/>
-          </a:prstGeom>
-        </p:spPr>
-      </p:pic>
+          <p:cNvSpPr>
+            <a:spLocks noGrp="1"/>
+          </p:cNvSpPr>
+          <p:nvPr>
+            <p:ph idx="1"/>
+          </p:nvPr>
+        </p:nvSpPr>
+        <p:spPr/>
+        <p:txBody>
+          <a:bodyPr/>
+          <a:lstStyle/>
+          <a:p>
+            <a:r>
+              <a:rPr lang="es-ES" dirty="0"/>
+              <a:t>Se aprendió a utilizar nuevas funciones imprescindibles para la solución del problema.</a:t>
+            </a:r>
+          </a:p>
+          <a:p>
+            <a:endParaRPr lang="es-ES" dirty="0"/>
+          </a:p>
+          <a:p>
+            <a:r>
+              <a:rPr lang="es-ES" dirty="0"/>
+              <a:t>Fue posible resolver el problema de interés, tanto analíticamente como numéricamente con </a:t>
+            </a:r>
+            <a:r>
+              <a:rPr lang="es-ES" dirty="0" err="1"/>
+              <a:t>python</a:t>
+            </a:r>
+            <a:r>
+              <a:rPr lang="es-ES" dirty="0"/>
+              <a:t>.</a:t>
+            </a:r>
+          </a:p>
+          <a:p>
+            <a:endParaRPr lang="es-ES" dirty="0"/>
+          </a:p>
+        </p:txBody>
+      </p:sp>
     </p:spTree>
     <p:extLst>
       <p:ext uri="{BB962C8B-B14F-4D97-AF65-F5344CB8AC3E}">
-        <p14:creationId xmlns:p14="http://schemas.microsoft.com/office/powerpoint/2010/main" val="1512784384"/>
+        <p14:creationId xmlns:p14="http://schemas.microsoft.com/office/powerpoint/2010/main" val="745074821"/>
       </p:ext>
     </p:extLst>
   </p:cSld>
